--- a/WAD/lectures/080--Dynamic.vs.Static.Websites.pptx
+++ b/WAD/lectures/080--Dynamic.vs.Static.Websites.pptx
@@ -5,7 +5,7 @@
     <p:sldMasterId id="2147483648" r:id="rId1"/>
   </p:sldMasterIdLst>
   <p:notesMasterIdLst>
-    <p:notesMasterId r:id="rId23"/>
+    <p:notesMasterId r:id="rId24"/>
   </p:notesMasterIdLst>
   <p:sldIdLst>
     <p:sldId id="256" r:id="rId2"/>
@@ -28,7 +28,8 @@
     <p:sldId id="273" r:id="rId19"/>
     <p:sldId id="274" r:id="rId20"/>
     <p:sldId id="275" r:id="rId21"/>
-    <p:sldId id="276" r:id="rId22"/>
+    <p:sldId id="277" r:id="rId22"/>
+    <p:sldId id="276" r:id="rId23"/>
   </p:sldIdLst>
   <p:sldSz cx="9144000" cy="6858000" type="screen4x3"/>
   <p:notesSz cx="6858000" cy="9144000"/>
@@ -159,7 +160,7 @@
   </p:defaultTextStyle>
   <p:extLst>
     <p:ext uri="{EFAFB233-063F-42B5-8137-9DF3F51BA10A}">
-      <p15:sldGuideLst xmlns:p15="http://schemas.microsoft.com/office/powerpoint/2012/main">
+      <p15:sldGuideLst xmlns:p15="http://schemas.microsoft.com/office/powerpoint/2012/main" xmlns="">
         <p15:guide id="1" orient="horz" pos="2160">
           <p15:clr>
             <a:srgbClr val="A4A3A4"/>
@@ -293,7 +294,7 @@
         <p:nvSpPr>
           <p:cNvPr id="29700" name="Rectangle 4"/>
           <p:cNvSpPr>
-            <a:spLocks noRot="1" noChangeArrowheads="1" noTextEdit="1"/>
+            <a:spLocks noGrp="1" noRot="1" noChangeAspect="1" noChangeArrowheads="1" noTextEdit="1"/>
           </p:cNvSpPr>
           <p:nvPr>
             <p:ph type="sldImg" idx="2"/>
@@ -318,7 +319,7 @@
           </a:ln>
           <a:extLst>
             <a:ext uri="{909E8E84-426E-40DD-AFC4-6F175D3DCCD1}">
-              <a14:hiddenFill xmlns:a14="http://schemas.microsoft.com/office/drawing/2010/main">
+              <a14:hiddenFill xmlns:a14="http://schemas.microsoft.com/office/drawing/2010/main" xmlns="">
                 <a:solidFill>
                   <a:srgbClr val="FFFFFF"/>
                 </a:solidFill>
@@ -489,7 +490,7 @@
     </p:spTree>
     <p:extLst>
       <p:ext uri="{BB962C8B-B14F-4D97-AF65-F5344CB8AC3E}">
-        <p14:creationId xmlns:p14="http://schemas.microsoft.com/office/powerpoint/2010/main" val="2023285378"/>
+        <p14:creationId xmlns:p14="http://schemas.microsoft.com/office/powerpoint/2010/main" xmlns="" val="2023285378"/>
       </p:ext>
     </p:extLst>
   </p:cSld>
@@ -658,14 +659,14 @@
           <a:noFill/>
           <a:extLst>
             <a:ext uri="{909E8E84-426E-40DD-AFC4-6F175D3DCCD1}">
-              <a14:hiddenFill xmlns:a14="http://schemas.microsoft.com/office/drawing/2010/main">
+              <a14:hiddenFill xmlns:a14="http://schemas.microsoft.com/office/drawing/2010/main" xmlns="">
                 <a:solidFill>
                   <a:srgbClr val="FFFFFF"/>
                 </a:solidFill>
               </a14:hiddenFill>
             </a:ext>
             <a:ext uri="{91240B29-F687-4F45-9708-019B960494DF}">
-              <a14:hiddenLine xmlns:a14="http://schemas.microsoft.com/office/drawing/2010/main" w="9525">
+              <a14:hiddenLine xmlns:a14="http://schemas.microsoft.com/office/drawing/2010/main" xmlns="" w="9525">
                 <a:solidFill>
                   <a:srgbClr val="000000"/>
                 </a:solidFill>
@@ -790,7 +791,7 @@
         <p:nvSpPr>
           <p:cNvPr id="30723" name="Rectangle 1"/>
           <p:cNvSpPr txBox="1">
-            <a:spLocks noChangeArrowheads="1" noTextEdit="1"/>
+            <a:spLocks noGrp="1" noRot="1" noChangeAspect="1" noChangeArrowheads="1" noTextEdit="1"/>
           </p:cNvSpPr>
           <p:nvPr>
             <p:ph type="sldImg"/>
@@ -807,7 +808,7 @@
         <p:nvSpPr>
           <p:cNvPr id="30724" name="Rectangle 2"/>
           <p:cNvSpPr txBox="1">
-            <a:spLocks noChangeArrowheads="1"/>
+            <a:spLocks noGrp="1" noChangeArrowheads="1"/>
           </p:cNvSpPr>
           <p:nvPr>
             <p:ph type="body" idx="1"/>
@@ -817,14 +818,14 @@
           <a:noFill/>
           <a:extLst>
             <a:ext uri="{909E8E84-426E-40DD-AFC4-6F175D3DCCD1}">
-              <a14:hiddenFill xmlns:a14="http://schemas.microsoft.com/office/drawing/2010/main">
+              <a14:hiddenFill xmlns:a14="http://schemas.microsoft.com/office/drawing/2010/main" xmlns="">
                 <a:solidFill>
                   <a:srgbClr val="FFFFFF"/>
                 </a:solidFill>
               </a14:hiddenFill>
             </a:ext>
             <a:ext uri="{91240B29-F687-4F45-9708-019B960494DF}">
-              <a14:hiddenLine xmlns:a14="http://schemas.microsoft.com/office/drawing/2010/main" w="9525" cap="flat">
+              <a14:hiddenLine xmlns:a14="http://schemas.microsoft.com/office/drawing/2010/main" xmlns="" w="9525" cap="flat">
                 <a:solidFill>
                   <a:srgbClr val="000000"/>
                 </a:solidFill>
@@ -846,7 +847,7 @@
     </p:spTree>
     <p:extLst>
       <p:ext uri="{BB962C8B-B14F-4D97-AF65-F5344CB8AC3E}">
-        <p14:creationId xmlns:p14="http://schemas.microsoft.com/office/powerpoint/2010/main" val="4046050419"/>
+        <p14:creationId xmlns:p14="http://schemas.microsoft.com/office/powerpoint/2010/main" xmlns="" val="4046050419"/>
       </p:ext>
     </p:extLst>
   </p:cSld>
@@ -895,14 +896,14 @@
           <a:noFill/>
           <a:extLst>
             <a:ext uri="{909E8E84-426E-40DD-AFC4-6F175D3DCCD1}">
-              <a14:hiddenFill xmlns:a14="http://schemas.microsoft.com/office/drawing/2010/main">
+              <a14:hiddenFill xmlns:a14="http://schemas.microsoft.com/office/drawing/2010/main" xmlns="">
                 <a:solidFill>
                   <a:srgbClr val="FFFFFF"/>
                 </a:solidFill>
               </a14:hiddenFill>
             </a:ext>
             <a:ext uri="{91240B29-F687-4F45-9708-019B960494DF}">
-              <a14:hiddenLine xmlns:a14="http://schemas.microsoft.com/office/drawing/2010/main" w="9525">
+              <a14:hiddenLine xmlns:a14="http://schemas.microsoft.com/office/drawing/2010/main" xmlns="" w="9525">
                 <a:solidFill>
                   <a:srgbClr val="000000"/>
                 </a:solidFill>
@@ -1027,7 +1028,7 @@
         <p:nvSpPr>
           <p:cNvPr id="39939" name="Rectangle 1"/>
           <p:cNvSpPr txBox="1">
-            <a:spLocks noChangeArrowheads="1" noTextEdit="1"/>
+            <a:spLocks noGrp="1" noRot="1" noChangeAspect="1" noChangeArrowheads="1" noTextEdit="1"/>
           </p:cNvSpPr>
           <p:nvPr>
             <p:ph type="sldImg"/>
@@ -1044,7 +1045,7 @@
         <p:nvSpPr>
           <p:cNvPr id="39940" name="Rectangle 2"/>
           <p:cNvSpPr txBox="1">
-            <a:spLocks noChangeArrowheads="1"/>
+            <a:spLocks noGrp="1" noChangeArrowheads="1"/>
           </p:cNvSpPr>
           <p:nvPr>
             <p:ph type="body" idx="1"/>
@@ -1054,14 +1055,14 @@
           <a:noFill/>
           <a:extLst>
             <a:ext uri="{909E8E84-426E-40DD-AFC4-6F175D3DCCD1}">
-              <a14:hiddenFill xmlns:a14="http://schemas.microsoft.com/office/drawing/2010/main">
+              <a14:hiddenFill xmlns:a14="http://schemas.microsoft.com/office/drawing/2010/main" xmlns="">
                 <a:solidFill>
                   <a:srgbClr val="FFFFFF"/>
                 </a:solidFill>
               </a14:hiddenFill>
             </a:ext>
             <a:ext uri="{91240B29-F687-4F45-9708-019B960494DF}">
-              <a14:hiddenLine xmlns:a14="http://schemas.microsoft.com/office/drawing/2010/main" w="9525" cap="flat">
+              <a14:hiddenLine xmlns:a14="http://schemas.microsoft.com/office/drawing/2010/main" xmlns="" w="9525" cap="flat">
                 <a:solidFill>
                   <a:srgbClr val="000000"/>
                 </a:solidFill>
@@ -1083,7 +1084,7 @@
     </p:spTree>
     <p:extLst>
       <p:ext uri="{BB962C8B-B14F-4D97-AF65-F5344CB8AC3E}">
-        <p14:creationId xmlns:p14="http://schemas.microsoft.com/office/powerpoint/2010/main" val="633398870"/>
+        <p14:creationId xmlns:p14="http://schemas.microsoft.com/office/powerpoint/2010/main" xmlns="" val="633398870"/>
       </p:ext>
     </p:extLst>
   </p:cSld>
@@ -1132,14 +1133,14 @@
           <a:noFill/>
           <a:extLst>
             <a:ext uri="{909E8E84-426E-40DD-AFC4-6F175D3DCCD1}">
-              <a14:hiddenFill xmlns:a14="http://schemas.microsoft.com/office/drawing/2010/main">
+              <a14:hiddenFill xmlns:a14="http://schemas.microsoft.com/office/drawing/2010/main" xmlns="">
                 <a:solidFill>
                   <a:srgbClr val="FFFFFF"/>
                 </a:solidFill>
               </a14:hiddenFill>
             </a:ext>
             <a:ext uri="{91240B29-F687-4F45-9708-019B960494DF}">
-              <a14:hiddenLine xmlns:a14="http://schemas.microsoft.com/office/drawing/2010/main" w="9525">
+              <a14:hiddenLine xmlns:a14="http://schemas.microsoft.com/office/drawing/2010/main" xmlns="" w="9525">
                 <a:solidFill>
                   <a:srgbClr val="000000"/>
                 </a:solidFill>
@@ -1264,7 +1265,7 @@
         <p:nvSpPr>
           <p:cNvPr id="40963" name="Rectangle 1"/>
           <p:cNvSpPr txBox="1">
-            <a:spLocks noChangeArrowheads="1" noTextEdit="1"/>
+            <a:spLocks noGrp="1" noRot="1" noChangeAspect="1" noChangeArrowheads="1" noTextEdit="1"/>
           </p:cNvSpPr>
           <p:nvPr>
             <p:ph type="sldImg"/>
@@ -1281,7 +1282,7 @@
         <p:nvSpPr>
           <p:cNvPr id="40964" name="Rectangle 2"/>
           <p:cNvSpPr txBox="1">
-            <a:spLocks noChangeArrowheads="1"/>
+            <a:spLocks noGrp="1" noChangeArrowheads="1"/>
           </p:cNvSpPr>
           <p:nvPr>
             <p:ph type="body" idx="1"/>
@@ -1291,14 +1292,14 @@
           <a:noFill/>
           <a:extLst>
             <a:ext uri="{909E8E84-426E-40DD-AFC4-6F175D3DCCD1}">
-              <a14:hiddenFill xmlns:a14="http://schemas.microsoft.com/office/drawing/2010/main">
+              <a14:hiddenFill xmlns:a14="http://schemas.microsoft.com/office/drawing/2010/main" xmlns="">
                 <a:solidFill>
                   <a:srgbClr val="FFFFFF"/>
                 </a:solidFill>
               </a14:hiddenFill>
             </a:ext>
             <a:ext uri="{91240B29-F687-4F45-9708-019B960494DF}">
-              <a14:hiddenLine xmlns:a14="http://schemas.microsoft.com/office/drawing/2010/main" w="9525" cap="flat">
+              <a14:hiddenLine xmlns:a14="http://schemas.microsoft.com/office/drawing/2010/main" xmlns="" w="9525" cap="flat">
                 <a:solidFill>
                   <a:srgbClr val="000000"/>
                 </a:solidFill>
@@ -1320,7 +1321,7 @@
     </p:spTree>
     <p:extLst>
       <p:ext uri="{BB962C8B-B14F-4D97-AF65-F5344CB8AC3E}">
-        <p14:creationId xmlns:p14="http://schemas.microsoft.com/office/powerpoint/2010/main" val="2648853661"/>
+        <p14:creationId xmlns:p14="http://schemas.microsoft.com/office/powerpoint/2010/main" xmlns="" val="2648853661"/>
       </p:ext>
     </p:extLst>
   </p:cSld>
@@ -1369,14 +1370,14 @@
           <a:noFill/>
           <a:extLst>
             <a:ext uri="{909E8E84-426E-40DD-AFC4-6F175D3DCCD1}">
-              <a14:hiddenFill xmlns:a14="http://schemas.microsoft.com/office/drawing/2010/main">
+              <a14:hiddenFill xmlns:a14="http://schemas.microsoft.com/office/drawing/2010/main" xmlns="">
                 <a:solidFill>
                   <a:srgbClr val="FFFFFF"/>
                 </a:solidFill>
               </a14:hiddenFill>
             </a:ext>
             <a:ext uri="{91240B29-F687-4F45-9708-019B960494DF}">
-              <a14:hiddenLine xmlns:a14="http://schemas.microsoft.com/office/drawing/2010/main" w="9525">
+              <a14:hiddenLine xmlns:a14="http://schemas.microsoft.com/office/drawing/2010/main" xmlns="" w="9525">
                 <a:solidFill>
                   <a:srgbClr val="000000"/>
                 </a:solidFill>
@@ -1501,7 +1502,7 @@
         <p:nvSpPr>
           <p:cNvPr id="41987" name="Rectangle 1"/>
           <p:cNvSpPr txBox="1">
-            <a:spLocks noChangeArrowheads="1" noTextEdit="1"/>
+            <a:spLocks noGrp="1" noRot="1" noChangeAspect="1" noChangeArrowheads="1" noTextEdit="1"/>
           </p:cNvSpPr>
           <p:nvPr>
             <p:ph type="sldImg"/>
@@ -1518,7 +1519,7 @@
         <p:nvSpPr>
           <p:cNvPr id="41988" name="Rectangle 2"/>
           <p:cNvSpPr txBox="1">
-            <a:spLocks noChangeArrowheads="1"/>
+            <a:spLocks noGrp="1" noChangeArrowheads="1"/>
           </p:cNvSpPr>
           <p:nvPr>
             <p:ph type="body" idx="1"/>
@@ -1528,14 +1529,14 @@
           <a:noFill/>
           <a:extLst>
             <a:ext uri="{909E8E84-426E-40DD-AFC4-6F175D3DCCD1}">
-              <a14:hiddenFill xmlns:a14="http://schemas.microsoft.com/office/drawing/2010/main">
+              <a14:hiddenFill xmlns:a14="http://schemas.microsoft.com/office/drawing/2010/main" xmlns="">
                 <a:solidFill>
                   <a:srgbClr val="FFFFFF"/>
                 </a:solidFill>
               </a14:hiddenFill>
             </a:ext>
             <a:ext uri="{91240B29-F687-4F45-9708-019B960494DF}">
-              <a14:hiddenLine xmlns:a14="http://schemas.microsoft.com/office/drawing/2010/main" w="9525" cap="flat">
+              <a14:hiddenLine xmlns:a14="http://schemas.microsoft.com/office/drawing/2010/main" xmlns="" w="9525" cap="flat">
                 <a:solidFill>
                   <a:srgbClr val="000000"/>
                 </a:solidFill>
@@ -1557,7 +1558,7 @@
     </p:spTree>
     <p:extLst>
       <p:ext uri="{BB962C8B-B14F-4D97-AF65-F5344CB8AC3E}">
-        <p14:creationId xmlns:p14="http://schemas.microsoft.com/office/powerpoint/2010/main" val="3778943495"/>
+        <p14:creationId xmlns:p14="http://schemas.microsoft.com/office/powerpoint/2010/main" xmlns="" val="3778943495"/>
       </p:ext>
     </p:extLst>
   </p:cSld>
@@ -1606,14 +1607,14 @@
           <a:noFill/>
           <a:extLst>
             <a:ext uri="{909E8E84-426E-40DD-AFC4-6F175D3DCCD1}">
-              <a14:hiddenFill xmlns:a14="http://schemas.microsoft.com/office/drawing/2010/main">
+              <a14:hiddenFill xmlns:a14="http://schemas.microsoft.com/office/drawing/2010/main" xmlns="">
                 <a:solidFill>
                   <a:srgbClr val="FFFFFF"/>
                 </a:solidFill>
               </a14:hiddenFill>
             </a:ext>
             <a:ext uri="{91240B29-F687-4F45-9708-019B960494DF}">
-              <a14:hiddenLine xmlns:a14="http://schemas.microsoft.com/office/drawing/2010/main" w="9525">
+              <a14:hiddenLine xmlns:a14="http://schemas.microsoft.com/office/drawing/2010/main" xmlns="" w="9525">
                 <a:solidFill>
                   <a:srgbClr val="000000"/>
                 </a:solidFill>
@@ -1738,7 +1739,7 @@
         <p:nvSpPr>
           <p:cNvPr id="43011" name="Rectangle 1"/>
           <p:cNvSpPr txBox="1">
-            <a:spLocks noChangeArrowheads="1" noTextEdit="1"/>
+            <a:spLocks noGrp="1" noRot="1" noChangeAspect="1" noChangeArrowheads="1" noTextEdit="1"/>
           </p:cNvSpPr>
           <p:nvPr>
             <p:ph type="sldImg"/>
@@ -1755,7 +1756,7 @@
         <p:nvSpPr>
           <p:cNvPr id="43012" name="Rectangle 2"/>
           <p:cNvSpPr txBox="1">
-            <a:spLocks noChangeArrowheads="1"/>
+            <a:spLocks noGrp="1" noChangeArrowheads="1"/>
           </p:cNvSpPr>
           <p:nvPr>
             <p:ph type="body" idx="1"/>
@@ -1765,14 +1766,14 @@
           <a:noFill/>
           <a:extLst>
             <a:ext uri="{909E8E84-426E-40DD-AFC4-6F175D3DCCD1}">
-              <a14:hiddenFill xmlns:a14="http://schemas.microsoft.com/office/drawing/2010/main">
+              <a14:hiddenFill xmlns:a14="http://schemas.microsoft.com/office/drawing/2010/main" xmlns="">
                 <a:solidFill>
                   <a:srgbClr val="FFFFFF"/>
                 </a:solidFill>
               </a14:hiddenFill>
             </a:ext>
             <a:ext uri="{91240B29-F687-4F45-9708-019B960494DF}">
-              <a14:hiddenLine xmlns:a14="http://schemas.microsoft.com/office/drawing/2010/main" w="9525" cap="flat">
+              <a14:hiddenLine xmlns:a14="http://schemas.microsoft.com/office/drawing/2010/main" xmlns="" w="9525" cap="flat">
                 <a:solidFill>
                   <a:srgbClr val="000000"/>
                 </a:solidFill>
@@ -1794,7 +1795,7 @@
     </p:spTree>
     <p:extLst>
       <p:ext uri="{BB962C8B-B14F-4D97-AF65-F5344CB8AC3E}">
-        <p14:creationId xmlns:p14="http://schemas.microsoft.com/office/powerpoint/2010/main" val="3093866340"/>
+        <p14:creationId xmlns:p14="http://schemas.microsoft.com/office/powerpoint/2010/main" xmlns="" val="3093866340"/>
       </p:ext>
     </p:extLst>
   </p:cSld>
@@ -1843,14 +1844,14 @@
           <a:noFill/>
           <a:extLst>
             <a:ext uri="{909E8E84-426E-40DD-AFC4-6F175D3DCCD1}">
-              <a14:hiddenFill xmlns:a14="http://schemas.microsoft.com/office/drawing/2010/main">
+              <a14:hiddenFill xmlns:a14="http://schemas.microsoft.com/office/drawing/2010/main" xmlns="">
                 <a:solidFill>
                   <a:srgbClr val="FFFFFF"/>
                 </a:solidFill>
               </a14:hiddenFill>
             </a:ext>
             <a:ext uri="{91240B29-F687-4F45-9708-019B960494DF}">
-              <a14:hiddenLine xmlns:a14="http://schemas.microsoft.com/office/drawing/2010/main" w="9525">
+              <a14:hiddenLine xmlns:a14="http://schemas.microsoft.com/office/drawing/2010/main" xmlns="" w="9525">
                 <a:solidFill>
                   <a:srgbClr val="000000"/>
                 </a:solidFill>
@@ -1975,7 +1976,7 @@
         <p:nvSpPr>
           <p:cNvPr id="44035" name="Rectangle 1"/>
           <p:cNvSpPr txBox="1">
-            <a:spLocks noChangeArrowheads="1" noTextEdit="1"/>
+            <a:spLocks noGrp="1" noRot="1" noChangeAspect="1" noChangeArrowheads="1" noTextEdit="1"/>
           </p:cNvSpPr>
           <p:nvPr>
             <p:ph type="sldImg"/>
@@ -1992,7 +1993,7 @@
         <p:nvSpPr>
           <p:cNvPr id="44036" name="Rectangle 2"/>
           <p:cNvSpPr txBox="1">
-            <a:spLocks noChangeArrowheads="1"/>
+            <a:spLocks noGrp="1" noChangeArrowheads="1"/>
           </p:cNvSpPr>
           <p:nvPr>
             <p:ph type="body" idx="1"/>
@@ -2002,14 +2003,14 @@
           <a:noFill/>
           <a:extLst>
             <a:ext uri="{909E8E84-426E-40DD-AFC4-6F175D3DCCD1}">
-              <a14:hiddenFill xmlns:a14="http://schemas.microsoft.com/office/drawing/2010/main">
+              <a14:hiddenFill xmlns:a14="http://schemas.microsoft.com/office/drawing/2010/main" xmlns="">
                 <a:solidFill>
                   <a:srgbClr val="FFFFFF"/>
                 </a:solidFill>
               </a14:hiddenFill>
             </a:ext>
             <a:ext uri="{91240B29-F687-4F45-9708-019B960494DF}">
-              <a14:hiddenLine xmlns:a14="http://schemas.microsoft.com/office/drawing/2010/main" w="9525" cap="flat">
+              <a14:hiddenLine xmlns:a14="http://schemas.microsoft.com/office/drawing/2010/main" xmlns="" w="9525" cap="flat">
                 <a:solidFill>
                   <a:srgbClr val="000000"/>
                 </a:solidFill>
@@ -2031,7 +2032,7 @@
     </p:spTree>
     <p:extLst>
       <p:ext uri="{BB962C8B-B14F-4D97-AF65-F5344CB8AC3E}">
-        <p14:creationId xmlns:p14="http://schemas.microsoft.com/office/powerpoint/2010/main" val="2445468865"/>
+        <p14:creationId xmlns:p14="http://schemas.microsoft.com/office/powerpoint/2010/main" xmlns="" val="2445468865"/>
       </p:ext>
     </p:extLst>
   </p:cSld>
@@ -2080,14 +2081,14 @@
           <a:noFill/>
           <a:extLst>
             <a:ext uri="{909E8E84-426E-40DD-AFC4-6F175D3DCCD1}">
-              <a14:hiddenFill xmlns:a14="http://schemas.microsoft.com/office/drawing/2010/main">
+              <a14:hiddenFill xmlns:a14="http://schemas.microsoft.com/office/drawing/2010/main" xmlns="">
                 <a:solidFill>
                   <a:srgbClr val="FFFFFF"/>
                 </a:solidFill>
               </a14:hiddenFill>
             </a:ext>
             <a:ext uri="{91240B29-F687-4F45-9708-019B960494DF}">
-              <a14:hiddenLine xmlns:a14="http://schemas.microsoft.com/office/drawing/2010/main" w="9525">
+              <a14:hiddenLine xmlns:a14="http://schemas.microsoft.com/office/drawing/2010/main" xmlns="" w="9525">
                 <a:solidFill>
                   <a:srgbClr val="000000"/>
                 </a:solidFill>
@@ -2212,7 +2213,7 @@
         <p:nvSpPr>
           <p:cNvPr id="45059" name="Rectangle 1"/>
           <p:cNvSpPr txBox="1">
-            <a:spLocks noChangeArrowheads="1" noTextEdit="1"/>
+            <a:spLocks noGrp="1" noRot="1" noChangeAspect="1" noChangeArrowheads="1" noTextEdit="1"/>
           </p:cNvSpPr>
           <p:nvPr>
             <p:ph type="sldImg"/>
@@ -2229,7 +2230,7 @@
         <p:nvSpPr>
           <p:cNvPr id="45060" name="Rectangle 2"/>
           <p:cNvSpPr txBox="1">
-            <a:spLocks noChangeArrowheads="1"/>
+            <a:spLocks noGrp="1" noChangeArrowheads="1"/>
           </p:cNvSpPr>
           <p:nvPr>
             <p:ph type="body" idx="1"/>
@@ -2239,14 +2240,14 @@
           <a:noFill/>
           <a:extLst>
             <a:ext uri="{909E8E84-426E-40DD-AFC4-6F175D3DCCD1}">
-              <a14:hiddenFill xmlns:a14="http://schemas.microsoft.com/office/drawing/2010/main">
+              <a14:hiddenFill xmlns:a14="http://schemas.microsoft.com/office/drawing/2010/main" xmlns="">
                 <a:solidFill>
                   <a:srgbClr val="FFFFFF"/>
                 </a:solidFill>
               </a14:hiddenFill>
             </a:ext>
             <a:ext uri="{91240B29-F687-4F45-9708-019B960494DF}">
-              <a14:hiddenLine xmlns:a14="http://schemas.microsoft.com/office/drawing/2010/main" w="9525" cap="flat">
+              <a14:hiddenLine xmlns:a14="http://schemas.microsoft.com/office/drawing/2010/main" xmlns="" w="9525" cap="flat">
                 <a:solidFill>
                   <a:srgbClr val="000000"/>
                 </a:solidFill>
@@ -2268,7 +2269,7 @@
     </p:spTree>
     <p:extLst>
       <p:ext uri="{BB962C8B-B14F-4D97-AF65-F5344CB8AC3E}">
-        <p14:creationId xmlns:p14="http://schemas.microsoft.com/office/powerpoint/2010/main" val="3670739436"/>
+        <p14:creationId xmlns:p14="http://schemas.microsoft.com/office/powerpoint/2010/main" xmlns="" val="3670739436"/>
       </p:ext>
     </p:extLst>
   </p:cSld>
@@ -2317,14 +2318,14 @@
           <a:noFill/>
           <a:extLst>
             <a:ext uri="{909E8E84-426E-40DD-AFC4-6F175D3DCCD1}">
-              <a14:hiddenFill xmlns:a14="http://schemas.microsoft.com/office/drawing/2010/main">
+              <a14:hiddenFill xmlns:a14="http://schemas.microsoft.com/office/drawing/2010/main" xmlns="">
                 <a:solidFill>
                   <a:srgbClr val="FFFFFF"/>
                 </a:solidFill>
               </a14:hiddenFill>
             </a:ext>
             <a:ext uri="{91240B29-F687-4F45-9708-019B960494DF}">
-              <a14:hiddenLine xmlns:a14="http://schemas.microsoft.com/office/drawing/2010/main" w="9525">
+              <a14:hiddenLine xmlns:a14="http://schemas.microsoft.com/office/drawing/2010/main" xmlns="" w="9525">
                 <a:solidFill>
                   <a:srgbClr val="000000"/>
                 </a:solidFill>
@@ -2449,7 +2450,7 @@
         <p:nvSpPr>
           <p:cNvPr id="46083" name="Rectangle 1"/>
           <p:cNvSpPr txBox="1">
-            <a:spLocks noChangeArrowheads="1" noTextEdit="1"/>
+            <a:spLocks noGrp="1" noRot="1" noChangeAspect="1" noChangeArrowheads="1" noTextEdit="1"/>
           </p:cNvSpPr>
           <p:nvPr>
             <p:ph type="sldImg"/>
@@ -2466,7 +2467,7 @@
         <p:nvSpPr>
           <p:cNvPr id="46084" name="Rectangle 2"/>
           <p:cNvSpPr txBox="1">
-            <a:spLocks noChangeArrowheads="1"/>
+            <a:spLocks noGrp="1" noChangeArrowheads="1"/>
           </p:cNvSpPr>
           <p:nvPr>
             <p:ph type="body" idx="1"/>
@@ -2476,14 +2477,14 @@
           <a:noFill/>
           <a:extLst>
             <a:ext uri="{909E8E84-426E-40DD-AFC4-6F175D3DCCD1}">
-              <a14:hiddenFill xmlns:a14="http://schemas.microsoft.com/office/drawing/2010/main">
+              <a14:hiddenFill xmlns:a14="http://schemas.microsoft.com/office/drawing/2010/main" xmlns="">
                 <a:solidFill>
                   <a:srgbClr val="FFFFFF"/>
                 </a:solidFill>
               </a14:hiddenFill>
             </a:ext>
             <a:ext uri="{91240B29-F687-4F45-9708-019B960494DF}">
-              <a14:hiddenLine xmlns:a14="http://schemas.microsoft.com/office/drawing/2010/main" w="9525" cap="flat">
+              <a14:hiddenLine xmlns:a14="http://schemas.microsoft.com/office/drawing/2010/main" xmlns="" w="9525" cap="flat">
                 <a:solidFill>
                   <a:srgbClr val="000000"/>
                 </a:solidFill>
@@ -2505,7 +2506,7 @@
     </p:spTree>
     <p:extLst>
       <p:ext uri="{BB962C8B-B14F-4D97-AF65-F5344CB8AC3E}">
-        <p14:creationId xmlns:p14="http://schemas.microsoft.com/office/powerpoint/2010/main" val="3189149127"/>
+        <p14:creationId xmlns:p14="http://schemas.microsoft.com/office/powerpoint/2010/main" xmlns="" val="3189149127"/>
       </p:ext>
     </p:extLst>
   </p:cSld>
@@ -2554,14 +2555,14 @@
           <a:noFill/>
           <a:extLst>
             <a:ext uri="{909E8E84-426E-40DD-AFC4-6F175D3DCCD1}">
-              <a14:hiddenFill xmlns:a14="http://schemas.microsoft.com/office/drawing/2010/main">
+              <a14:hiddenFill xmlns:a14="http://schemas.microsoft.com/office/drawing/2010/main" xmlns="">
                 <a:solidFill>
                   <a:srgbClr val="FFFFFF"/>
                 </a:solidFill>
               </a14:hiddenFill>
             </a:ext>
             <a:ext uri="{91240B29-F687-4F45-9708-019B960494DF}">
-              <a14:hiddenLine xmlns:a14="http://schemas.microsoft.com/office/drawing/2010/main" w="9525">
+              <a14:hiddenLine xmlns:a14="http://schemas.microsoft.com/office/drawing/2010/main" xmlns="" w="9525">
                 <a:solidFill>
                   <a:srgbClr val="000000"/>
                 </a:solidFill>
@@ -2686,7 +2687,7 @@
         <p:nvSpPr>
           <p:cNvPr id="47107" name="Rectangle 1"/>
           <p:cNvSpPr txBox="1">
-            <a:spLocks noChangeArrowheads="1" noTextEdit="1"/>
+            <a:spLocks noGrp="1" noRot="1" noChangeAspect="1" noChangeArrowheads="1" noTextEdit="1"/>
           </p:cNvSpPr>
           <p:nvPr>
             <p:ph type="sldImg"/>
@@ -2703,7 +2704,7 @@
         <p:nvSpPr>
           <p:cNvPr id="47108" name="Rectangle 2"/>
           <p:cNvSpPr txBox="1">
-            <a:spLocks noChangeArrowheads="1"/>
+            <a:spLocks noGrp="1" noChangeArrowheads="1"/>
           </p:cNvSpPr>
           <p:nvPr>
             <p:ph type="body" idx="1"/>
@@ -2713,14 +2714,14 @@
           <a:noFill/>
           <a:extLst>
             <a:ext uri="{909E8E84-426E-40DD-AFC4-6F175D3DCCD1}">
-              <a14:hiddenFill xmlns:a14="http://schemas.microsoft.com/office/drawing/2010/main">
+              <a14:hiddenFill xmlns:a14="http://schemas.microsoft.com/office/drawing/2010/main" xmlns="">
                 <a:solidFill>
                   <a:srgbClr val="FFFFFF"/>
                 </a:solidFill>
               </a14:hiddenFill>
             </a:ext>
             <a:ext uri="{91240B29-F687-4F45-9708-019B960494DF}">
-              <a14:hiddenLine xmlns:a14="http://schemas.microsoft.com/office/drawing/2010/main" w="9525" cap="flat">
+              <a14:hiddenLine xmlns:a14="http://schemas.microsoft.com/office/drawing/2010/main" xmlns="" w="9525" cap="flat">
                 <a:solidFill>
                   <a:srgbClr val="000000"/>
                 </a:solidFill>
@@ -2742,7 +2743,7 @@
     </p:spTree>
     <p:extLst>
       <p:ext uri="{BB962C8B-B14F-4D97-AF65-F5344CB8AC3E}">
-        <p14:creationId xmlns:p14="http://schemas.microsoft.com/office/powerpoint/2010/main" val="3064784966"/>
+        <p14:creationId xmlns:p14="http://schemas.microsoft.com/office/powerpoint/2010/main" xmlns="" val="3064784966"/>
       </p:ext>
     </p:extLst>
   </p:cSld>
@@ -2791,14 +2792,14 @@
           <a:noFill/>
           <a:extLst>
             <a:ext uri="{909E8E84-426E-40DD-AFC4-6F175D3DCCD1}">
-              <a14:hiddenFill xmlns:a14="http://schemas.microsoft.com/office/drawing/2010/main">
+              <a14:hiddenFill xmlns:a14="http://schemas.microsoft.com/office/drawing/2010/main" xmlns="">
                 <a:solidFill>
                   <a:srgbClr val="FFFFFF"/>
                 </a:solidFill>
               </a14:hiddenFill>
             </a:ext>
             <a:ext uri="{91240B29-F687-4F45-9708-019B960494DF}">
-              <a14:hiddenLine xmlns:a14="http://schemas.microsoft.com/office/drawing/2010/main" w="9525">
+              <a14:hiddenLine xmlns:a14="http://schemas.microsoft.com/office/drawing/2010/main" xmlns="" w="9525">
                 <a:solidFill>
                   <a:srgbClr val="000000"/>
                 </a:solidFill>
@@ -2913,7 +2914,7 @@
             <a:fld id="{0A7B1DF6-31FF-4C6F-A106-D3DB840C0A9B}" type="slidenum">
               <a:rPr lang="en-US" altLang="en-US" sz="1200"/>
               <a:pPr/>
-              <a:t>21</a:t>
+              <a:t>22</a:t>
             </a:fld>
             <a:endParaRPr lang="en-US" altLang="en-US" sz="1200"/>
           </a:p>
@@ -2923,7 +2924,7 @@
         <p:nvSpPr>
           <p:cNvPr id="48131" name="Rectangle 1"/>
           <p:cNvSpPr txBox="1">
-            <a:spLocks noChangeArrowheads="1" noTextEdit="1"/>
+            <a:spLocks noGrp="1" noRot="1" noChangeAspect="1" noChangeArrowheads="1" noTextEdit="1"/>
           </p:cNvSpPr>
           <p:nvPr>
             <p:ph type="sldImg"/>
@@ -2940,7 +2941,7 @@
         <p:nvSpPr>
           <p:cNvPr id="48132" name="Rectangle 2"/>
           <p:cNvSpPr txBox="1">
-            <a:spLocks noChangeArrowheads="1"/>
+            <a:spLocks noGrp="1" noChangeArrowheads="1"/>
           </p:cNvSpPr>
           <p:nvPr>
             <p:ph type="body" idx="1"/>
@@ -2950,14 +2951,14 @@
           <a:noFill/>
           <a:extLst>
             <a:ext uri="{909E8E84-426E-40DD-AFC4-6F175D3DCCD1}">
-              <a14:hiddenFill xmlns:a14="http://schemas.microsoft.com/office/drawing/2010/main">
+              <a14:hiddenFill xmlns:a14="http://schemas.microsoft.com/office/drawing/2010/main" xmlns="">
                 <a:solidFill>
                   <a:srgbClr val="FFFFFF"/>
                 </a:solidFill>
               </a14:hiddenFill>
             </a:ext>
             <a:ext uri="{91240B29-F687-4F45-9708-019B960494DF}">
-              <a14:hiddenLine xmlns:a14="http://schemas.microsoft.com/office/drawing/2010/main" w="9525" cap="flat">
+              <a14:hiddenLine xmlns:a14="http://schemas.microsoft.com/office/drawing/2010/main" xmlns="" w="9525" cap="flat">
                 <a:solidFill>
                   <a:srgbClr val="000000"/>
                 </a:solidFill>
@@ -2979,7 +2980,7 @@
     </p:spTree>
     <p:extLst>
       <p:ext uri="{BB962C8B-B14F-4D97-AF65-F5344CB8AC3E}">
-        <p14:creationId xmlns:p14="http://schemas.microsoft.com/office/powerpoint/2010/main" val="820887667"/>
+        <p14:creationId xmlns:p14="http://schemas.microsoft.com/office/powerpoint/2010/main" xmlns="" val="820887667"/>
       </p:ext>
     </p:extLst>
   </p:cSld>
@@ -3028,14 +3029,14 @@
           <a:noFill/>
           <a:extLst>
             <a:ext uri="{909E8E84-426E-40DD-AFC4-6F175D3DCCD1}">
-              <a14:hiddenFill xmlns:a14="http://schemas.microsoft.com/office/drawing/2010/main">
+              <a14:hiddenFill xmlns:a14="http://schemas.microsoft.com/office/drawing/2010/main" xmlns="">
                 <a:solidFill>
                   <a:srgbClr val="FFFFFF"/>
                 </a:solidFill>
               </a14:hiddenFill>
             </a:ext>
             <a:ext uri="{91240B29-F687-4F45-9708-019B960494DF}">
-              <a14:hiddenLine xmlns:a14="http://schemas.microsoft.com/office/drawing/2010/main" w="9525">
+              <a14:hiddenLine xmlns:a14="http://schemas.microsoft.com/office/drawing/2010/main" xmlns="" w="9525">
                 <a:solidFill>
                   <a:srgbClr val="000000"/>
                 </a:solidFill>
@@ -3160,7 +3161,7 @@
         <p:nvSpPr>
           <p:cNvPr id="31747" name="Rectangle 1"/>
           <p:cNvSpPr txBox="1">
-            <a:spLocks noChangeArrowheads="1" noTextEdit="1"/>
+            <a:spLocks noGrp="1" noRot="1" noChangeAspect="1" noChangeArrowheads="1" noTextEdit="1"/>
           </p:cNvSpPr>
           <p:nvPr>
             <p:ph type="sldImg"/>
@@ -3177,7 +3178,7 @@
         <p:nvSpPr>
           <p:cNvPr id="31748" name="Rectangle 2"/>
           <p:cNvSpPr txBox="1">
-            <a:spLocks noChangeArrowheads="1"/>
+            <a:spLocks noGrp="1" noChangeArrowheads="1"/>
           </p:cNvSpPr>
           <p:nvPr>
             <p:ph type="body" idx="1"/>
@@ -3187,14 +3188,14 @@
           <a:noFill/>
           <a:extLst>
             <a:ext uri="{909E8E84-426E-40DD-AFC4-6F175D3DCCD1}">
-              <a14:hiddenFill xmlns:a14="http://schemas.microsoft.com/office/drawing/2010/main">
+              <a14:hiddenFill xmlns:a14="http://schemas.microsoft.com/office/drawing/2010/main" xmlns="">
                 <a:solidFill>
                   <a:srgbClr val="FFFFFF"/>
                 </a:solidFill>
               </a14:hiddenFill>
             </a:ext>
             <a:ext uri="{91240B29-F687-4F45-9708-019B960494DF}">
-              <a14:hiddenLine xmlns:a14="http://schemas.microsoft.com/office/drawing/2010/main" w="9525" cap="flat">
+              <a14:hiddenLine xmlns:a14="http://schemas.microsoft.com/office/drawing/2010/main" xmlns="" w="9525" cap="flat">
                 <a:solidFill>
                   <a:srgbClr val="000000"/>
                 </a:solidFill>
@@ -3216,7 +3217,7 @@
     </p:spTree>
     <p:extLst>
       <p:ext uri="{BB962C8B-B14F-4D97-AF65-F5344CB8AC3E}">
-        <p14:creationId xmlns:p14="http://schemas.microsoft.com/office/powerpoint/2010/main" val="1936022927"/>
+        <p14:creationId xmlns:p14="http://schemas.microsoft.com/office/powerpoint/2010/main" xmlns="" val="1936022927"/>
       </p:ext>
     </p:extLst>
   </p:cSld>
@@ -3265,14 +3266,14 @@
           <a:noFill/>
           <a:extLst>
             <a:ext uri="{909E8E84-426E-40DD-AFC4-6F175D3DCCD1}">
-              <a14:hiddenFill xmlns:a14="http://schemas.microsoft.com/office/drawing/2010/main">
+              <a14:hiddenFill xmlns:a14="http://schemas.microsoft.com/office/drawing/2010/main" xmlns="">
                 <a:solidFill>
                   <a:srgbClr val="FFFFFF"/>
                 </a:solidFill>
               </a14:hiddenFill>
             </a:ext>
             <a:ext uri="{91240B29-F687-4F45-9708-019B960494DF}">
-              <a14:hiddenLine xmlns:a14="http://schemas.microsoft.com/office/drawing/2010/main" w="9525">
+              <a14:hiddenLine xmlns:a14="http://schemas.microsoft.com/office/drawing/2010/main" xmlns="" w="9525">
                 <a:solidFill>
                   <a:srgbClr val="000000"/>
                 </a:solidFill>
@@ -3397,7 +3398,7 @@
         <p:nvSpPr>
           <p:cNvPr id="32771" name="Rectangle 1"/>
           <p:cNvSpPr txBox="1">
-            <a:spLocks noChangeArrowheads="1" noTextEdit="1"/>
+            <a:spLocks noGrp="1" noRot="1" noChangeAspect="1" noChangeArrowheads="1" noTextEdit="1"/>
           </p:cNvSpPr>
           <p:nvPr>
             <p:ph type="sldImg"/>
@@ -3414,7 +3415,7 @@
         <p:nvSpPr>
           <p:cNvPr id="32772" name="Rectangle 2"/>
           <p:cNvSpPr txBox="1">
-            <a:spLocks noChangeArrowheads="1"/>
+            <a:spLocks noGrp="1" noChangeArrowheads="1"/>
           </p:cNvSpPr>
           <p:nvPr>
             <p:ph type="body" idx="1"/>
@@ -3424,14 +3425,14 @@
           <a:noFill/>
           <a:extLst>
             <a:ext uri="{909E8E84-426E-40DD-AFC4-6F175D3DCCD1}">
-              <a14:hiddenFill xmlns:a14="http://schemas.microsoft.com/office/drawing/2010/main">
+              <a14:hiddenFill xmlns:a14="http://schemas.microsoft.com/office/drawing/2010/main" xmlns="">
                 <a:solidFill>
                   <a:srgbClr val="FFFFFF"/>
                 </a:solidFill>
               </a14:hiddenFill>
             </a:ext>
             <a:ext uri="{91240B29-F687-4F45-9708-019B960494DF}">
-              <a14:hiddenLine xmlns:a14="http://schemas.microsoft.com/office/drawing/2010/main" w="9525" cap="flat">
+              <a14:hiddenLine xmlns:a14="http://schemas.microsoft.com/office/drawing/2010/main" xmlns="" w="9525" cap="flat">
                 <a:solidFill>
                   <a:srgbClr val="000000"/>
                 </a:solidFill>
@@ -3453,7 +3454,7 @@
     </p:spTree>
     <p:extLst>
       <p:ext uri="{BB962C8B-B14F-4D97-AF65-F5344CB8AC3E}">
-        <p14:creationId xmlns:p14="http://schemas.microsoft.com/office/powerpoint/2010/main" val="12951536"/>
+        <p14:creationId xmlns:p14="http://schemas.microsoft.com/office/powerpoint/2010/main" xmlns="" val="12951536"/>
       </p:ext>
     </p:extLst>
   </p:cSld>
@@ -3502,14 +3503,14 @@
           <a:noFill/>
           <a:extLst>
             <a:ext uri="{909E8E84-426E-40DD-AFC4-6F175D3DCCD1}">
-              <a14:hiddenFill xmlns:a14="http://schemas.microsoft.com/office/drawing/2010/main">
+              <a14:hiddenFill xmlns:a14="http://schemas.microsoft.com/office/drawing/2010/main" xmlns="">
                 <a:solidFill>
                   <a:srgbClr val="FFFFFF"/>
                 </a:solidFill>
               </a14:hiddenFill>
             </a:ext>
             <a:ext uri="{91240B29-F687-4F45-9708-019B960494DF}">
-              <a14:hiddenLine xmlns:a14="http://schemas.microsoft.com/office/drawing/2010/main" w="9525">
+              <a14:hiddenLine xmlns:a14="http://schemas.microsoft.com/office/drawing/2010/main" xmlns="" w="9525">
                 <a:solidFill>
                   <a:srgbClr val="000000"/>
                 </a:solidFill>
@@ -3634,7 +3635,7 @@
         <p:nvSpPr>
           <p:cNvPr id="33795" name="Rectangle 1"/>
           <p:cNvSpPr txBox="1">
-            <a:spLocks noChangeArrowheads="1" noTextEdit="1"/>
+            <a:spLocks noGrp="1" noRot="1" noChangeAspect="1" noChangeArrowheads="1" noTextEdit="1"/>
           </p:cNvSpPr>
           <p:nvPr>
             <p:ph type="sldImg"/>
@@ -3651,7 +3652,7 @@
         <p:nvSpPr>
           <p:cNvPr id="33796" name="Rectangle 2"/>
           <p:cNvSpPr txBox="1">
-            <a:spLocks noChangeArrowheads="1"/>
+            <a:spLocks noGrp="1" noChangeArrowheads="1"/>
           </p:cNvSpPr>
           <p:nvPr>
             <p:ph type="body" idx="1"/>
@@ -3661,14 +3662,14 @@
           <a:noFill/>
           <a:extLst>
             <a:ext uri="{909E8E84-426E-40DD-AFC4-6F175D3DCCD1}">
-              <a14:hiddenFill xmlns:a14="http://schemas.microsoft.com/office/drawing/2010/main">
+              <a14:hiddenFill xmlns:a14="http://schemas.microsoft.com/office/drawing/2010/main" xmlns="">
                 <a:solidFill>
                   <a:srgbClr val="FFFFFF"/>
                 </a:solidFill>
               </a14:hiddenFill>
             </a:ext>
             <a:ext uri="{91240B29-F687-4F45-9708-019B960494DF}">
-              <a14:hiddenLine xmlns:a14="http://schemas.microsoft.com/office/drawing/2010/main" w="9525" cap="flat">
+              <a14:hiddenLine xmlns:a14="http://schemas.microsoft.com/office/drawing/2010/main" xmlns="" w="9525" cap="flat">
                 <a:solidFill>
                   <a:srgbClr val="000000"/>
                 </a:solidFill>
@@ -3690,7 +3691,7 @@
     </p:spTree>
     <p:extLst>
       <p:ext uri="{BB962C8B-B14F-4D97-AF65-F5344CB8AC3E}">
-        <p14:creationId xmlns:p14="http://schemas.microsoft.com/office/powerpoint/2010/main" val="193149072"/>
+        <p14:creationId xmlns:p14="http://schemas.microsoft.com/office/powerpoint/2010/main" xmlns="" val="193149072"/>
       </p:ext>
     </p:extLst>
   </p:cSld>
@@ -3739,14 +3740,14 @@
           <a:noFill/>
           <a:extLst>
             <a:ext uri="{909E8E84-426E-40DD-AFC4-6F175D3DCCD1}">
-              <a14:hiddenFill xmlns:a14="http://schemas.microsoft.com/office/drawing/2010/main">
+              <a14:hiddenFill xmlns:a14="http://schemas.microsoft.com/office/drawing/2010/main" xmlns="">
                 <a:solidFill>
                   <a:srgbClr val="FFFFFF"/>
                 </a:solidFill>
               </a14:hiddenFill>
             </a:ext>
             <a:ext uri="{91240B29-F687-4F45-9708-019B960494DF}">
-              <a14:hiddenLine xmlns:a14="http://schemas.microsoft.com/office/drawing/2010/main" w="9525">
+              <a14:hiddenLine xmlns:a14="http://schemas.microsoft.com/office/drawing/2010/main" xmlns="" w="9525">
                 <a:solidFill>
                   <a:srgbClr val="000000"/>
                 </a:solidFill>
@@ -3871,7 +3872,7 @@
         <p:nvSpPr>
           <p:cNvPr id="34819" name="Rectangle 1"/>
           <p:cNvSpPr txBox="1">
-            <a:spLocks noChangeArrowheads="1" noTextEdit="1"/>
+            <a:spLocks noGrp="1" noRot="1" noChangeAspect="1" noChangeArrowheads="1" noTextEdit="1"/>
           </p:cNvSpPr>
           <p:nvPr>
             <p:ph type="sldImg"/>
@@ -3888,7 +3889,7 @@
         <p:nvSpPr>
           <p:cNvPr id="34820" name="Rectangle 2"/>
           <p:cNvSpPr txBox="1">
-            <a:spLocks noChangeArrowheads="1"/>
+            <a:spLocks noGrp="1" noChangeArrowheads="1"/>
           </p:cNvSpPr>
           <p:nvPr>
             <p:ph type="body" idx="1"/>
@@ -3898,14 +3899,14 @@
           <a:noFill/>
           <a:extLst>
             <a:ext uri="{909E8E84-426E-40DD-AFC4-6F175D3DCCD1}">
-              <a14:hiddenFill xmlns:a14="http://schemas.microsoft.com/office/drawing/2010/main">
+              <a14:hiddenFill xmlns:a14="http://schemas.microsoft.com/office/drawing/2010/main" xmlns="">
                 <a:solidFill>
                   <a:srgbClr val="FFFFFF"/>
                 </a:solidFill>
               </a14:hiddenFill>
             </a:ext>
             <a:ext uri="{91240B29-F687-4F45-9708-019B960494DF}">
-              <a14:hiddenLine xmlns:a14="http://schemas.microsoft.com/office/drawing/2010/main" w="9525" cap="flat">
+              <a14:hiddenLine xmlns:a14="http://schemas.microsoft.com/office/drawing/2010/main" xmlns="" w="9525" cap="flat">
                 <a:solidFill>
                   <a:srgbClr val="000000"/>
                 </a:solidFill>
@@ -3927,7 +3928,7 @@
     </p:spTree>
     <p:extLst>
       <p:ext uri="{BB962C8B-B14F-4D97-AF65-F5344CB8AC3E}">
-        <p14:creationId xmlns:p14="http://schemas.microsoft.com/office/powerpoint/2010/main" val="2215341922"/>
+        <p14:creationId xmlns:p14="http://schemas.microsoft.com/office/powerpoint/2010/main" xmlns="" val="2215341922"/>
       </p:ext>
     </p:extLst>
   </p:cSld>
@@ -3976,14 +3977,14 @@
           <a:noFill/>
           <a:extLst>
             <a:ext uri="{909E8E84-426E-40DD-AFC4-6F175D3DCCD1}">
-              <a14:hiddenFill xmlns:a14="http://schemas.microsoft.com/office/drawing/2010/main">
+              <a14:hiddenFill xmlns:a14="http://schemas.microsoft.com/office/drawing/2010/main" xmlns="">
                 <a:solidFill>
                   <a:srgbClr val="FFFFFF"/>
                 </a:solidFill>
               </a14:hiddenFill>
             </a:ext>
             <a:ext uri="{91240B29-F687-4F45-9708-019B960494DF}">
-              <a14:hiddenLine xmlns:a14="http://schemas.microsoft.com/office/drawing/2010/main" w="9525">
+              <a14:hiddenLine xmlns:a14="http://schemas.microsoft.com/office/drawing/2010/main" xmlns="" w="9525">
                 <a:solidFill>
                   <a:srgbClr val="000000"/>
                 </a:solidFill>
@@ -4108,7 +4109,7 @@
         <p:nvSpPr>
           <p:cNvPr id="35843" name="Rectangle 1"/>
           <p:cNvSpPr txBox="1">
-            <a:spLocks noChangeArrowheads="1" noTextEdit="1"/>
+            <a:spLocks noGrp="1" noRot="1" noChangeAspect="1" noChangeArrowheads="1" noTextEdit="1"/>
           </p:cNvSpPr>
           <p:nvPr>
             <p:ph type="sldImg"/>
@@ -4125,7 +4126,7 @@
         <p:nvSpPr>
           <p:cNvPr id="35844" name="Rectangle 2"/>
           <p:cNvSpPr txBox="1">
-            <a:spLocks noChangeArrowheads="1"/>
+            <a:spLocks noGrp="1" noChangeArrowheads="1"/>
           </p:cNvSpPr>
           <p:nvPr>
             <p:ph type="body" idx="1"/>
@@ -4135,14 +4136,14 @@
           <a:noFill/>
           <a:extLst>
             <a:ext uri="{909E8E84-426E-40DD-AFC4-6F175D3DCCD1}">
-              <a14:hiddenFill xmlns:a14="http://schemas.microsoft.com/office/drawing/2010/main">
+              <a14:hiddenFill xmlns:a14="http://schemas.microsoft.com/office/drawing/2010/main" xmlns="">
                 <a:solidFill>
                   <a:srgbClr val="FFFFFF"/>
                 </a:solidFill>
               </a14:hiddenFill>
             </a:ext>
             <a:ext uri="{91240B29-F687-4F45-9708-019B960494DF}">
-              <a14:hiddenLine xmlns:a14="http://schemas.microsoft.com/office/drawing/2010/main" w="9525" cap="flat">
+              <a14:hiddenLine xmlns:a14="http://schemas.microsoft.com/office/drawing/2010/main" xmlns="" w="9525" cap="flat">
                 <a:solidFill>
                   <a:srgbClr val="000000"/>
                 </a:solidFill>
@@ -4164,7 +4165,7 @@
     </p:spTree>
     <p:extLst>
       <p:ext uri="{BB962C8B-B14F-4D97-AF65-F5344CB8AC3E}">
-        <p14:creationId xmlns:p14="http://schemas.microsoft.com/office/powerpoint/2010/main" val="3155271457"/>
+        <p14:creationId xmlns:p14="http://schemas.microsoft.com/office/powerpoint/2010/main" xmlns="" val="3155271457"/>
       </p:ext>
     </p:extLst>
   </p:cSld>
@@ -4213,14 +4214,14 @@
           <a:noFill/>
           <a:extLst>
             <a:ext uri="{909E8E84-426E-40DD-AFC4-6F175D3DCCD1}">
-              <a14:hiddenFill xmlns:a14="http://schemas.microsoft.com/office/drawing/2010/main">
+              <a14:hiddenFill xmlns:a14="http://schemas.microsoft.com/office/drawing/2010/main" xmlns="">
                 <a:solidFill>
                   <a:srgbClr val="FFFFFF"/>
                 </a:solidFill>
               </a14:hiddenFill>
             </a:ext>
             <a:ext uri="{91240B29-F687-4F45-9708-019B960494DF}">
-              <a14:hiddenLine xmlns:a14="http://schemas.microsoft.com/office/drawing/2010/main" w="9525">
+              <a14:hiddenLine xmlns:a14="http://schemas.microsoft.com/office/drawing/2010/main" xmlns="" w="9525">
                 <a:solidFill>
                   <a:srgbClr val="000000"/>
                 </a:solidFill>
@@ -4345,7 +4346,7 @@
         <p:nvSpPr>
           <p:cNvPr id="36867" name="Rectangle 1"/>
           <p:cNvSpPr txBox="1">
-            <a:spLocks noChangeArrowheads="1" noTextEdit="1"/>
+            <a:spLocks noGrp="1" noRot="1" noChangeAspect="1" noChangeArrowheads="1" noTextEdit="1"/>
           </p:cNvSpPr>
           <p:nvPr>
             <p:ph type="sldImg"/>
@@ -4362,7 +4363,7 @@
         <p:nvSpPr>
           <p:cNvPr id="36868" name="Rectangle 2"/>
           <p:cNvSpPr txBox="1">
-            <a:spLocks noChangeArrowheads="1"/>
+            <a:spLocks noGrp="1" noChangeArrowheads="1"/>
           </p:cNvSpPr>
           <p:nvPr>
             <p:ph type="body" idx="1"/>
@@ -4372,14 +4373,14 @@
           <a:noFill/>
           <a:extLst>
             <a:ext uri="{909E8E84-426E-40DD-AFC4-6F175D3DCCD1}">
-              <a14:hiddenFill xmlns:a14="http://schemas.microsoft.com/office/drawing/2010/main">
+              <a14:hiddenFill xmlns:a14="http://schemas.microsoft.com/office/drawing/2010/main" xmlns="">
                 <a:solidFill>
                   <a:srgbClr val="FFFFFF"/>
                 </a:solidFill>
               </a14:hiddenFill>
             </a:ext>
             <a:ext uri="{91240B29-F687-4F45-9708-019B960494DF}">
-              <a14:hiddenLine xmlns:a14="http://schemas.microsoft.com/office/drawing/2010/main" w="9525" cap="flat">
+              <a14:hiddenLine xmlns:a14="http://schemas.microsoft.com/office/drawing/2010/main" xmlns="" w="9525" cap="flat">
                 <a:solidFill>
                   <a:srgbClr val="000000"/>
                 </a:solidFill>
@@ -4401,7 +4402,7 @@
     </p:spTree>
     <p:extLst>
       <p:ext uri="{BB962C8B-B14F-4D97-AF65-F5344CB8AC3E}">
-        <p14:creationId xmlns:p14="http://schemas.microsoft.com/office/powerpoint/2010/main" val="3551785336"/>
+        <p14:creationId xmlns:p14="http://schemas.microsoft.com/office/powerpoint/2010/main" xmlns="" val="3551785336"/>
       </p:ext>
     </p:extLst>
   </p:cSld>
@@ -4450,14 +4451,14 @@
           <a:noFill/>
           <a:extLst>
             <a:ext uri="{909E8E84-426E-40DD-AFC4-6F175D3DCCD1}">
-              <a14:hiddenFill xmlns:a14="http://schemas.microsoft.com/office/drawing/2010/main">
+              <a14:hiddenFill xmlns:a14="http://schemas.microsoft.com/office/drawing/2010/main" xmlns="">
                 <a:solidFill>
                   <a:srgbClr val="FFFFFF"/>
                 </a:solidFill>
               </a14:hiddenFill>
             </a:ext>
             <a:ext uri="{91240B29-F687-4F45-9708-019B960494DF}">
-              <a14:hiddenLine xmlns:a14="http://schemas.microsoft.com/office/drawing/2010/main" w="9525">
+              <a14:hiddenLine xmlns:a14="http://schemas.microsoft.com/office/drawing/2010/main" xmlns="" w="9525">
                 <a:solidFill>
                   <a:srgbClr val="000000"/>
                 </a:solidFill>
@@ -4582,7 +4583,7 @@
         <p:nvSpPr>
           <p:cNvPr id="37891" name="Rectangle 1"/>
           <p:cNvSpPr txBox="1">
-            <a:spLocks noChangeArrowheads="1" noTextEdit="1"/>
+            <a:spLocks noGrp="1" noRot="1" noChangeAspect="1" noChangeArrowheads="1" noTextEdit="1"/>
           </p:cNvSpPr>
           <p:nvPr>
             <p:ph type="sldImg"/>
@@ -4599,7 +4600,7 @@
         <p:nvSpPr>
           <p:cNvPr id="37892" name="Rectangle 2"/>
           <p:cNvSpPr txBox="1">
-            <a:spLocks noChangeArrowheads="1"/>
+            <a:spLocks noGrp="1" noChangeArrowheads="1"/>
           </p:cNvSpPr>
           <p:nvPr>
             <p:ph type="body" idx="1"/>
@@ -4609,14 +4610,14 @@
           <a:noFill/>
           <a:extLst>
             <a:ext uri="{909E8E84-426E-40DD-AFC4-6F175D3DCCD1}">
-              <a14:hiddenFill xmlns:a14="http://schemas.microsoft.com/office/drawing/2010/main">
+              <a14:hiddenFill xmlns:a14="http://schemas.microsoft.com/office/drawing/2010/main" xmlns="">
                 <a:solidFill>
                   <a:srgbClr val="FFFFFF"/>
                 </a:solidFill>
               </a14:hiddenFill>
             </a:ext>
             <a:ext uri="{91240B29-F687-4F45-9708-019B960494DF}">
-              <a14:hiddenLine xmlns:a14="http://schemas.microsoft.com/office/drawing/2010/main" w="9525" cap="flat">
+              <a14:hiddenLine xmlns:a14="http://schemas.microsoft.com/office/drawing/2010/main" xmlns="" w="9525" cap="flat">
                 <a:solidFill>
                   <a:srgbClr val="000000"/>
                 </a:solidFill>
@@ -4638,7 +4639,7 @@
     </p:spTree>
     <p:extLst>
       <p:ext uri="{BB962C8B-B14F-4D97-AF65-F5344CB8AC3E}">
-        <p14:creationId xmlns:p14="http://schemas.microsoft.com/office/powerpoint/2010/main" val="1203307341"/>
+        <p14:creationId xmlns:p14="http://schemas.microsoft.com/office/powerpoint/2010/main" xmlns="" val="1203307341"/>
       </p:ext>
     </p:extLst>
   </p:cSld>
@@ -4687,14 +4688,14 @@
           <a:noFill/>
           <a:extLst>
             <a:ext uri="{909E8E84-426E-40DD-AFC4-6F175D3DCCD1}">
-              <a14:hiddenFill xmlns:a14="http://schemas.microsoft.com/office/drawing/2010/main">
+              <a14:hiddenFill xmlns:a14="http://schemas.microsoft.com/office/drawing/2010/main" xmlns="">
                 <a:solidFill>
                   <a:srgbClr val="FFFFFF"/>
                 </a:solidFill>
               </a14:hiddenFill>
             </a:ext>
             <a:ext uri="{91240B29-F687-4F45-9708-019B960494DF}">
-              <a14:hiddenLine xmlns:a14="http://schemas.microsoft.com/office/drawing/2010/main" w="9525">
+              <a14:hiddenLine xmlns:a14="http://schemas.microsoft.com/office/drawing/2010/main" xmlns="" w="9525">
                 <a:solidFill>
                   <a:srgbClr val="000000"/>
                 </a:solidFill>
@@ -4819,7 +4820,7 @@
         <p:nvSpPr>
           <p:cNvPr id="38915" name="Rectangle 1"/>
           <p:cNvSpPr txBox="1">
-            <a:spLocks noChangeArrowheads="1" noTextEdit="1"/>
+            <a:spLocks noGrp="1" noRot="1" noChangeAspect="1" noChangeArrowheads="1" noTextEdit="1"/>
           </p:cNvSpPr>
           <p:nvPr>
             <p:ph type="sldImg"/>
@@ -4836,7 +4837,7 @@
         <p:nvSpPr>
           <p:cNvPr id="38916" name="Rectangle 2"/>
           <p:cNvSpPr txBox="1">
-            <a:spLocks noChangeArrowheads="1"/>
+            <a:spLocks noGrp="1" noChangeArrowheads="1"/>
           </p:cNvSpPr>
           <p:nvPr>
             <p:ph type="body" idx="1"/>
@@ -4846,14 +4847,14 @@
           <a:noFill/>
           <a:extLst>
             <a:ext uri="{909E8E84-426E-40DD-AFC4-6F175D3DCCD1}">
-              <a14:hiddenFill xmlns:a14="http://schemas.microsoft.com/office/drawing/2010/main">
+              <a14:hiddenFill xmlns:a14="http://schemas.microsoft.com/office/drawing/2010/main" xmlns="">
                 <a:solidFill>
                   <a:srgbClr val="FFFFFF"/>
                 </a:solidFill>
               </a14:hiddenFill>
             </a:ext>
             <a:ext uri="{91240B29-F687-4F45-9708-019B960494DF}">
-              <a14:hiddenLine xmlns:a14="http://schemas.microsoft.com/office/drawing/2010/main" w="9525" cap="flat">
+              <a14:hiddenLine xmlns:a14="http://schemas.microsoft.com/office/drawing/2010/main" xmlns="" w="9525" cap="flat">
                 <a:solidFill>
                   <a:srgbClr val="000000"/>
                 </a:solidFill>
@@ -4875,7 +4876,7 @@
     </p:spTree>
     <p:extLst>
       <p:ext uri="{BB962C8B-B14F-4D97-AF65-F5344CB8AC3E}">
-        <p14:creationId xmlns:p14="http://schemas.microsoft.com/office/powerpoint/2010/main" val="2873119749"/>
+        <p14:creationId xmlns:p14="http://schemas.microsoft.com/office/powerpoint/2010/main" xmlns="" val="2873119749"/>
       </p:ext>
     </p:extLst>
   </p:cSld>
@@ -5002,7 +5003,7 @@
     </p:spTree>
     <p:extLst>
       <p:ext uri="{BB962C8B-B14F-4D97-AF65-F5344CB8AC3E}">
-        <p14:creationId xmlns:p14="http://schemas.microsoft.com/office/powerpoint/2010/main" val="3463218535"/>
+        <p14:creationId xmlns:p14="http://schemas.microsoft.com/office/powerpoint/2010/main" xmlns="" val="3463218535"/>
       </p:ext>
     </p:extLst>
   </p:cSld>
@@ -5139,7 +5140,7 @@
               <a:pPr>
                 <a:defRPr/>
               </a:pPr>
-              <a:t>10/28/2017</a:t>
+              <a:t>11/8/2017</a:t>
             </a:fld>
             <a:endParaRPr lang="en-US" altLang="en-US"/>
           </a:p>
@@ -5225,7 +5226,7 @@
     </p:spTree>
     <p:extLst>
       <p:ext uri="{BB962C8B-B14F-4D97-AF65-F5344CB8AC3E}">
-        <p14:creationId xmlns:p14="http://schemas.microsoft.com/office/powerpoint/2010/main" val="2409673953"/>
+        <p14:creationId xmlns:p14="http://schemas.microsoft.com/office/powerpoint/2010/main" xmlns="" val="2409673953"/>
       </p:ext>
     </p:extLst>
   </p:cSld>
@@ -5372,7 +5373,7 @@
               <a:pPr>
                 <a:defRPr/>
               </a:pPr>
-              <a:t>10/28/2017</a:t>
+              <a:t>11/8/2017</a:t>
             </a:fld>
             <a:endParaRPr lang="en-US" altLang="en-US"/>
           </a:p>
@@ -5458,7 +5459,7 @@
     </p:spTree>
     <p:extLst>
       <p:ext uri="{BB962C8B-B14F-4D97-AF65-F5344CB8AC3E}">
-        <p14:creationId xmlns:p14="http://schemas.microsoft.com/office/powerpoint/2010/main" val="1434235924"/>
+        <p14:creationId xmlns:p14="http://schemas.microsoft.com/office/powerpoint/2010/main" xmlns="" val="1434235924"/>
       </p:ext>
     </p:extLst>
   </p:cSld>
@@ -5563,7 +5564,7 @@
     </p:spTree>
     <p:extLst>
       <p:ext uri="{BB962C8B-B14F-4D97-AF65-F5344CB8AC3E}">
-        <p14:creationId xmlns:p14="http://schemas.microsoft.com/office/powerpoint/2010/main" val="1933310385"/>
+        <p14:creationId xmlns:p14="http://schemas.microsoft.com/office/powerpoint/2010/main" xmlns="" val="1933310385"/>
       </p:ext>
     </p:extLst>
   </p:cSld>
@@ -5690,7 +5691,7 @@
     </p:spTree>
     <p:extLst>
       <p:ext uri="{BB962C8B-B14F-4D97-AF65-F5344CB8AC3E}">
-        <p14:creationId xmlns:p14="http://schemas.microsoft.com/office/powerpoint/2010/main" val="679122482"/>
+        <p14:creationId xmlns:p14="http://schemas.microsoft.com/office/powerpoint/2010/main" xmlns="" val="679122482"/>
       </p:ext>
     </p:extLst>
   </p:cSld>
@@ -5857,7 +5858,7 @@
     </p:spTree>
     <p:extLst>
       <p:ext uri="{BB962C8B-B14F-4D97-AF65-F5344CB8AC3E}">
-        <p14:creationId xmlns:p14="http://schemas.microsoft.com/office/powerpoint/2010/main" val="2706322293"/>
+        <p14:creationId xmlns:p14="http://schemas.microsoft.com/office/powerpoint/2010/main" xmlns="" val="2706322293"/>
       </p:ext>
     </p:extLst>
   </p:cSld>
@@ -6159,7 +6160,7 @@
     </p:spTree>
     <p:extLst>
       <p:ext uri="{BB962C8B-B14F-4D97-AF65-F5344CB8AC3E}">
-        <p14:creationId xmlns:p14="http://schemas.microsoft.com/office/powerpoint/2010/main" val="1221097679"/>
+        <p14:creationId xmlns:p14="http://schemas.microsoft.com/office/powerpoint/2010/main" xmlns="" val="1221097679"/>
       </p:ext>
     </p:extLst>
   </p:cSld>
@@ -6244,7 +6245,7 @@
               <a:pPr>
                 <a:defRPr/>
               </a:pPr>
-              <a:t>10/28/2017</a:t>
+              <a:t>11/8/2017</a:t>
             </a:fld>
             <a:endParaRPr lang="en-US" altLang="en-US"/>
           </a:p>
@@ -6330,7 +6331,7 @@
     </p:spTree>
     <p:extLst>
       <p:ext uri="{BB962C8B-B14F-4D97-AF65-F5344CB8AC3E}">
-        <p14:creationId xmlns:p14="http://schemas.microsoft.com/office/powerpoint/2010/main" val="3084687870"/>
+        <p14:creationId xmlns:p14="http://schemas.microsoft.com/office/powerpoint/2010/main" xmlns="" val="3084687870"/>
       </p:ext>
     </p:extLst>
   </p:cSld>
@@ -6392,7 +6393,7 @@
               <a:pPr>
                 <a:defRPr/>
               </a:pPr>
-              <a:t>10/28/2017</a:t>
+              <a:t>11/8/2017</a:t>
             </a:fld>
             <a:endParaRPr lang="en-US" altLang="en-US"/>
           </a:p>
@@ -6478,7 +6479,7 @@
     </p:spTree>
     <p:extLst>
       <p:ext uri="{BB962C8B-B14F-4D97-AF65-F5344CB8AC3E}">
-        <p14:creationId xmlns:p14="http://schemas.microsoft.com/office/powerpoint/2010/main" val="4238563658"/>
+        <p14:creationId xmlns:p14="http://schemas.microsoft.com/office/powerpoint/2010/main" xmlns="" val="4238563658"/>
       </p:ext>
     </p:extLst>
   </p:cSld>
@@ -6722,7 +6723,7 @@
               <a:pPr>
                 <a:defRPr/>
               </a:pPr>
-              <a:t>10/28/2017</a:t>
+              <a:t>11/8/2017</a:t>
             </a:fld>
             <a:endParaRPr lang="en-US" altLang="en-US"/>
           </a:p>
@@ -6808,7 +6809,7 @@
     </p:spTree>
     <p:extLst>
       <p:ext uri="{BB962C8B-B14F-4D97-AF65-F5344CB8AC3E}">
-        <p14:creationId xmlns:p14="http://schemas.microsoft.com/office/powerpoint/2010/main" val="1842507833"/>
+        <p14:creationId xmlns:p14="http://schemas.microsoft.com/office/powerpoint/2010/main" xmlns="" val="1842507833"/>
       </p:ext>
     </p:extLst>
   </p:cSld>
@@ -7029,7 +7030,7 @@
               <a:pPr>
                 <a:defRPr/>
               </a:pPr>
-              <a:t>10/28/2017</a:t>
+              <a:t>11/8/2017</a:t>
             </a:fld>
             <a:endParaRPr lang="en-US" altLang="en-US"/>
           </a:p>
@@ -7115,7 +7116,7 @@
     </p:spTree>
     <p:extLst>
       <p:ext uri="{BB962C8B-B14F-4D97-AF65-F5344CB8AC3E}">
-        <p14:creationId xmlns:p14="http://schemas.microsoft.com/office/powerpoint/2010/main" val="4118781667"/>
+        <p14:creationId xmlns:p14="http://schemas.microsoft.com/office/powerpoint/2010/main" xmlns="" val="4118781667"/>
       </p:ext>
     </p:extLst>
   </p:cSld>
@@ -7174,14 +7175,14 @@
           </a:ln>
           <a:extLst>
             <a:ext uri="{909E8E84-426E-40DD-AFC4-6F175D3DCCD1}">
-              <a14:hiddenFill xmlns:a14="http://schemas.microsoft.com/office/drawing/2010/main">
+              <a14:hiddenFill xmlns:a14="http://schemas.microsoft.com/office/drawing/2010/main" xmlns="">
                 <a:solidFill>
                   <a:srgbClr val="FFFFFF"/>
                 </a:solidFill>
               </a14:hiddenFill>
             </a:ext>
             <a:ext uri="{91240B29-F687-4F45-9708-019B960494DF}">
-              <a14:hiddenLine xmlns:a14="http://schemas.microsoft.com/office/drawing/2010/main" w="9525">
+              <a14:hiddenLine xmlns:a14="http://schemas.microsoft.com/office/drawing/2010/main" xmlns="" w="9525">
                 <a:solidFill>
                   <a:srgbClr val="000000"/>
                 </a:solidFill>
@@ -7232,14 +7233,14 @@
           </a:ln>
           <a:extLst>
             <a:ext uri="{909E8E84-426E-40DD-AFC4-6F175D3DCCD1}">
-              <a14:hiddenFill xmlns:a14="http://schemas.microsoft.com/office/drawing/2010/main">
+              <a14:hiddenFill xmlns:a14="http://schemas.microsoft.com/office/drawing/2010/main" xmlns="">
                 <a:solidFill>
                   <a:srgbClr val="FFFFFF"/>
                 </a:solidFill>
               </a14:hiddenFill>
             </a:ext>
             <a:ext uri="{91240B29-F687-4F45-9708-019B960494DF}">
-              <a14:hiddenLine xmlns:a14="http://schemas.microsoft.com/office/drawing/2010/main" w="9525">
+              <a14:hiddenLine xmlns:a14="http://schemas.microsoft.com/office/drawing/2010/main" xmlns="" w="9525">
                 <a:solidFill>
                   <a:srgbClr val="000000"/>
                 </a:solidFill>
@@ -7742,14 +7743,14 @@
           </a:ln>
           <a:extLst>
             <a:ext uri="{909E8E84-426E-40DD-AFC4-6F175D3DCCD1}">
-              <a14:hiddenFill xmlns:a14="http://schemas.microsoft.com/office/drawing/2010/main">
+              <a14:hiddenFill xmlns:a14="http://schemas.microsoft.com/office/drawing/2010/main" xmlns="">
                 <a:solidFill>
                   <a:srgbClr val="FFFFFF"/>
                 </a:solidFill>
               </a14:hiddenFill>
             </a:ext>
             <a:ext uri="{91240B29-F687-4F45-9708-019B960494DF}">
-              <a14:hiddenLine xmlns:a14="http://schemas.microsoft.com/office/drawing/2010/main" w="9525">
+              <a14:hiddenLine xmlns:a14="http://schemas.microsoft.com/office/drawing/2010/main" xmlns="" w="9525">
                 <a:solidFill>
                   <a:srgbClr val="000000"/>
                 </a:solidFill>
@@ -8022,14 +8023,14 @@
           </a:ln>
           <a:extLst>
             <a:ext uri="{909E8E84-426E-40DD-AFC4-6F175D3DCCD1}">
-              <a14:hiddenFill xmlns:a14="http://schemas.microsoft.com/office/drawing/2010/main">
+              <a14:hiddenFill xmlns:a14="http://schemas.microsoft.com/office/drawing/2010/main" xmlns="">
                 <a:solidFill>
                   <a:srgbClr val="FFFFFF"/>
                 </a:solidFill>
               </a14:hiddenFill>
             </a:ext>
             <a:ext uri="{91240B29-F687-4F45-9708-019B960494DF}">
-              <a14:hiddenLine xmlns:a14="http://schemas.microsoft.com/office/drawing/2010/main" w="9525">
+              <a14:hiddenLine xmlns:a14="http://schemas.microsoft.com/office/drawing/2010/main" xmlns="" w="9525">
                 <a:solidFill>
                   <a:srgbClr val="000000"/>
                 </a:solidFill>
@@ -8306,14 +8307,14 @@
           </a:ln>
           <a:extLst>
             <a:ext uri="{909E8E84-426E-40DD-AFC4-6F175D3DCCD1}">
-              <a14:hiddenFill xmlns:a14="http://schemas.microsoft.com/office/drawing/2010/main">
+              <a14:hiddenFill xmlns:a14="http://schemas.microsoft.com/office/drawing/2010/main" xmlns="">
                 <a:solidFill>
                   <a:srgbClr val="FFFFFF"/>
                 </a:solidFill>
               </a14:hiddenFill>
             </a:ext>
             <a:ext uri="{91240B29-F687-4F45-9708-019B960494DF}">
-              <a14:hiddenLine xmlns:a14="http://schemas.microsoft.com/office/drawing/2010/main" w="9525">
+              <a14:hiddenLine xmlns:a14="http://schemas.microsoft.com/office/drawing/2010/main" xmlns="" w="9525">
                 <a:solidFill>
                   <a:srgbClr val="000000"/>
                 </a:solidFill>
@@ -8730,7 +8731,7 @@
   <p:timing>
     <p:tnLst>
       <p:par>
-        <p:cTn id="1" dur="indefinite" nodeType="tmRoot">
+        <p:cTn id="1" dur="indefinite" restart="never" nodeType="tmRoot">
           <p:childTnLst>
             <p:seq concurrent="1" nextAc="seek">
               <p:cTn id="2" dur="0" nodeType="mainSeq"/>
@@ -8890,7 +8891,7 @@
           <a:blip r:embed="rId4">
             <a:extLst>
               <a:ext uri="{28A0092B-C50C-407E-A947-70E740481C1C}">
-                <a14:useLocalDpi xmlns:a14="http://schemas.microsoft.com/office/drawing/2010/main" val="0"/>
+                <a14:useLocalDpi xmlns:a14="http://schemas.microsoft.com/office/drawing/2010/main" xmlns="" val="0"/>
               </a:ext>
             </a:extLst>
           </a:blip>
@@ -8913,14 +8914,14 @@
           </a:ln>
           <a:extLst>
             <a:ext uri="{909E8E84-426E-40DD-AFC4-6F175D3DCCD1}">
-              <a14:hiddenFill xmlns:a14="http://schemas.microsoft.com/office/drawing/2010/main">
+              <a14:hiddenFill xmlns:a14="http://schemas.microsoft.com/office/drawing/2010/main" xmlns="">
                 <a:solidFill>
                   <a:srgbClr val="FFFFFF"/>
                 </a:solidFill>
               </a14:hiddenFill>
             </a:ext>
             <a:ext uri="{91240B29-F687-4F45-9708-019B960494DF}">
-              <a14:hiddenLine xmlns:a14="http://schemas.microsoft.com/office/drawing/2010/main" w="9525">
+              <a14:hiddenLine xmlns:a14="http://schemas.microsoft.com/office/drawing/2010/main" xmlns="" w="9525">
                 <a:solidFill>
                   <a:srgbClr val="000000"/>
                 </a:solidFill>
@@ -8941,7 +8942,7 @@
   <p:timing>
     <p:tnLst>
       <p:par>
-        <p:cTn id="1" dur="indefinite" nodeType="tmRoot">
+        <p:cTn id="1" dur="indefinite" restart="never" nodeType="tmRoot">
           <p:childTnLst>
             <p:seq concurrent="1" nextAc="seek">
               <p:cTn id="2" dur="0" nodeType="mainSeq"/>
@@ -9073,7 +9074,7 @@
   <p:timing>
     <p:tnLst>
       <p:par>
-        <p:cTn id="1" dur="indefinite" nodeType="tmRoot">
+        <p:cTn id="1" dur="indefinite" restart="never" nodeType="tmRoot">
           <p:childTnLst>
             <p:seq concurrent="1" nextAc="seek">
               <p:cTn id="2" dur="0" nodeType="mainSeq"/>
@@ -9186,7 +9187,7 @@
           <a:blip r:embed="rId3">
             <a:extLst>
               <a:ext uri="{28A0092B-C50C-407E-A947-70E740481C1C}">
-                <a14:useLocalDpi xmlns:a14="http://schemas.microsoft.com/office/drawing/2010/main" val="0"/>
+                <a14:useLocalDpi xmlns:a14="http://schemas.microsoft.com/office/drawing/2010/main" xmlns="" val="0"/>
               </a:ext>
             </a:extLst>
           </a:blip>
@@ -9209,14 +9210,14 @@
           </a:ln>
           <a:extLst>
             <a:ext uri="{909E8E84-426E-40DD-AFC4-6F175D3DCCD1}">
-              <a14:hiddenFill xmlns:a14="http://schemas.microsoft.com/office/drawing/2010/main">
+              <a14:hiddenFill xmlns:a14="http://schemas.microsoft.com/office/drawing/2010/main" xmlns="">
                 <a:solidFill>
                   <a:srgbClr val="FFFFFF"/>
                 </a:solidFill>
               </a14:hiddenFill>
             </a:ext>
             <a:ext uri="{91240B29-F687-4F45-9708-019B960494DF}">
-              <a14:hiddenLine xmlns:a14="http://schemas.microsoft.com/office/drawing/2010/main" w="9525">
+              <a14:hiddenLine xmlns:a14="http://schemas.microsoft.com/office/drawing/2010/main" xmlns="" w="9525">
                 <a:solidFill>
                   <a:srgbClr val="000000"/>
                 </a:solidFill>
@@ -9237,7 +9238,7 @@
   <p:timing>
     <p:tnLst>
       <p:par>
-        <p:cTn id="1" dur="indefinite" nodeType="tmRoot">
+        <p:cTn id="1" dur="indefinite" restart="never" nodeType="tmRoot">
           <p:childTnLst>
             <p:seq concurrent="1" nextAc="seek">
               <p:cTn id="2" dur="0" nodeType="mainSeq"/>
@@ -9350,7 +9351,7 @@
           <a:blip r:embed="rId3">
             <a:extLst>
               <a:ext uri="{28A0092B-C50C-407E-A947-70E740481C1C}">
-                <a14:useLocalDpi xmlns:a14="http://schemas.microsoft.com/office/drawing/2010/main" val="0"/>
+                <a14:useLocalDpi xmlns:a14="http://schemas.microsoft.com/office/drawing/2010/main" xmlns="" val="0"/>
               </a:ext>
             </a:extLst>
           </a:blip>
@@ -9373,14 +9374,14 @@
           </a:ln>
           <a:extLst>
             <a:ext uri="{909E8E84-426E-40DD-AFC4-6F175D3DCCD1}">
-              <a14:hiddenFill xmlns:a14="http://schemas.microsoft.com/office/drawing/2010/main">
+              <a14:hiddenFill xmlns:a14="http://schemas.microsoft.com/office/drawing/2010/main" xmlns="">
                 <a:solidFill>
                   <a:srgbClr val="FFFFFF"/>
                 </a:solidFill>
               </a14:hiddenFill>
             </a:ext>
             <a:ext uri="{91240B29-F687-4F45-9708-019B960494DF}">
-              <a14:hiddenLine xmlns:a14="http://schemas.microsoft.com/office/drawing/2010/main" w="9525">
+              <a14:hiddenLine xmlns:a14="http://schemas.microsoft.com/office/drawing/2010/main" xmlns="" w="9525">
                 <a:solidFill>
                   <a:srgbClr val="000000"/>
                 </a:solidFill>
@@ -9401,7 +9402,7 @@
   <p:timing>
     <p:tnLst>
       <p:par>
-        <p:cTn id="1" dur="indefinite" nodeType="tmRoot">
+        <p:cTn id="1" dur="indefinite" restart="never" nodeType="tmRoot">
           <p:childTnLst>
             <p:seq concurrent="1" nextAc="seek">
               <p:cTn id="2" dur="0" nodeType="mainSeq"/>
@@ -9536,7 +9537,7 @@
           <a:blip r:embed="rId4">
             <a:extLst>
               <a:ext uri="{28A0092B-C50C-407E-A947-70E740481C1C}">
-                <a14:useLocalDpi xmlns:a14="http://schemas.microsoft.com/office/drawing/2010/main" val="0"/>
+                <a14:useLocalDpi xmlns:a14="http://schemas.microsoft.com/office/drawing/2010/main" xmlns="" val="0"/>
               </a:ext>
             </a:extLst>
           </a:blip>
@@ -9559,14 +9560,14 @@
           </a:ln>
           <a:extLst>
             <a:ext uri="{909E8E84-426E-40DD-AFC4-6F175D3DCCD1}">
-              <a14:hiddenFill xmlns:a14="http://schemas.microsoft.com/office/drawing/2010/main">
+              <a14:hiddenFill xmlns:a14="http://schemas.microsoft.com/office/drawing/2010/main" xmlns="">
                 <a:solidFill>
                   <a:srgbClr val="FFFFFF"/>
                 </a:solidFill>
               </a14:hiddenFill>
             </a:ext>
             <a:ext uri="{91240B29-F687-4F45-9708-019B960494DF}">
-              <a14:hiddenLine xmlns:a14="http://schemas.microsoft.com/office/drawing/2010/main" w="9525">
+              <a14:hiddenLine xmlns:a14="http://schemas.microsoft.com/office/drawing/2010/main" xmlns="" w="9525">
                 <a:solidFill>
                   <a:srgbClr val="000000"/>
                 </a:solidFill>
@@ -9587,7 +9588,7 @@
   <p:timing>
     <p:tnLst>
       <p:par>
-        <p:cTn id="1" dur="indefinite" nodeType="tmRoot">
+        <p:cTn id="1" dur="indefinite" restart="never" nodeType="tmRoot">
           <p:childTnLst>
             <p:seq concurrent="1" nextAc="seek">
               <p:cTn id="2" dur="0" nodeType="mainSeq"/>
@@ -9734,7 +9735,7 @@
           <a:blip r:embed="rId4">
             <a:extLst>
               <a:ext uri="{28A0092B-C50C-407E-A947-70E740481C1C}">
-                <a14:useLocalDpi xmlns:a14="http://schemas.microsoft.com/office/drawing/2010/main" val="0"/>
+                <a14:useLocalDpi xmlns:a14="http://schemas.microsoft.com/office/drawing/2010/main" xmlns="" val="0"/>
               </a:ext>
             </a:extLst>
           </a:blip>
@@ -9757,14 +9758,14 @@
           </a:ln>
           <a:extLst>
             <a:ext uri="{909E8E84-426E-40DD-AFC4-6F175D3DCCD1}">
-              <a14:hiddenFill xmlns:a14="http://schemas.microsoft.com/office/drawing/2010/main">
+              <a14:hiddenFill xmlns:a14="http://schemas.microsoft.com/office/drawing/2010/main" xmlns="">
                 <a:solidFill>
                   <a:srgbClr val="FFFFFF"/>
                 </a:solidFill>
               </a14:hiddenFill>
             </a:ext>
             <a:ext uri="{91240B29-F687-4F45-9708-019B960494DF}">
-              <a14:hiddenLine xmlns:a14="http://schemas.microsoft.com/office/drawing/2010/main" w="9525">
+              <a14:hiddenLine xmlns:a14="http://schemas.microsoft.com/office/drawing/2010/main" xmlns="" w="9525">
                 <a:solidFill>
                   <a:srgbClr val="000000"/>
                 </a:solidFill>
@@ -9785,7 +9786,7 @@
   <p:timing>
     <p:tnLst>
       <p:par>
-        <p:cTn id="1" dur="indefinite" nodeType="tmRoot">
+        <p:cTn id="1" dur="indefinite" restart="never" nodeType="tmRoot">
           <p:childTnLst>
             <p:seq concurrent="1" nextAc="seek">
               <p:cTn id="2" dur="0" nodeType="mainSeq"/>
@@ -9833,7 +9834,7 @@
         <p:nvSpPr>
           <p:cNvPr id="24578" name="Rectangle 1"/>
           <p:cNvSpPr>
-            <a:spLocks noChangeArrowheads="1"/>
+            <a:spLocks noGrp="1" noChangeArrowheads="1"/>
           </p:cNvSpPr>
           <p:nvPr>
             <p:ph type="title"/>
@@ -9852,7 +9853,7 @@
         <p:nvSpPr>
           <p:cNvPr id="24579" name="Rectangle 2"/>
           <p:cNvSpPr>
-            <a:spLocks noChangeArrowheads="1"/>
+            <a:spLocks noGrp="1" noChangeArrowheads="1"/>
           </p:cNvSpPr>
           <p:nvPr>
             <p:ph type="body" idx="1"/>
@@ -9898,7 +9899,7 @@
   <p:timing>
     <p:tnLst>
       <p:par>
-        <p:cTn id="1" dur="indefinite" nodeType="tmRoot">
+        <p:cTn id="1" dur="indefinite" restart="never" nodeType="tmRoot">
           <p:childTnLst>
             <p:seq concurrent="1" nextAc="seek">
               <p:cTn id="2" dur="0" nodeType="mainSeq"/>
@@ -9964,14 +9965,14 @@
           </a:ln>
           <a:extLst>
             <a:ext uri="{909E8E84-426E-40DD-AFC4-6F175D3DCCD1}">
-              <a14:hiddenFill xmlns:a14="http://schemas.microsoft.com/office/drawing/2010/main">
+              <a14:hiddenFill xmlns:a14="http://schemas.microsoft.com/office/drawing/2010/main" xmlns="">
                 <a:solidFill>
                   <a:srgbClr val="FFFFFF"/>
                 </a:solidFill>
               </a14:hiddenFill>
             </a:ext>
             <a:ext uri="{91240B29-F687-4F45-9708-019B960494DF}">
-              <a14:hiddenLine xmlns:a14="http://schemas.microsoft.com/office/drawing/2010/main" w="9525">
+              <a14:hiddenLine xmlns:a14="http://schemas.microsoft.com/office/drawing/2010/main" xmlns="" w="9525">
                 <a:solidFill>
                   <a:srgbClr val="000000"/>
                 </a:solidFill>
@@ -10244,14 +10245,14 @@
           </a:ln>
           <a:extLst>
             <a:ext uri="{909E8E84-426E-40DD-AFC4-6F175D3DCCD1}">
-              <a14:hiddenFill xmlns:a14="http://schemas.microsoft.com/office/drawing/2010/main">
+              <a14:hiddenFill xmlns:a14="http://schemas.microsoft.com/office/drawing/2010/main" xmlns="">
                 <a:solidFill>
                   <a:srgbClr val="FFFFFF"/>
                 </a:solidFill>
               </a14:hiddenFill>
             </a:ext>
             <a:ext uri="{91240B29-F687-4F45-9708-019B960494DF}">
-              <a14:hiddenLine xmlns:a14="http://schemas.microsoft.com/office/drawing/2010/main" w="9525">
+              <a14:hiddenLine xmlns:a14="http://schemas.microsoft.com/office/drawing/2010/main" xmlns="" w="9525">
                 <a:solidFill>
                   <a:srgbClr val="000000"/>
                 </a:solidFill>
@@ -10588,7 +10589,7 @@
   <p:timing>
     <p:tnLst>
       <p:par>
-        <p:cTn id="1" dur="indefinite" nodeType="tmRoot">
+        <p:cTn id="1" dur="indefinite" restart="never" nodeType="tmRoot">
           <p:childTnLst>
             <p:seq concurrent="1" nextAc="seek">
               <p:cTn id="2" dur="0" nodeType="mainSeq"/>
@@ -10654,14 +10655,14 @@
           </a:ln>
           <a:extLst>
             <a:ext uri="{909E8E84-426E-40DD-AFC4-6F175D3DCCD1}">
-              <a14:hiddenFill xmlns:a14="http://schemas.microsoft.com/office/drawing/2010/main">
+              <a14:hiddenFill xmlns:a14="http://schemas.microsoft.com/office/drawing/2010/main" xmlns="">
                 <a:solidFill>
                   <a:srgbClr val="FFFFFF"/>
                 </a:solidFill>
               </a14:hiddenFill>
             </a:ext>
             <a:ext uri="{91240B29-F687-4F45-9708-019B960494DF}">
-              <a14:hiddenLine xmlns:a14="http://schemas.microsoft.com/office/drawing/2010/main" w="9525">
+              <a14:hiddenLine xmlns:a14="http://schemas.microsoft.com/office/drawing/2010/main" xmlns="" w="9525">
                 <a:solidFill>
                   <a:srgbClr val="000000"/>
                 </a:solidFill>
@@ -10934,14 +10935,14 @@
           </a:ln>
           <a:extLst>
             <a:ext uri="{909E8E84-426E-40DD-AFC4-6F175D3DCCD1}">
-              <a14:hiddenFill xmlns:a14="http://schemas.microsoft.com/office/drawing/2010/main">
+              <a14:hiddenFill xmlns:a14="http://schemas.microsoft.com/office/drawing/2010/main" xmlns="">
                 <a:solidFill>
                   <a:srgbClr val="FFFFFF"/>
                 </a:solidFill>
               </a14:hiddenFill>
             </a:ext>
             <a:ext uri="{91240B29-F687-4F45-9708-019B960494DF}">
-              <a14:hiddenLine xmlns:a14="http://schemas.microsoft.com/office/drawing/2010/main" w="9525">
+              <a14:hiddenLine xmlns:a14="http://schemas.microsoft.com/office/drawing/2010/main" xmlns="" w="9525">
                 <a:solidFill>
                   <a:srgbClr val="000000"/>
                 </a:solidFill>
@@ -11306,14 +11307,14 @@
           </a:ln>
           <a:extLst>
             <a:ext uri="{909E8E84-426E-40DD-AFC4-6F175D3DCCD1}">
-              <a14:hiddenFill xmlns:a14="http://schemas.microsoft.com/office/drawing/2010/main">
+              <a14:hiddenFill xmlns:a14="http://schemas.microsoft.com/office/drawing/2010/main" xmlns="">
                 <a:solidFill>
                   <a:srgbClr val="FFFFFF"/>
                 </a:solidFill>
               </a14:hiddenFill>
             </a:ext>
             <a:ext uri="{91240B29-F687-4F45-9708-019B960494DF}">
-              <a14:hiddenLine xmlns:a14="http://schemas.microsoft.com/office/drawing/2010/main" w="9525">
+              <a14:hiddenLine xmlns:a14="http://schemas.microsoft.com/office/drawing/2010/main" xmlns="" w="9525">
                 <a:solidFill>
                   <a:srgbClr val="000000"/>
                 </a:solidFill>
@@ -11586,14 +11587,14 @@
           </a:ln>
           <a:extLst>
             <a:ext uri="{909E8E84-426E-40DD-AFC4-6F175D3DCCD1}">
-              <a14:hiddenFill xmlns:a14="http://schemas.microsoft.com/office/drawing/2010/main">
+              <a14:hiddenFill xmlns:a14="http://schemas.microsoft.com/office/drawing/2010/main" xmlns="">
                 <a:solidFill>
                   <a:srgbClr val="FFFFFF"/>
                 </a:solidFill>
               </a14:hiddenFill>
             </a:ext>
             <a:ext uri="{91240B29-F687-4F45-9708-019B960494DF}">
-              <a14:hiddenLine xmlns:a14="http://schemas.microsoft.com/office/drawing/2010/main" w="9525">
+              <a14:hiddenLine xmlns:a14="http://schemas.microsoft.com/office/drawing/2010/main" xmlns="" w="9525">
                 <a:solidFill>
                   <a:srgbClr val="000000"/>
                 </a:solidFill>
@@ -11958,14 +11959,14 @@
           </a:ln>
           <a:extLst>
             <a:ext uri="{909E8E84-426E-40DD-AFC4-6F175D3DCCD1}">
-              <a14:hiddenFill xmlns:a14="http://schemas.microsoft.com/office/drawing/2010/main">
+              <a14:hiddenFill xmlns:a14="http://schemas.microsoft.com/office/drawing/2010/main" xmlns="">
                 <a:solidFill>
                   <a:srgbClr val="FFFFFF"/>
                 </a:solidFill>
               </a14:hiddenFill>
             </a:ext>
             <a:ext uri="{91240B29-F687-4F45-9708-019B960494DF}">
-              <a14:hiddenLine xmlns:a14="http://schemas.microsoft.com/office/drawing/2010/main" w="9525">
+              <a14:hiddenLine xmlns:a14="http://schemas.microsoft.com/office/drawing/2010/main" xmlns="" w="9525">
                 <a:solidFill>
                   <a:srgbClr val="000000"/>
                 </a:solidFill>
@@ -12238,14 +12239,14 @@
           </a:ln>
           <a:extLst>
             <a:ext uri="{909E8E84-426E-40DD-AFC4-6F175D3DCCD1}">
-              <a14:hiddenFill xmlns:a14="http://schemas.microsoft.com/office/drawing/2010/main">
+              <a14:hiddenFill xmlns:a14="http://schemas.microsoft.com/office/drawing/2010/main" xmlns="">
                 <a:solidFill>
                   <a:srgbClr val="FFFFFF"/>
                 </a:solidFill>
               </a14:hiddenFill>
             </a:ext>
             <a:ext uri="{91240B29-F687-4F45-9708-019B960494DF}">
-              <a14:hiddenLine xmlns:a14="http://schemas.microsoft.com/office/drawing/2010/main" w="9525">
+              <a14:hiddenLine xmlns:a14="http://schemas.microsoft.com/office/drawing/2010/main" xmlns="" w="9525">
                 <a:solidFill>
                   <a:srgbClr val="000000"/>
                 </a:solidFill>
@@ -12416,6 +12417,138 @@
       </p:grpSpPr>
       <p:sp>
         <p:nvSpPr>
+          <p:cNvPr id="2" name="Title 1"/>
+          <p:cNvSpPr>
+            <a:spLocks noGrp="1"/>
+          </p:cNvSpPr>
+          <p:nvPr>
+            <p:ph type="title"/>
+          </p:nvPr>
+        </p:nvSpPr>
+        <p:spPr>
+          <a:xfrm>
+            <a:off x="609600" y="228600"/>
+            <a:ext cx="7772400" cy="1143000"/>
+          </a:xfrm>
+        </p:spPr>
+        <p:txBody>
+          <a:bodyPr/>
+          <a:lstStyle/>
+          <a:p>
+            <a:r>
+              <a:rPr lang="en-US" dirty="0" smtClean="0"/>
+              <a:t>Challenge</a:t>
+            </a:r>
+            <a:endParaRPr lang="en-US" dirty="0"/>
+          </a:p>
+        </p:txBody>
+      </p:sp>
+      <p:sp>
+        <p:nvSpPr>
+          <p:cNvPr id="3" name="Content Placeholder 2"/>
+          <p:cNvSpPr>
+            <a:spLocks noGrp="1"/>
+          </p:cNvSpPr>
+          <p:nvPr>
+            <p:ph idx="1"/>
+          </p:nvPr>
+        </p:nvSpPr>
+        <p:spPr>
+          <a:xfrm>
+            <a:off x="762000" y="5334000"/>
+            <a:ext cx="7772400" cy="1371600"/>
+          </a:xfrm>
+        </p:spPr>
+        <p:txBody>
+          <a:bodyPr>
+            <a:normAutofit fontScale="70000" lnSpcReduction="20000"/>
+          </a:bodyPr>
+          <a:lstStyle/>
+          <a:p>
+            <a:r>
+              <a:rPr lang="en-US" dirty="0" smtClean="0"/>
+              <a:t>Implement a similar website design</a:t>
+            </a:r>
+          </a:p>
+          <a:p>
+            <a:r>
+              <a:rPr lang="en-US" dirty="0" smtClean="0"/>
+              <a:t>Navigation elements are within the image (e.g., people, tables, …)</a:t>
+            </a:r>
+          </a:p>
+          <a:p>
+            <a:r>
+              <a:rPr lang="en-US" dirty="0" smtClean="0"/>
+              <a:t>Popup information, hover </a:t>
+            </a:r>
+            <a:r>
+              <a:rPr lang="en-US" smtClean="0"/>
+              <a:t>over images/text, … </a:t>
+            </a:r>
+            <a:endParaRPr lang="en-US" dirty="0"/>
+          </a:p>
+        </p:txBody>
+      </p:sp>
+      <p:pic>
+        <p:nvPicPr>
+          <p:cNvPr id="1026" name="Picture 2"/>
+          <p:cNvPicPr>
+            <a:picLocks noChangeAspect="1" noChangeArrowheads="1"/>
+          </p:cNvPicPr>
+          <p:nvPr/>
+        </p:nvPicPr>
+        <p:blipFill>
+          <a:blip r:embed="rId2"/>
+          <a:srcRect/>
+          <a:stretch>
+            <a:fillRect/>
+          </a:stretch>
+        </p:blipFill>
+        <p:spPr bwMode="auto">
+          <a:xfrm>
+            <a:off x="1143000" y="1371600"/>
+            <a:ext cx="6648450" cy="3838575"/>
+          </a:xfrm>
+          <a:prstGeom prst="rect">
+            <a:avLst/>
+          </a:prstGeom>
+          <a:noFill/>
+          <a:ln w="9525">
+            <a:noFill/>
+            <a:miter lim="800000"/>
+            <a:headEnd/>
+            <a:tailEnd/>
+          </a:ln>
+          <a:effectLst/>
+        </p:spPr>
+      </p:pic>
+    </p:spTree>
+  </p:cSld>
+  <p:clrMapOvr>
+    <a:masterClrMapping/>
+  </p:clrMapOvr>
+</p:sld>
+</file>
+
+<file path=ppt/slides/slide22.xml><?xml version="1.0" encoding="utf-8"?>
+<p:sld xmlns:a="http://schemas.openxmlformats.org/drawingml/2006/main" xmlns:r="http://schemas.openxmlformats.org/officeDocument/2006/relationships" xmlns:p="http://schemas.openxmlformats.org/presentationml/2006/main">
+  <p:cSld>
+    <p:spTree>
+      <p:nvGrpSpPr>
+        <p:cNvPr id="1" name=""/>
+        <p:cNvGrpSpPr/>
+        <p:nvPr/>
+      </p:nvGrpSpPr>
+      <p:grpSpPr>
+        <a:xfrm>
+          <a:off x="0" y="0"/>
+          <a:ext cx="0" cy="0"/>
+          <a:chOff x="0" y="0"/>
+          <a:chExt cx="0" cy="0"/>
+        </a:xfrm>
+      </p:grpSpPr>
+      <p:sp>
+        <p:nvSpPr>
           <p:cNvPr id="28674" name="Text Box 1"/>
           <p:cNvSpPr txBox="1">
             <a:spLocks noChangeArrowheads="1"/>
@@ -12436,14 +12569,14 @@
           </a:ln>
           <a:extLst>
             <a:ext uri="{909E8E84-426E-40DD-AFC4-6F175D3DCCD1}">
-              <a14:hiddenFill xmlns:a14="http://schemas.microsoft.com/office/drawing/2010/main">
+              <a14:hiddenFill xmlns:a14="http://schemas.microsoft.com/office/drawing/2010/main" xmlns="">
                 <a:solidFill>
                   <a:srgbClr val="FFFFFF"/>
                 </a:solidFill>
               </a14:hiddenFill>
             </a:ext>
             <a:ext uri="{91240B29-F687-4F45-9708-019B960494DF}">
-              <a14:hiddenLine xmlns:a14="http://schemas.microsoft.com/office/drawing/2010/main" w="9525">
+              <a14:hiddenLine xmlns:a14="http://schemas.microsoft.com/office/drawing/2010/main" xmlns="" w="9525">
                 <a:solidFill>
                   <a:srgbClr val="000000"/>
                 </a:solidFill>
@@ -12581,14 +12714,14 @@
           </a:ln>
           <a:extLst>
             <a:ext uri="{909E8E84-426E-40DD-AFC4-6F175D3DCCD1}">
-              <a14:hiddenFill xmlns:a14="http://schemas.microsoft.com/office/drawing/2010/main">
+              <a14:hiddenFill xmlns:a14="http://schemas.microsoft.com/office/drawing/2010/main" xmlns="">
                 <a:solidFill>
                   <a:srgbClr val="FFFFFF"/>
                 </a:solidFill>
               </a14:hiddenFill>
             </a:ext>
             <a:ext uri="{91240B29-F687-4F45-9708-019B960494DF}">
-              <a14:hiddenLine xmlns:a14="http://schemas.microsoft.com/office/drawing/2010/main" w="9525">
+              <a14:hiddenLine xmlns:a14="http://schemas.microsoft.com/office/drawing/2010/main" xmlns="" w="9525">
                 <a:solidFill>
                   <a:srgbClr val="000000"/>
                 </a:solidFill>
@@ -12716,7 +12849,7 @@
           <a:blip r:embed="rId3">
             <a:extLst>
               <a:ext uri="{28A0092B-C50C-407E-A947-70E740481C1C}">
-                <a14:useLocalDpi xmlns:a14="http://schemas.microsoft.com/office/drawing/2010/main" val="0"/>
+                <a14:useLocalDpi xmlns:a14="http://schemas.microsoft.com/office/drawing/2010/main" xmlns="" val="0"/>
               </a:ext>
             </a:extLst>
           </a:blip>
@@ -12739,14 +12872,14 @@
           </a:ln>
           <a:extLst>
             <a:ext uri="{909E8E84-426E-40DD-AFC4-6F175D3DCCD1}">
-              <a14:hiddenFill xmlns:a14="http://schemas.microsoft.com/office/drawing/2010/main">
+              <a14:hiddenFill xmlns:a14="http://schemas.microsoft.com/office/drawing/2010/main" xmlns="">
                 <a:solidFill>
                   <a:srgbClr val="FFFFFF"/>
                 </a:solidFill>
               </a14:hiddenFill>
             </a:ext>
             <a:ext uri="{91240B29-F687-4F45-9708-019B960494DF}">
-              <a14:hiddenLine xmlns:a14="http://schemas.microsoft.com/office/drawing/2010/main" w="9525">
+              <a14:hiddenLine xmlns:a14="http://schemas.microsoft.com/office/drawing/2010/main" xmlns="" w="9525">
                 <a:solidFill>
                   <a:srgbClr val="000000"/>
                 </a:solidFill>
@@ -12767,7 +12900,7 @@
   <p:timing>
     <p:tnLst>
       <p:par>
-        <p:cTn id="1" dur="indefinite" nodeType="tmRoot">
+        <p:cTn id="1" dur="indefinite" restart="never" nodeType="tmRoot">
           <p:childTnLst>
             <p:seq concurrent="1" nextAc="seek">
               <p:cTn id="2" dur="0" nodeType="mainSeq"/>
@@ -12900,7 +13033,7 @@
   <p:timing>
     <p:tnLst>
       <p:par>
-        <p:cTn id="1" dur="indefinite" nodeType="tmRoot">
+        <p:cTn id="1" dur="indefinite" restart="never" nodeType="tmRoot">
           <p:childTnLst>
             <p:seq concurrent="1" nextAc="seek">
               <p:cTn id="2" dur="0" nodeType="mainSeq"/>
@@ -13032,7 +13165,7 @@
   <p:timing>
     <p:tnLst>
       <p:par>
-        <p:cTn id="1" dur="indefinite" nodeType="tmRoot">
+        <p:cTn id="1" dur="indefinite" restart="never" nodeType="tmRoot">
           <p:childTnLst>
             <p:seq concurrent="1" nextAc="seek">
               <p:cTn id="2" dur="0" nodeType="mainSeq"/>
@@ -13164,7 +13297,7 @@
   <p:timing>
     <p:tnLst>
       <p:par>
-        <p:cTn id="1" dur="indefinite" nodeType="tmRoot">
+        <p:cTn id="1" dur="indefinite" restart="never" nodeType="tmRoot">
           <p:childTnLst>
             <p:seq concurrent="1" nextAc="seek">
               <p:cTn id="2" dur="0" nodeType="mainSeq"/>
@@ -13296,7 +13429,7 @@
   <p:timing>
     <p:tnLst>
       <p:par>
-        <p:cTn id="1" dur="indefinite" nodeType="tmRoot">
+        <p:cTn id="1" dur="indefinite" restart="never" nodeType="tmRoot">
           <p:childTnLst>
             <p:seq concurrent="1" nextAc="seek">
               <p:cTn id="2" dur="0" nodeType="mainSeq"/>
@@ -13431,7 +13564,7 @@
           <a:blip r:embed="rId4">
             <a:extLst>
               <a:ext uri="{28A0092B-C50C-407E-A947-70E740481C1C}">
-                <a14:useLocalDpi xmlns:a14="http://schemas.microsoft.com/office/drawing/2010/main" val="0"/>
+                <a14:useLocalDpi xmlns:a14="http://schemas.microsoft.com/office/drawing/2010/main" xmlns="" val="0"/>
               </a:ext>
             </a:extLst>
           </a:blip>
@@ -13454,14 +13587,14 @@
           </a:ln>
           <a:extLst>
             <a:ext uri="{909E8E84-426E-40DD-AFC4-6F175D3DCCD1}">
-              <a14:hiddenFill xmlns:a14="http://schemas.microsoft.com/office/drawing/2010/main">
+              <a14:hiddenFill xmlns:a14="http://schemas.microsoft.com/office/drawing/2010/main" xmlns="">
                 <a:solidFill>
                   <a:srgbClr val="FFFFFF"/>
                 </a:solidFill>
               </a14:hiddenFill>
             </a:ext>
             <a:ext uri="{91240B29-F687-4F45-9708-019B960494DF}">
-              <a14:hiddenLine xmlns:a14="http://schemas.microsoft.com/office/drawing/2010/main" w="9525">
+              <a14:hiddenLine xmlns:a14="http://schemas.microsoft.com/office/drawing/2010/main" xmlns="" w="9525">
                 <a:solidFill>
                   <a:srgbClr val="000000"/>
                 </a:solidFill>
@@ -13482,7 +13615,7 @@
   <p:timing>
     <p:tnLst>
       <p:par>
-        <p:cTn id="1" dur="indefinite" nodeType="tmRoot">
+        <p:cTn id="1" dur="indefinite" restart="never" nodeType="tmRoot">
           <p:childTnLst>
             <p:seq concurrent="1" nextAc="seek">
               <p:cTn id="2" dur="0" nodeType="mainSeq"/>
@@ -13530,7 +13663,7 @@
         <p:nvSpPr>
           <p:cNvPr id="15362" name="Rectangle 1"/>
           <p:cNvSpPr>
-            <a:spLocks noChangeArrowheads="1"/>
+            <a:spLocks noGrp="1" noChangeArrowheads="1"/>
           </p:cNvSpPr>
           <p:nvPr>
             <p:ph type="title"/>
@@ -13549,7 +13682,7 @@
         <p:nvSpPr>
           <p:cNvPr id="15363" name="Rectangle 2"/>
           <p:cNvSpPr>
-            <a:spLocks noChangeArrowheads="1"/>
+            <a:spLocks noGrp="1" noChangeArrowheads="1"/>
           </p:cNvSpPr>
           <p:nvPr>
             <p:ph type="body" idx="1"/>
@@ -13595,7 +13728,7 @@
   <p:timing>
     <p:tnLst>
       <p:par>
-        <p:cTn id="1" dur="indefinite" nodeType="tmRoot">
+        <p:cTn id="1" dur="indefinite" restart="never" nodeType="tmRoot">
           <p:childTnLst>
             <p:seq concurrent="1" nextAc="seek">
               <p:cTn id="2" dur="0" nodeType="mainSeq"/>
@@ -13643,7 +13776,7 @@
         <p:nvSpPr>
           <p:cNvPr id="16386" name="Rectangle 1"/>
           <p:cNvSpPr>
-            <a:spLocks noChangeArrowheads="1"/>
+            <a:spLocks noGrp="1" noChangeArrowheads="1"/>
           </p:cNvSpPr>
           <p:nvPr>
             <p:ph type="title"/>
@@ -13662,7 +13795,7 @@
         <p:nvSpPr>
           <p:cNvPr id="16387" name="Rectangle 2"/>
           <p:cNvSpPr>
-            <a:spLocks noChangeArrowheads="1"/>
+            <a:spLocks noGrp="1" noChangeArrowheads="1"/>
           </p:cNvSpPr>
           <p:nvPr>
             <p:ph type="body" idx="1"/>
@@ -13708,7 +13841,7 @@
   <p:timing>
     <p:tnLst>
       <p:par>
-        <p:cTn id="1" dur="indefinite" nodeType="tmRoot">
+        <p:cTn id="1" dur="indefinite" restart="never" nodeType="tmRoot">
           <p:childTnLst>
             <p:seq concurrent="1" nextAc="seek">
               <p:cTn id="2" dur="0" nodeType="mainSeq"/>
@@ -14218,7 +14351,7 @@
   </a:extraClrSchemeLst>
   <a:extLst>
     <a:ext uri="{05A4C25C-085E-4340-85A3-A5531E510DB2}">
-      <thm15:themeFamily xmlns:thm15="http://schemas.microsoft.com/office/thememl/2012/main" name="Office Theme" id="{62F939B6-93AF-4DB8-9C6B-D6C7DFDC589F}" vid="{4A3C46E8-61CC-4603-A589-7422A47A8E4A}"/>
+      <thm15:themeFamily xmlns:thm15="http://schemas.microsoft.com/office/thememl/2012/main" xmlns="" name="Office Theme" id="{62F939B6-93AF-4DB8-9C6B-D6C7DFDC589F}" vid="{4A3C46E8-61CC-4603-A589-7422A47A8E4A}"/>
     </a:ext>
   </a:extLst>
 </a:theme>
@@ -14479,7 +14612,7 @@
   <a:extraClrSchemeLst/>
   <a:extLst>
     <a:ext uri="{05A4C25C-085E-4340-85A3-A5531E510DB2}">
-      <thm15:themeFamily xmlns:thm15="http://schemas.microsoft.com/office/thememl/2012/main" name="Office Theme" id="{62F939B6-93AF-4DB8-9C6B-D6C7DFDC589F}" vid="{4A3C46E8-61CC-4603-A589-7422A47A8E4A}"/>
+      <thm15:themeFamily xmlns:thm15="http://schemas.microsoft.com/office/thememl/2012/main" xmlns="" name="Office Theme" id="{62F939B6-93AF-4DB8-9C6B-D6C7DFDC589F}" vid="{4A3C46E8-61CC-4603-A589-7422A47A8E4A}"/>
     </a:ext>
   </a:extLst>
 </a:theme>

--- a/WAD/lectures/080--Dynamic.vs.Static.Websites.pptx
+++ b/WAD/lectures/080--Dynamic.vs.Static.Websites.pptx
@@ -160,7 +160,7 @@
   </p:defaultTextStyle>
   <p:extLst>
     <p:ext uri="{EFAFB233-063F-42B5-8137-9DF3F51BA10A}">
-      <p15:sldGuideLst xmlns:p15="http://schemas.microsoft.com/office/powerpoint/2012/main" xmlns="">
+      <p15:sldGuideLst xmlns="" xmlns:p15="http://schemas.microsoft.com/office/powerpoint/2012/main">
         <p15:guide id="1" orient="horz" pos="2160">
           <p15:clr>
             <a:srgbClr val="A4A3A4"/>
@@ -319,7 +319,7 @@
           </a:ln>
           <a:extLst>
             <a:ext uri="{909E8E84-426E-40DD-AFC4-6F175D3DCCD1}">
-              <a14:hiddenFill xmlns:a14="http://schemas.microsoft.com/office/drawing/2010/main" xmlns="">
+              <a14:hiddenFill xmlns="" xmlns:a14="http://schemas.microsoft.com/office/drawing/2010/main">
                 <a:solidFill>
                   <a:srgbClr val="FFFFFF"/>
                 </a:solidFill>
@@ -490,7 +490,7 @@
     </p:spTree>
     <p:extLst>
       <p:ext uri="{BB962C8B-B14F-4D97-AF65-F5344CB8AC3E}">
-        <p14:creationId xmlns:p14="http://schemas.microsoft.com/office/powerpoint/2010/main" xmlns="" val="2023285378"/>
+        <p14:creationId xmlns="" xmlns:p14="http://schemas.microsoft.com/office/powerpoint/2010/main" val="2023285378"/>
       </p:ext>
     </p:extLst>
   </p:cSld>
@@ -659,14 +659,14 @@
           <a:noFill/>
           <a:extLst>
             <a:ext uri="{909E8E84-426E-40DD-AFC4-6F175D3DCCD1}">
-              <a14:hiddenFill xmlns:a14="http://schemas.microsoft.com/office/drawing/2010/main" xmlns="">
+              <a14:hiddenFill xmlns="" xmlns:a14="http://schemas.microsoft.com/office/drawing/2010/main">
                 <a:solidFill>
                   <a:srgbClr val="FFFFFF"/>
                 </a:solidFill>
               </a14:hiddenFill>
             </a:ext>
             <a:ext uri="{91240B29-F687-4F45-9708-019B960494DF}">
-              <a14:hiddenLine xmlns:a14="http://schemas.microsoft.com/office/drawing/2010/main" xmlns="" w="9525">
+              <a14:hiddenLine xmlns="" xmlns:a14="http://schemas.microsoft.com/office/drawing/2010/main" w="9525">
                 <a:solidFill>
                   <a:srgbClr val="000000"/>
                 </a:solidFill>
@@ -818,14 +818,14 @@
           <a:noFill/>
           <a:extLst>
             <a:ext uri="{909E8E84-426E-40DD-AFC4-6F175D3DCCD1}">
-              <a14:hiddenFill xmlns:a14="http://schemas.microsoft.com/office/drawing/2010/main" xmlns="">
+              <a14:hiddenFill xmlns="" xmlns:a14="http://schemas.microsoft.com/office/drawing/2010/main">
                 <a:solidFill>
                   <a:srgbClr val="FFFFFF"/>
                 </a:solidFill>
               </a14:hiddenFill>
             </a:ext>
             <a:ext uri="{91240B29-F687-4F45-9708-019B960494DF}">
-              <a14:hiddenLine xmlns:a14="http://schemas.microsoft.com/office/drawing/2010/main" xmlns="" w="9525" cap="flat">
+              <a14:hiddenLine xmlns="" xmlns:a14="http://schemas.microsoft.com/office/drawing/2010/main" w="9525" cap="flat">
                 <a:solidFill>
                   <a:srgbClr val="000000"/>
                 </a:solidFill>
@@ -847,7 +847,7 @@
     </p:spTree>
     <p:extLst>
       <p:ext uri="{BB962C8B-B14F-4D97-AF65-F5344CB8AC3E}">
-        <p14:creationId xmlns:p14="http://schemas.microsoft.com/office/powerpoint/2010/main" xmlns="" val="4046050419"/>
+        <p14:creationId xmlns="" xmlns:p14="http://schemas.microsoft.com/office/powerpoint/2010/main" val="4046050419"/>
       </p:ext>
     </p:extLst>
   </p:cSld>
@@ -896,14 +896,14 @@
           <a:noFill/>
           <a:extLst>
             <a:ext uri="{909E8E84-426E-40DD-AFC4-6F175D3DCCD1}">
-              <a14:hiddenFill xmlns:a14="http://schemas.microsoft.com/office/drawing/2010/main" xmlns="">
+              <a14:hiddenFill xmlns="" xmlns:a14="http://schemas.microsoft.com/office/drawing/2010/main">
                 <a:solidFill>
                   <a:srgbClr val="FFFFFF"/>
                 </a:solidFill>
               </a14:hiddenFill>
             </a:ext>
             <a:ext uri="{91240B29-F687-4F45-9708-019B960494DF}">
-              <a14:hiddenLine xmlns:a14="http://schemas.microsoft.com/office/drawing/2010/main" xmlns="" w="9525">
+              <a14:hiddenLine xmlns="" xmlns:a14="http://schemas.microsoft.com/office/drawing/2010/main" w="9525">
                 <a:solidFill>
                   <a:srgbClr val="000000"/>
                 </a:solidFill>
@@ -1055,14 +1055,14 @@
           <a:noFill/>
           <a:extLst>
             <a:ext uri="{909E8E84-426E-40DD-AFC4-6F175D3DCCD1}">
-              <a14:hiddenFill xmlns:a14="http://schemas.microsoft.com/office/drawing/2010/main" xmlns="">
+              <a14:hiddenFill xmlns="" xmlns:a14="http://schemas.microsoft.com/office/drawing/2010/main">
                 <a:solidFill>
                   <a:srgbClr val="FFFFFF"/>
                 </a:solidFill>
               </a14:hiddenFill>
             </a:ext>
             <a:ext uri="{91240B29-F687-4F45-9708-019B960494DF}">
-              <a14:hiddenLine xmlns:a14="http://schemas.microsoft.com/office/drawing/2010/main" xmlns="" w="9525" cap="flat">
+              <a14:hiddenLine xmlns="" xmlns:a14="http://schemas.microsoft.com/office/drawing/2010/main" w="9525" cap="flat">
                 <a:solidFill>
                   <a:srgbClr val="000000"/>
                 </a:solidFill>
@@ -1084,7 +1084,7 @@
     </p:spTree>
     <p:extLst>
       <p:ext uri="{BB962C8B-B14F-4D97-AF65-F5344CB8AC3E}">
-        <p14:creationId xmlns:p14="http://schemas.microsoft.com/office/powerpoint/2010/main" xmlns="" val="633398870"/>
+        <p14:creationId xmlns="" xmlns:p14="http://schemas.microsoft.com/office/powerpoint/2010/main" val="633398870"/>
       </p:ext>
     </p:extLst>
   </p:cSld>
@@ -1133,14 +1133,14 @@
           <a:noFill/>
           <a:extLst>
             <a:ext uri="{909E8E84-426E-40DD-AFC4-6F175D3DCCD1}">
-              <a14:hiddenFill xmlns:a14="http://schemas.microsoft.com/office/drawing/2010/main" xmlns="">
+              <a14:hiddenFill xmlns="" xmlns:a14="http://schemas.microsoft.com/office/drawing/2010/main">
                 <a:solidFill>
                   <a:srgbClr val="FFFFFF"/>
                 </a:solidFill>
               </a14:hiddenFill>
             </a:ext>
             <a:ext uri="{91240B29-F687-4F45-9708-019B960494DF}">
-              <a14:hiddenLine xmlns:a14="http://schemas.microsoft.com/office/drawing/2010/main" xmlns="" w="9525">
+              <a14:hiddenLine xmlns="" xmlns:a14="http://schemas.microsoft.com/office/drawing/2010/main" w="9525">
                 <a:solidFill>
                   <a:srgbClr val="000000"/>
                 </a:solidFill>
@@ -1292,14 +1292,14 @@
           <a:noFill/>
           <a:extLst>
             <a:ext uri="{909E8E84-426E-40DD-AFC4-6F175D3DCCD1}">
-              <a14:hiddenFill xmlns:a14="http://schemas.microsoft.com/office/drawing/2010/main" xmlns="">
+              <a14:hiddenFill xmlns="" xmlns:a14="http://schemas.microsoft.com/office/drawing/2010/main">
                 <a:solidFill>
                   <a:srgbClr val="FFFFFF"/>
                 </a:solidFill>
               </a14:hiddenFill>
             </a:ext>
             <a:ext uri="{91240B29-F687-4F45-9708-019B960494DF}">
-              <a14:hiddenLine xmlns:a14="http://schemas.microsoft.com/office/drawing/2010/main" xmlns="" w="9525" cap="flat">
+              <a14:hiddenLine xmlns="" xmlns:a14="http://schemas.microsoft.com/office/drawing/2010/main" w="9525" cap="flat">
                 <a:solidFill>
                   <a:srgbClr val="000000"/>
                 </a:solidFill>
@@ -1321,7 +1321,7 @@
     </p:spTree>
     <p:extLst>
       <p:ext uri="{BB962C8B-B14F-4D97-AF65-F5344CB8AC3E}">
-        <p14:creationId xmlns:p14="http://schemas.microsoft.com/office/powerpoint/2010/main" xmlns="" val="2648853661"/>
+        <p14:creationId xmlns="" xmlns:p14="http://schemas.microsoft.com/office/powerpoint/2010/main" val="2648853661"/>
       </p:ext>
     </p:extLst>
   </p:cSld>
@@ -1370,14 +1370,14 @@
           <a:noFill/>
           <a:extLst>
             <a:ext uri="{909E8E84-426E-40DD-AFC4-6F175D3DCCD1}">
-              <a14:hiddenFill xmlns:a14="http://schemas.microsoft.com/office/drawing/2010/main" xmlns="">
+              <a14:hiddenFill xmlns="" xmlns:a14="http://schemas.microsoft.com/office/drawing/2010/main">
                 <a:solidFill>
                   <a:srgbClr val="FFFFFF"/>
                 </a:solidFill>
               </a14:hiddenFill>
             </a:ext>
             <a:ext uri="{91240B29-F687-4F45-9708-019B960494DF}">
-              <a14:hiddenLine xmlns:a14="http://schemas.microsoft.com/office/drawing/2010/main" xmlns="" w="9525">
+              <a14:hiddenLine xmlns="" xmlns:a14="http://schemas.microsoft.com/office/drawing/2010/main" w="9525">
                 <a:solidFill>
                   <a:srgbClr val="000000"/>
                 </a:solidFill>
@@ -1529,14 +1529,14 @@
           <a:noFill/>
           <a:extLst>
             <a:ext uri="{909E8E84-426E-40DD-AFC4-6F175D3DCCD1}">
-              <a14:hiddenFill xmlns:a14="http://schemas.microsoft.com/office/drawing/2010/main" xmlns="">
+              <a14:hiddenFill xmlns="" xmlns:a14="http://schemas.microsoft.com/office/drawing/2010/main">
                 <a:solidFill>
                   <a:srgbClr val="FFFFFF"/>
                 </a:solidFill>
               </a14:hiddenFill>
             </a:ext>
             <a:ext uri="{91240B29-F687-4F45-9708-019B960494DF}">
-              <a14:hiddenLine xmlns:a14="http://schemas.microsoft.com/office/drawing/2010/main" xmlns="" w="9525" cap="flat">
+              <a14:hiddenLine xmlns="" xmlns:a14="http://schemas.microsoft.com/office/drawing/2010/main" w="9525" cap="flat">
                 <a:solidFill>
                   <a:srgbClr val="000000"/>
                 </a:solidFill>
@@ -1558,7 +1558,7 @@
     </p:spTree>
     <p:extLst>
       <p:ext uri="{BB962C8B-B14F-4D97-AF65-F5344CB8AC3E}">
-        <p14:creationId xmlns:p14="http://schemas.microsoft.com/office/powerpoint/2010/main" xmlns="" val="3778943495"/>
+        <p14:creationId xmlns="" xmlns:p14="http://schemas.microsoft.com/office/powerpoint/2010/main" val="3778943495"/>
       </p:ext>
     </p:extLst>
   </p:cSld>
@@ -1607,14 +1607,14 @@
           <a:noFill/>
           <a:extLst>
             <a:ext uri="{909E8E84-426E-40DD-AFC4-6F175D3DCCD1}">
-              <a14:hiddenFill xmlns:a14="http://schemas.microsoft.com/office/drawing/2010/main" xmlns="">
+              <a14:hiddenFill xmlns="" xmlns:a14="http://schemas.microsoft.com/office/drawing/2010/main">
                 <a:solidFill>
                   <a:srgbClr val="FFFFFF"/>
                 </a:solidFill>
               </a14:hiddenFill>
             </a:ext>
             <a:ext uri="{91240B29-F687-4F45-9708-019B960494DF}">
-              <a14:hiddenLine xmlns:a14="http://schemas.microsoft.com/office/drawing/2010/main" xmlns="" w="9525">
+              <a14:hiddenLine xmlns="" xmlns:a14="http://schemas.microsoft.com/office/drawing/2010/main" w="9525">
                 <a:solidFill>
                   <a:srgbClr val="000000"/>
                 </a:solidFill>
@@ -1766,14 +1766,14 @@
           <a:noFill/>
           <a:extLst>
             <a:ext uri="{909E8E84-426E-40DD-AFC4-6F175D3DCCD1}">
-              <a14:hiddenFill xmlns:a14="http://schemas.microsoft.com/office/drawing/2010/main" xmlns="">
+              <a14:hiddenFill xmlns="" xmlns:a14="http://schemas.microsoft.com/office/drawing/2010/main">
                 <a:solidFill>
                   <a:srgbClr val="FFFFFF"/>
                 </a:solidFill>
               </a14:hiddenFill>
             </a:ext>
             <a:ext uri="{91240B29-F687-4F45-9708-019B960494DF}">
-              <a14:hiddenLine xmlns:a14="http://schemas.microsoft.com/office/drawing/2010/main" xmlns="" w="9525" cap="flat">
+              <a14:hiddenLine xmlns="" xmlns:a14="http://schemas.microsoft.com/office/drawing/2010/main" w="9525" cap="flat">
                 <a:solidFill>
                   <a:srgbClr val="000000"/>
                 </a:solidFill>
@@ -1795,7 +1795,7 @@
     </p:spTree>
     <p:extLst>
       <p:ext uri="{BB962C8B-B14F-4D97-AF65-F5344CB8AC3E}">
-        <p14:creationId xmlns:p14="http://schemas.microsoft.com/office/powerpoint/2010/main" xmlns="" val="3093866340"/>
+        <p14:creationId xmlns="" xmlns:p14="http://schemas.microsoft.com/office/powerpoint/2010/main" val="3093866340"/>
       </p:ext>
     </p:extLst>
   </p:cSld>
@@ -1844,14 +1844,14 @@
           <a:noFill/>
           <a:extLst>
             <a:ext uri="{909E8E84-426E-40DD-AFC4-6F175D3DCCD1}">
-              <a14:hiddenFill xmlns:a14="http://schemas.microsoft.com/office/drawing/2010/main" xmlns="">
+              <a14:hiddenFill xmlns="" xmlns:a14="http://schemas.microsoft.com/office/drawing/2010/main">
                 <a:solidFill>
                   <a:srgbClr val="FFFFFF"/>
                 </a:solidFill>
               </a14:hiddenFill>
             </a:ext>
             <a:ext uri="{91240B29-F687-4F45-9708-019B960494DF}">
-              <a14:hiddenLine xmlns:a14="http://schemas.microsoft.com/office/drawing/2010/main" xmlns="" w="9525">
+              <a14:hiddenLine xmlns="" xmlns:a14="http://schemas.microsoft.com/office/drawing/2010/main" w="9525">
                 <a:solidFill>
                   <a:srgbClr val="000000"/>
                 </a:solidFill>
@@ -2003,14 +2003,14 @@
           <a:noFill/>
           <a:extLst>
             <a:ext uri="{909E8E84-426E-40DD-AFC4-6F175D3DCCD1}">
-              <a14:hiddenFill xmlns:a14="http://schemas.microsoft.com/office/drawing/2010/main" xmlns="">
+              <a14:hiddenFill xmlns="" xmlns:a14="http://schemas.microsoft.com/office/drawing/2010/main">
                 <a:solidFill>
                   <a:srgbClr val="FFFFFF"/>
                 </a:solidFill>
               </a14:hiddenFill>
             </a:ext>
             <a:ext uri="{91240B29-F687-4F45-9708-019B960494DF}">
-              <a14:hiddenLine xmlns:a14="http://schemas.microsoft.com/office/drawing/2010/main" xmlns="" w="9525" cap="flat">
+              <a14:hiddenLine xmlns="" xmlns:a14="http://schemas.microsoft.com/office/drawing/2010/main" w="9525" cap="flat">
                 <a:solidFill>
                   <a:srgbClr val="000000"/>
                 </a:solidFill>
@@ -2032,7 +2032,7 @@
     </p:spTree>
     <p:extLst>
       <p:ext uri="{BB962C8B-B14F-4D97-AF65-F5344CB8AC3E}">
-        <p14:creationId xmlns:p14="http://schemas.microsoft.com/office/powerpoint/2010/main" xmlns="" val="2445468865"/>
+        <p14:creationId xmlns="" xmlns:p14="http://schemas.microsoft.com/office/powerpoint/2010/main" val="2445468865"/>
       </p:ext>
     </p:extLst>
   </p:cSld>
@@ -2081,14 +2081,14 @@
           <a:noFill/>
           <a:extLst>
             <a:ext uri="{909E8E84-426E-40DD-AFC4-6F175D3DCCD1}">
-              <a14:hiddenFill xmlns:a14="http://schemas.microsoft.com/office/drawing/2010/main" xmlns="">
+              <a14:hiddenFill xmlns="" xmlns:a14="http://schemas.microsoft.com/office/drawing/2010/main">
                 <a:solidFill>
                   <a:srgbClr val="FFFFFF"/>
                 </a:solidFill>
               </a14:hiddenFill>
             </a:ext>
             <a:ext uri="{91240B29-F687-4F45-9708-019B960494DF}">
-              <a14:hiddenLine xmlns:a14="http://schemas.microsoft.com/office/drawing/2010/main" xmlns="" w="9525">
+              <a14:hiddenLine xmlns="" xmlns:a14="http://schemas.microsoft.com/office/drawing/2010/main" w="9525">
                 <a:solidFill>
                   <a:srgbClr val="000000"/>
                 </a:solidFill>
@@ -2240,14 +2240,14 @@
           <a:noFill/>
           <a:extLst>
             <a:ext uri="{909E8E84-426E-40DD-AFC4-6F175D3DCCD1}">
-              <a14:hiddenFill xmlns:a14="http://schemas.microsoft.com/office/drawing/2010/main" xmlns="">
+              <a14:hiddenFill xmlns="" xmlns:a14="http://schemas.microsoft.com/office/drawing/2010/main">
                 <a:solidFill>
                   <a:srgbClr val="FFFFFF"/>
                 </a:solidFill>
               </a14:hiddenFill>
             </a:ext>
             <a:ext uri="{91240B29-F687-4F45-9708-019B960494DF}">
-              <a14:hiddenLine xmlns:a14="http://schemas.microsoft.com/office/drawing/2010/main" xmlns="" w="9525" cap="flat">
+              <a14:hiddenLine xmlns="" xmlns:a14="http://schemas.microsoft.com/office/drawing/2010/main" w="9525" cap="flat">
                 <a:solidFill>
                   <a:srgbClr val="000000"/>
                 </a:solidFill>
@@ -2269,7 +2269,7 @@
     </p:spTree>
     <p:extLst>
       <p:ext uri="{BB962C8B-B14F-4D97-AF65-F5344CB8AC3E}">
-        <p14:creationId xmlns:p14="http://schemas.microsoft.com/office/powerpoint/2010/main" xmlns="" val="3670739436"/>
+        <p14:creationId xmlns="" xmlns:p14="http://schemas.microsoft.com/office/powerpoint/2010/main" val="3670739436"/>
       </p:ext>
     </p:extLst>
   </p:cSld>
@@ -2318,14 +2318,14 @@
           <a:noFill/>
           <a:extLst>
             <a:ext uri="{909E8E84-426E-40DD-AFC4-6F175D3DCCD1}">
-              <a14:hiddenFill xmlns:a14="http://schemas.microsoft.com/office/drawing/2010/main" xmlns="">
+              <a14:hiddenFill xmlns="" xmlns:a14="http://schemas.microsoft.com/office/drawing/2010/main">
                 <a:solidFill>
                   <a:srgbClr val="FFFFFF"/>
                 </a:solidFill>
               </a14:hiddenFill>
             </a:ext>
             <a:ext uri="{91240B29-F687-4F45-9708-019B960494DF}">
-              <a14:hiddenLine xmlns:a14="http://schemas.microsoft.com/office/drawing/2010/main" xmlns="" w="9525">
+              <a14:hiddenLine xmlns="" xmlns:a14="http://schemas.microsoft.com/office/drawing/2010/main" w="9525">
                 <a:solidFill>
                   <a:srgbClr val="000000"/>
                 </a:solidFill>
@@ -2477,14 +2477,14 @@
           <a:noFill/>
           <a:extLst>
             <a:ext uri="{909E8E84-426E-40DD-AFC4-6F175D3DCCD1}">
-              <a14:hiddenFill xmlns:a14="http://schemas.microsoft.com/office/drawing/2010/main" xmlns="">
+              <a14:hiddenFill xmlns="" xmlns:a14="http://schemas.microsoft.com/office/drawing/2010/main">
                 <a:solidFill>
                   <a:srgbClr val="FFFFFF"/>
                 </a:solidFill>
               </a14:hiddenFill>
             </a:ext>
             <a:ext uri="{91240B29-F687-4F45-9708-019B960494DF}">
-              <a14:hiddenLine xmlns:a14="http://schemas.microsoft.com/office/drawing/2010/main" xmlns="" w="9525" cap="flat">
+              <a14:hiddenLine xmlns="" xmlns:a14="http://schemas.microsoft.com/office/drawing/2010/main" w="9525" cap="flat">
                 <a:solidFill>
                   <a:srgbClr val="000000"/>
                 </a:solidFill>
@@ -2506,7 +2506,7 @@
     </p:spTree>
     <p:extLst>
       <p:ext uri="{BB962C8B-B14F-4D97-AF65-F5344CB8AC3E}">
-        <p14:creationId xmlns:p14="http://schemas.microsoft.com/office/powerpoint/2010/main" xmlns="" val="3189149127"/>
+        <p14:creationId xmlns="" xmlns:p14="http://schemas.microsoft.com/office/powerpoint/2010/main" val="3189149127"/>
       </p:ext>
     </p:extLst>
   </p:cSld>
@@ -2555,14 +2555,14 @@
           <a:noFill/>
           <a:extLst>
             <a:ext uri="{909E8E84-426E-40DD-AFC4-6F175D3DCCD1}">
-              <a14:hiddenFill xmlns:a14="http://schemas.microsoft.com/office/drawing/2010/main" xmlns="">
+              <a14:hiddenFill xmlns="" xmlns:a14="http://schemas.microsoft.com/office/drawing/2010/main">
                 <a:solidFill>
                   <a:srgbClr val="FFFFFF"/>
                 </a:solidFill>
               </a14:hiddenFill>
             </a:ext>
             <a:ext uri="{91240B29-F687-4F45-9708-019B960494DF}">
-              <a14:hiddenLine xmlns:a14="http://schemas.microsoft.com/office/drawing/2010/main" xmlns="" w="9525">
+              <a14:hiddenLine xmlns="" xmlns:a14="http://schemas.microsoft.com/office/drawing/2010/main" w="9525">
                 <a:solidFill>
                   <a:srgbClr val="000000"/>
                 </a:solidFill>
@@ -2714,14 +2714,14 @@
           <a:noFill/>
           <a:extLst>
             <a:ext uri="{909E8E84-426E-40DD-AFC4-6F175D3DCCD1}">
-              <a14:hiddenFill xmlns:a14="http://schemas.microsoft.com/office/drawing/2010/main" xmlns="">
+              <a14:hiddenFill xmlns="" xmlns:a14="http://schemas.microsoft.com/office/drawing/2010/main">
                 <a:solidFill>
                   <a:srgbClr val="FFFFFF"/>
                 </a:solidFill>
               </a14:hiddenFill>
             </a:ext>
             <a:ext uri="{91240B29-F687-4F45-9708-019B960494DF}">
-              <a14:hiddenLine xmlns:a14="http://schemas.microsoft.com/office/drawing/2010/main" xmlns="" w="9525" cap="flat">
+              <a14:hiddenLine xmlns="" xmlns:a14="http://schemas.microsoft.com/office/drawing/2010/main" w="9525" cap="flat">
                 <a:solidFill>
                   <a:srgbClr val="000000"/>
                 </a:solidFill>
@@ -2743,7 +2743,7 @@
     </p:spTree>
     <p:extLst>
       <p:ext uri="{BB962C8B-B14F-4D97-AF65-F5344CB8AC3E}">
-        <p14:creationId xmlns:p14="http://schemas.microsoft.com/office/powerpoint/2010/main" xmlns="" val="3064784966"/>
+        <p14:creationId xmlns="" xmlns:p14="http://schemas.microsoft.com/office/powerpoint/2010/main" val="3064784966"/>
       </p:ext>
     </p:extLst>
   </p:cSld>
@@ -2792,14 +2792,14 @@
           <a:noFill/>
           <a:extLst>
             <a:ext uri="{909E8E84-426E-40DD-AFC4-6F175D3DCCD1}">
-              <a14:hiddenFill xmlns:a14="http://schemas.microsoft.com/office/drawing/2010/main" xmlns="">
+              <a14:hiddenFill xmlns="" xmlns:a14="http://schemas.microsoft.com/office/drawing/2010/main">
                 <a:solidFill>
                   <a:srgbClr val="FFFFFF"/>
                 </a:solidFill>
               </a14:hiddenFill>
             </a:ext>
             <a:ext uri="{91240B29-F687-4F45-9708-019B960494DF}">
-              <a14:hiddenLine xmlns:a14="http://schemas.microsoft.com/office/drawing/2010/main" xmlns="" w="9525">
+              <a14:hiddenLine xmlns="" xmlns:a14="http://schemas.microsoft.com/office/drawing/2010/main" w="9525">
                 <a:solidFill>
                   <a:srgbClr val="000000"/>
                 </a:solidFill>
@@ -2951,14 +2951,14 @@
           <a:noFill/>
           <a:extLst>
             <a:ext uri="{909E8E84-426E-40DD-AFC4-6F175D3DCCD1}">
-              <a14:hiddenFill xmlns:a14="http://schemas.microsoft.com/office/drawing/2010/main" xmlns="">
+              <a14:hiddenFill xmlns="" xmlns:a14="http://schemas.microsoft.com/office/drawing/2010/main">
                 <a:solidFill>
                   <a:srgbClr val="FFFFFF"/>
                 </a:solidFill>
               </a14:hiddenFill>
             </a:ext>
             <a:ext uri="{91240B29-F687-4F45-9708-019B960494DF}">
-              <a14:hiddenLine xmlns:a14="http://schemas.microsoft.com/office/drawing/2010/main" xmlns="" w="9525" cap="flat">
+              <a14:hiddenLine xmlns="" xmlns:a14="http://schemas.microsoft.com/office/drawing/2010/main" w="9525" cap="flat">
                 <a:solidFill>
                   <a:srgbClr val="000000"/>
                 </a:solidFill>
@@ -2980,7 +2980,7 @@
     </p:spTree>
     <p:extLst>
       <p:ext uri="{BB962C8B-B14F-4D97-AF65-F5344CB8AC3E}">
-        <p14:creationId xmlns:p14="http://schemas.microsoft.com/office/powerpoint/2010/main" xmlns="" val="820887667"/>
+        <p14:creationId xmlns="" xmlns:p14="http://schemas.microsoft.com/office/powerpoint/2010/main" val="820887667"/>
       </p:ext>
     </p:extLst>
   </p:cSld>
@@ -3029,14 +3029,14 @@
           <a:noFill/>
           <a:extLst>
             <a:ext uri="{909E8E84-426E-40DD-AFC4-6F175D3DCCD1}">
-              <a14:hiddenFill xmlns:a14="http://schemas.microsoft.com/office/drawing/2010/main" xmlns="">
+              <a14:hiddenFill xmlns="" xmlns:a14="http://schemas.microsoft.com/office/drawing/2010/main">
                 <a:solidFill>
                   <a:srgbClr val="FFFFFF"/>
                 </a:solidFill>
               </a14:hiddenFill>
             </a:ext>
             <a:ext uri="{91240B29-F687-4F45-9708-019B960494DF}">
-              <a14:hiddenLine xmlns:a14="http://schemas.microsoft.com/office/drawing/2010/main" xmlns="" w="9525">
+              <a14:hiddenLine xmlns="" xmlns:a14="http://schemas.microsoft.com/office/drawing/2010/main" w="9525">
                 <a:solidFill>
                   <a:srgbClr val="000000"/>
                 </a:solidFill>
@@ -3188,14 +3188,14 @@
           <a:noFill/>
           <a:extLst>
             <a:ext uri="{909E8E84-426E-40DD-AFC4-6F175D3DCCD1}">
-              <a14:hiddenFill xmlns:a14="http://schemas.microsoft.com/office/drawing/2010/main" xmlns="">
+              <a14:hiddenFill xmlns="" xmlns:a14="http://schemas.microsoft.com/office/drawing/2010/main">
                 <a:solidFill>
                   <a:srgbClr val="FFFFFF"/>
                 </a:solidFill>
               </a14:hiddenFill>
             </a:ext>
             <a:ext uri="{91240B29-F687-4F45-9708-019B960494DF}">
-              <a14:hiddenLine xmlns:a14="http://schemas.microsoft.com/office/drawing/2010/main" xmlns="" w="9525" cap="flat">
+              <a14:hiddenLine xmlns="" xmlns:a14="http://schemas.microsoft.com/office/drawing/2010/main" w="9525" cap="flat">
                 <a:solidFill>
                   <a:srgbClr val="000000"/>
                 </a:solidFill>
@@ -3217,7 +3217,7 @@
     </p:spTree>
     <p:extLst>
       <p:ext uri="{BB962C8B-B14F-4D97-AF65-F5344CB8AC3E}">
-        <p14:creationId xmlns:p14="http://schemas.microsoft.com/office/powerpoint/2010/main" xmlns="" val="1936022927"/>
+        <p14:creationId xmlns="" xmlns:p14="http://schemas.microsoft.com/office/powerpoint/2010/main" val="1936022927"/>
       </p:ext>
     </p:extLst>
   </p:cSld>
@@ -3266,14 +3266,14 @@
           <a:noFill/>
           <a:extLst>
             <a:ext uri="{909E8E84-426E-40DD-AFC4-6F175D3DCCD1}">
-              <a14:hiddenFill xmlns:a14="http://schemas.microsoft.com/office/drawing/2010/main" xmlns="">
+              <a14:hiddenFill xmlns="" xmlns:a14="http://schemas.microsoft.com/office/drawing/2010/main">
                 <a:solidFill>
                   <a:srgbClr val="FFFFFF"/>
                 </a:solidFill>
               </a14:hiddenFill>
             </a:ext>
             <a:ext uri="{91240B29-F687-4F45-9708-019B960494DF}">
-              <a14:hiddenLine xmlns:a14="http://schemas.microsoft.com/office/drawing/2010/main" xmlns="" w="9525">
+              <a14:hiddenLine xmlns="" xmlns:a14="http://schemas.microsoft.com/office/drawing/2010/main" w="9525">
                 <a:solidFill>
                   <a:srgbClr val="000000"/>
                 </a:solidFill>
@@ -3425,14 +3425,14 @@
           <a:noFill/>
           <a:extLst>
             <a:ext uri="{909E8E84-426E-40DD-AFC4-6F175D3DCCD1}">
-              <a14:hiddenFill xmlns:a14="http://schemas.microsoft.com/office/drawing/2010/main" xmlns="">
+              <a14:hiddenFill xmlns="" xmlns:a14="http://schemas.microsoft.com/office/drawing/2010/main">
                 <a:solidFill>
                   <a:srgbClr val="FFFFFF"/>
                 </a:solidFill>
               </a14:hiddenFill>
             </a:ext>
             <a:ext uri="{91240B29-F687-4F45-9708-019B960494DF}">
-              <a14:hiddenLine xmlns:a14="http://schemas.microsoft.com/office/drawing/2010/main" xmlns="" w="9525" cap="flat">
+              <a14:hiddenLine xmlns="" xmlns:a14="http://schemas.microsoft.com/office/drawing/2010/main" w="9525" cap="flat">
                 <a:solidFill>
                   <a:srgbClr val="000000"/>
                 </a:solidFill>
@@ -3454,7 +3454,7 @@
     </p:spTree>
     <p:extLst>
       <p:ext uri="{BB962C8B-B14F-4D97-AF65-F5344CB8AC3E}">
-        <p14:creationId xmlns:p14="http://schemas.microsoft.com/office/powerpoint/2010/main" xmlns="" val="12951536"/>
+        <p14:creationId xmlns="" xmlns:p14="http://schemas.microsoft.com/office/powerpoint/2010/main" val="12951536"/>
       </p:ext>
     </p:extLst>
   </p:cSld>
@@ -3503,14 +3503,14 @@
           <a:noFill/>
           <a:extLst>
             <a:ext uri="{909E8E84-426E-40DD-AFC4-6F175D3DCCD1}">
-              <a14:hiddenFill xmlns:a14="http://schemas.microsoft.com/office/drawing/2010/main" xmlns="">
+              <a14:hiddenFill xmlns="" xmlns:a14="http://schemas.microsoft.com/office/drawing/2010/main">
                 <a:solidFill>
                   <a:srgbClr val="FFFFFF"/>
                 </a:solidFill>
               </a14:hiddenFill>
             </a:ext>
             <a:ext uri="{91240B29-F687-4F45-9708-019B960494DF}">
-              <a14:hiddenLine xmlns:a14="http://schemas.microsoft.com/office/drawing/2010/main" xmlns="" w="9525">
+              <a14:hiddenLine xmlns="" xmlns:a14="http://schemas.microsoft.com/office/drawing/2010/main" w="9525">
                 <a:solidFill>
                   <a:srgbClr val="000000"/>
                 </a:solidFill>
@@ -3662,14 +3662,14 @@
           <a:noFill/>
           <a:extLst>
             <a:ext uri="{909E8E84-426E-40DD-AFC4-6F175D3DCCD1}">
-              <a14:hiddenFill xmlns:a14="http://schemas.microsoft.com/office/drawing/2010/main" xmlns="">
+              <a14:hiddenFill xmlns="" xmlns:a14="http://schemas.microsoft.com/office/drawing/2010/main">
                 <a:solidFill>
                   <a:srgbClr val="FFFFFF"/>
                 </a:solidFill>
               </a14:hiddenFill>
             </a:ext>
             <a:ext uri="{91240B29-F687-4F45-9708-019B960494DF}">
-              <a14:hiddenLine xmlns:a14="http://schemas.microsoft.com/office/drawing/2010/main" xmlns="" w="9525" cap="flat">
+              <a14:hiddenLine xmlns="" xmlns:a14="http://schemas.microsoft.com/office/drawing/2010/main" w="9525" cap="flat">
                 <a:solidFill>
                   <a:srgbClr val="000000"/>
                 </a:solidFill>
@@ -3691,7 +3691,7 @@
     </p:spTree>
     <p:extLst>
       <p:ext uri="{BB962C8B-B14F-4D97-AF65-F5344CB8AC3E}">
-        <p14:creationId xmlns:p14="http://schemas.microsoft.com/office/powerpoint/2010/main" xmlns="" val="193149072"/>
+        <p14:creationId xmlns="" xmlns:p14="http://schemas.microsoft.com/office/powerpoint/2010/main" val="193149072"/>
       </p:ext>
     </p:extLst>
   </p:cSld>
@@ -3740,14 +3740,14 @@
           <a:noFill/>
           <a:extLst>
             <a:ext uri="{909E8E84-426E-40DD-AFC4-6F175D3DCCD1}">
-              <a14:hiddenFill xmlns:a14="http://schemas.microsoft.com/office/drawing/2010/main" xmlns="">
+              <a14:hiddenFill xmlns="" xmlns:a14="http://schemas.microsoft.com/office/drawing/2010/main">
                 <a:solidFill>
                   <a:srgbClr val="FFFFFF"/>
                 </a:solidFill>
               </a14:hiddenFill>
             </a:ext>
             <a:ext uri="{91240B29-F687-4F45-9708-019B960494DF}">
-              <a14:hiddenLine xmlns:a14="http://schemas.microsoft.com/office/drawing/2010/main" xmlns="" w="9525">
+              <a14:hiddenLine xmlns="" xmlns:a14="http://schemas.microsoft.com/office/drawing/2010/main" w="9525">
                 <a:solidFill>
                   <a:srgbClr val="000000"/>
                 </a:solidFill>
@@ -3899,14 +3899,14 @@
           <a:noFill/>
           <a:extLst>
             <a:ext uri="{909E8E84-426E-40DD-AFC4-6F175D3DCCD1}">
-              <a14:hiddenFill xmlns:a14="http://schemas.microsoft.com/office/drawing/2010/main" xmlns="">
+              <a14:hiddenFill xmlns="" xmlns:a14="http://schemas.microsoft.com/office/drawing/2010/main">
                 <a:solidFill>
                   <a:srgbClr val="FFFFFF"/>
                 </a:solidFill>
               </a14:hiddenFill>
             </a:ext>
             <a:ext uri="{91240B29-F687-4F45-9708-019B960494DF}">
-              <a14:hiddenLine xmlns:a14="http://schemas.microsoft.com/office/drawing/2010/main" xmlns="" w="9525" cap="flat">
+              <a14:hiddenLine xmlns="" xmlns:a14="http://schemas.microsoft.com/office/drawing/2010/main" w="9525" cap="flat">
                 <a:solidFill>
                   <a:srgbClr val="000000"/>
                 </a:solidFill>
@@ -3928,7 +3928,7 @@
     </p:spTree>
     <p:extLst>
       <p:ext uri="{BB962C8B-B14F-4D97-AF65-F5344CB8AC3E}">
-        <p14:creationId xmlns:p14="http://schemas.microsoft.com/office/powerpoint/2010/main" xmlns="" val="2215341922"/>
+        <p14:creationId xmlns="" xmlns:p14="http://schemas.microsoft.com/office/powerpoint/2010/main" val="2215341922"/>
       </p:ext>
     </p:extLst>
   </p:cSld>
@@ -3977,14 +3977,14 @@
           <a:noFill/>
           <a:extLst>
             <a:ext uri="{909E8E84-426E-40DD-AFC4-6F175D3DCCD1}">
-              <a14:hiddenFill xmlns:a14="http://schemas.microsoft.com/office/drawing/2010/main" xmlns="">
+              <a14:hiddenFill xmlns="" xmlns:a14="http://schemas.microsoft.com/office/drawing/2010/main">
                 <a:solidFill>
                   <a:srgbClr val="FFFFFF"/>
                 </a:solidFill>
               </a14:hiddenFill>
             </a:ext>
             <a:ext uri="{91240B29-F687-4F45-9708-019B960494DF}">
-              <a14:hiddenLine xmlns:a14="http://schemas.microsoft.com/office/drawing/2010/main" xmlns="" w="9525">
+              <a14:hiddenLine xmlns="" xmlns:a14="http://schemas.microsoft.com/office/drawing/2010/main" w="9525">
                 <a:solidFill>
                   <a:srgbClr val="000000"/>
                 </a:solidFill>
@@ -4136,14 +4136,14 @@
           <a:noFill/>
           <a:extLst>
             <a:ext uri="{909E8E84-426E-40DD-AFC4-6F175D3DCCD1}">
-              <a14:hiddenFill xmlns:a14="http://schemas.microsoft.com/office/drawing/2010/main" xmlns="">
+              <a14:hiddenFill xmlns="" xmlns:a14="http://schemas.microsoft.com/office/drawing/2010/main">
                 <a:solidFill>
                   <a:srgbClr val="FFFFFF"/>
                 </a:solidFill>
               </a14:hiddenFill>
             </a:ext>
             <a:ext uri="{91240B29-F687-4F45-9708-019B960494DF}">
-              <a14:hiddenLine xmlns:a14="http://schemas.microsoft.com/office/drawing/2010/main" xmlns="" w="9525" cap="flat">
+              <a14:hiddenLine xmlns="" xmlns:a14="http://schemas.microsoft.com/office/drawing/2010/main" w="9525" cap="flat">
                 <a:solidFill>
                   <a:srgbClr val="000000"/>
                 </a:solidFill>
@@ -4165,7 +4165,7 @@
     </p:spTree>
     <p:extLst>
       <p:ext uri="{BB962C8B-B14F-4D97-AF65-F5344CB8AC3E}">
-        <p14:creationId xmlns:p14="http://schemas.microsoft.com/office/powerpoint/2010/main" xmlns="" val="3155271457"/>
+        <p14:creationId xmlns="" xmlns:p14="http://schemas.microsoft.com/office/powerpoint/2010/main" val="3155271457"/>
       </p:ext>
     </p:extLst>
   </p:cSld>
@@ -4214,14 +4214,14 @@
           <a:noFill/>
           <a:extLst>
             <a:ext uri="{909E8E84-426E-40DD-AFC4-6F175D3DCCD1}">
-              <a14:hiddenFill xmlns:a14="http://schemas.microsoft.com/office/drawing/2010/main" xmlns="">
+              <a14:hiddenFill xmlns="" xmlns:a14="http://schemas.microsoft.com/office/drawing/2010/main">
                 <a:solidFill>
                   <a:srgbClr val="FFFFFF"/>
                 </a:solidFill>
               </a14:hiddenFill>
             </a:ext>
             <a:ext uri="{91240B29-F687-4F45-9708-019B960494DF}">
-              <a14:hiddenLine xmlns:a14="http://schemas.microsoft.com/office/drawing/2010/main" xmlns="" w="9525">
+              <a14:hiddenLine xmlns="" xmlns:a14="http://schemas.microsoft.com/office/drawing/2010/main" w="9525">
                 <a:solidFill>
                   <a:srgbClr val="000000"/>
                 </a:solidFill>
@@ -4373,14 +4373,14 @@
           <a:noFill/>
           <a:extLst>
             <a:ext uri="{909E8E84-426E-40DD-AFC4-6F175D3DCCD1}">
-              <a14:hiddenFill xmlns:a14="http://schemas.microsoft.com/office/drawing/2010/main" xmlns="">
+              <a14:hiddenFill xmlns="" xmlns:a14="http://schemas.microsoft.com/office/drawing/2010/main">
                 <a:solidFill>
                   <a:srgbClr val="FFFFFF"/>
                 </a:solidFill>
               </a14:hiddenFill>
             </a:ext>
             <a:ext uri="{91240B29-F687-4F45-9708-019B960494DF}">
-              <a14:hiddenLine xmlns:a14="http://schemas.microsoft.com/office/drawing/2010/main" xmlns="" w="9525" cap="flat">
+              <a14:hiddenLine xmlns="" xmlns:a14="http://schemas.microsoft.com/office/drawing/2010/main" w="9525" cap="flat">
                 <a:solidFill>
                   <a:srgbClr val="000000"/>
                 </a:solidFill>
@@ -4402,7 +4402,7 @@
     </p:spTree>
     <p:extLst>
       <p:ext uri="{BB962C8B-B14F-4D97-AF65-F5344CB8AC3E}">
-        <p14:creationId xmlns:p14="http://schemas.microsoft.com/office/powerpoint/2010/main" xmlns="" val="3551785336"/>
+        <p14:creationId xmlns="" xmlns:p14="http://schemas.microsoft.com/office/powerpoint/2010/main" val="3551785336"/>
       </p:ext>
     </p:extLst>
   </p:cSld>
@@ -4451,14 +4451,14 @@
           <a:noFill/>
           <a:extLst>
             <a:ext uri="{909E8E84-426E-40DD-AFC4-6F175D3DCCD1}">
-              <a14:hiddenFill xmlns:a14="http://schemas.microsoft.com/office/drawing/2010/main" xmlns="">
+              <a14:hiddenFill xmlns="" xmlns:a14="http://schemas.microsoft.com/office/drawing/2010/main">
                 <a:solidFill>
                   <a:srgbClr val="FFFFFF"/>
                 </a:solidFill>
               </a14:hiddenFill>
             </a:ext>
             <a:ext uri="{91240B29-F687-4F45-9708-019B960494DF}">
-              <a14:hiddenLine xmlns:a14="http://schemas.microsoft.com/office/drawing/2010/main" xmlns="" w="9525">
+              <a14:hiddenLine xmlns="" xmlns:a14="http://schemas.microsoft.com/office/drawing/2010/main" w="9525">
                 <a:solidFill>
                   <a:srgbClr val="000000"/>
                 </a:solidFill>
@@ -4610,14 +4610,14 @@
           <a:noFill/>
           <a:extLst>
             <a:ext uri="{909E8E84-426E-40DD-AFC4-6F175D3DCCD1}">
-              <a14:hiddenFill xmlns:a14="http://schemas.microsoft.com/office/drawing/2010/main" xmlns="">
+              <a14:hiddenFill xmlns="" xmlns:a14="http://schemas.microsoft.com/office/drawing/2010/main">
                 <a:solidFill>
                   <a:srgbClr val="FFFFFF"/>
                 </a:solidFill>
               </a14:hiddenFill>
             </a:ext>
             <a:ext uri="{91240B29-F687-4F45-9708-019B960494DF}">
-              <a14:hiddenLine xmlns:a14="http://schemas.microsoft.com/office/drawing/2010/main" xmlns="" w="9525" cap="flat">
+              <a14:hiddenLine xmlns="" xmlns:a14="http://schemas.microsoft.com/office/drawing/2010/main" w="9525" cap="flat">
                 <a:solidFill>
                   <a:srgbClr val="000000"/>
                 </a:solidFill>
@@ -4639,7 +4639,7 @@
     </p:spTree>
     <p:extLst>
       <p:ext uri="{BB962C8B-B14F-4D97-AF65-F5344CB8AC3E}">
-        <p14:creationId xmlns:p14="http://schemas.microsoft.com/office/powerpoint/2010/main" xmlns="" val="1203307341"/>
+        <p14:creationId xmlns="" xmlns:p14="http://schemas.microsoft.com/office/powerpoint/2010/main" val="1203307341"/>
       </p:ext>
     </p:extLst>
   </p:cSld>
@@ -4688,14 +4688,14 @@
           <a:noFill/>
           <a:extLst>
             <a:ext uri="{909E8E84-426E-40DD-AFC4-6F175D3DCCD1}">
-              <a14:hiddenFill xmlns:a14="http://schemas.microsoft.com/office/drawing/2010/main" xmlns="">
+              <a14:hiddenFill xmlns="" xmlns:a14="http://schemas.microsoft.com/office/drawing/2010/main">
                 <a:solidFill>
                   <a:srgbClr val="FFFFFF"/>
                 </a:solidFill>
               </a14:hiddenFill>
             </a:ext>
             <a:ext uri="{91240B29-F687-4F45-9708-019B960494DF}">
-              <a14:hiddenLine xmlns:a14="http://schemas.microsoft.com/office/drawing/2010/main" xmlns="" w="9525">
+              <a14:hiddenLine xmlns="" xmlns:a14="http://schemas.microsoft.com/office/drawing/2010/main" w="9525">
                 <a:solidFill>
                   <a:srgbClr val="000000"/>
                 </a:solidFill>
@@ -4847,14 +4847,14 @@
           <a:noFill/>
           <a:extLst>
             <a:ext uri="{909E8E84-426E-40DD-AFC4-6F175D3DCCD1}">
-              <a14:hiddenFill xmlns:a14="http://schemas.microsoft.com/office/drawing/2010/main" xmlns="">
+              <a14:hiddenFill xmlns="" xmlns:a14="http://schemas.microsoft.com/office/drawing/2010/main">
                 <a:solidFill>
                   <a:srgbClr val="FFFFFF"/>
                 </a:solidFill>
               </a14:hiddenFill>
             </a:ext>
             <a:ext uri="{91240B29-F687-4F45-9708-019B960494DF}">
-              <a14:hiddenLine xmlns:a14="http://schemas.microsoft.com/office/drawing/2010/main" xmlns="" w="9525" cap="flat">
+              <a14:hiddenLine xmlns="" xmlns:a14="http://schemas.microsoft.com/office/drawing/2010/main" w="9525" cap="flat">
                 <a:solidFill>
                   <a:srgbClr val="000000"/>
                 </a:solidFill>
@@ -4876,7 +4876,7 @@
     </p:spTree>
     <p:extLst>
       <p:ext uri="{BB962C8B-B14F-4D97-AF65-F5344CB8AC3E}">
-        <p14:creationId xmlns:p14="http://schemas.microsoft.com/office/powerpoint/2010/main" xmlns="" val="2873119749"/>
+        <p14:creationId xmlns="" xmlns:p14="http://schemas.microsoft.com/office/powerpoint/2010/main" val="2873119749"/>
       </p:ext>
     </p:extLst>
   </p:cSld>
@@ -5003,7 +5003,7 @@
     </p:spTree>
     <p:extLst>
       <p:ext uri="{BB962C8B-B14F-4D97-AF65-F5344CB8AC3E}">
-        <p14:creationId xmlns:p14="http://schemas.microsoft.com/office/powerpoint/2010/main" xmlns="" val="3463218535"/>
+        <p14:creationId xmlns="" xmlns:p14="http://schemas.microsoft.com/office/powerpoint/2010/main" val="3463218535"/>
       </p:ext>
     </p:extLst>
   </p:cSld>
@@ -5140,7 +5140,7 @@
               <a:pPr>
                 <a:defRPr/>
               </a:pPr>
-              <a:t>11/8/2017</a:t>
+              <a:t>11/11/2017</a:t>
             </a:fld>
             <a:endParaRPr lang="en-US" altLang="en-US"/>
           </a:p>
@@ -5226,7 +5226,7 @@
     </p:spTree>
     <p:extLst>
       <p:ext uri="{BB962C8B-B14F-4D97-AF65-F5344CB8AC3E}">
-        <p14:creationId xmlns:p14="http://schemas.microsoft.com/office/powerpoint/2010/main" xmlns="" val="2409673953"/>
+        <p14:creationId xmlns="" xmlns:p14="http://schemas.microsoft.com/office/powerpoint/2010/main" val="2409673953"/>
       </p:ext>
     </p:extLst>
   </p:cSld>
@@ -5373,7 +5373,7 @@
               <a:pPr>
                 <a:defRPr/>
               </a:pPr>
-              <a:t>11/8/2017</a:t>
+              <a:t>11/11/2017</a:t>
             </a:fld>
             <a:endParaRPr lang="en-US" altLang="en-US"/>
           </a:p>
@@ -5459,7 +5459,7 @@
     </p:spTree>
     <p:extLst>
       <p:ext uri="{BB962C8B-B14F-4D97-AF65-F5344CB8AC3E}">
-        <p14:creationId xmlns:p14="http://schemas.microsoft.com/office/powerpoint/2010/main" xmlns="" val="1434235924"/>
+        <p14:creationId xmlns="" xmlns:p14="http://schemas.microsoft.com/office/powerpoint/2010/main" val="1434235924"/>
       </p:ext>
     </p:extLst>
   </p:cSld>
@@ -5564,7 +5564,7 @@
     </p:spTree>
     <p:extLst>
       <p:ext uri="{BB962C8B-B14F-4D97-AF65-F5344CB8AC3E}">
-        <p14:creationId xmlns:p14="http://schemas.microsoft.com/office/powerpoint/2010/main" xmlns="" val="1933310385"/>
+        <p14:creationId xmlns="" xmlns:p14="http://schemas.microsoft.com/office/powerpoint/2010/main" val="1933310385"/>
       </p:ext>
     </p:extLst>
   </p:cSld>
@@ -5691,7 +5691,7 @@
     </p:spTree>
     <p:extLst>
       <p:ext uri="{BB962C8B-B14F-4D97-AF65-F5344CB8AC3E}">
-        <p14:creationId xmlns:p14="http://schemas.microsoft.com/office/powerpoint/2010/main" xmlns="" val="679122482"/>
+        <p14:creationId xmlns="" xmlns:p14="http://schemas.microsoft.com/office/powerpoint/2010/main" val="679122482"/>
       </p:ext>
     </p:extLst>
   </p:cSld>
@@ -5858,7 +5858,7 @@
     </p:spTree>
     <p:extLst>
       <p:ext uri="{BB962C8B-B14F-4D97-AF65-F5344CB8AC3E}">
-        <p14:creationId xmlns:p14="http://schemas.microsoft.com/office/powerpoint/2010/main" xmlns="" val="2706322293"/>
+        <p14:creationId xmlns="" xmlns:p14="http://schemas.microsoft.com/office/powerpoint/2010/main" val="2706322293"/>
       </p:ext>
     </p:extLst>
   </p:cSld>
@@ -6160,7 +6160,7 @@
     </p:spTree>
     <p:extLst>
       <p:ext uri="{BB962C8B-B14F-4D97-AF65-F5344CB8AC3E}">
-        <p14:creationId xmlns:p14="http://schemas.microsoft.com/office/powerpoint/2010/main" xmlns="" val="1221097679"/>
+        <p14:creationId xmlns="" xmlns:p14="http://schemas.microsoft.com/office/powerpoint/2010/main" val="1221097679"/>
       </p:ext>
     </p:extLst>
   </p:cSld>
@@ -6245,7 +6245,7 @@
               <a:pPr>
                 <a:defRPr/>
               </a:pPr>
-              <a:t>11/8/2017</a:t>
+              <a:t>11/11/2017</a:t>
             </a:fld>
             <a:endParaRPr lang="en-US" altLang="en-US"/>
           </a:p>
@@ -6331,7 +6331,7 @@
     </p:spTree>
     <p:extLst>
       <p:ext uri="{BB962C8B-B14F-4D97-AF65-F5344CB8AC3E}">
-        <p14:creationId xmlns:p14="http://schemas.microsoft.com/office/powerpoint/2010/main" xmlns="" val="3084687870"/>
+        <p14:creationId xmlns="" xmlns:p14="http://schemas.microsoft.com/office/powerpoint/2010/main" val="3084687870"/>
       </p:ext>
     </p:extLst>
   </p:cSld>
@@ -6393,7 +6393,7 @@
               <a:pPr>
                 <a:defRPr/>
               </a:pPr>
-              <a:t>11/8/2017</a:t>
+              <a:t>11/11/2017</a:t>
             </a:fld>
             <a:endParaRPr lang="en-US" altLang="en-US"/>
           </a:p>
@@ -6479,7 +6479,7 @@
     </p:spTree>
     <p:extLst>
       <p:ext uri="{BB962C8B-B14F-4D97-AF65-F5344CB8AC3E}">
-        <p14:creationId xmlns:p14="http://schemas.microsoft.com/office/powerpoint/2010/main" xmlns="" val="4238563658"/>
+        <p14:creationId xmlns="" xmlns:p14="http://schemas.microsoft.com/office/powerpoint/2010/main" val="4238563658"/>
       </p:ext>
     </p:extLst>
   </p:cSld>
@@ -6723,7 +6723,7 @@
               <a:pPr>
                 <a:defRPr/>
               </a:pPr>
-              <a:t>11/8/2017</a:t>
+              <a:t>11/11/2017</a:t>
             </a:fld>
             <a:endParaRPr lang="en-US" altLang="en-US"/>
           </a:p>
@@ -6809,7 +6809,7 @@
     </p:spTree>
     <p:extLst>
       <p:ext uri="{BB962C8B-B14F-4D97-AF65-F5344CB8AC3E}">
-        <p14:creationId xmlns:p14="http://schemas.microsoft.com/office/powerpoint/2010/main" xmlns="" val="1842507833"/>
+        <p14:creationId xmlns="" xmlns:p14="http://schemas.microsoft.com/office/powerpoint/2010/main" val="1842507833"/>
       </p:ext>
     </p:extLst>
   </p:cSld>
@@ -7030,7 +7030,7 @@
               <a:pPr>
                 <a:defRPr/>
               </a:pPr>
-              <a:t>11/8/2017</a:t>
+              <a:t>11/11/2017</a:t>
             </a:fld>
             <a:endParaRPr lang="en-US" altLang="en-US"/>
           </a:p>
@@ -7116,7 +7116,7 @@
     </p:spTree>
     <p:extLst>
       <p:ext uri="{BB962C8B-B14F-4D97-AF65-F5344CB8AC3E}">
-        <p14:creationId xmlns:p14="http://schemas.microsoft.com/office/powerpoint/2010/main" xmlns="" val="4118781667"/>
+        <p14:creationId xmlns="" xmlns:p14="http://schemas.microsoft.com/office/powerpoint/2010/main" val="4118781667"/>
       </p:ext>
     </p:extLst>
   </p:cSld>
@@ -7175,14 +7175,14 @@
           </a:ln>
           <a:extLst>
             <a:ext uri="{909E8E84-426E-40DD-AFC4-6F175D3DCCD1}">
-              <a14:hiddenFill xmlns:a14="http://schemas.microsoft.com/office/drawing/2010/main" xmlns="">
+              <a14:hiddenFill xmlns="" xmlns:a14="http://schemas.microsoft.com/office/drawing/2010/main">
                 <a:solidFill>
                   <a:srgbClr val="FFFFFF"/>
                 </a:solidFill>
               </a14:hiddenFill>
             </a:ext>
             <a:ext uri="{91240B29-F687-4F45-9708-019B960494DF}">
-              <a14:hiddenLine xmlns:a14="http://schemas.microsoft.com/office/drawing/2010/main" xmlns="" w="9525">
+              <a14:hiddenLine xmlns="" xmlns:a14="http://schemas.microsoft.com/office/drawing/2010/main" w="9525">
                 <a:solidFill>
                   <a:srgbClr val="000000"/>
                 </a:solidFill>
@@ -7233,14 +7233,14 @@
           </a:ln>
           <a:extLst>
             <a:ext uri="{909E8E84-426E-40DD-AFC4-6F175D3DCCD1}">
-              <a14:hiddenFill xmlns:a14="http://schemas.microsoft.com/office/drawing/2010/main" xmlns="">
+              <a14:hiddenFill xmlns="" xmlns:a14="http://schemas.microsoft.com/office/drawing/2010/main">
                 <a:solidFill>
                   <a:srgbClr val="FFFFFF"/>
                 </a:solidFill>
               </a14:hiddenFill>
             </a:ext>
             <a:ext uri="{91240B29-F687-4F45-9708-019B960494DF}">
-              <a14:hiddenLine xmlns:a14="http://schemas.microsoft.com/office/drawing/2010/main" xmlns="" w="9525">
+              <a14:hiddenLine xmlns="" xmlns:a14="http://schemas.microsoft.com/office/drawing/2010/main" w="9525">
                 <a:solidFill>
                   <a:srgbClr val="000000"/>
                 </a:solidFill>
@@ -7743,14 +7743,14 @@
           </a:ln>
           <a:extLst>
             <a:ext uri="{909E8E84-426E-40DD-AFC4-6F175D3DCCD1}">
-              <a14:hiddenFill xmlns:a14="http://schemas.microsoft.com/office/drawing/2010/main" xmlns="">
+              <a14:hiddenFill xmlns="" xmlns:a14="http://schemas.microsoft.com/office/drawing/2010/main">
                 <a:solidFill>
                   <a:srgbClr val="FFFFFF"/>
                 </a:solidFill>
               </a14:hiddenFill>
             </a:ext>
             <a:ext uri="{91240B29-F687-4F45-9708-019B960494DF}">
-              <a14:hiddenLine xmlns:a14="http://schemas.microsoft.com/office/drawing/2010/main" xmlns="" w="9525">
+              <a14:hiddenLine xmlns="" xmlns:a14="http://schemas.microsoft.com/office/drawing/2010/main" w="9525">
                 <a:solidFill>
                   <a:srgbClr val="000000"/>
                 </a:solidFill>
@@ -8023,14 +8023,14 @@
           </a:ln>
           <a:extLst>
             <a:ext uri="{909E8E84-426E-40DD-AFC4-6F175D3DCCD1}">
-              <a14:hiddenFill xmlns:a14="http://schemas.microsoft.com/office/drawing/2010/main" xmlns="">
+              <a14:hiddenFill xmlns="" xmlns:a14="http://schemas.microsoft.com/office/drawing/2010/main">
                 <a:solidFill>
                   <a:srgbClr val="FFFFFF"/>
                 </a:solidFill>
               </a14:hiddenFill>
             </a:ext>
             <a:ext uri="{91240B29-F687-4F45-9708-019B960494DF}">
-              <a14:hiddenLine xmlns:a14="http://schemas.microsoft.com/office/drawing/2010/main" xmlns="" w="9525">
+              <a14:hiddenLine xmlns="" xmlns:a14="http://schemas.microsoft.com/office/drawing/2010/main" w="9525">
                 <a:solidFill>
                   <a:srgbClr val="000000"/>
                 </a:solidFill>
@@ -8307,14 +8307,14 @@
           </a:ln>
           <a:extLst>
             <a:ext uri="{909E8E84-426E-40DD-AFC4-6F175D3DCCD1}">
-              <a14:hiddenFill xmlns:a14="http://schemas.microsoft.com/office/drawing/2010/main" xmlns="">
+              <a14:hiddenFill xmlns="" xmlns:a14="http://schemas.microsoft.com/office/drawing/2010/main">
                 <a:solidFill>
                   <a:srgbClr val="FFFFFF"/>
                 </a:solidFill>
               </a14:hiddenFill>
             </a:ext>
             <a:ext uri="{91240B29-F687-4F45-9708-019B960494DF}">
-              <a14:hiddenLine xmlns:a14="http://schemas.microsoft.com/office/drawing/2010/main" xmlns="" w="9525">
+              <a14:hiddenLine xmlns="" xmlns:a14="http://schemas.microsoft.com/office/drawing/2010/main" w="9525">
                 <a:solidFill>
                   <a:srgbClr val="000000"/>
                 </a:solidFill>
@@ -8891,7 +8891,7 @@
           <a:blip r:embed="rId4">
             <a:extLst>
               <a:ext uri="{28A0092B-C50C-407E-A947-70E740481C1C}">
-                <a14:useLocalDpi xmlns:a14="http://schemas.microsoft.com/office/drawing/2010/main" xmlns="" val="0"/>
+                <a14:useLocalDpi xmlns="" xmlns:a14="http://schemas.microsoft.com/office/drawing/2010/main" val="0"/>
               </a:ext>
             </a:extLst>
           </a:blip>
@@ -8914,14 +8914,14 @@
           </a:ln>
           <a:extLst>
             <a:ext uri="{909E8E84-426E-40DD-AFC4-6F175D3DCCD1}">
-              <a14:hiddenFill xmlns:a14="http://schemas.microsoft.com/office/drawing/2010/main" xmlns="">
+              <a14:hiddenFill xmlns="" xmlns:a14="http://schemas.microsoft.com/office/drawing/2010/main">
                 <a:solidFill>
                   <a:srgbClr val="FFFFFF"/>
                 </a:solidFill>
               </a14:hiddenFill>
             </a:ext>
             <a:ext uri="{91240B29-F687-4F45-9708-019B960494DF}">
-              <a14:hiddenLine xmlns:a14="http://schemas.microsoft.com/office/drawing/2010/main" xmlns="" w="9525">
+              <a14:hiddenLine xmlns="" xmlns:a14="http://schemas.microsoft.com/office/drawing/2010/main" w="9525">
                 <a:solidFill>
                   <a:srgbClr val="000000"/>
                 </a:solidFill>
@@ -9187,7 +9187,7 @@
           <a:blip r:embed="rId3">
             <a:extLst>
               <a:ext uri="{28A0092B-C50C-407E-A947-70E740481C1C}">
-                <a14:useLocalDpi xmlns:a14="http://schemas.microsoft.com/office/drawing/2010/main" xmlns="" val="0"/>
+                <a14:useLocalDpi xmlns="" xmlns:a14="http://schemas.microsoft.com/office/drawing/2010/main" val="0"/>
               </a:ext>
             </a:extLst>
           </a:blip>
@@ -9210,14 +9210,14 @@
           </a:ln>
           <a:extLst>
             <a:ext uri="{909E8E84-426E-40DD-AFC4-6F175D3DCCD1}">
-              <a14:hiddenFill xmlns:a14="http://schemas.microsoft.com/office/drawing/2010/main" xmlns="">
+              <a14:hiddenFill xmlns="" xmlns:a14="http://schemas.microsoft.com/office/drawing/2010/main">
                 <a:solidFill>
                   <a:srgbClr val="FFFFFF"/>
                 </a:solidFill>
               </a14:hiddenFill>
             </a:ext>
             <a:ext uri="{91240B29-F687-4F45-9708-019B960494DF}">
-              <a14:hiddenLine xmlns:a14="http://schemas.microsoft.com/office/drawing/2010/main" xmlns="" w="9525">
+              <a14:hiddenLine xmlns="" xmlns:a14="http://schemas.microsoft.com/office/drawing/2010/main" w="9525">
                 <a:solidFill>
                   <a:srgbClr val="000000"/>
                 </a:solidFill>
@@ -9351,7 +9351,7 @@
           <a:blip r:embed="rId3">
             <a:extLst>
               <a:ext uri="{28A0092B-C50C-407E-A947-70E740481C1C}">
-                <a14:useLocalDpi xmlns:a14="http://schemas.microsoft.com/office/drawing/2010/main" xmlns="" val="0"/>
+                <a14:useLocalDpi xmlns="" xmlns:a14="http://schemas.microsoft.com/office/drawing/2010/main" val="0"/>
               </a:ext>
             </a:extLst>
           </a:blip>
@@ -9374,14 +9374,14 @@
           </a:ln>
           <a:extLst>
             <a:ext uri="{909E8E84-426E-40DD-AFC4-6F175D3DCCD1}">
-              <a14:hiddenFill xmlns:a14="http://schemas.microsoft.com/office/drawing/2010/main" xmlns="">
+              <a14:hiddenFill xmlns="" xmlns:a14="http://schemas.microsoft.com/office/drawing/2010/main">
                 <a:solidFill>
                   <a:srgbClr val="FFFFFF"/>
                 </a:solidFill>
               </a14:hiddenFill>
             </a:ext>
             <a:ext uri="{91240B29-F687-4F45-9708-019B960494DF}">
-              <a14:hiddenLine xmlns:a14="http://schemas.microsoft.com/office/drawing/2010/main" xmlns="" w="9525">
+              <a14:hiddenLine xmlns="" xmlns:a14="http://schemas.microsoft.com/office/drawing/2010/main" w="9525">
                 <a:solidFill>
                   <a:srgbClr val="000000"/>
                 </a:solidFill>
@@ -9537,7 +9537,7 @@
           <a:blip r:embed="rId4">
             <a:extLst>
               <a:ext uri="{28A0092B-C50C-407E-A947-70E740481C1C}">
-                <a14:useLocalDpi xmlns:a14="http://schemas.microsoft.com/office/drawing/2010/main" xmlns="" val="0"/>
+                <a14:useLocalDpi xmlns="" xmlns:a14="http://schemas.microsoft.com/office/drawing/2010/main" val="0"/>
               </a:ext>
             </a:extLst>
           </a:blip>
@@ -9560,14 +9560,14 @@
           </a:ln>
           <a:extLst>
             <a:ext uri="{909E8E84-426E-40DD-AFC4-6F175D3DCCD1}">
-              <a14:hiddenFill xmlns:a14="http://schemas.microsoft.com/office/drawing/2010/main" xmlns="">
+              <a14:hiddenFill xmlns="" xmlns:a14="http://schemas.microsoft.com/office/drawing/2010/main">
                 <a:solidFill>
                   <a:srgbClr val="FFFFFF"/>
                 </a:solidFill>
               </a14:hiddenFill>
             </a:ext>
             <a:ext uri="{91240B29-F687-4F45-9708-019B960494DF}">
-              <a14:hiddenLine xmlns:a14="http://schemas.microsoft.com/office/drawing/2010/main" xmlns="" w="9525">
+              <a14:hiddenLine xmlns="" xmlns:a14="http://schemas.microsoft.com/office/drawing/2010/main" w="9525">
                 <a:solidFill>
                   <a:srgbClr val="000000"/>
                 </a:solidFill>
@@ -9735,7 +9735,7 @@
           <a:blip r:embed="rId4">
             <a:extLst>
               <a:ext uri="{28A0092B-C50C-407E-A947-70E740481C1C}">
-                <a14:useLocalDpi xmlns:a14="http://schemas.microsoft.com/office/drawing/2010/main" xmlns="" val="0"/>
+                <a14:useLocalDpi xmlns="" xmlns:a14="http://schemas.microsoft.com/office/drawing/2010/main" val="0"/>
               </a:ext>
             </a:extLst>
           </a:blip>
@@ -9758,14 +9758,14 @@
           </a:ln>
           <a:extLst>
             <a:ext uri="{909E8E84-426E-40DD-AFC4-6F175D3DCCD1}">
-              <a14:hiddenFill xmlns:a14="http://schemas.microsoft.com/office/drawing/2010/main" xmlns="">
+              <a14:hiddenFill xmlns="" xmlns:a14="http://schemas.microsoft.com/office/drawing/2010/main">
                 <a:solidFill>
                   <a:srgbClr val="FFFFFF"/>
                 </a:solidFill>
               </a14:hiddenFill>
             </a:ext>
             <a:ext uri="{91240B29-F687-4F45-9708-019B960494DF}">
-              <a14:hiddenLine xmlns:a14="http://schemas.microsoft.com/office/drawing/2010/main" xmlns="" w="9525">
+              <a14:hiddenLine xmlns="" xmlns:a14="http://schemas.microsoft.com/office/drawing/2010/main" w="9525">
                 <a:solidFill>
                   <a:srgbClr val="000000"/>
                 </a:solidFill>
@@ -9965,14 +9965,14 @@
           </a:ln>
           <a:extLst>
             <a:ext uri="{909E8E84-426E-40DD-AFC4-6F175D3DCCD1}">
-              <a14:hiddenFill xmlns:a14="http://schemas.microsoft.com/office/drawing/2010/main" xmlns="">
+              <a14:hiddenFill xmlns="" xmlns:a14="http://schemas.microsoft.com/office/drawing/2010/main">
                 <a:solidFill>
                   <a:srgbClr val="FFFFFF"/>
                 </a:solidFill>
               </a14:hiddenFill>
             </a:ext>
             <a:ext uri="{91240B29-F687-4F45-9708-019B960494DF}">
-              <a14:hiddenLine xmlns:a14="http://schemas.microsoft.com/office/drawing/2010/main" xmlns="" w="9525">
+              <a14:hiddenLine xmlns="" xmlns:a14="http://schemas.microsoft.com/office/drawing/2010/main" w="9525">
                 <a:solidFill>
                   <a:srgbClr val="000000"/>
                 </a:solidFill>
@@ -10245,14 +10245,14 @@
           </a:ln>
           <a:extLst>
             <a:ext uri="{909E8E84-426E-40DD-AFC4-6F175D3DCCD1}">
-              <a14:hiddenFill xmlns:a14="http://schemas.microsoft.com/office/drawing/2010/main" xmlns="">
+              <a14:hiddenFill xmlns="" xmlns:a14="http://schemas.microsoft.com/office/drawing/2010/main">
                 <a:solidFill>
                   <a:srgbClr val="FFFFFF"/>
                 </a:solidFill>
               </a14:hiddenFill>
             </a:ext>
             <a:ext uri="{91240B29-F687-4F45-9708-019B960494DF}">
-              <a14:hiddenLine xmlns:a14="http://schemas.microsoft.com/office/drawing/2010/main" xmlns="" w="9525">
+              <a14:hiddenLine xmlns="" xmlns:a14="http://schemas.microsoft.com/office/drawing/2010/main" w="9525">
                 <a:solidFill>
                   <a:srgbClr val="000000"/>
                 </a:solidFill>
@@ -10655,14 +10655,14 @@
           </a:ln>
           <a:extLst>
             <a:ext uri="{909E8E84-426E-40DD-AFC4-6F175D3DCCD1}">
-              <a14:hiddenFill xmlns:a14="http://schemas.microsoft.com/office/drawing/2010/main" xmlns="">
+              <a14:hiddenFill xmlns="" xmlns:a14="http://schemas.microsoft.com/office/drawing/2010/main">
                 <a:solidFill>
                   <a:srgbClr val="FFFFFF"/>
                 </a:solidFill>
               </a14:hiddenFill>
             </a:ext>
             <a:ext uri="{91240B29-F687-4F45-9708-019B960494DF}">
-              <a14:hiddenLine xmlns:a14="http://schemas.microsoft.com/office/drawing/2010/main" xmlns="" w="9525">
+              <a14:hiddenLine xmlns="" xmlns:a14="http://schemas.microsoft.com/office/drawing/2010/main" w="9525">
                 <a:solidFill>
                   <a:srgbClr val="000000"/>
                 </a:solidFill>
@@ -10924,7 +10924,7 @@
         <p:spPr bwMode="auto">
           <a:xfrm>
             <a:off x="685800" y="1981200"/>
-            <a:ext cx="7772400" cy="4114800"/>
+            <a:ext cx="8153400" cy="4114800"/>
           </a:xfrm>
           <a:prstGeom prst="rect">
             <a:avLst/>
@@ -10935,14 +10935,14 @@
           </a:ln>
           <a:extLst>
             <a:ext uri="{909E8E84-426E-40DD-AFC4-6F175D3DCCD1}">
-              <a14:hiddenFill xmlns:a14="http://schemas.microsoft.com/office/drawing/2010/main" xmlns="">
+              <a14:hiddenFill xmlns="" xmlns:a14="http://schemas.microsoft.com/office/drawing/2010/main">
                 <a:solidFill>
                   <a:srgbClr val="FFFFFF"/>
                 </a:solidFill>
               </a14:hiddenFill>
             </a:ext>
             <a:ext uri="{91240B29-F687-4F45-9708-019B960494DF}">
-              <a14:hiddenLine xmlns:a14="http://schemas.microsoft.com/office/drawing/2010/main" xmlns="" w="9525">
+              <a14:hiddenLine xmlns="" xmlns:a14="http://schemas.microsoft.com/office/drawing/2010/main" w="9525">
                 <a:solidFill>
                   <a:srgbClr val="000000"/>
                 </a:solidFill>
@@ -11181,13 +11181,22 @@
               </a:buBlip>
             </a:pPr>
             <a:r>
-              <a:rPr lang="en-GB" altLang="en-US" sz="3200">
+              <a:rPr lang="en-GB" altLang="en-US" sz="3200" dirty="0">
                 <a:solidFill>
                   <a:srgbClr val="000000"/>
                 </a:solidFill>
                 <a:latin typeface="Arial" panose="020B0604020202020204" pitchFamily="34" charset="0"/>
               </a:rPr>
-              <a:t>Overview of Dynamic and Static Websites</a:t>
+              <a:t>Overview of Dynamic and Static </a:t>
+            </a:r>
+            <a:r>
+              <a:rPr lang="en-GB" altLang="en-US" sz="3200" dirty="0" smtClean="0">
+                <a:solidFill>
+                  <a:srgbClr val="000000"/>
+                </a:solidFill>
+                <a:latin typeface="Arial" panose="020B0604020202020204" pitchFamily="34" charset="0"/>
+              </a:rPr>
+              <a:t>Websites</a:t>
             </a:r>
           </a:p>
           <a:p>
@@ -11201,14 +11210,29 @@
               </a:buBlip>
             </a:pPr>
             <a:r>
-              <a:rPr lang="en-GB" altLang="en-US" sz="3200">
+              <a:rPr lang="en-GB" altLang="en-US" sz="3200" dirty="0" smtClean="0">
                 <a:solidFill>
                   <a:srgbClr val="000000"/>
                 </a:solidFill>
                 <a:latin typeface="Arial" panose="020B0604020202020204" pitchFamily="34" charset="0"/>
               </a:rPr>
-              <a:t>Getting started with scripting and Javascript</a:t>
+              <a:t>Dynamic websites </a:t>
             </a:r>
+            <a:r>
+              <a:rPr lang="en-GB" altLang="en-US" sz="3200" smtClean="0">
+                <a:solidFill>
+                  <a:srgbClr val="000000"/>
+                </a:solidFill>
+                <a:latin typeface="Arial" panose="020B0604020202020204" pitchFamily="34" charset="0"/>
+              </a:rPr>
+              <a:t>(Generated Content)</a:t>
+            </a:r>
+            <a:endParaRPr lang="en-GB" altLang="en-US" sz="3200" dirty="0">
+              <a:solidFill>
+                <a:srgbClr val="000000"/>
+              </a:solidFill>
+              <a:latin typeface="Arial" panose="020B0604020202020204" pitchFamily="34" charset="0"/>
+            </a:endParaRPr>
           </a:p>
           <a:p>
             <a:pPr>
@@ -11221,7 +11245,42 @@
               </a:buBlip>
             </a:pPr>
             <a:r>
-              <a:rPr lang="en-GB" altLang="en-US" sz="3200">
+              <a:rPr lang="en-GB" altLang="en-US" sz="3200" dirty="0">
+                <a:solidFill>
+                  <a:srgbClr val="000000"/>
+                </a:solidFill>
+                <a:latin typeface="Arial" panose="020B0604020202020204" pitchFamily="34" charset="0"/>
+              </a:rPr>
+              <a:t>Getting started with scripting and </a:t>
+            </a:r>
+            <a:r>
+              <a:rPr lang="en-GB" altLang="en-US" sz="3200" dirty="0" err="1">
+                <a:solidFill>
+                  <a:srgbClr val="000000"/>
+                </a:solidFill>
+                <a:latin typeface="Arial" panose="020B0604020202020204" pitchFamily="34" charset="0"/>
+              </a:rPr>
+              <a:t>Javascript</a:t>
+            </a:r>
+            <a:endParaRPr lang="en-GB" altLang="en-US" sz="3200" dirty="0">
+              <a:solidFill>
+                <a:srgbClr val="000000"/>
+              </a:solidFill>
+              <a:latin typeface="Arial" panose="020B0604020202020204" pitchFamily="34" charset="0"/>
+            </a:endParaRPr>
+          </a:p>
+          <a:p>
+            <a:pPr>
+              <a:spcBef>
+                <a:spcPts val="800"/>
+              </a:spcBef>
+              <a:buFont typeface="Times New Roman" panose="02020603050405020304" pitchFamily="18" charset="0"/>
+              <a:buBlip>
+                <a:blip r:embed="rId3"/>
+              </a:buBlip>
+            </a:pPr>
+            <a:r>
+              <a:rPr lang="en-GB" altLang="en-US" sz="3200" dirty="0">
                 <a:solidFill>
                   <a:srgbClr val="000000"/>
                 </a:solidFill>
@@ -11307,14 +11366,14 @@
           </a:ln>
           <a:extLst>
             <a:ext uri="{909E8E84-426E-40DD-AFC4-6F175D3DCCD1}">
-              <a14:hiddenFill xmlns:a14="http://schemas.microsoft.com/office/drawing/2010/main" xmlns="">
+              <a14:hiddenFill xmlns="" xmlns:a14="http://schemas.microsoft.com/office/drawing/2010/main">
                 <a:solidFill>
                   <a:srgbClr val="FFFFFF"/>
                 </a:solidFill>
               </a14:hiddenFill>
             </a:ext>
             <a:ext uri="{91240B29-F687-4F45-9708-019B960494DF}">
-              <a14:hiddenLine xmlns:a14="http://schemas.microsoft.com/office/drawing/2010/main" xmlns="" w="9525">
+              <a14:hiddenLine xmlns="" xmlns:a14="http://schemas.microsoft.com/office/drawing/2010/main" w="9525">
                 <a:solidFill>
                   <a:srgbClr val="000000"/>
                 </a:solidFill>
@@ -11587,14 +11646,14 @@
           </a:ln>
           <a:extLst>
             <a:ext uri="{909E8E84-426E-40DD-AFC4-6F175D3DCCD1}">
-              <a14:hiddenFill xmlns:a14="http://schemas.microsoft.com/office/drawing/2010/main" xmlns="">
+              <a14:hiddenFill xmlns="" xmlns:a14="http://schemas.microsoft.com/office/drawing/2010/main">
                 <a:solidFill>
                   <a:srgbClr val="FFFFFF"/>
                 </a:solidFill>
               </a14:hiddenFill>
             </a:ext>
             <a:ext uri="{91240B29-F687-4F45-9708-019B960494DF}">
-              <a14:hiddenLine xmlns:a14="http://schemas.microsoft.com/office/drawing/2010/main" xmlns="" w="9525">
+              <a14:hiddenLine xmlns="" xmlns:a14="http://schemas.microsoft.com/office/drawing/2010/main" w="9525">
                 <a:solidFill>
                   <a:srgbClr val="000000"/>
                 </a:solidFill>
@@ -11833,13 +11892,22 @@
               </a:buBlip>
             </a:pPr>
             <a:r>
-              <a:rPr lang="en-US" altLang="en-US" sz="3200">
+              <a:rPr lang="en-US" altLang="en-US" sz="3200" dirty="0">
                 <a:solidFill>
                   <a:srgbClr val="000000"/>
                 </a:solidFill>
                 <a:latin typeface="Arial" panose="020B0604020202020204" pitchFamily="34" charset="0"/>
               </a:rPr>
-              <a:t>What do we mean by static and dynamic websites?</a:t>
+              <a:t>What do we mean by static and dynamic websites</a:t>
+            </a:r>
+            <a:r>
+              <a:rPr lang="en-US" altLang="en-US" sz="3200" dirty="0" smtClean="0">
+                <a:solidFill>
+                  <a:srgbClr val="000000"/>
+                </a:solidFill>
+                <a:latin typeface="Arial" panose="020B0604020202020204" pitchFamily="34" charset="0"/>
+              </a:rPr>
+              <a:t>?</a:t>
             </a:r>
           </a:p>
           <a:p>
@@ -11853,14 +11921,20 @@
               </a:buBlip>
             </a:pPr>
             <a:r>
-              <a:rPr lang="en-US" altLang="en-US" sz="3200">
+              <a:rPr lang="en-US" altLang="en-US" sz="3200" dirty="0" smtClean="0">
                 <a:solidFill>
                   <a:srgbClr val="000000"/>
                 </a:solidFill>
                 <a:latin typeface="Arial" panose="020B0604020202020204" pitchFamily="34" charset="0"/>
               </a:rPr>
-              <a:t>Summary</a:t>
+              <a:t>Content management systems</a:t>
             </a:r>
+            <a:endParaRPr lang="en-US" altLang="en-US" sz="3200" dirty="0">
+              <a:solidFill>
+                <a:srgbClr val="000000"/>
+              </a:solidFill>
+              <a:latin typeface="Arial" panose="020B0604020202020204" pitchFamily="34" charset="0"/>
+            </a:endParaRPr>
           </a:p>
           <a:p>
             <a:pPr eaLnBrk="1" hangingPunct="1">
@@ -11873,7 +11947,27 @@
               </a:buBlip>
             </a:pPr>
             <a:r>
-              <a:rPr lang="en-US" altLang="en-US" sz="3200">
+              <a:rPr lang="en-US" altLang="en-US" sz="3200" dirty="0">
+                <a:solidFill>
+                  <a:srgbClr val="000000"/>
+                </a:solidFill>
+                <a:latin typeface="Arial" panose="020B0604020202020204" pitchFamily="34" charset="0"/>
+              </a:rPr>
+              <a:t>Summary</a:t>
+            </a:r>
+          </a:p>
+          <a:p>
+            <a:pPr eaLnBrk="1" hangingPunct="1">
+              <a:spcBef>
+                <a:spcPts val="800"/>
+              </a:spcBef>
+              <a:buFont typeface="Times New Roman" panose="02020603050405020304" pitchFamily="18" charset="0"/>
+              <a:buBlip>
+                <a:blip r:embed="rId3"/>
+              </a:buBlip>
+            </a:pPr>
+            <a:r>
+              <a:rPr lang="en-US" altLang="en-US" sz="3200" dirty="0">
                 <a:solidFill>
                   <a:srgbClr val="000000"/>
                 </a:solidFill>
@@ -11959,14 +12053,14 @@
           </a:ln>
           <a:extLst>
             <a:ext uri="{909E8E84-426E-40DD-AFC4-6F175D3DCCD1}">
-              <a14:hiddenFill xmlns:a14="http://schemas.microsoft.com/office/drawing/2010/main" xmlns="">
+              <a14:hiddenFill xmlns="" xmlns:a14="http://schemas.microsoft.com/office/drawing/2010/main">
                 <a:solidFill>
                   <a:srgbClr val="FFFFFF"/>
                 </a:solidFill>
               </a14:hiddenFill>
             </a:ext>
             <a:ext uri="{91240B29-F687-4F45-9708-019B960494DF}">
-              <a14:hiddenLine xmlns:a14="http://schemas.microsoft.com/office/drawing/2010/main" xmlns="" w="9525">
+              <a14:hiddenLine xmlns="" xmlns:a14="http://schemas.microsoft.com/office/drawing/2010/main" w="9525">
                 <a:solidFill>
                   <a:srgbClr val="000000"/>
                 </a:solidFill>
@@ -12239,14 +12333,14 @@
           </a:ln>
           <a:extLst>
             <a:ext uri="{909E8E84-426E-40DD-AFC4-6F175D3DCCD1}">
-              <a14:hiddenFill xmlns:a14="http://schemas.microsoft.com/office/drawing/2010/main" xmlns="">
+              <a14:hiddenFill xmlns="" xmlns:a14="http://schemas.microsoft.com/office/drawing/2010/main">
                 <a:solidFill>
                   <a:srgbClr val="FFFFFF"/>
                 </a:solidFill>
               </a14:hiddenFill>
             </a:ext>
             <a:ext uri="{91240B29-F687-4F45-9708-019B960494DF}">
-              <a14:hiddenLine xmlns:a14="http://schemas.microsoft.com/office/drawing/2010/main" xmlns="" w="9525">
+              <a14:hiddenLine xmlns="" xmlns:a14="http://schemas.microsoft.com/office/drawing/2010/main" w="9525">
                 <a:solidFill>
                   <a:srgbClr val="000000"/>
                 </a:solidFill>
@@ -12569,14 +12663,14 @@
           </a:ln>
           <a:extLst>
             <a:ext uri="{909E8E84-426E-40DD-AFC4-6F175D3DCCD1}">
-              <a14:hiddenFill xmlns:a14="http://schemas.microsoft.com/office/drawing/2010/main" xmlns="">
+              <a14:hiddenFill xmlns="" xmlns:a14="http://schemas.microsoft.com/office/drawing/2010/main">
                 <a:solidFill>
                   <a:srgbClr val="FFFFFF"/>
                 </a:solidFill>
               </a14:hiddenFill>
             </a:ext>
             <a:ext uri="{91240B29-F687-4F45-9708-019B960494DF}">
-              <a14:hiddenLine xmlns:a14="http://schemas.microsoft.com/office/drawing/2010/main" xmlns="" w="9525">
+              <a14:hiddenLine xmlns="" xmlns:a14="http://schemas.microsoft.com/office/drawing/2010/main" w="9525">
                 <a:solidFill>
                   <a:srgbClr val="000000"/>
                 </a:solidFill>
@@ -12714,14 +12808,14 @@
           </a:ln>
           <a:extLst>
             <a:ext uri="{909E8E84-426E-40DD-AFC4-6F175D3DCCD1}">
-              <a14:hiddenFill xmlns:a14="http://schemas.microsoft.com/office/drawing/2010/main" xmlns="">
+              <a14:hiddenFill xmlns="" xmlns:a14="http://schemas.microsoft.com/office/drawing/2010/main">
                 <a:solidFill>
                   <a:srgbClr val="FFFFFF"/>
                 </a:solidFill>
               </a14:hiddenFill>
             </a:ext>
             <a:ext uri="{91240B29-F687-4F45-9708-019B960494DF}">
-              <a14:hiddenLine xmlns:a14="http://schemas.microsoft.com/office/drawing/2010/main" xmlns="" w="9525">
+              <a14:hiddenLine xmlns="" xmlns:a14="http://schemas.microsoft.com/office/drawing/2010/main" w="9525">
                 <a:solidFill>
                   <a:srgbClr val="000000"/>
                 </a:solidFill>
@@ -12849,7 +12943,7 @@
           <a:blip r:embed="rId3">
             <a:extLst>
               <a:ext uri="{28A0092B-C50C-407E-A947-70E740481C1C}">
-                <a14:useLocalDpi xmlns:a14="http://schemas.microsoft.com/office/drawing/2010/main" xmlns="" val="0"/>
+                <a14:useLocalDpi xmlns="" xmlns:a14="http://schemas.microsoft.com/office/drawing/2010/main" val="0"/>
               </a:ext>
             </a:extLst>
           </a:blip>
@@ -12872,14 +12966,14 @@
           </a:ln>
           <a:extLst>
             <a:ext uri="{909E8E84-426E-40DD-AFC4-6F175D3DCCD1}">
-              <a14:hiddenFill xmlns:a14="http://schemas.microsoft.com/office/drawing/2010/main" xmlns="">
+              <a14:hiddenFill xmlns="" xmlns:a14="http://schemas.microsoft.com/office/drawing/2010/main">
                 <a:solidFill>
                   <a:srgbClr val="FFFFFF"/>
                 </a:solidFill>
               </a14:hiddenFill>
             </a:ext>
             <a:ext uri="{91240B29-F687-4F45-9708-019B960494DF}">
-              <a14:hiddenLine xmlns:a14="http://schemas.microsoft.com/office/drawing/2010/main" xmlns="" w="9525">
+              <a14:hiddenLine xmlns="" xmlns:a14="http://schemas.microsoft.com/office/drawing/2010/main" w="9525">
                 <a:solidFill>
                   <a:srgbClr val="000000"/>
                 </a:solidFill>
@@ -13564,7 +13658,7 @@
           <a:blip r:embed="rId4">
             <a:extLst>
               <a:ext uri="{28A0092B-C50C-407E-A947-70E740481C1C}">
-                <a14:useLocalDpi xmlns:a14="http://schemas.microsoft.com/office/drawing/2010/main" xmlns="" val="0"/>
+                <a14:useLocalDpi xmlns="" xmlns:a14="http://schemas.microsoft.com/office/drawing/2010/main" val="0"/>
               </a:ext>
             </a:extLst>
           </a:blip>
@@ -13587,14 +13681,14 @@
           </a:ln>
           <a:extLst>
             <a:ext uri="{909E8E84-426E-40DD-AFC4-6F175D3DCCD1}">
-              <a14:hiddenFill xmlns:a14="http://schemas.microsoft.com/office/drawing/2010/main" xmlns="">
+              <a14:hiddenFill xmlns="" xmlns:a14="http://schemas.microsoft.com/office/drawing/2010/main">
                 <a:solidFill>
                   <a:srgbClr val="FFFFFF"/>
                 </a:solidFill>
               </a14:hiddenFill>
             </a:ext>
             <a:ext uri="{91240B29-F687-4F45-9708-019B960494DF}">
-              <a14:hiddenLine xmlns:a14="http://schemas.microsoft.com/office/drawing/2010/main" xmlns="" w="9525">
+              <a14:hiddenLine xmlns="" xmlns:a14="http://schemas.microsoft.com/office/drawing/2010/main" w="9525">
                 <a:solidFill>
                   <a:srgbClr val="000000"/>
                 </a:solidFill>
@@ -14351,7 +14445,7 @@
   </a:extraClrSchemeLst>
   <a:extLst>
     <a:ext uri="{05A4C25C-085E-4340-85A3-A5531E510DB2}">
-      <thm15:themeFamily xmlns:thm15="http://schemas.microsoft.com/office/thememl/2012/main" xmlns="" name="Office Theme" id="{62F939B6-93AF-4DB8-9C6B-D6C7DFDC589F}" vid="{4A3C46E8-61CC-4603-A589-7422A47A8E4A}"/>
+      <thm15:themeFamily xmlns="" xmlns:thm15="http://schemas.microsoft.com/office/thememl/2012/main" name="Office Theme" id="{62F939B6-93AF-4DB8-9C6B-D6C7DFDC589F}" vid="{4A3C46E8-61CC-4603-A589-7422A47A8E4A}"/>
     </a:ext>
   </a:extLst>
 </a:theme>
@@ -14612,7 +14706,7 @@
   <a:extraClrSchemeLst/>
   <a:extLst>
     <a:ext uri="{05A4C25C-085E-4340-85A3-A5531E510DB2}">
-      <thm15:themeFamily xmlns:thm15="http://schemas.microsoft.com/office/thememl/2012/main" xmlns="" name="Office Theme" id="{62F939B6-93AF-4DB8-9C6B-D6C7DFDC589F}" vid="{4A3C46E8-61CC-4603-A589-7422A47A8E4A}"/>
+      <thm15:themeFamily xmlns="" xmlns:thm15="http://schemas.microsoft.com/office/thememl/2012/main" name="Office Theme" id="{62F939B6-93AF-4DB8-9C6B-D6C7DFDC589F}" vid="{4A3C46E8-61CC-4603-A589-7422A47A8E4A}"/>
     </a:ext>
   </a:extLst>
 </a:theme>

--- a/WAD/lectures/080--Dynamic.vs.Static.Websites.pptx
+++ b/WAD/lectures/080--Dynamic.vs.Static.Websites.pptx
@@ -5,7 +5,7 @@
     <p:sldMasterId id="2147483648" r:id="rId1"/>
   </p:sldMasterIdLst>
   <p:notesMasterIdLst>
-    <p:notesMasterId r:id="rId30"/>
+    <p:notesMasterId r:id="rId40"/>
   </p:notesMasterIdLst>
   <p:sldIdLst>
     <p:sldId id="256" r:id="rId2"/>
@@ -20,22 +20,32 @@
     <p:sldId id="259" r:id="rId11"/>
     <p:sldId id="260" r:id="rId12"/>
     <p:sldId id="261" r:id="rId13"/>
-    <p:sldId id="262" r:id="rId14"/>
-    <p:sldId id="263" r:id="rId15"/>
-    <p:sldId id="264" r:id="rId16"/>
-    <p:sldId id="265" r:id="rId17"/>
-    <p:sldId id="266" r:id="rId18"/>
-    <p:sldId id="267" r:id="rId19"/>
-    <p:sldId id="268" r:id="rId20"/>
-    <p:sldId id="269" r:id="rId21"/>
-    <p:sldId id="270" r:id="rId22"/>
-    <p:sldId id="271" r:id="rId23"/>
-    <p:sldId id="272" r:id="rId24"/>
-    <p:sldId id="273" r:id="rId25"/>
-    <p:sldId id="274" r:id="rId26"/>
-    <p:sldId id="275" r:id="rId27"/>
-    <p:sldId id="277" r:id="rId28"/>
-    <p:sldId id="276" r:id="rId29"/>
+    <p:sldId id="289" r:id="rId14"/>
+    <p:sldId id="286" r:id="rId15"/>
+    <p:sldId id="288" r:id="rId16"/>
+    <p:sldId id="287" r:id="rId17"/>
+    <p:sldId id="262" r:id="rId18"/>
+    <p:sldId id="263" r:id="rId19"/>
+    <p:sldId id="264" r:id="rId20"/>
+    <p:sldId id="290" r:id="rId21"/>
+    <p:sldId id="291" r:id="rId22"/>
+    <p:sldId id="265" r:id="rId23"/>
+    <p:sldId id="266" r:id="rId24"/>
+    <p:sldId id="267" r:id="rId25"/>
+    <p:sldId id="292" r:id="rId26"/>
+    <p:sldId id="293" r:id="rId27"/>
+    <p:sldId id="294" r:id="rId28"/>
+    <p:sldId id="295" r:id="rId29"/>
+    <p:sldId id="268" r:id="rId30"/>
+    <p:sldId id="269" r:id="rId31"/>
+    <p:sldId id="270" r:id="rId32"/>
+    <p:sldId id="271" r:id="rId33"/>
+    <p:sldId id="272" r:id="rId34"/>
+    <p:sldId id="273" r:id="rId35"/>
+    <p:sldId id="274" r:id="rId36"/>
+    <p:sldId id="275" r:id="rId37"/>
+    <p:sldId id="277" r:id="rId38"/>
+    <p:sldId id="276" r:id="rId39"/>
   </p:sldIdLst>
   <p:sldSz cx="9144000" cy="6858000" type="screen4x3"/>
   <p:notesSz cx="6858000" cy="9144000"/>
@@ -166,7 +176,7 @@
   </p:defaultTextStyle>
   <p:extLst>
     <p:ext uri="{EFAFB233-063F-42B5-8137-9DF3F51BA10A}">
-      <p15:sldGuideLst xmlns:p15="http://schemas.microsoft.com/office/powerpoint/2012/main" xmlns="">
+      <p15:sldGuideLst xmlns="" xmlns:p15="http://schemas.microsoft.com/office/powerpoint/2012/main">
         <p15:guide id="1" orient="horz" pos="2160">
           <p15:clr>
             <a:srgbClr val="A4A3A4"/>
@@ -325,7 +335,7 @@
           </a:ln>
           <a:extLst>
             <a:ext uri="{909E8E84-426E-40DD-AFC4-6F175D3DCCD1}">
-              <a14:hiddenFill xmlns:a14="http://schemas.microsoft.com/office/drawing/2010/main" xmlns="">
+              <a14:hiddenFill xmlns="" xmlns:a14="http://schemas.microsoft.com/office/drawing/2010/main">
                 <a:solidFill>
                   <a:srgbClr val="FFFFFF"/>
                 </a:solidFill>
@@ -496,7 +506,7 @@
     </p:spTree>
     <p:extLst>
       <p:ext uri="{BB962C8B-B14F-4D97-AF65-F5344CB8AC3E}">
-        <p14:creationId xmlns:p14="http://schemas.microsoft.com/office/powerpoint/2010/main" xmlns="" val="2023285378"/>
+        <p14:creationId xmlns="" xmlns:p14="http://schemas.microsoft.com/office/powerpoint/2010/main" val="2023285378"/>
       </p:ext>
     </p:extLst>
   </p:cSld>
@@ -665,14 +675,14 @@
           <a:noFill/>
           <a:extLst>
             <a:ext uri="{909E8E84-426E-40DD-AFC4-6F175D3DCCD1}">
-              <a14:hiddenFill xmlns:a14="http://schemas.microsoft.com/office/drawing/2010/main" xmlns="">
+              <a14:hiddenFill xmlns="" xmlns:a14="http://schemas.microsoft.com/office/drawing/2010/main">
                 <a:solidFill>
                   <a:srgbClr val="FFFFFF"/>
                 </a:solidFill>
               </a14:hiddenFill>
             </a:ext>
             <a:ext uri="{91240B29-F687-4F45-9708-019B960494DF}">
-              <a14:hiddenLine xmlns:a14="http://schemas.microsoft.com/office/drawing/2010/main" xmlns="" w="9525">
+              <a14:hiddenLine xmlns="" xmlns:a14="http://schemas.microsoft.com/office/drawing/2010/main" w="9525">
                 <a:solidFill>
                   <a:srgbClr val="000000"/>
                 </a:solidFill>
@@ -824,14 +834,14 @@
           <a:noFill/>
           <a:extLst>
             <a:ext uri="{909E8E84-426E-40DD-AFC4-6F175D3DCCD1}">
-              <a14:hiddenFill xmlns:a14="http://schemas.microsoft.com/office/drawing/2010/main" xmlns="">
+              <a14:hiddenFill xmlns="" xmlns:a14="http://schemas.microsoft.com/office/drawing/2010/main">
                 <a:solidFill>
                   <a:srgbClr val="FFFFFF"/>
                 </a:solidFill>
               </a14:hiddenFill>
             </a:ext>
             <a:ext uri="{91240B29-F687-4F45-9708-019B960494DF}">
-              <a14:hiddenLine xmlns:a14="http://schemas.microsoft.com/office/drawing/2010/main" xmlns="" w="9525" cap="flat">
+              <a14:hiddenLine xmlns="" xmlns:a14="http://schemas.microsoft.com/office/drawing/2010/main" w="9525" cap="flat">
                 <a:solidFill>
                   <a:srgbClr val="000000"/>
                 </a:solidFill>
@@ -853,7 +863,7 @@
     </p:spTree>
     <p:extLst>
       <p:ext uri="{BB962C8B-B14F-4D97-AF65-F5344CB8AC3E}">
-        <p14:creationId xmlns:p14="http://schemas.microsoft.com/office/powerpoint/2010/main" xmlns="" val="4046050419"/>
+        <p14:creationId xmlns="" xmlns:p14="http://schemas.microsoft.com/office/powerpoint/2010/main" val="4046050419"/>
       </p:ext>
     </p:extLst>
   </p:cSld>
@@ -902,14 +912,14 @@
           <a:noFill/>
           <a:extLst>
             <a:ext uri="{909E8E84-426E-40DD-AFC4-6F175D3DCCD1}">
-              <a14:hiddenFill xmlns:a14="http://schemas.microsoft.com/office/drawing/2010/main" xmlns="">
+              <a14:hiddenFill xmlns="" xmlns:a14="http://schemas.microsoft.com/office/drawing/2010/main">
                 <a:solidFill>
                   <a:srgbClr val="FFFFFF"/>
                 </a:solidFill>
               </a14:hiddenFill>
             </a:ext>
             <a:ext uri="{91240B29-F687-4F45-9708-019B960494DF}">
-              <a14:hiddenLine xmlns:a14="http://schemas.microsoft.com/office/drawing/2010/main" xmlns="" w="9525">
+              <a14:hiddenLine xmlns="" xmlns:a14="http://schemas.microsoft.com/office/drawing/2010/main" w="9525">
                 <a:solidFill>
                   <a:srgbClr val="000000"/>
                 </a:solidFill>
@@ -1024,7 +1034,7 @@
             <a:fld id="{0FEFF695-1219-4DD5-864B-62AC8F6F0838}" type="slidenum">
               <a:rPr lang="en-US" altLang="en-US" sz="1200"/>
               <a:pPr/>
-              <a:t>17</a:t>
+              <a:t>23</a:t>
             </a:fld>
             <a:endParaRPr lang="en-US" altLang="en-US" sz="1200"/>
           </a:p>
@@ -1061,14 +1071,14 @@
           <a:noFill/>
           <a:extLst>
             <a:ext uri="{909E8E84-426E-40DD-AFC4-6F175D3DCCD1}">
-              <a14:hiddenFill xmlns:a14="http://schemas.microsoft.com/office/drawing/2010/main" xmlns="">
+              <a14:hiddenFill xmlns="" xmlns:a14="http://schemas.microsoft.com/office/drawing/2010/main">
                 <a:solidFill>
                   <a:srgbClr val="FFFFFF"/>
                 </a:solidFill>
               </a14:hiddenFill>
             </a:ext>
             <a:ext uri="{91240B29-F687-4F45-9708-019B960494DF}">
-              <a14:hiddenLine xmlns:a14="http://schemas.microsoft.com/office/drawing/2010/main" xmlns="" w="9525" cap="flat">
+              <a14:hiddenLine xmlns="" xmlns:a14="http://schemas.microsoft.com/office/drawing/2010/main" w="9525" cap="flat">
                 <a:solidFill>
                   <a:srgbClr val="000000"/>
                 </a:solidFill>
@@ -1090,7 +1100,7 @@
     </p:spTree>
     <p:extLst>
       <p:ext uri="{BB962C8B-B14F-4D97-AF65-F5344CB8AC3E}">
-        <p14:creationId xmlns:p14="http://schemas.microsoft.com/office/powerpoint/2010/main" xmlns="" val="2873119749"/>
+        <p14:creationId xmlns="" xmlns:p14="http://schemas.microsoft.com/office/powerpoint/2010/main" val="2873119749"/>
       </p:ext>
     </p:extLst>
   </p:cSld>
@@ -1139,14 +1149,14 @@
           <a:noFill/>
           <a:extLst>
             <a:ext uri="{909E8E84-426E-40DD-AFC4-6F175D3DCCD1}">
-              <a14:hiddenFill xmlns:a14="http://schemas.microsoft.com/office/drawing/2010/main" xmlns="">
+              <a14:hiddenFill xmlns="" xmlns:a14="http://schemas.microsoft.com/office/drawing/2010/main">
                 <a:solidFill>
                   <a:srgbClr val="FFFFFF"/>
                 </a:solidFill>
               </a14:hiddenFill>
             </a:ext>
             <a:ext uri="{91240B29-F687-4F45-9708-019B960494DF}">
-              <a14:hiddenLine xmlns:a14="http://schemas.microsoft.com/office/drawing/2010/main" xmlns="" w="9525">
+              <a14:hiddenLine xmlns="" xmlns:a14="http://schemas.microsoft.com/office/drawing/2010/main" w="9525">
                 <a:solidFill>
                   <a:srgbClr val="000000"/>
                 </a:solidFill>
@@ -1261,7 +1271,7 @@
             <a:fld id="{CB7D5853-D809-44C5-A1FD-CE43DA559E3F}" type="slidenum">
               <a:rPr lang="en-US" altLang="en-US" sz="1200"/>
               <a:pPr/>
-              <a:t>18</a:t>
+              <a:t>24</a:t>
             </a:fld>
             <a:endParaRPr lang="en-US" altLang="en-US" sz="1200"/>
           </a:p>
@@ -1298,14 +1308,14 @@
           <a:noFill/>
           <a:extLst>
             <a:ext uri="{909E8E84-426E-40DD-AFC4-6F175D3DCCD1}">
-              <a14:hiddenFill xmlns:a14="http://schemas.microsoft.com/office/drawing/2010/main" xmlns="">
+              <a14:hiddenFill xmlns="" xmlns:a14="http://schemas.microsoft.com/office/drawing/2010/main">
                 <a:solidFill>
                   <a:srgbClr val="FFFFFF"/>
                 </a:solidFill>
               </a14:hiddenFill>
             </a:ext>
             <a:ext uri="{91240B29-F687-4F45-9708-019B960494DF}">
-              <a14:hiddenLine xmlns:a14="http://schemas.microsoft.com/office/drawing/2010/main" xmlns="" w="9525" cap="flat">
+              <a14:hiddenLine xmlns="" xmlns:a14="http://schemas.microsoft.com/office/drawing/2010/main" w="9525" cap="flat">
                 <a:solidFill>
                   <a:srgbClr val="000000"/>
                 </a:solidFill>
@@ -1327,7 +1337,7 @@
     </p:spTree>
     <p:extLst>
       <p:ext uri="{BB962C8B-B14F-4D97-AF65-F5344CB8AC3E}">
-        <p14:creationId xmlns:p14="http://schemas.microsoft.com/office/powerpoint/2010/main" xmlns="" val="633398870"/>
+        <p14:creationId xmlns="" xmlns:p14="http://schemas.microsoft.com/office/powerpoint/2010/main" val="633398870"/>
       </p:ext>
     </p:extLst>
   </p:cSld>
@@ -1376,14 +1386,14 @@
           <a:noFill/>
           <a:extLst>
             <a:ext uri="{909E8E84-426E-40DD-AFC4-6F175D3DCCD1}">
-              <a14:hiddenFill xmlns:a14="http://schemas.microsoft.com/office/drawing/2010/main" xmlns="">
+              <a14:hiddenFill xmlns="" xmlns:a14="http://schemas.microsoft.com/office/drawing/2010/main">
                 <a:solidFill>
                   <a:srgbClr val="FFFFFF"/>
                 </a:solidFill>
               </a14:hiddenFill>
             </a:ext>
             <a:ext uri="{91240B29-F687-4F45-9708-019B960494DF}">
-              <a14:hiddenLine xmlns:a14="http://schemas.microsoft.com/office/drawing/2010/main" xmlns="" w="9525">
+              <a14:hiddenLine xmlns="" xmlns:a14="http://schemas.microsoft.com/office/drawing/2010/main" w="9525">
                 <a:solidFill>
                   <a:srgbClr val="000000"/>
                 </a:solidFill>
@@ -1498,7 +1508,7 @@
             <a:fld id="{B841A541-38BD-4CF1-B467-E0E719E5972B}" type="slidenum">
               <a:rPr lang="en-US" altLang="en-US" sz="1200"/>
               <a:pPr/>
-              <a:t>19</a:t>
+              <a:t>29</a:t>
             </a:fld>
             <a:endParaRPr lang="en-US" altLang="en-US" sz="1200"/>
           </a:p>
@@ -1535,14 +1545,14 @@
           <a:noFill/>
           <a:extLst>
             <a:ext uri="{909E8E84-426E-40DD-AFC4-6F175D3DCCD1}">
-              <a14:hiddenFill xmlns:a14="http://schemas.microsoft.com/office/drawing/2010/main" xmlns="">
+              <a14:hiddenFill xmlns="" xmlns:a14="http://schemas.microsoft.com/office/drawing/2010/main">
                 <a:solidFill>
                   <a:srgbClr val="FFFFFF"/>
                 </a:solidFill>
               </a14:hiddenFill>
             </a:ext>
             <a:ext uri="{91240B29-F687-4F45-9708-019B960494DF}">
-              <a14:hiddenLine xmlns:a14="http://schemas.microsoft.com/office/drawing/2010/main" xmlns="" w="9525" cap="flat">
+              <a14:hiddenLine xmlns="" xmlns:a14="http://schemas.microsoft.com/office/drawing/2010/main" w="9525" cap="flat">
                 <a:solidFill>
                   <a:srgbClr val="000000"/>
                 </a:solidFill>
@@ -1564,7 +1574,7 @@
     </p:spTree>
     <p:extLst>
       <p:ext uri="{BB962C8B-B14F-4D97-AF65-F5344CB8AC3E}">
-        <p14:creationId xmlns:p14="http://schemas.microsoft.com/office/powerpoint/2010/main" xmlns="" val="2648853661"/>
+        <p14:creationId xmlns="" xmlns:p14="http://schemas.microsoft.com/office/powerpoint/2010/main" val="2648853661"/>
       </p:ext>
     </p:extLst>
   </p:cSld>
@@ -1613,14 +1623,14 @@
           <a:noFill/>
           <a:extLst>
             <a:ext uri="{909E8E84-426E-40DD-AFC4-6F175D3DCCD1}">
-              <a14:hiddenFill xmlns:a14="http://schemas.microsoft.com/office/drawing/2010/main" xmlns="">
+              <a14:hiddenFill xmlns="" xmlns:a14="http://schemas.microsoft.com/office/drawing/2010/main">
                 <a:solidFill>
                   <a:srgbClr val="FFFFFF"/>
                 </a:solidFill>
               </a14:hiddenFill>
             </a:ext>
             <a:ext uri="{91240B29-F687-4F45-9708-019B960494DF}">
-              <a14:hiddenLine xmlns:a14="http://schemas.microsoft.com/office/drawing/2010/main" xmlns="" w="9525">
+              <a14:hiddenLine xmlns="" xmlns:a14="http://schemas.microsoft.com/office/drawing/2010/main" w="9525">
                 <a:solidFill>
                   <a:srgbClr val="000000"/>
                 </a:solidFill>
@@ -1735,7 +1745,7 @@
             <a:fld id="{3E033A69-348D-4A97-9694-484C9BF8CA2A}" type="slidenum">
               <a:rPr lang="en-US" altLang="en-US" sz="1200"/>
               <a:pPr/>
-              <a:t>20</a:t>
+              <a:t>30</a:t>
             </a:fld>
             <a:endParaRPr lang="en-US" altLang="en-US" sz="1200"/>
           </a:p>
@@ -1772,14 +1782,14 @@
           <a:noFill/>
           <a:extLst>
             <a:ext uri="{909E8E84-426E-40DD-AFC4-6F175D3DCCD1}">
-              <a14:hiddenFill xmlns:a14="http://schemas.microsoft.com/office/drawing/2010/main" xmlns="">
+              <a14:hiddenFill xmlns="" xmlns:a14="http://schemas.microsoft.com/office/drawing/2010/main">
                 <a:solidFill>
                   <a:srgbClr val="FFFFFF"/>
                 </a:solidFill>
               </a14:hiddenFill>
             </a:ext>
             <a:ext uri="{91240B29-F687-4F45-9708-019B960494DF}">
-              <a14:hiddenLine xmlns:a14="http://schemas.microsoft.com/office/drawing/2010/main" xmlns="" w="9525" cap="flat">
+              <a14:hiddenLine xmlns="" xmlns:a14="http://schemas.microsoft.com/office/drawing/2010/main" w="9525" cap="flat">
                 <a:solidFill>
                   <a:srgbClr val="000000"/>
                 </a:solidFill>
@@ -1801,7 +1811,7 @@
     </p:spTree>
     <p:extLst>
       <p:ext uri="{BB962C8B-B14F-4D97-AF65-F5344CB8AC3E}">
-        <p14:creationId xmlns:p14="http://schemas.microsoft.com/office/powerpoint/2010/main" xmlns="" val="3778943495"/>
+        <p14:creationId xmlns="" xmlns:p14="http://schemas.microsoft.com/office/powerpoint/2010/main" val="3778943495"/>
       </p:ext>
     </p:extLst>
   </p:cSld>
@@ -1850,14 +1860,14 @@
           <a:noFill/>
           <a:extLst>
             <a:ext uri="{909E8E84-426E-40DD-AFC4-6F175D3DCCD1}">
-              <a14:hiddenFill xmlns:a14="http://schemas.microsoft.com/office/drawing/2010/main" xmlns="">
+              <a14:hiddenFill xmlns="" xmlns:a14="http://schemas.microsoft.com/office/drawing/2010/main">
                 <a:solidFill>
                   <a:srgbClr val="FFFFFF"/>
                 </a:solidFill>
               </a14:hiddenFill>
             </a:ext>
             <a:ext uri="{91240B29-F687-4F45-9708-019B960494DF}">
-              <a14:hiddenLine xmlns:a14="http://schemas.microsoft.com/office/drawing/2010/main" xmlns="" w="9525">
+              <a14:hiddenLine xmlns="" xmlns:a14="http://schemas.microsoft.com/office/drawing/2010/main" w="9525">
                 <a:solidFill>
                   <a:srgbClr val="000000"/>
                 </a:solidFill>
@@ -1972,7 +1982,7 @@
             <a:fld id="{0A20FFB9-4350-4747-A461-31EE288F362A}" type="slidenum">
               <a:rPr lang="en-US" altLang="en-US" sz="1200"/>
               <a:pPr/>
-              <a:t>21</a:t>
+              <a:t>31</a:t>
             </a:fld>
             <a:endParaRPr lang="en-US" altLang="en-US" sz="1200"/>
           </a:p>
@@ -2009,14 +2019,14 @@
           <a:noFill/>
           <a:extLst>
             <a:ext uri="{909E8E84-426E-40DD-AFC4-6F175D3DCCD1}">
-              <a14:hiddenFill xmlns:a14="http://schemas.microsoft.com/office/drawing/2010/main" xmlns="">
+              <a14:hiddenFill xmlns="" xmlns:a14="http://schemas.microsoft.com/office/drawing/2010/main">
                 <a:solidFill>
                   <a:srgbClr val="FFFFFF"/>
                 </a:solidFill>
               </a14:hiddenFill>
             </a:ext>
             <a:ext uri="{91240B29-F687-4F45-9708-019B960494DF}">
-              <a14:hiddenLine xmlns:a14="http://schemas.microsoft.com/office/drawing/2010/main" xmlns="" w="9525" cap="flat">
+              <a14:hiddenLine xmlns="" xmlns:a14="http://schemas.microsoft.com/office/drawing/2010/main" w="9525" cap="flat">
                 <a:solidFill>
                   <a:srgbClr val="000000"/>
                 </a:solidFill>
@@ -2038,7 +2048,7 @@
     </p:spTree>
     <p:extLst>
       <p:ext uri="{BB962C8B-B14F-4D97-AF65-F5344CB8AC3E}">
-        <p14:creationId xmlns:p14="http://schemas.microsoft.com/office/powerpoint/2010/main" xmlns="" val="3093866340"/>
+        <p14:creationId xmlns="" xmlns:p14="http://schemas.microsoft.com/office/powerpoint/2010/main" val="3093866340"/>
       </p:ext>
     </p:extLst>
   </p:cSld>
@@ -2087,14 +2097,14 @@
           <a:noFill/>
           <a:extLst>
             <a:ext uri="{909E8E84-426E-40DD-AFC4-6F175D3DCCD1}">
-              <a14:hiddenFill xmlns:a14="http://schemas.microsoft.com/office/drawing/2010/main" xmlns="">
+              <a14:hiddenFill xmlns="" xmlns:a14="http://schemas.microsoft.com/office/drawing/2010/main">
                 <a:solidFill>
                   <a:srgbClr val="FFFFFF"/>
                 </a:solidFill>
               </a14:hiddenFill>
             </a:ext>
             <a:ext uri="{91240B29-F687-4F45-9708-019B960494DF}">
-              <a14:hiddenLine xmlns:a14="http://schemas.microsoft.com/office/drawing/2010/main" xmlns="" w="9525">
+              <a14:hiddenLine xmlns="" xmlns:a14="http://schemas.microsoft.com/office/drawing/2010/main" w="9525">
                 <a:solidFill>
                   <a:srgbClr val="000000"/>
                 </a:solidFill>
@@ -2209,7 +2219,7 @@
             <a:fld id="{BEB18B79-D08F-4147-A739-D55434D8B820}" type="slidenum">
               <a:rPr lang="en-US" altLang="en-US" sz="1200"/>
               <a:pPr/>
-              <a:t>22</a:t>
+              <a:t>32</a:t>
             </a:fld>
             <a:endParaRPr lang="en-US" altLang="en-US" sz="1200"/>
           </a:p>
@@ -2246,14 +2256,14 @@
           <a:noFill/>
           <a:extLst>
             <a:ext uri="{909E8E84-426E-40DD-AFC4-6F175D3DCCD1}">
-              <a14:hiddenFill xmlns:a14="http://schemas.microsoft.com/office/drawing/2010/main" xmlns="">
+              <a14:hiddenFill xmlns="" xmlns:a14="http://schemas.microsoft.com/office/drawing/2010/main">
                 <a:solidFill>
                   <a:srgbClr val="FFFFFF"/>
                 </a:solidFill>
               </a14:hiddenFill>
             </a:ext>
             <a:ext uri="{91240B29-F687-4F45-9708-019B960494DF}">
-              <a14:hiddenLine xmlns:a14="http://schemas.microsoft.com/office/drawing/2010/main" xmlns="" w="9525" cap="flat">
+              <a14:hiddenLine xmlns="" xmlns:a14="http://schemas.microsoft.com/office/drawing/2010/main" w="9525" cap="flat">
                 <a:solidFill>
                   <a:srgbClr val="000000"/>
                 </a:solidFill>
@@ -2275,7 +2285,7 @@
     </p:spTree>
     <p:extLst>
       <p:ext uri="{BB962C8B-B14F-4D97-AF65-F5344CB8AC3E}">
-        <p14:creationId xmlns:p14="http://schemas.microsoft.com/office/powerpoint/2010/main" xmlns="" val="2445468865"/>
+        <p14:creationId xmlns="" xmlns:p14="http://schemas.microsoft.com/office/powerpoint/2010/main" val="2445468865"/>
       </p:ext>
     </p:extLst>
   </p:cSld>
@@ -2324,14 +2334,14 @@
           <a:noFill/>
           <a:extLst>
             <a:ext uri="{909E8E84-426E-40DD-AFC4-6F175D3DCCD1}">
-              <a14:hiddenFill xmlns:a14="http://schemas.microsoft.com/office/drawing/2010/main" xmlns="">
+              <a14:hiddenFill xmlns="" xmlns:a14="http://schemas.microsoft.com/office/drawing/2010/main">
                 <a:solidFill>
                   <a:srgbClr val="FFFFFF"/>
                 </a:solidFill>
               </a14:hiddenFill>
             </a:ext>
             <a:ext uri="{91240B29-F687-4F45-9708-019B960494DF}">
-              <a14:hiddenLine xmlns:a14="http://schemas.microsoft.com/office/drawing/2010/main" xmlns="" w="9525">
+              <a14:hiddenLine xmlns="" xmlns:a14="http://schemas.microsoft.com/office/drawing/2010/main" w="9525">
                 <a:solidFill>
                   <a:srgbClr val="000000"/>
                 </a:solidFill>
@@ -2446,7 +2456,7 @@
             <a:fld id="{6E1AEE5F-10E7-4C92-96CE-7405AF0B07D6}" type="slidenum">
               <a:rPr lang="en-US" altLang="en-US" sz="1200"/>
               <a:pPr/>
-              <a:t>24</a:t>
+              <a:t>34</a:t>
             </a:fld>
             <a:endParaRPr lang="en-US" altLang="en-US" sz="1200"/>
           </a:p>
@@ -2483,14 +2493,14 @@
           <a:noFill/>
           <a:extLst>
             <a:ext uri="{909E8E84-426E-40DD-AFC4-6F175D3DCCD1}">
-              <a14:hiddenFill xmlns:a14="http://schemas.microsoft.com/office/drawing/2010/main" xmlns="">
+              <a14:hiddenFill xmlns="" xmlns:a14="http://schemas.microsoft.com/office/drawing/2010/main">
                 <a:solidFill>
                   <a:srgbClr val="FFFFFF"/>
                 </a:solidFill>
               </a14:hiddenFill>
             </a:ext>
             <a:ext uri="{91240B29-F687-4F45-9708-019B960494DF}">
-              <a14:hiddenLine xmlns:a14="http://schemas.microsoft.com/office/drawing/2010/main" xmlns="" w="9525" cap="flat">
+              <a14:hiddenLine xmlns="" xmlns:a14="http://schemas.microsoft.com/office/drawing/2010/main" w="9525" cap="flat">
                 <a:solidFill>
                   <a:srgbClr val="000000"/>
                 </a:solidFill>
@@ -2512,7 +2522,7 @@
     </p:spTree>
     <p:extLst>
       <p:ext uri="{BB962C8B-B14F-4D97-AF65-F5344CB8AC3E}">
-        <p14:creationId xmlns:p14="http://schemas.microsoft.com/office/powerpoint/2010/main" xmlns="" val="3670739436"/>
+        <p14:creationId xmlns="" xmlns:p14="http://schemas.microsoft.com/office/powerpoint/2010/main" val="3670739436"/>
       </p:ext>
     </p:extLst>
   </p:cSld>
@@ -2561,14 +2571,14 @@
           <a:noFill/>
           <a:extLst>
             <a:ext uri="{909E8E84-426E-40DD-AFC4-6F175D3DCCD1}">
-              <a14:hiddenFill xmlns:a14="http://schemas.microsoft.com/office/drawing/2010/main" xmlns="">
+              <a14:hiddenFill xmlns="" xmlns:a14="http://schemas.microsoft.com/office/drawing/2010/main">
                 <a:solidFill>
                   <a:srgbClr val="FFFFFF"/>
                 </a:solidFill>
               </a14:hiddenFill>
             </a:ext>
             <a:ext uri="{91240B29-F687-4F45-9708-019B960494DF}">
-              <a14:hiddenLine xmlns:a14="http://schemas.microsoft.com/office/drawing/2010/main" xmlns="" w="9525">
+              <a14:hiddenLine xmlns="" xmlns:a14="http://schemas.microsoft.com/office/drawing/2010/main" w="9525">
                 <a:solidFill>
                   <a:srgbClr val="000000"/>
                 </a:solidFill>
@@ -2683,7 +2693,7 @@
             <a:fld id="{DDA500DE-00E5-4279-8CE1-AEFC553A216C}" type="slidenum">
               <a:rPr lang="en-US" altLang="en-US" sz="1200"/>
               <a:pPr/>
-              <a:t>25</a:t>
+              <a:t>35</a:t>
             </a:fld>
             <a:endParaRPr lang="en-US" altLang="en-US" sz="1200"/>
           </a:p>
@@ -2720,14 +2730,14 @@
           <a:noFill/>
           <a:extLst>
             <a:ext uri="{909E8E84-426E-40DD-AFC4-6F175D3DCCD1}">
-              <a14:hiddenFill xmlns:a14="http://schemas.microsoft.com/office/drawing/2010/main" xmlns="">
+              <a14:hiddenFill xmlns="" xmlns:a14="http://schemas.microsoft.com/office/drawing/2010/main">
                 <a:solidFill>
                   <a:srgbClr val="FFFFFF"/>
                 </a:solidFill>
               </a14:hiddenFill>
             </a:ext>
             <a:ext uri="{91240B29-F687-4F45-9708-019B960494DF}">
-              <a14:hiddenLine xmlns:a14="http://schemas.microsoft.com/office/drawing/2010/main" xmlns="" w="9525" cap="flat">
+              <a14:hiddenLine xmlns="" xmlns:a14="http://schemas.microsoft.com/office/drawing/2010/main" w="9525" cap="flat">
                 <a:solidFill>
                   <a:srgbClr val="000000"/>
                 </a:solidFill>
@@ -2749,7 +2759,7 @@
     </p:spTree>
     <p:extLst>
       <p:ext uri="{BB962C8B-B14F-4D97-AF65-F5344CB8AC3E}">
-        <p14:creationId xmlns:p14="http://schemas.microsoft.com/office/powerpoint/2010/main" xmlns="" val="3189149127"/>
+        <p14:creationId xmlns="" xmlns:p14="http://schemas.microsoft.com/office/powerpoint/2010/main" val="3189149127"/>
       </p:ext>
     </p:extLst>
   </p:cSld>
@@ -2798,14 +2808,14 @@
           <a:noFill/>
           <a:extLst>
             <a:ext uri="{909E8E84-426E-40DD-AFC4-6F175D3DCCD1}">
-              <a14:hiddenFill xmlns:a14="http://schemas.microsoft.com/office/drawing/2010/main" xmlns="">
+              <a14:hiddenFill xmlns="" xmlns:a14="http://schemas.microsoft.com/office/drawing/2010/main">
                 <a:solidFill>
                   <a:srgbClr val="FFFFFF"/>
                 </a:solidFill>
               </a14:hiddenFill>
             </a:ext>
             <a:ext uri="{91240B29-F687-4F45-9708-019B960494DF}">
-              <a14:hiddenLine xmlns:a14="http://schemas.microsoft.com/office/drawing/2010/main" xmlns="" w="9525">
+              <a14:hiddenLine xmlns="" xmlns:a14="http://schemas.microsoft.com/office/drawing/2010/main" w="9525">
                 <a:solidFill>
                   <a:srgbClr val="000000"/>
                 </a:solidFill>
@@ -2920,7 +2930,7 @@
             <a:fld id="{5693BEE4-8B0E-4EEC-BAAD-8B925E4D6212}" type="slidenum">
               <a:rPr lang="en-US" altLang="en-US" sz="1200"/>
               <a:pPr/>
-              <a:t>26</a:t>
+              <a:t>36</a:t>
             </a:fld>
             <a:endParaRPr lang="en-US" altLang="en-US" sz="1200"/>
           </a:p>
@@ -2957,14 +2967,14 @@
           <a:noFill/>
           <a:extLst>
             <a:ext uri="{909E8E84-426E-40DD-AFC4-6F175D3DCCD1}">
-              <a14:hiddenFill xmlns:a14="http://schemas.microsoft.com/office/drawing/2010/main" xmlns="">
+              <a14:hiddenFill xmlns="" xmlns:a14="http://schemas.microsoft.com/office/drawing/2010/main">
                 <a:solidFill>
                   <a:srgbClr val="FFFFFF"/>
                 </a:solidFill>
               </a14:hiddenFill>
             </a:ext>
             <a:ext uri="{91240B29-F687-4F45-9708-019B960494DF}">
-              <a14:hiddenLine xmlns:a14="http://schemas.microsoft.com/office/drawing/2010/main" xmlns="" w="9525" cap="flat">
+              <a14:hiddenLine xmlns="" xmlns:a14="http://schemas.microsoft.com/office/drawing/2010/main" w="9525" cap="flat">
                 <a:solidFill>
                   <a:srgbClr val="000000"/>
                 </a:solidFill>
@@ -2986,7 +2996,7 @@
     </p:spTree>
     <p:extLst>
       <p:ext uri="{BB962C8B-B14F-4D97-AF65-F5344CB8AC3E}">
-        <p14:creationId xmlns:p14="http://schemas.microsoft.com/office/powerpoint/2010/main" xmlns="" val="3064784966"/>
+        <p14:creationId xmlns="" xmlns:p14="http://schemas.microsoft.com/office/powerpoint/2010/main" val="3064784966"/>
       </p:ext>
     </p:extLst>
   </p:cSld>
@@ -3035,14 +3045,14 @@
           <a:noFill/>
           <a:extLst>
             <a:ext uri="{909E8E84-426E-40DD-AFC4-6F175D3DCCD1}">
-              <a14:hiddenFill xmlns:a14="http://schemas.microsoft.com/office/drawing/2010/main" xmlns="">
+              <a14:hiddenFill xmlns="" xmlns:a14="http://schemas.microsoft.com/office/drawing/2010/main">
                 <a:solidFill>
                   <a:srgbClr val="FFFFFF"/>
                 </a:solidFill>
               </a14:hiddenFill>
             </a:ext>
             <a:ext uri="{91240B29-F687-4F45-9708-019B960494DF}">
-              <a14:hiddenLine xmlns:a14="http://schemas.microsoft.com/office/drawing/2010/main" xmlns="" w="9525">
+              <a14:hiddenLine xmlns="" xmlns:a14="http://schemas.microsoft.com/office/drawing/2010/main" w="9525">
                 <a:solidFill>
                   <a:srgbClr val="000000"/>
                 </a:solidFill>
@@ -3157,7 +3167,7 @@
             <a:fld id="{0A7B1DF6-31FF-4C6F-A106-D3DB840C0A9B}" type="slidenum">
               <a:rPr lang="en-US" altLang="en-US" sz="1200"/>
               <a:pPr/>
-              <a:t>28</a:t>
+              <a:t>38</a:t>
             </a:fld>
             <a:endParaRPr lang="en-US" altLang="en-US" sz="1200"/>
           </a:p>
@@ -3194,14 +3204,14 @@
           <a:noFill/>
           <a:extLst>
             <a:ext uri="{909E8E84-426E-40DD-AFC4-6F175D3DCCD1}">
-              <a14:hiddenFill xmlns:a14="http://schemas.microsoft.com/office/drawing/2010/main" xmlns="">
+              <a14:hiddenFill xmlns="" xmlns:a14="http://schemas.microsoft.com/office/drawing/2010/main">
                 <a:solidFill>
                   <a:srgbClr val="FFFFFF"/>
                 </a:solidFill>
               </a14:hiddenFill>
             </a:ext>
             <a:ext uri="{91240B29-F687-4F45-9708-019B960494DF}">
-              <a14:hiddenLine xmlns:a14="http://schemas.microsoft.com/office/drawing/2010/main" xmlns="" w="9525" cap="flat">
+              <a14:hiddenLine xmlns="" xmlns:a14="http://schemas.microsoft.com/office/drawing/2010/main" w="9525" cap="flat">
                 <a:solidFill>
                   <a:srgbClr val="000000"/>
                 </a:solidFill>
@@ -3223,7 +3233,7 @@
     </p:spTree>
     <p:extLst>
       <p:ext uri="{BB962C8B-B14F-4D97-AF65-F5344CB8AC3E}">
-        <p14:creationId xmlns:p14="http://schemas.microsoft.com/office/powerpoint/2010/main" xmlns="" val="820887667"/>
+        <p14:creationId xmlns="" xmlns:p14="http://schemas.microsoft.com/office/powerpoint/2010/main" val="820887667"/>
       </p:ext>
     </p:extLst>
   </p:cSld>
@@ -3272,14 +3282,14 @@
           <a:noFill/>
           <a:extLst>
             <a:ext uri="{909E8E84-426E-40DD-AFC4-6F175D3DCCD1}">
-              <a14:hiddenFill xmlns:a14="http://schemas.microsoft.com/office/drawing/2010/main" xmlns="">
+              <a14:hiddenFill xmlns="" xmlns:a14="http://schemas.microsoft.com/office/drawing/2010/main">
                 <a:solidFill>
                   <a:srgbClr val="FFFFFF"/>
                 </a:solidFill>
               </a14:hiddenFill>
             </a:ext>
             <a:ext uri="{91240B29-F687-4F45-9708-019B960494DF}">
-              <a14:hiddenLine xmlns:a14="http://schemas.microsoft.com/office/drawing/2010/main" xmlns="" w="9525">
+              <a14:hiddenLine xmlns="" xmlns:a14="http://schemas.microsoft.com/office/drawing/2010/main" w="9525">
                 <a:solidFill>
                   <a:srgbClr val="000000"/>
                 </a:solidFill>
@@ -3431,14 +3441,14 @@
           <a:noFill/>
           <a:extLst>
             <a:ext uri="{909E8E84-426E-40DD-AFC4-6F175D3DCCD1}">
-              <a14:hiddenFill xmlns:a14="http://schemas.microsoft.com/office/drawing/2010/main" xmlns="">
+              <a14:hiddenFill xmlns="" xmlns:a14="http://schemas.microsoft.com/office/drawing/2010/main">
                 <a:solidFill>
                   <a:srgbClr val="FFFFFF"/>
                 </a:solidFill>
               </a14:hiddenFill>
             </a:ext>
             <a:ext uri="{91240B29-F687-4F45-9708-019B960494DF}">
-              <a14:hiddenLine xmlns:a14="http://schemas.microsoft.com/office/drawing/2010/main" xmlns="" w="9525" cap="flat">
+              <a14:hiddenLine xmlns="" xmlns:a14="http://schemas.microsoft.com/office/drawing/2010/main" w="9525" cap="flat">
                 <a:solidFill>
                   <a:srgbClr val="000000"/>
                 </a:solidFill>
@@ -3460,7 +3470,7 @@
     </p:spTree>
     <p:extLst>
       <p:ext uri="{BB962C8B-B14F-4D97-AF65-F5344CB8AC3E}">
-        <p14:creationId xmlns:p14="http://schemas.microsoft.com/office/powerpoint/2010/main" xmlns="" val="1936022927"/>
+        <p14:creationId xmlns="" xmlns:p14="http://schemas.microsoft.com/office/powerpoint/2010/main" val="1936022927"/>
       </p:ext>
     </p:extLst>
   </p:cSld>
@@ -3509,14 +3519,14 @@
           <a:noFill/>
           <a:extLst>
             <a:ext uri="{909E8E84-426E-40DD-AFC4-6F175D3DCCD1}">
-              <a14:hiddenFill xmlns:a14="http://schemas.microsoft.com/office/drawing/2010/main" xmlns="">
+              <a14:hiddenFill xmlns="" xmlns:a14="http://schemas.microsoft.com/office/drawing/2010/main">
                 <a:solidFill>
                   <a:srgbClr val="FFFFFF"/>
                 </a:solidFill>
               </a14:hiddenFill>
             </a:ext>
             <a:ext uri="{91240B29-F687-4F45-9708-019B960494DF}">
-              <a14:hiddenLine xmlns:a14="http://schemas.microsoft.com/office/drawing/2010/main" xmlns="" w="9525">
+              <a14:hiddenLine xmlns="" xmlns:a14="http://schemas.microsoft.com/office/drawing/2010/main" w="9525">
                 <a:solidFill>
                   <a:srgbClr val="000000"/>
                 </a:solidFill>
@@ -3668,14 +3678,14 @@
           <a:noFill/>
           <a:extLst>
             <a:ext uri="{909E8E84-426E-40DD-AFC4-6F175D3DCCD1}">
-              <a14:hiddenFill xmlns:a14="http://schemas.microsoft.com/office/drawing/2010/main" xmlns="">
+              <a14:hiddenFill xmlns="" xmlns:a14="http://schemas.microsoft.com/office/drawing/2010/main">
                 <a:solidFill>
                   <a:srgbClr val="FFFFFF"/>
                 </a:solidFill>
               </a14:hiddenFill>
             </a:ext>
             <a:ext uri="{91240B29-F687-4F45-9708-019B960494DF}">
-              <a14:hiddenLine xmlns:a14="http://schemas.microsoft.com/office/drawing/2010/main" xmlns="" w="9525" cap="flat">
+              <a14:hiddenLine xmlns="" xmlns:a14="http://schemas.microsoft.com/office/drawing/2010/main" w="9525" cap="flat">
                 <a:solidFill>
                   <a:srgbClr val="000000"/>
                 </a:solidFill>
@@ -3697,7 +3707,7 @@
     </p:spTree>
     <p:extLst>
       <p:ext uri="{BB962C8B-B14F-4D97-AF65-F5344CB8AC3E}">
-        <p14:creationId xmlns:p14="http://schemas.microsoft.com/office/powerpoint/2010/main" xmlns="" val="2328323395"/>
+        <p14:creationId xmlns="" xmlns:p14="http://schemas.microsoft.com/office/powerpoint/2010/main" val="2328323395"/>
       </p:ext>
     </p:extLst>
   </p:cSld>
@@ -3746,14 +3756,14 @@
           <a:noFill/>
           <a:extLst>
             <a:ext uri="{909E8E84-426E-40DD-AFC4-6F175D3DCCD1}">
-              <a14:hiddenFill xmlns:a14="http://schemas.microsoft.com/office/drawing/2010/main" xmlns="">
+              <a14:hiddenFill xmlns="" xmlns:a14="http://schemas.microsoft.com/office/drawing/2010/main">
                 <a:solidFill>
                   <a:srgbClr val="FFFFFF"/>
                 </a:solidFill>
               </a14:hiddenFill>
             </a:ext>
             <a:ext uri="{91240B29-F687-4F45-9708-019B960494DF}">
-              <a14:hiddenLine xmlns:a14="http://schemas.microsoft.com/office/drawing/2010/main" xmlns="" w="9525">
+              <a14:hiddenLine xmlns="" xmlns:a14="http://schemas.microsoft.com/office/drawing/2010/main" w="9525">
                 <a:solidFill>
                   <a:srgbClr val="000000"/>
                 </a:solidFill>
@@ -3905,14 +3915,14 @@
           <a:noFill/>
           <a:extLst>
             <a:ext uri="{909E8E84-426E-40DD-AFC4-6F175D3DCCD1}">
-              <a14:hiddenFill xmlns:a14="http://schemas.microsoft.com/office/drawing/2010/main" xmlns="">
+              <a14:hiddenFill xmlns="" xmlns:a14="http://schemas.microsoft.com/office/drawing/2010/main">
                 <a:solidFill>
                   <a:srgbClr val="FFFFFF"/>
                 </a:solidFill>
               </a14:hiddenFill>
             </a:ext>
             <a:ext uri="{91240B29-F687-4F45-9708-019B960494DF}">
-              <a14:hiddenLine xmlns:a14="http://schemas.microsoft.com/office/drawing/2010/main" xmlns="" w="9525" cap="flat">
+              <a14:hiddenLine xmlns="" xmlns:a14="http://schemas.microsoft.com/office/drawing/2010/main" w="9525" cap="flat">
                 <a:solidFill>
                   <a:srgbClr val="000000"/>
                 </a:solidFill>
@@ -3934,7 +3944,7 @@
     </p:spTree>
     <p:extLst>
       <p:ext uri="{BB962C8B-B14F-4D97-AF65-F5344CB8AC3E}">
-        <p14:creationId xmlns:p14="http://schemas.microsoft.com/office/powerpoint/2010/main" xmlns="" val="12951536"/>
+        <p14:creationId xmlns="" xmlns:p14="http://schemas.microsoft.com/office/powerpoint/2010/main" val="12951536"/>
       </p:ext>
     </p:extLst>
   </p:cSld>
@@ -3983,14 +3993,14 @@
           <a:noFill/>
           <a:extLst>
             <a:ext uri="{909E8E84-426E-40DD-AFC4-6F175D3DCCD1}">
-              <a14:hiddenFill xmlns:a14="http://schemas.microsoft.com/office/drawing/2010/main" xmlns="">
+              <a14:hiddenFill xmlns="" xmlns:a14="http://schemas.microsoft.com/office/drawing/2010/main">
                 <a:solidFill>
                   <a:srgbClr val="FFFFFF"/>
                 </a:solidFill>
               </a14:hiddenFill>
             </a:ext>
             <a:ext uri="{91240B29-F687-4F45-9708-019B960494DF}">
-              <a14:hiddenLine xmlns:a14="http://schemas.microsoft.com/office/drawing/2010/main" xmlns="" w="9525">
+              <a14:hiddenLine xmlns="" xmlns:a14="http://schemas.microsoft.com/office/drawing/2010/main" w="9525">
                 <a:solidFill>
                   <a:srgbClr val="000000"/>
                 </a:solidFill>
@@ -4142,14 +4152,14 @@
           <a:noFill/>
           <a:extLst>
             <a:ext uri="{909E8E84-426E-40DD-AFC4-6F175D3DCCD1}">
-              <a14:hiddenFill xmlns:a14="http://schemas.microsoft.com/office/drawing/2010/main" xmlns="">
+              <a14:hiddenFill xmlns="" xmlns:a14="http://schemas.microsoft.com/office/drawing/2010/main">
                 <a:solidFill>
                   <a:srgbClr val="FFFFFF"/>
                 </a:solidFill>
               </a14:hiddenFill>
             </a:ext>
             <a:ext uri="{91240B29-F687-4F45-9708-019B960494DF}">
-              <a14:hiddenLine xmlns:a14="http://schemas.microsoft.com/office/drawing/2010/main" xmlns="" w="9525" cap="flat">
+              <a14:hiddenLine xmlns="" xmlns:a14="http://schemas.microsoft.com/office/drawing/2010/main" w="9525" cap="flat">
                 <a:solidFill>
                   <a:srgbClr val="000000"/>
                 </a:solidFill>
@@ -4171,7 +4181,7 @@
     </p:spTree>
     <p:extLst>
       <p:ext uri="{BB962C8B-B14F-4D97-AF65-F5344CB8AC3E}">
-        <p14:creationId xmlns:p14="http://schemas.microsoft.com/office/powerpoint/2010/main" xmlns="" val="193149072"/>
+        <p14:creationId xmlns="" xmlns:p14="http://schemas.microsoft.com/office/powerpoint/2010/main" val="193149072"/>
       </p:ext>
     </p:extLst>
   </p:cSld>
@@ -4220,14 +4230,14 @@
           <a:noFill/>
           <a:extLst>
             <a:ext uri="{909E8E84-426E-40DD-AFC4-6F175D3DCCD1}">
-              <a14:hiddenFill xmlns:a14="http://schemas.microsoft.com/office/drawing/2010/main" xmlns="">
+              <a14:hiddenFill xmlns="" xmlns:a14="http://schemas.microsoft.com/office/drawing/2010/main">
                 <a:solidFill>
                   <a:srgbClr val="FFFFFF"/>
                 </a:solidFill>
               </a14:hiddenFill>
             </a:ext>
             <a:ext uri="{91240B29-F687-4F45-9708-019B960494DF}">
-              <a14:hiddenLine xmlns:a14="http://schemas.microsoft.com/office/drawing/2010/main" xmlns="" w="9525">
+              <a14:hiddenLine xmlns="" xmlns:a14="http://schemas.microsoft.com/office/drawing/2010/main" w="9525">
                 <a:solidFill>
                   <a:srgbClr val="000000"/>
                 </a:solidFill>
@@ -4379,14 +4389,14 @@
           <a:noFill/>
           <a:extLst>
             <a:ext uri="{909E8E84-426E-40DD-AFC4-6F175D3DCCD1}">
-              <a14:hiddenFill xmlns:a14="http://schemas.microsoft.com/office/drawing/2010/main" xmlns="">
+              <a14:hiddenFill xmlns="" xmlns:a14="http://schemas.microsoft.com/office/drawing/2010/main">
                 <a:solidFill>
                   <a:srgbClr val="FFFFFF"/>
                 </a:solidFill>
               </a14:hiddenFill>
             </a:ext>
             <a:ext uri="{91240B29-F687-4F45-9708-019B960494DF}">
-              <a14:hiddenLine xmlns:a14="http://schemas.microsoft.com/office/drawing/2010/main" xmlns="" w="9525" cap="flat">
+              <a14:hiddenLine xmlns="" xmlns:a14="http://schemas.microsoft.com/office/drawing/2010/main" w="9525" cap="flat">
                 <a:solidFill>
                   <a:srgbClr val="000000"/>
                 </a:solidFill>
@@ -4408,7 +4418,7 @@
     </p:spTree>
     <p:extLst>
       <p:ext uri="{BB962C8B-B14F-4D97-AF65-F5344CB8AC3E}">
-        <p14:creationId xmlns:p14="http://schemas.microsoft.com/office/powerpoint/2010/main" xmlns="" val="2215341922"/>
+        <p14:creationId xmlns="" xmlns:p14="http://schemas.microsoft.com/office/powerpoint/2010/main" val="2215341922"/>
       </p:ext>
     </p:extLst>
   </p:cSld>
@@ -4457,14 +4467,14 @@
           <a:noFill/>
           <a:extLst>
             <a:ext uri="{909E8E84-426E-40DD-AFC4-6F175D3DCCD1}">
-              <a14:hiddenFill xmlns:a14="http://schemas.microsoft.com/office/drawing/2010/main" xmlns="">
+              <a14:hiddenFill xmlns="" xmlns:a14="http://schemas.microsoft.com/office/drawing/2010/main">
                 <a:solidFill>
                   <a:srgbClr val="FFFFFF"/>
                 </a:solidFill>
               </a14:hiddenFill>
             </a:ext>
             <a:ext uri="{91240B29-F687-4F45-9708-019B960494DF}">
-              <a14:hiddenLine xmlns:a14="http://schemas.microsoft.com/office/drawing/2010/main" xmlns="" w="9525">
+              <a14:hiddenLine xmlns="" xmlns:a14="http://schemas.microsoft.com/office/drawing/2010/main" w="9525">
                 <a:solidFill>
                   <a:srgbClr val="000000"/>
                 </a:solidFill>
@@ -4616,14 +4626,14 @@
           <a:noFill/>
           <a:extLst>
             <a:ext uri="{909E8E84-426E-40DD-AFC4-6F175D3DCCD1}">
-              <a14:hiddenFill xmlns:a14="http://schemas.microsoft.com/office/drawing/2010/main" xmlns="">
+              <a14:hiddenFill xmlns="" xmlns:a14="http://schemas.microsoft.com/office/drawing/2010/main">
                 <a:solidFill>
                   <a:srgbClr val="FFFFFF"/>
                 </a:solidFill>
               </a14:hiddenFill>
             </a:ext>
             <a:ext uri="{91240B29-F687-4F45-9708-019B960494DF}">
-              <a14:hiddenLine xmlns:a14="http://schemas.microsoft.com/office/drawing/2010/main" xmlns="" w="9525" cap="flat">
+              <a14:hiddenLine xmlns="" xmlns:a14="http://schemas.microsoft.com/office/drawing/2010/main" w="9525" cap="flat">
                 <a:solidFill>
                   <a:srgbClr val="000000"/>
                 </a:solidFill>
@@ -4645,7 +4655,7 @@
     </p:spTree>
     <p:extLst>
       <p:ext uri="{BB962C8B-B14F-4D97-AF65-F5344CB8AC3E}">
-        <p14:creationId xmlns:p14="http://schemas.microsoft.com/office/powerpoint/2010/main" xmlns="" val="3155271457"/>
+        <p14:creationId xmlns="" xmlns:p14="http://schemas.microsoft.com/office/powerpoint/2010/main" val="3155271457"/>
       </p:ext>
     </p:extLst>
   </p:cSld>
@@ -4694,14 +4704,14 @@
           <a:noFill/>
           <a:extLst>
             <a:ext uri="{909E8E84-426E-40DD-AFC4-6F175D3DCCD1}">
-              <a14:hiddenFill xmlns:a14="http://schemas.microsoft.com/office/drawing/2010/main" xmlns="">
+              <a14:hiddenFill xmlns="" xmlns:a14="http://schemas.microsoft.com/office/drawing/2010/main">
                 <a:solidFill>
                   <a:srgbClr val="FFFFFF"/>
                 </a:solidFill>
               </a14:hiddenFill>
             </a:ext>
             <a:ext uri="{91240B29-F687-4F45-9708-019B960494DF}">
-              <a14:hiddenLine xmlns:a14="http://schemas.microsoft.com/office/drawing/2010/main" xmlns="" w="9525">
+              <a14:hiddenLine xmlns="" xmlns:a14="http://schemas.microsoft.com/office/drawing/2010/main" w="9525">
                 <a:solidFill>
                   <a:srgbClr val="000000"/>
                 </a:solidFill>
@@ -4816,7 +4826,7 @@
             <a:fld id="{ADB1B41A-417A-4E3E-9B48-D4E96C1E765B}" type="slidenum">
               <a:rPr lang="en-US" altLang="en-US" sz="1200"/>
               <a:pPr/>
-              <a:t>13</a:t>
+              <a:t>17</a:t>
             </a:fld>
             <a:endParaRPr lang="en-US" altLang="en-US" sz="1200"/>
           </a:p>
@@ -4853,14 +4863,14 @@
           <a:noFill/>
           <a:extLst>
             <a:ext uri="{909E8E84-426E-40DD-AFC4-6F175D3DCCD1}">
-              <a14:hiddenFill xmlns:a14="http://schemas.microsoft.com/office/drawing/2010/main" xmlns="">
+              <a14:hiddenFill xmlns="" xmlns:a14="http://schemas.microsoft.com/office/drawing/2010/main">
                 <a:solidFill>
                   <a:srgbClr val="FFFFFF"/>
                 </a:solidFill>
               </a14:hiddenFill>
             </a:ext>
             <a:ext uri="{91240B29-F687-4F45-9708-019B960494DF}">
-              <a14:hiddenLine xmlns:a14="http://schemas.microsoft.com/office/drawing/2010/main" xmlns="" w="9525" cap="flat">
+              <a14:hiddenLine xmlns="" xmlns:a14="http://schemas.microsoft.com/office/drawing/2010/main" w="9525" cap="flat">
                 <a:solidFill>
                   <a:srgbClr val="000000"/>
                 </a:solidFill>
@@ -4882,7 +4892,7 @@
     </p:spTree>
     <p:extLst>
       <p:ext uri="{BB962C8B-B14F-4D97-AF65-F5344CB8AC3E}">
-        <p14:creationId xmlns:p14="http://schemas.microsoft.com/office/powerpoint/2010/main" xmlns="" val="3551785336"/>
+        <p14:creationId xmlns="" xmlns:p14="http://schemas.microsoft.com/office/powerpoint/2010/main" val="3551785336"/>
       </p:ext>
     </p:extLst>
   </p:cSld>
@@ -4931,14 +4941,14 @@
           <a:noFill/>
           <a:extLst>
             <a:ext uri="{909E8E84-426E-40DD-AFC4-6F175D3DCCD1}">
-              <a14:hiddenFill xmlns:a14="http://schemas.microsoft.com/office/drawing/2010/main" xmlns="">
+              <a14:hiddenFill xmlns="" xmlns:a14="http://schemas.microsoft.com/office/drawing/2010/main">
                 <a:solidFill>
                   <a:srgbClr val="FFFFFF"/>
                 </a:solidFill>
               </a14:hiddenFill>
             </a:ext>
             <a:ext uri="{91240B29-F687-4F45-9708-019B960494DF}">
-              <a14:hiddenLine xmlns:a14="http://schemas.microsoft.com/office/drawing/2010/main" xmlns="" w="9525">
+              <a14:hiddenLine xmlns="" xmlns:a14="http://schemas.microsoft.com/office/drawing/2010/main" w="9525">
                 <a:solidFill>
                   <a:srgbClr val="000000"/>
                 </a:solidFill>
@@ -5053,7 +5063,7 @@
             <a:fld id="{063CDED7-17B9-4934-92EE-A7903A52C563}" type="slidenum">
               <a:rPr lang="en-US" altLang="en-US" sz="1200"/>
               <a:pPr/>
-              <a:t>16</a:t>
+              <a:t>22</a:t>
             </a:fld>
             <a:endParaRPr lang="en-US" altLang="en-US" sz="1200"/>
           </a:p>
@@ -5090,14 +5100,14 @@
           <a:noFill/>
           <a:extLst>
             <a:ext uri="{909E8E84-426E-40DD-AFC4-6F175D3DCCD1}">
-              <a14:hiddenFill xmlns:a14="http://schemas.microsoft.com/office/drawing/2010/main" xmlns="">
+              <a14:hiddenFill xmlns="" xmlns:a14="http://schemas.microsoft.com/office/drawing/2010/main">
                 <a:solidFill>
                   <a:srgbClr val="FFFFFF"/>
                 </a:solidFill>
               </a14:hiddenFill>
             </a:ext>
             <a:ext uri="{91240B29-F687-4F45-9708-019B960494DF}">
-              <a14:hiddenLine xmlns:a14="http://schemas.microsoft.com/office/drawing/2010/main" xmlns="" w="9525" cap="flat">
+              <a14:hiddenLine xmlns="" xmlns:a14="http://schemas.microsoft.com/office/drawing/2010/main" w="9525" cap="flat">
                 <a:solidFill>
                   <a:srgbClr val="000000"/>
                 </a:solidFill>
@@ -5119,7 +5129,7 @@
     </p:spTree>
     <p:extLst>
       <p:ext uri="{BB962C8B-B14F-4D97-AF65-F5344CB8AC3E}">
-        <p14:creationId xmlns:p14="http://schemas.microsoft.com/office/powerpoint/2010/main" xmlns="" val="1203307341"/>
+        <p14:creationId xmlns="" xmlns:p14="http://schemas.microsoft.com/office/powerpoint/2010/main" val="1203307341"/>
       </p:ext>
     </p:extLst>
   </p:cSld>
@@ -5246,7 +5256,7 @@
     </p:spTree>
     <p:extLst>
       <p:ext uri="{BB962C8B-B14F-4D97-AF65-F5344CB8AC3E}">
-        <p14:creationId xmlns:p14="http://schemas.microsoft.com/office/powerpoint/2010/main" xmlns="" val="3463218535"/>
+        <p14:creationId xmlns="" xmlns:p14="http://schemas.microsoft.com/office/powerpoint/2010/main" val="3463218535"/>
       </p:ext>
     </p:extLst>
   </p:cSld>
@@ -5469,7 +5479,7 @@
     </p:spTree>
     <p:extLst>
       <p:ext uri="{BB962C8B-B14F-4D97-AF65-F5344CB8AC3E}">
-        <p14:creationId xmlns:p14="http://schemas.microsoft.com/office/powerpoint/2010/main" xmlns="" val="2409673953"/>
+        <p14:creationId xmlns="" xmlns:p14="http://schemas.microsoft.com/office/powerpoint/2010/main" val="2409673953"/>
       </p:ext>
     </p:extLst>
   </p:cSld>
@@ -5702,7 +5712,7 @@
     </p:spTree>
     <p:extLst>
       <p:ext uri="{BB962C8B-B14F-4D97-AF65-F5344CB8AC3E}">
-        <p14:creationId xmlns:p14="http://schemas.microsoft.com/office/powerpoint/2010/main" xmlns="" val="1434235924"/>
+        <p14:creationId xmlns="" xmlns:p14="http://schemas.microsoft.com/office/powerpoint/2010/main" val="1434235924"/>
       </p:ext>
     </p:extLst>
   </p:cSld>
@@ -5807,7 +5817,7 @@
     </p:spTree>
     <p:extLst>
       <p:ext uri="{BB962C8B-B14F-4D97-AF65-F5344CB8AC3E}">
-        <p14:creationId xmlns:p14="http://schemas.microsoft.com/office/powerpoint/2010/main" xmlns="" val="1933310385"/>
+        <p14:creationId xmlns="" xmlns:p14="http://schemas.microsoft.com/office/powerpoint/2010/main" val="1933310385"/>
       </p:ext>
     </p:extLst>
   </p:cSld>
@@ -5934,7 +5944,7 @@
     </p:spTree>
     <p:extLst>
       <p:ext uri="{BB962C8B-B14F-4D97-AF65-F5344CB8AC3E}">
-        <p14:creationId xmlns:p14="http://schemas.microsoft.com/office/powerpoint/2010/main" xmlns="" val="679122482"/>
+        <p14:creationId xmlns="" xmlns:p14="http://schemas.microsoft.com/office/powerpoint/2010/main" val="679122482"/>
       </p:ext>
     </p:extLst>
   </p:cSld>
@@ -6101,7 +6111,7 @@
     </p:spTree>
     <p:extLst>
       <p:ext uri="{BB962C8B-B14F-4D97-AF65-F5344CB8AC3E}">
-        <p14:creationId xmlns:p14="http://schemas.microsoft.com/office/powerpoint/2010/main" xmlns="" val="2706322293"/>
+        <p14:creationId xmlns="" xmlns:p14="http://schemas.microsoft.com/office/powerpoint/2010/main" val="2706322293"/>
       </p:ext>
     </p:extLst>
   </p:cSld>
@@ -6403,7 +6413,7 @@
     </p:spTree>
     <p:extLst>
       <p:ext uri="{BB962C8B-B14F-4D97-AF65-F5344CB8AC3E}">
-        <p14:creationId xmlns:p14="http://schemas.microsoft.com/office/powerpoint/2010/main" xmlns="" val="1221097679"/>
+        <p14:creationId xmlns="" xmlns:p14="http://schemas.microsoft.com/office/powerpoint/2010/main" val="1221097679"/>
       </p:ext>
     </p:extLst>
   </p:cSld>
@@ -6574,7 +6584,7 @@
     </p:spTree>
     <p:extLst>
       <p:ext uri="{BB962C8B-B14F-4D97-AF65-F5344CB8AC3E}">
-        <p14:creationId xmlns:p14="http://schemas.microsoft.com/office/powerpoint/2010/main" xmlns="" val="3084687870"/>
+        <p14:creationId xmlns="" xmlns:p14="http://schemas.microsoft.com/office/powerpoint/2010/main" val="3084687870"/>
       </p:ext>
     </p:extLst>
   </p:cSld>
@@ -6722,7 +6732,7 @@
     </p:spTree>
     <p:extLst>
       <p:ext uri="{BB962C8B-B14F-4D97-AF65-F5344CB8AC3E}">
-        <p14:creationId xmlns:p14="http://schemas.microsoft.com/office/powerpoint/2010/main" xmlns="" val="4238563658"/>
+        <p14:creationId xmlns="" xmlns:p14="http://schemas.microsoft.com/office/powerpoint/2010/main" val="4238563658"/>
       </p:ext>
     </p:extLst>
   </p:cSld>
@@ -7052,7 +7062,7 @@
     </p:spTree>
     <p:extLst>
       <p:ext uri="{BB962C8B-B14F-4D97-AF65-F5344CB8AC3E}">
-        <p14:creationId xmlns:p14="http://schemas.microsoft.com/office/powerpoint/2010/main" xmlns="" val="1842507833"/>
+        <p14:creationId xmlns="" xmlns:p14="http://schemas.microsoft.com/office/powerpoint/2010/main" val="1842507833"/>
       </p:ext>
     </p:extLst>
   </p:cSld>
@@ -7359,7 +7369,7 @@
     </p:spTree>
     <p:extLst>
       <p:ext uri="{BB962C8B-B14F-4D97-AF65-F5344CB8AC3E}">
-        <p14:creationId xmlns:p14="http://schemas.microsoft.com/office/powerpoint/2010/main" xmlns="" val="4118781667"/>
+        <p14:creationId xmlns="" xmlns:p14="http://schemas.microsoft.com/office/powerpoint/2010/main" val="4118781667"/>
       </p:ext>
     </p:extLst>
   </p:cSld>
@@ -7418,14 +7428,14 @@
           </a:ln>
           <a:extLst>
             <a:ext uri="{909E8E84-426E-40DD-AFC4-6F175D3DCCD1}">
-              <a14:hiddenFill xmlns:a14="http://schemas.microsoft.com/office/drawing/2010/main" xmlns="">
+              <a14:hiddenFill xmlns="" xmlns:a14="http://schemas.microsoft.com/office/drawing/2010/main">
                 <a:solidFill>
                   <a:srgbClr val="FFFFFF"/>
                 </a:solidFill>
               </a14:hiddenFill>
             </a:ext>
             <a:ext uri="{91240B29-F687-4F45-9708-019B960494DF}">
-              <a14:hiddenLine xmlns:a14="http://schemas.microsoft.com/office/drawing/2010/main" xmlns="" w="9525">
+              <a14:hiddenLine xmlns="" xmlns:a14="http://schemas.microsoft.com/office/drawing/2010/main" w="9525">
                 <a:solidFill>
                   <a:srgbClr val="000000"/>
                 </a:solidFill>
@@ -7476,14 +7486,14 @@
           </a:ln>
           <a:extLst>
             <a:ext uri="{909E8E84-426E-40DD-AFC4-6F175D3DCCD1}">
-              <a14:hiddenFill xmlns:a14="http://schemas.microsoft.com/office/drawing/2010/main" xmlns="">
+              <a14:hiddenFill xmlns="" xmlns:a14="http://schemas.microsoft.com/office/drawing/2010/main">
                 <a:solidFill>
                   <a:srgbClr val="FFFFFF"/>
                 </a:solidFill>
               </a14:hiddenFill>
             </a:ext>
             <a:ext uri="{91240B29-F687-4F45-9708-019B960494DF}">
-              <a14:hiddenLine xmlns:a14="http://schemas.microsoft.com/office/drawing/2010/main" xmlns="" w="9525">
+              <a14:hiddenLine xmlns="" xmlns:a14="http://schemas.microsoft.com/office/drawing/2010/main" w="9525">
                 <a:solidFill>
                   <a:srgbClr val="000000"/>
                 </a:solidFill>
@@ -7986,14 +7996,14 @@
           </a:ln>
           <a:extLst>
             <a:ext uri="{909E8E84-426E-40DD-AFC4-6F175D3DCCD1}">
-              <a14:hiddenFill xmlns:a14="http://schemas.microsoft.com/office/drawing/2010/main" xmlns="">
+              <a14:hiddenFill xmlns="" xmlns:a14="http://schemas.microsoft.com/office/drawing/2010/main">
                 <a:solidFill>
                   <a:srgbClr val="FFFFFF"/>
                 </a:solidFill>
               </a14:hiddenFill>
             </a:ext>
             <a:ext uri="{91240B29-F687-4F45-9708-019B960494DF}">
-              <a14:hiddenLine xmlns:a14="http://schemas.microsoft.com/office/drawing/2010/main" xmlns="" w="9525">
+              <a14:hiddenLine xmlns="" xmlns:a14="http://schemas.microsoft.com/office/drawing/2010/main" w="9525">
                 <a:solidFill>
                   <a:srgbClr val="000000"/>
                 </a:solidFill>
@@ -8266,14 +8276,14 @@
           </a:ln>
           <a:extLst>
             <a:ext uri="{909E8E84-426E-40DD-AFC4-6F175D3DCCD1}">
-              <a14:hiddenFill xmlns:a14="http://schemas.microsoft.com/office/drawing/2010/main" xmlns="">
+              <a14:hiddenFill xmlns="" xmlns:a14="http://schemas.microsoft.com/office/drawing/2010/main">
                 <a:solidFill>
                   <a:srgbClr val="FFFFFF"/>
                 </a:solidFill>
               </a14:hiddenFill>
             </a:ext>
             <a:ext uri="{91240B29-F687-4F45-9708-019B960494DF}">
-              <a14:hiddenLine xmlns:a14="http://schemas.microsoft.com/office/drawing/2010/main" xmlns="" w="9525">
+              <a14:hiddenLine xmlns="" xmlns:a14="http://schemas.microsoft.com/office/drawing/2010/main" w="9525">
                 <a:solidFill>
                   <a:srgbClr val="000000"/>
                 </a:solidFill>
@@ -8550,14 +8560,14 @@
           </a:ln>
           <a:extLst>
             <a:ext uri="{909E8E84-426E-40DD-AFC4-6F175D3DCCD1}">
-              <a14:hiddenFill xmlns:a14="http://schemas.microsoft.com/office/drawing/2010/main" xmlns="">
+              <a14:hiddenFill xmlns="" xmlns:a14="http://schemas.microsoft.com/office/drawing/2010/main">
                 <a:solidFill>
                   <a:srgbClr val="FFFFFF"/>
                 </a:solidFill>
               </a14:hiddenFill>
             </a:ext>
             <a:ext uri="{91240B29-F687-4F45-9708-019B960494DF}">
-              <a14:hiddenLine xmlns:a14="http://schemas.microsoft.com/office/drawing/2010/main" xmlns="" w="9525">
+              <a14:hiddenLine xmlns="" xmlns:a14="http://schemas.microsoft.com/office/drawing/2010/main" w="9525">
                 <a:solidFill>
                   <a:srgbClr val="000000"/>
                 </a:solidFill>
@@ -8909,9 +8919,16 @@
             <p:ph type="body" idx="4294967295"/>
           </p:nvPr>
         </p:nvSpPr>
-        <p:spPr/>
+        <p:spPr>
+          <a:xfrm>
+            <a:off x="685800" y="1981200"/>
+            <a:ext cx="4800600" cy="4114800"/>
+          </a:xfrm>
+        </p:spPr>
         <p:txBody>
-          <a:bodyPr/>
+          <a:bodyPr>
+            <a:normAutofit fontScale="92500" lnSpcReduction="20000"/>
+          </a:bodyPr>
           <a:lstStyle/>
           <a:p>
             <a:pPr marL="341313" indent="-341313">
@@ -8978,6 +8995,70 @@
           </a:p>
         </p:txBody>
       </p:sp>
+      <p:pic>
+        <p:nvPicPr>
+          <p:cNvPr id="1027" name="Picture 3"/>
+          <p:cNvPicPr>
+            <a:picLocks noChangeAspect="1" noChangeArrowheads="1"/>
+          </p:cNvPicPr>
+          <p:nvPr/>
+        </p:nvPicPr>
+        <p:blipFill>
+          <a:blip r:embed="rId4" cstate="print"/>
+          <a:srcRect/>
+          <a:stretch>
+            <a:fillRect/>
+          </a:stretch>
+        </p:blipFill>
+        <p:spPr bwMode="auto">
+          <a:xfrm>
+            <a:off x="5943600" y="1981200"/>
+            <a:ext cx="2047875" cy="1676400"/>
+          </a:xfrm>
+          <a:prstGeom prst="rect">
+            <a:avLst/>
+          </a:prstGeom>
+          <a:noFill/>
+          <a:ln w="9525">
+            <a:noFill/>
+            <a:miter lim="800000"/>
+            <a:headEnd/>
+            <a:tailEnd/>
+          </a:ln>
+        </p:spPr>
+      </p:pic>
+      <p:pic>
+        <p:nvPicPr>
+          <p:cNvPr id="1028" name="Picture 4"/>
+          <p:cNvPicPr>
+            <a:picLocks noChangeAspect="1" noChangeArrowheads="1"/>
+          </p:cNvPicPr>
+          <p:nvPr/>
+        </p:nvPicPr>
+        <p:blipFill>
+          <a:blip r:embed="rId5" cstate="print"/>
+          <a:srcRect/>
+          <a:stretch>
+            <a:fillRect/>
+          </a:stretch>
+        </p:blipFill>
+        <p:spPr bwMode="auto">
+          <a:xfrm>
+            <a:off x="6096000" y="4038600"/>
+            <a:ext cx="1798637" cy="1500187"/>
+          </a:xfrm>
+          <a:prstGeom prst="rect">
+            <a:avLst/>
+          </a:prstGeom>
+          <a:noFill/>
+          <a:ln w="9525">
+            <a:noFill/>
+            <a:miter lim="800000"/>
+            <a:headEnd/>
+            <a:tailEnd/>
+          </a:ln>
+        </p:spPr>
+      </p:pic>
     </p:spTree>
   </p:cSld>
   <p:clrMapOvr>
@@ -9079,7 +9160,12 @@
             <p:ph type="body" idx="4294967295"/>
           </p:nvPr>
         </p:nvSpPr>
-        <p:spPr/>
+        <p:spPr>
+          <a:xfrm>
+            <a:off x="685800" y="1981200"/>
+            <a:ext cx="4953000" cy="4343400"/>
+          </a:xfrm>
+        </p:spPr>
         <p:txBody>
           <a:bodyPr/>
           <a:lstStyle/>
@@ -9151,6 +9237,38 @@
           </a:p>
         </p:txBody>
       </p:sp>
+      <p:pic>
+        <p:nvPicPr>
+          <p:cNvPr id="2051" name="Picture 3"/>
+          <p:cNvPicPr>
+            <a:picLocks noChangeAspect="1" noChangeArrowheads="1"/>
+          </p:cNvPicPr>
+          <p:nvPr/>
+        </p:nvPicPr>
+        <p:blipFill>
+          <a:blip r:embed="rId4" cstate="print"/>
+          <a:srcRect/>
+          <a:stretch>
+            <a:fillRect/>
+          </a:stretch>
+        </p:blipFill>
+        <p:spPr bwMode="auto">
+          <a:xfrm>
+            <a:off x="5715000" y="1905000"/>
+            <a:ext cx="3067050" cy="2743200"/>
+          </a:xfrm>
+          <a:prstGeom prst="rect">
+            <a:avLst/>
+          </a:prstGeom>
+          <a:noFill/>
+          <a:ln w="9525">
+            <a:noFill/>
+            <a:miter lim="800000"/>
+            <a:headEnd/>
+            <a:tailEnd/>
+          </a:ln>
+        </p:spPr>
+      </p:pic>
     </p:spTree>
   </p:cSld>
   <p:clrMapOvr>
@@ -9252,9 +9370,16 @@
             <p:ph type="body" idx="4294967295"/>
           </p:nvPr>
         </p:nvSpPr>
-        <p:spPr/>
+        <p:spPr>
+          <a:xfrm>
+            <a:off x="457200" y="1981200"/>
+            <a:ext cx="4191000" cy="4114800"/>
+          </a:xfrm>
+        </p:spPr>
         <p:txBody>
-          <a:bodyPr/>
+          <a:bodyPr>
+            <a:normAutofit fontScale="92500" lnSpcReduction="20000"/>
+          </a:bodyPr>
           <a:lstStyle/>
           <a:p>
             <a:pPr marL="341313" indent="-341313">
@@ -9310,6 +9435,100 @@
           </a:p>
         </p:txBody>
       </p:sp>
+      <p:sp>
+        <p:nvSpPr>
+          <p:cNvPr id="33794" name="AutoShape 2" descr="Image result for animated website"/>
+          <p:cNvSpPr>
+            <a:spLocks noChangeAspect="1" noChangeArrowheads="1"/>
+          </p:cNvSpPr>
+          <p:nvPr/>
+        </p:nvSpPr>
+        <p:spPr bwMode="auto">
+          <a:xfrm>
+            <a:off x="63500" y="-136525"/>
+            <a:ext cx="304800" cy="304800"/>
+          </a:xfrm>
+          <a:prstGeom prst="rect">
+            <a:avLst/>
+          </a:prstGeom>
+          <a:noFill/>
+        </p:spPr>
+        <p:txBody>
+          <a:bodyPr vert="horz" wrap="square" lIns="91440" tIns="45720" rIns="91440" bIns="45720" numCol="1" anchor="t" anchorCtr="0" compatLnSpc="1">
+            <a:prstTxWarp prst="textNoShape">
+              <a:avLst/>
+            </a:prstTxWarp>
+          </a:bodyPr>
+          <a:lstStyle/>
+          <a:p>
+            <a:endParaRPr lang="en-US"/>
+          </a:p>
+        </p:txBody>
+      </p:sp>
+      <p:pic>
+        <p:nvPicPr>
+          <p:cNvPr id="33795" name="Picture 3"/>
+          <p:cNvPicPr>
+            <a:picLocks noChangeAspect="1" noChangeArrowheads="1"/>
+          </p:cNvPicPr>
+          <p:nvPr/>
+        </p:nvPicPr>
+        <p:blipFill>
+          <a:blip r:embed="rId4" cstate="print"/>
+          <a:srcRect/>
+          <a:stretch>
+            <a:fillRect/>
+          </a:stretch>
+        </p:blipFill>
+        <p:spPr bwMode="auto">
+          <a:xfrm>
+            <a:off x="4724400" y="1828800"/>
+            <a:ext cx="4194898" cy="2733675"/>
+          </a:xfrm>
+          <a:prstGeom prst="rect">
+            <a:avLst/>
+          </a:prstGeom>
+          <a:noFill/>
+          <a:ln w="9525">
+            <a:noFill/>
+            <a:miter lim="800000"/>
+            <a:headEnd/>
+            <a:tailEnd/>
+          </a:ln>
+        </p:spPr>
+      </p:pic>
+      <p:pic>
+        <p:nvPicPr>
+          <p:cNvPr id="33796" name="Picture 4"/>
+          <p:cNvPicPr>
+            <a:picLocks noChangeAspect="1" noChangeArrowheads="1"/>
+          </p:cNvPicPr>
+          <p:nvPr/>
+        </p:nvPicPr>
+        <p:blipFill>
+          <a:blip r:embed="rId5" cstate="print"/>
+          <a:srcRect/>
+          <a:stretch>
+            <a:fillRect/>
+          </a:stretch>
+        </p:blipFill>
+        <p:spPr bwMode="auto">
+          <a:xfrm>
+            <a:off x="4724400" y="4724400"/>
+            <a:ext cx="4194947" cy="1990725"/>
+          </a:xfrm>
+          <a:prstGeom prst="rect">
+            <a:avLst/>
+          </a:prstGeom>
+          <a:noFill/>
+          <a:ln w="9525">
+            <a:noFill/>
+            <a:miter lim="800000"/>
+            <a:headEnd/>
+            <a:tailEnd/>
+          </a:ln>
+        </p:spPr>
+      </p:pic>
     </p:spTree>
   </p:cSld>
   <p:clrMapOvr>
@@ -9365,6 +9584,414 @@
       </p:grpSpPr>
       <p:sp>
         <p:nvSpPr>
+          <p:cNvPr id="2" name="Title 1"/>
+          <p:cNvSpPr>
+            <a:spLocks noGrp="1"/>
+          </p:cNvSpPr>
+          <p:nvPr>
+            <p:ph type="title"/>
+          </p:nvPr>
+        </p:nvSpPr>
+        <p:spPr>
+          <a:xfrm>
+            <a:off x="685800" y="457200"/>
+            <a:ext cx="7772400" cy="1143000"/>
+          </a:xfrm>
+        </p:spPr>
+        <p:txBody>
+          <a:bodyPr/>
+          <a:lstStyle/>
+          <a:p>
+            <a:r>
+              <a:rPr lang="en-US" dirty="0" smtClean="0"/>
+              <a:t>Static </a:t>
+            </a:r>
+            <a:r>
+              <a:rPr lang="en-US" dirty="0" err="1" smtClean="0"/>
+              <a:t>vs</a:t>
+            </a:r>
+            <a:r>
+              <a:rPr lang="en-US" dirty="0" smtClean="0"/>
+              <a:t> Dynamic Websites</a:t>
+            </a:r>
+            <a:endParaRPr lang="en-US" dirty="0"/>
+          </a:p>
+        </p:txBody>
+      </p:sp>
+      <p:pic>
+        <p:nvPicPr>
+          <p:cNvPr id="4" name="Picture 3"/>
+          <p:cNvPicPr>
+            <a:picLocks noChangeAspect="1" noChangeArrowheads="1"/>
+          </p:cNvPicPr>
+          <p:nvPr/>
+        </p:nvPicPr>
+        <p:blipFill>
+          <a:blip r:embed="rId2" cstate="print"/>
+          <a:srcRect/>
+          <a:stretch>
+            <a:fillRect/>
+          </a:stretch>
+        </p:blipFill>
+        <p:spPr bwMode="auto">
+          <a:xfrm>
+            <a:off x="1295400" y="1676400"/>
+            <a:ext cx="5791200" cy="4628488"/>
+          </a:xfrm>
+          <a:prstGeom prst="rect">
+            <a:avLst/>
+          </a:prstGeom>
+          <a:noFill/>
+          <a:ln w="9525">
+            <a:noFill/>
+            <a:miter lim="800000"/>
+            <a:headEnd/>
+            <a:tailEnd/>
+          </a:ln>
+        </p:spPr>
+      </p:pic>
+    </p:spTree>
+  </p:cSld>
+  <p:clrMapOvr>
+    <a:masterClrMapping/>
+  </p:clrMapOvr>
+</p:sld>
+</file>
+
+<file path=ppt/slides/slide14.xml><?xml version="1.0" encoding="utf-8"?>
+<p:sld xmlns:a="http://schemas.openxmlformats.org/drawingml/2006/main" xmlns:r="http://schemas.openxmlformats.org/officeDocument/2006/relationships" xmlns:p="http://schemas.openxmlformats.org/presentationml/2006/main">
+  <p:cSld>
+    <p:spTree>
+      <p:nvGrpSpPr>
+        <p:cNvPr id="1" name=""/>
+        <p:cNvGrpSpPr/>
+        <p:nvPr/>
+      </p:nvGrpSpPr>
+      <p:grpSpPr>
+        <a:xfrm>
+          <a:off x="0" y="0"/>
+          <a:ext cx="0" cy="0"/>
+          <a:chOff x="0" y="0"/>
+          <a:chExt cx="0" cy="0"/>
+        </a:xfrm>
+      </p:grpSpPr>
+      <p:sp>
+        <p:nvSpPr>
+          <p:cNvPr id="2" name="Title 1"/>
+          <p:cNvSpPr>
+            <a:spLocks noGrp="1"/>
+          </p:cNvSpPr>
+          <p:nvPr>
+            <p:ph type="title"/>
+          </p:nvPr>
+        </p:nvSpPr>
+        <p:spPr/>
+        <p:txBody>
+          <a:bodyPr/>
+          <a:lstStyle/>
+          <a:p>
+            <a:endParaRPr lang="en-US"/>
+          </a:p>
+        </p:txBody>
+      </p:sp>
+      <p:sp>
+        <p:nvSpPr>
+          <p:cNvPr id="3" name="Content Placeholder 2"/>
+          <p:cNvSpPr>
+            <a:spLocks noGrp="1"/>
+          </p:cNvSpPr>
+          <p:nvPr>
+            <p:ph idx="1"/>
+          </p:nvPr>
+        </p:nvSpPr>
+        <p:spPr/>
+        <p:txBody>
+          <a:bodyPr/>
+          <a:lstStyle/>
+          <a:p>
+            <a:endParaRPr lang="en-US"/>
+          </a:p>
+        </p:txBody>
+      </p:sp>
+      <p:sp>
+        <p:nvSpPr>
+          <p:cNvPr id="3074" name="AutoShape 2" descr="http://www.udeserve.in/blog/wp-content/uploads/2013/10/Static-vs-dynamic-website.jpg"/>
+          <p:cNvSpPr>
+            <a:spLocks noChangeAspect="1" noChangeArrowheads="1"/>
+          </p:cNvSpPr>
+          <p:nvPr/>
+        </p:nvSpPr>
+        <p:spPr bwMode="auto">
+          <a:xfrm>
+            <a:off x="63500" y="-136525"/>
+            <a:ext cx="304800" cy="304800"/>
+          </a:xfrm>
+          <a:prstGeom prst="rect">
+            <a:avLst/>
+          </a:prstGeom>
+          <a:noFill/>
+        </p:spPr>
+        <p:txBody>
+          <a:bodyPr vert="horz" wrap="square" lIns="91440" tIns="45720" rIns="91440" bIns="45720" numCol="1" anchor="t" anchorCtr="0" compatLnSpc="1">
+            <a:prstTxWarp prst="textNoShape">
+              <a:avLst/>
+            </a:prstTxWarp>
+          </a:bodyPr>
+          <a:lstStyle/>
+          <a:p>
+            <a:endParaRPr lang="en-US"/>
+          </a:p>
+        </p:txBody>
+      </p:sp>
+      <p:pic>
+        <p:nvPicPr>
+          <p:cNvPr id="3075" name="Picture 3"/>
+          <p:cNvPicPr>
+            <a:picLocks noChangeAspect="1" noChangeArrowheads="1"/>
+          </p:cNvPicPr>
+          <p:nvPr/>
+        </p:nvPicPr>
+        <p:blipFill>
+          <a:blip r:embed="rId2" cstate="print"/>
+          <a:srcRect/>
+          <a:stretch>
+            <a:fillRect/>
+          </a:stretch>
+        </p:blipFill>
+        <p:spPr bwMode="auto">
+          <a:xfrm>
+            <a:off x="1447800" y="533400"/>
+            <a:ext cx="6019800" cy="6019800"/>
+          </a:xfrm>
+          <a:prstGeom prst="rect">
+            <a:avLst/>
+          </a:prstGeom>
+          <a:noFill/>
+          <a:ln w="9525">
+            <a:noFill/>
+            <a:miter lim="800000"/>
+            <a:headEnd/>
+            <a:tailEnd/>
+          </a:ln>
+        </p:spPr>
+      </p:pic>
+    </p:spTree>
+  </p:cSld>
+  <p:clrMapOvr>
+    <a:masterClrMapping/>
+  </p:clrMapOvr>
+</p:sld>
+</file>
+
+<file path=ppt/slides/slide15.xml><?xml version="1.0" encoding="utf-8"?>
+<p:sld xmlns:a="http://schemas.openxmlformats.org/drawingml/2006/main" xmlns:r="http://schemas.openxmlformats.org/officeDocument/2006/relationships" xmlns:p="http://schemas.openxmlformats.org/presentationml/2006/main">
+  <p:cSld>
+    <p:spTree>
+      <p:nvGrpSpPr>
+        <p:cNvPr id="1" name=""/>
+        <p:cNvGrpSpPr/>
+        <p:nvPr/>
+      </p:nvGrpSpPr>
+      <p:grpSpPr>
+        <a:xfrm>
+          <a:off x="0" y="0"/>
+          <a:ext cx="0" cy="0"/>
+          <a:chOff x="0" y="0"/>
+          <a:chExt cx="0" cy="0"/>
+        </a:xfrm>
+      </p:grpSpPr>
+      <p:sp>
+        <p:nvSpPr>
+          <p:cNvPr id="2" name="Title 1"/>
+          <p:cNvSpPr>
+            <a:spLocks noGrp="1"/>
+          </p:cNvSpPr>
+          <p:nvPr>
+            <p:ph type="title"/>
+          </p:nvPr>
+        </p:nvSpPr>
+        <p:spPr/>
+        <p:txBody>
+          <a:bodyPr/>
+          <a:lstStyle/>
+          <a:p>
+            <a:endParaRPr lang="en-US"/>
+          </a:p>
+        </p:txBody>
+      </p:sp>
+      <p:sp>
+        <p:nvSpPr>
+          <p:cNvPr id="3" name="Content Placeholder 2"/>
+          <p:cNvSpPr>
+            <a:spLocks noGrp="1"/>
+          </p:cNvSpPr>
+          <p:nvPr>
+            <p:ph idx="1"/>
+          </p:nvPr>
+        </p:nvSpPr>
+        <p:spPr/>
+        <p:txBody>
+          <a:bodyPr/>
+          <a:lstStyle/>
+          <a:p>
+            <a:endParaRPr lang="en-US"/>
+          </a:p>
+        </p:txBody>
+      </p:sp>
+      <p:pic>
+        <p:nvPicPr>
+          <p:cNvPr id="64514" name="Picture 2"/>
+          <p:cNvPicPr>
+            <a:picLocks noChangeAspect="1" noChangeArrowheads="1"/>
+          </p:cNvPicPr>
+          <p:nvPr/>
+        </p:nvPicPr>
+        <p:blipFill>
+          <a:blip r:embed="rId2" cstate="print"/>
+          <a:srcRect/>
+          <a:stretch>
+            <a:fillRect/>
+          </a:stretch>
+        </p:blipFill>
+        <p:spPr bwMode="auto">
+          <a:xfrm>
+            <a:off x="276225" y="1371600"/>
+            <a:ext cx="8867775" cy="3943350"/>
+          </a:xfrm>
+          <a:prstGeom prst="rect">
+            <a:avLst/>
+          </a:prstGeom>
+          <a:noFill/>
+          <a:ln w="9525">
+            <a:noFill/>
+            <a:miter lim="800000"/>
+            <a:headEnd/>
+            <a:tailEnd/>
+          </a:ln>
+        </p:spPr>
+      </p:pic>
+    </p:spTree>
+  </p:cSld>
+  <p:clrMapOvr>
+    <a:masterClrMapping/>
+  </p:clrMapOvr>
+</p:sld>
+</file>
+
+<file path=ppt/slides/slide16.xml><?xml version="1.0" encoding="utf-8"?>
+<p:sld xmlns:a="http://schemas.openxmlformats.org/drawingml/2006/main" xmlns:r="http://schemas.openxmlformats.org/officeDocument/2006/relationships" xmlns:p="http://schemas.openxmlformats.org/presentationml/2006/main">
+  <p:cSld>
+    <p:spTree>
+      <p:nvGrpSpPr>
+        <p:cNvPr id="1" name=""/>
+        <p:cNvGrpSpPr/>
+        <p:nvPr/>
+      </p:nvGrpSpPr>
+      <p:grpSpPr>
+        <a:xfrm>
+          <a:off x="0" y="0"/>
+          <a:ext cx="0" cy="0"/>
+          <a:chOff x="0" y="0"/>
+          <a:chExt cx="0" cy="0"/>
+        </a:xfrm>
+      </p:grpSpPr>
+      <p:sp>
+        <p:nvSpPr>
+          <p:cNvPr id="2" name="Title 1"/>
+          <p:cNvSpPr>
+            <a:spLocks noGrp="1"/>
+          </p:cNvSpPr>
+          <p:nvPr>
+            <p:ph type="title"/>
+          </p:nvPr>
+        </p:nvSpPr>
+        <p:spPr/>
+        <p:txBody>
+          <a:bodyPr/>
+          <a:lstStyle/>
+          <a:p>
+            <a:endParaRPr lang="en-US"/>
+          </a:p>
+        </p:txBody>
+      </p:sp>
+      <p:sp>
+        <p:nvSpPr>
+          <p:cNvPr id="3" name="Content Placeholder 2"/>
+          <p:cNvSpPr>
+            <a:spLocks noGrp="1"/>
+          </p:cNvSpPr>
+          <p:nvPr>
+            <p:ph idx="1"/>
+          </p:nvPr>
+        </p:nvSpPr>
+        <p:spPr/>
+        <p:txBody>
+          <a:bodyPr/>
+          <a:lstStyle/>
+          <a:p>
+            <a:endParaRPr lang="en-US"/>
+          </a:p>
+        </p:txBody>
+      </p:sp>
+      <p:pic>
+        <p:nvPicPr>
+          <p:cNvPr id="63491" name="Picture 3"/>
+          <p:cNvPicPr>
+            <a:picLocks noChangeAspect="1" noChangeArrowheads="1"/>
+          </p:cNvPicPr>
+          <p:nvPr/>
+        </p:nvPicPr>
+        <p:blipFill>
+          <a:blip r:embed="rId2" cstate="print"/>
+          <a:srcRect/>
+          <a:stretch>
+            <a:fillRect/>
+          </a:stretch>
+        </p:blipFill>
+        <p:spPr bwMode="auto">
+          <a:xfrm>
+            <a:off x="1447800" y="685800"/>
+            <a:ext cx="6172200" cy="5755604"/>
+          </a:xfrm>
+          <a:prstGeom prst="rect">
+            <a:avLst/>
+          </a:prstGeom>
+          <a:noFill/>
+          <a:ln w="9525">
+            <a:noFill/>
+            <a:miter lim="800000"/>
+            <a:headEnd/>
+            <a:tailEnd/>
+          </a:ln>
+        </p:spPr>
+      </p:pic>
+    </p:spTree>
+  </p:cSld>
+  <p:clrMapOvr>
+    <a:masterClrMapping/>
+  </p:clrMapOvr>
+</p:sld>
+</file>
+
+<file path=ppt/slides/slide17.xml><?xml version="1.0" encoding="utf-8"?>
+<p:sld xmlns:a="http://schemas.openxmlformats.org/drawingml/2006/main" xmlns:r="http://schemas.openxmlformats.org/officeDocument/2006/relationships" xmlns:p="http://schemas.openxmlformats.org/presentationml/2006/main">
+  <p:cSld>
+    <p:spTree>
+      <p:nvGrpSpPr>
+        <p:cNvPr id="1" name=""/>
+        <p:cNvGrpSpPr/>
+        <p:nvPr/>
+      </p:nvGrpSpPr>
+      <p:grpSpPr>
+        <a:xfrm>
+          <a:off x="0" y="0"/>
+          <a:ext cx="0" cy="0"/>
+          <a:chOff x="0" y="0"/>
+          <a:chExt cx="0" cy="0"/>
+        </a:xfrm>
+      </p:grpSpPr>
+      <p:sp>
+        <p:nvSpPr>
           <p:cNvPr id="14338" name="Rectangle 1"/>
           <p:cNvSpPr>
             <a:spLocks noGrp="1" noChangeArrowheads="1"/>
@@ -9454,7 +10081,7 @@
           <a:blip r:embed="rId4" cstate="print">
             <a:extLst>
               <a:ext uri="{28A0092B-C50C-407E-A947-70E740481C1C}">
-                <a14:useLocalDpi xmlns:a14="http://schemas.microsoft.com/office/drawing/2010/main" xmlns="" val="0"/>
+                <a14:useLocalDpi xmlns="" xmlns:a14="http://schemas.microsoft.com/office/drawing/2010/main" val="0"/>
               </a:ext>
             </a:extLst>
           </a:blip>
@@ -9477,608 +10104,14 @@
           </a:ln>
           <a:extLst>
             <a:ext uri="{909E8E84-426E-40DD-AFC4-6F175D3DCCD1}">
-              <a14:hiddenFill xmlns:a14="http://schemas.microsoft.com/office/drawing/2010/main" xmlns="">
+              <a14:hiddenFill xmlns="" xmlns:a14="http://schemas.microsoft.com/office/drawing/2010/main">
                 <a:solidFill>
                   <a:srgbClr val="FFFFFF"/>
                 </a:solidFill>
               </a14:hiddenFill>
             </a:ext>
             <a:ext uri="{91240B29-F687-4F45-9708-019B960494DF}">
-              <a14:hiddenLine xmlns:a14="http://schemas.microsoft.com/office/drawing/2010/main" xmlns="" w="9525">
-                <a:solidFill>
-                  <a:srgbClr val="000000"/>
-                </a:solidFill>
-                <a:round/>
-                <a:headEnd/>
-                <a:tailEnd/>
-              </a14:hiddenLine>
-            </a:ext>
-          </a:extLst>
-        </p:spPr>
-      </p:pic>
-    </p:spTree>
-  </p:cSld>
-  <p:clrMapOvr>
-    <a:masterClrMapping/>
-  </p:clrMapOvr>
-  <p:transition spd="med"/>
-  <p:timing>
-    <p:tnLst>
-      <p:par>
-        <p:cTn id="1" dur="indefinite" restart="never" nodeType="tmRoot">
-          <p:childTnLst>
-            <p:seq concurrent="1" nextAc="seek">
-              <p:cTn id="2" dur="0" nodeType="mainSeq"/>
-              <p:prevCondLst>
-                <p:cond evt="onPrev" delay="0">
-                  <p:tgtEl>
-                    <p:sldTgt/>
-                  </p:tgtEl>
-                </p:cond>
-              </p:prevCondLst>
-              <p:nextCondLst>
-                <p:cond evt="onNext" delay="0">
-                  <p:tgtEl>
-                    <p:sldTgt/>
-                  </p:tgtEl>
-                </p:cond>
-              </p:nextCondLst>
-            </p:seq>
-          </p:childTnLst>
-        </p:cTn>
-      </p:par>
-    </p:tnLst>
-  </p:timing>
-</p:sld>
-</file>
-
-<file path=ppt/slides/slide14.xml><?xml version="1.0" encoding="utf-8"?>
-<p:sld xmlns:a="http://schemas.openxmlformats.org/drawingml/2006/main" xmlns:r="http://schemas.openxmlformats.org/officeDocument/2006/relationships" xmlns:p="http://schemas.openxmlformats.org/presentationml/2006/main">
-  <p:cSld>
-    <p:spTree>
-      <p:nvGrpSpPr>
-        <p:cNvPr id="1" name=""/>
-        <p:cNvGrpSpPr/>
-        <p:nvPr/>
-      </p:nvGrpSpPr>
-      <p:grpSpPr>
-        <a:xfrm>
-          <a:off x="0" y="0"/>
-          <a:ext cx="0" cy="0"/>
-          <a:chOff x="0" y="0"/>
-          <a:chExt cx="0" cy="0"/>
-        </a:xfrm>
-      </p:grpSpPr>
-      <p:sp>
-        <p:nvSpPr>
-          <p:cNvPr id="15362" name="Rectangle 1"/>
-          <p:cNvSpPr>
-            <a:spLocks noGrp="1" noChangeArrowheads="1"/>
-          </p:cNvSpPr>
-          <p:nvPr>
-            <p:ph type="title"/>
-          </p:nvPr>
-        </p:nvSpPr>
-        <p:spPr/>
-        <p:txBody>
-          <a:bodyPr/>
-          <a:lstStyle/>
-          <a:p>
-            <a:endParaRPr lang="en-US" altLang="en-US" smtClean="0"/>
-          </a:p>
-        </p:txBody>
-      </p:sp>
-      <p:sp>
-        <p:nvSpPr>
-          <p:cNvPr id="15363" name="Rectangle 2"/>
-          <p:cNvSpPr>
-            <a:spLocks noGrp="1" noChangeArrowheads="1"/>
-          </p:cNvSpPr>
-          <p:nvPr>
-            <p:ph type="body" idx="1"/>
-          </p:nvPr>
-        </p:nvSpPr>
-        <p:spPr/>
-        <p:txBody>
-          <a:bodyPr/>
-          <a:lstStyle/>
-          <a:p>
-            <a:pPr marL="341313" indent="-341313">
-              <a:buFont typeface="Times New Roman" panose="02020603050405020304" pitchFamily="18" charset="0"/>
-              <a:buBlip>
-                <a:blip r:embed="rId2"/>
-              </a:buBlip>
-              <a:tabLst>
-                <a:tab pos="911225" algn="l"/>
-                <a:tab pos="1825625" algn="l"/>
-                <a:tab pos="2740025" algn="l"/>
-                <a:tab pos="3654425" algn="l"/>
-                <a:tab pos="4568825" algn="l"/>
-                <a:tab pos="5483225" algn="l"/>
-                <a:tab pos="6397625" algn="l"/>
-                <a:tab pos="7312025" algn="l"/>
-                <a:tab pos="8226425" algn="l"/>
-                <a:tab pos="9140825" algn="l"/>
-                <a:tab pos="10055225" algn="l"/>
-              </a:tabLst>
-            </a:pPr>
-            <a:r>
-              <a:rPr lang="en-US" altLang="en-US" smtClean="0"/>
-              <a:t>Client side programming considers to scripts that run within your web browser and these scripts has no interaction with a web server in order for the scripts to run. Javascript is the most popular client side scripting language</a:t>
-            </a:r>
-          </a:p>
-        </p:txBody>
-      </p:sp>
-    </p:spTree>
-  </p:cSld>
-  <p:clrMapOvr>
-    <a:masterClrMapping/>
-  </p:clrMapOvr>
-  <p:transition spd="med"/>
-  <p:timing>
-    <p:tnLst>
-      <p:par>
-        <p:cTn id="1" dur="indefinite" restart="never" nodeType="tmRoot">
-          <p:childTnLst>
-            <p:seq concurrent="1" nextAc="seek">
-              <p:cTn id="2" dur="0" nodeType="mainSeq"/>
-              <p:prevCondLst>
-                <p:cond evt="onPrev" delay="0">
-                  <p:tgtEl>
-                    <p:sldTgt/>
-                  </p:tgtEl>
-                </p:cond>
-              </p:prevCondLst>
-              <p:nextCondLst>
-                <p:cond evt="onNext" delay="0">
-                  <p:tgtEl>
-                    <p:sldTgt/>
-                  </p:tgtEl>
-                </p:cond>
-              </p:nextCondLst>
-            </p:seq>
-          </p:childTnLst>
-        </p:cTn>
-      </p:par>
-    </p:tnLst>
-  </p:timing>
-</p:sld>
-</file>
-
-<file path=ppt/slides/slide15.xml><?xml version="1.0" encoding="utf-8"?>
-<p:sld xmlns:a="http://schemas.openxmlformats.org/drawingml/2006/main" xmlns:r="http://schemas.openxmlformats.org/officeDocument/2006/relationships" xmlns:p="http://schemas.openxmlformats.org/presentationml/2006/main">
-  <p:cSld>
-    <p:spTree>
-      <p:nvGrpSpPr>
-        <p:cNvPr id="1" name=""/>
-        <p:cNvGrpSpPr/>
-        <p:nvPr/>
-      </p:nvGrpSpPr>
-      <p:grpSpPr>
-        <a:xfrm>
-          <a:off x="0" y="0"/>
-          <a:ext cx="0" cy="0"/>
-          <a:chOff x="0" y="0"/>
-          <a:chExt cx="0" cy="0"/>
-        </a:xfrm>
-      </p:grpSpPr>
-      <p:sp>
-        <p:nvSpPr>
-          <p:cNvPr id="16386" name="Rectangle 1"/>
-          <p:cNvSpPr>
-            <a:spLocks noGrp="1" noChangeArrowheads="1"/>
-          </p:cNvSpPr>
-          <p:nvPr>
-            <p:ph type="title"/>
-          </p:nvPr>
-        </p:nvSpPr>
-        <p:spPr/>
-        <p:txBody>
-          <a:bodyPr/>
-          <a:lstStyle/>
-          <a:p>
-            <a:endParaRPr lang="en-US" altLang="en-US" smtClean="0"/>
-          </a:p>
-        </p:txBody>
-      </p:sp>
-      <p:sp>
-        <p:nvSpPr>
-          <p:cNvPr id="16387" name="Rectangle 2"/>
-          <p:cNvSpPr>
-            <a:spLocks noGrp="1" noChangeArrowheads="1"/>
-          </p:cNvSpPr>
-          <p:nvPr>
-            <p:ph type="body" idx="1"/>
-          </p:nvPr>
-        </p:nvSpPr>
-        <p:spPr/>
-        <p:txBody>
-          <a:bodyPr/>
-          <a:lstStyle/>
-          <a:p>
-            <a:pPr marL="341313" indent="-341313">
-              <a:buFont typeface="Times New Roman" panose="02020603050405020304" pitchFamily="18" charset="0"/>
-              <a:buBlip>
-                <a:blip r:embed="rId2"/>
-              </a:buBlip>
-              <a:tabLst>
-                <a:tab pos="911225" algn="l"/>
-                <a:tab pos="1825625" algn="l"/>
-                <a:tab pos="2740025" algn="l"/>
-                <a:tab pos="3654425" algn="l"/>
-                <a:tab pos="4568825" algn="l"/>
-                <a:tab pos="5483225" algn="l"/>
-                <a:tab pos="6397625" algn="l"/>
-                <a:tab pos="7312025" algn="l"/>
-                <a:tab pos="8226425" algn="l"/>
-                <a:tab pos="9140825" algn="l"/>
-                <a:tab pos="10055225" algn="l"/>
-              </a:tabLst>
-            </a:pPr>
-            <a:r>
-              <a:rPr lang="en-US" altLang="en-US" smtClean="0"/>
-              <a:t>Server-side programming refers to programs that run on the web server, which then sends results to your web browser. PHP , Asp.net etc. are the popular Server side programming languages</a:t>
-            </a:r>
-          </a:p>
-        </p:txBody>
-      </p:sp>
-    </p:spTree>
-  </p:cSld>
-  <p:clrMapOvr>
-    <a:masterClrMapping/>
-  </p:clrMapOvr>
-  <p:transition spd="med"/>
-  <p:timing>
-    <p:tnLst>
-      <p:par>
-        <p:cTn id="1" dur="indefinite" restart="never" nodeType="tmRoot">
-          <p:childTnLst>
-            <p:seq concurrent="1" nextAc="seek">
-              <p:cTn id="2" dur="0" nodeType="mainSeq"/>
-              <p:prevCondLst>
-                <p:cond evt="onPrev" delay="0">
-                  <p:tgtEl>
-                    <p:sldTgt/>
-                  </p:tgtEl>
-                </p:cond>
-              </p:prevCondLst>
-              <p:nextCondLst>
-                <p:cond evt="onNext" delay="0">
-                  <p:tgtEl>
-                    <p:sldTgt/>
-                  </p:tgtEl>
-                </p:cond>
-              </p:nextCondLst>
-            </p:seq>
-          </p:childTnLst>
-        </p:cTn>
-      </p:par>
-    </p:tnLst>
-  </p:timing>
-</p:sld>
-</file>
-
-<file path=ppt/slides/slide16.xml><?xml version="1.0" encoding="utf-8"?>
-<p:sld xmlns:a="http://schemas.openxmlformats.org/drawingml/2006/main" xmlns:r="http://schemas.openxmlformats.org/officeDocument/2006/relationships" xmlns:p="http://schemas.openxmlformats.org/presentationml/2006/main">
-  <p:cSld>
-    <p:spTree>
-      <p:nvGrpSpPr>
-        <p:cNvPr id="1" name=""/>
-        <p:cNvGrpSpPr/>
-        <p:nvPr/>
-      </p:nvGrpSpPr>
-      <p:grpSpPr>
-        <a:xfrm>
-          <a:off x="0" y="0"/>
-          <a:ext cx="0" cy="0"/>
-          <a:chOff x="0" y="0"/>
-          <a:chExt cx="0" cy="0"/>
-        </a:xfrm>
-      </p:grpSpPr>
-      <p:sp>
-        <p:nvSpPr>
-          <p:cNvPr id="17410" name="Rectangle 1"/>
-          <p:cNvSpPr>
-            <a:spLocks noGrp="1" noChangeArrowheads="1"/>
-          </p:cNvSpPr>
-          <p:nvPr>
-            <p:ph type="title" idx="4294967295"/>
-          </p:nvPr>
-        </p:nvSpPr>
-        <p:spPr/>
-        <p:txBody>
-          <a:bodyPr/>
-          <a:lstStyle/>
-          <a:p>
-            <a:pPr>
-              <a:tabLst>
-                <a:tab pos="0" algn="l"/>
-                <a:tab pos="914400" algn="l"/>
-                <a:tab pos="1828800" algn="l"/>
-                <a:tab pos="2743200" algn="l"/>
-                <a:tab pos="3657600" algn="l"/>
-                <a:tab pos="4572000" algn="l"/>
-                <a:tab pos="5486400" algn="l"/>
-                <a:tab pos="6400800" algn="l"/>
-                <a:tab pos="7315200" algn="l"/>
-                <a:tab pos="8229600" algn="l"/>
-                <a:tab pos="9144000" algn="l"/>
-                <a:tab pos="10058400" algn="l"/>
-              </a:tabLst>
-            </a:pPr>
-            <a:r>
-              <a:rPr lang="en-US" altLang="en-US" smtClean="0"/>
-              <a:t>Javascript</a:t>
-            </a:r>
-          </a:p>
-        </p:txBody>
-      </p:sp>
-      <p:sp>
-        <p:nvSpPr>
-          <p:cNvPr id="17411" name="Rectangle 2"/>
-          <p:cNvSpPr>
-            <a:spLocks noGrp="1" noChangeArrowheads="1"/>
-          </p:cNvSpPr>
-          <p:nvPr>
-            <p:ph type="body" idx="4294967295"/>
-          </p:nvPr>
-        </p:nvSpPr>
-        <p:spPr/>
-        <p:txBody>
-          <a:bodyPr/>
-          <a:lstStyle/>
-          <a:p>
-            <a:pPr marL="341313" indent="-341313">
-              <a:buFont typeface="Times New Roman" panose="02020603050405020304" pitchFamily="18" charset="0"/>
-              <a:buBlip>
-                <a:blip r:embed="rId3"/>
-              </a:buBlip>
-              <a:tabLst>
-                <a:tab pos="911225" algn="l"/>
-                <a:tab pos="1825625" algn="l"/>
-                <a:tab pos="2740025" algn="l"/>
-                <a:tab pos="3654425" algn="l"/>
-                <a:tab pos="4568825" algn="l"/>
-                <a:tab pos="5483225" algn="l"/>
-                <a:tab pos="6397625" algn="l"/>
-                <a:tab pos="7312025" algn="l"/>
-                <a:tab pos="8226425" algn="l"/>
-                <a:tab pos="9140825" algn="l"/>
-                <a:tab pos="10055225" algn="l"/>
-              </a:tabLst>
-            </a:pPr>
-            <a:r>
-              <a:rPr lang="en-US" altLang="en-US" smtClean="0"/>
-              <a:t>Javascript programs runs only in the web browsers and these scripts are read and executed by an interpreter (or engine) inside the web browser</a:t>
-            </a:r>
-          </a:p>
-          <a:p>
-            <a:pPr marL="341313" indent="-341313">
-              <a:buFont typeface="Times New Roman" panose="02020603050405020304" pitchFamily="18" charset="0"/>
-              <a:buBlip>
-                <a:blip r:embed="rId3"/>
-              </a:buBlip>
-              <a:tabLst>
-                <a:tab pos="911225" algn="l"/>
-                <a:tab pos="1825625" algn="l"/>
-                <a:tab pos="2740025" algn="l"/>
-                <a:tab pos="3654425" algn="l"/>
-                <a:tab pos="4568825" algn="l"/>
-                <a:tab pos="5483225" algn="l"/>
-                <a:tab pos="6397625" algn="l"/>
-                <a:tab pos="7312025" algn="l"/>
-                <a:tab pos="8226425" algn="l"/>
-                <a:tab pos="9140825" algn="l"/>
-                <a:tab pos="10055225" algn="l"/>
-              </a:tabLst>
-            </a:pPr>
-            <a:r>
-              <a:rPr lang="en-US" altLang="en-US" smtClean="0"/>
-              <a:t>The most common uses of JavaScript are interacting with clients, getting available information from them, and validating their actions</a:t>
-            </a:r>
-          </a:p>
-        </p:txBody>
-      </p:sp>
-    </p:spTree>
-  </p:cSld>
-  <p:clrMapOvr>
-    <a:masterClrMapping/>
-  </p:clrMapOvr>
-  <p:transition spd="med"/>
-  <p:timing>
-    <p:tnLst>
-      <p:par>
-        <p:cTn id="1" dur="indefinite" restart="never" nodeType="tmRoot">
-          <p:childTnLst>
-            <p:seq concurrent="1" nextAc="seek">
-              <p:cTn id="2" dur="0" nodeType="mainSeq"/>
-              <p:prevCondLst>
-                <p:cond evt="onPrev" delay="0">
-                  <p:tgtEl>
-                    <p:sldTgt/>
-                  </p:tgtEl>
-                </p:cond>
-              </p:prevCondLst>
-              <p:nextCondLst>
-                <p:cond evt="onNext" delay="0">
-                  <p:tgtEl>
-                    <p:sldTgt/>
-                  </p:tgtEl>
-                </p:cond>
-              </p:nextCondLst>
-            </p:seq>
-          </p:childTnLst>
-        </p:cTn>
-      </p:par>
-    </p:tnLst>
-  </p:timing>
-</p:sld>
-</file>
-
-<file path=ppt/slides/slide17.xml><?xml version="1.0" encoding="utf-8"?>
-<p:sld xmlns:a="http://schemas.openxmlformats.org/drawingml/2006/main" xmlns:r="http://schemas.openxmlformats.org/officeDocument/2006/relationships" xmlns:p="http://schemas.openxmlformats.org/presentationml/2006/main">
-  <p:cSld>
-    <p:spTree>
-      <p:nvGrpSpPr>
-        <p:cNvPr id="1" name=""/>
-        <p:cNvGrpSpPr/>
-        <p:nvPr/>
-      </p:nvGrpSpPr>
-      <p:grpSpPr>
-        <a:xfrm>
-          <a:off x="0" y="0"/>
-          <a:ext cx="0" cy="0"/>
-          <a:chOff x="0" y="0"/>
-          <a:chExt cx="0" cy="0"/>
-        </a:xfrm>
-      </p:grpSpPr>
-      <p:sp>
-        <p:nvSpPr>
-          <p:cNvPr id="18434" name="Rectangle 1"/>
-          <p:cNvSpPr>
-            <a:spLocks noGrp="1" noChangeArrowheads="1"/>
-          </p:cNvSpPr>
-          <p:nvPr>
-            <p:ph type="title" idx="4294967295"/>
-          </p:nvPr>
-        </p:nvSpPr>
-        <p:spPr/>
-        <p:txBody>
-          <a:bodyPr/>
-          <a:lstStyle/>
-          <a:p>
-            <a:pPr>
-              <a:tabLst>
-                <a:tab pos="0" algn="l"/>
-                <a:tab pos="914400" algn="l"/>
-                <a:tab pos="1828800" algn="l"/>
-                <a:tab pos="2743200" algn="l"/>
-                <a:tab pos="3657600" algn="l"/>
-                <a:tab pos="4572000" algn="l"/>
-                <a:tab pos="5486400" algn="l"/>
-                <a:tab pos="6400800" algn="l"/>
-                <a:tab pos="7315200" algn="l"/>
-                <a:tab pos="8229600" algn="l"/>
-                <a:tab pos="9144000" algn="l"/>
-                <a:tab pos="10058400" algn="l"/>
-              </a:tabLst>
-            </a:pPr>
-            <a:r>
-              <a:rPr lang="en-US" altLang="en-US" smtClean="0"/>
-              <a:t>Javascript is Case-Sensitive</a:t>
-            </a:r>
-          </a:p>
-        </p:txBody>
-      </p:sp>
-      <p:sp>
-        <p:nvSpPr>
-          <p:cNvPr id="18435" name="Rectangle 2"/>
-          <p:cNvSpPr>
-            <a:spLocks noGrp="1" noChangeArrowheads="1"/>
-          </p:cNvSpPr>
-          <p:nvPr>
-            <p:ph type="body" idx="4294967295"/>
-          </p:nvPr>
-        </p:nvSpPr>
-        <p:spPr/>
-        <p:txBody>
-          <a:bodyPr/>
-          <a:lstStyle/>
-          <a:p>
-            <a:pPr marL="341313" indent="-341313">
-              <a:buFont typeface="Times New Roman" panose="02020603050405020304" pitchFamily="18" charset="0"/>
-              <a:buBlip>
-                <a:blip r:embed="rId3"/>
-              </a:buBlip>
-              <a:tabLst>
-                <a:tab pos="911225" algn="l"/>
-                <a:tab pos="1825625" algn="l"/>
-                <a:tab pos="2740025" algn="l"/>
-                <a:tab pos="3654425" algn="l"/>
-                <a:tab pos="4568825" algn="l"/>
-                <a:tab pos="5483225" algn="l"/>
-                <a:tab pos="6397625" algn="l"/>
-                <a:tab pos="7312025" algn="l"/>
-                <a:tab pos="8226425" algn="l"/>
-                <a:tab pos="9140825" algn="l"/>
-                <a:tab pos="10055225" algn="l"/>
-              </a:tabLst>
-            </a:pPr>
-            <a:r>
-              <a:rPr lang="en-US" altLang="en-US" smtClean="0"/>
-              <a:t>First and most important thing regarding Javascript is that it is case sensitive</a:t>
-            </a:r>
-          </a:p>
-          <a:p>
-            <a:pPr marL="341313" indent="-341313">
-              <a:buFont typeface="Times New Roman" panose="02020603050405020304" pitchFamily="18" charset="0"/>
-              <a:buBlip>
-                <a:blip r:embed="rId3"/>
-              </a:buBlip>
-              <a:tabLst>
-                <a:tab pos="911225" algn="l"/>
-                <a:tab pos="1825625" algn="l"/>
-                <a:tab pos="2740025" algn="l"/>
-                <a:tab pos="3654425" algn="l"/>
-                <a:tab pos="4568825" algn="l"/>
-                <a:tab pos="5483225" algn="l"/>
-                <a:tab pos="6397625" algn="l"/>
-                <a:tab pos="7312025" algn="l"/>
-                <a:tab pos="8226425" algn="l"/>
-                <a:tab pos="9140825" algn="l"/>
-                <a:tab pos="10055225" algn="l"/>
-              </a:tabLst>
-            </a:pPr>
-            <a:r>
-              <a:rPr lang="en-US" altLang="en-US" smtClean="0"/>
-              <a:t>Everything defined in the Javascript is case sensitive, that means a variable 'var' is different from a variable named 'Var'</a:t>
-            </a:r>
-          </a:p>
-        </p:txBody>
-      </p:sp>
-      <p:pic>
-        <p:nvPicPr>
-          <p:cNvPr id="18436" name="Picture 3"/>
-          <p:cNvPicPr>
-            <a:picLocks noChangeAspect="1" noChangeArrowheads="1"/>
-          </p:cNvPicPr>
-          <p:nvPr/>
-        </p:nvPicPr>
-        <p:blipFill>
-          <a:blip r:embed="rId4" cstate="print">
-            <a:extLst>
-              <a:ext uri="{28A0092B-C50C-407E-A947-70E740481C1C}">
-                <a14:useLocalDpi xmlns:a14="http://schemas.microsoft.com/office/drawing/2010/main" xmlns="" val="0"/>
-              </a:ext>
-            </a:extLst>
-          </a:blip>
-          <a:srcRect/>
-          <a:stretch>
-            <a:fillRect/>
-          </a:stretch>
-        </p:blipFill>
-        <p:spPr bwMode="auto">
-          <a:xfrm>
-            <a:off x="3448050" y="4937125"/>
-            <a:ext cx="1581150" cy="1247775"/>
-          </a:xfrm>
-          <a:prstGeom prst="rect">
-            <a:avLst/>
-          </a:prstGeom>
-          <a:noFill/>
-          <a:ln>
-            <a:noFill/>
-          </a:ln>
-          <a:extLst>
-            <a:ext uri="{909E8E84-426E-40DD-AFC4-6F175D3DCCD1}">
-              <a14:hiddenFill xmlns:a14="http://schemas.microsoft.com/office/drawing/2010/main" xmlns="">
-                <a:solidFill>
-                  <a:srgbClr val="FFFFFF"/>
-                </a:solidFill>
-              </a14:hiddenFill>
-            </a:ext>
-            <a:ext uri="{91240B29-F687-4F45-9708-019B960494DF}">
-              <a14:hiddenLine xmlns:a14="http://schemas.microsoft.com/office/drawing/2010/main" xmlns="" w="9525">
+              <a14:hiddenLine xmlns="" xmlns:a14="http://schemas.microsoft.com/office/drawing/2010/main" w="9525">
                 <a:solidFill>
                   <a:srgbClr val="000000"/>
                 </a:solidFill>
@@ -10145,12 +10178,12 @@
       </p:grpSpPr>
       <p:sp>
         <p:nvSpPr>
-          <p:cNvPr id="19458" name="Rectangle 1"/>
+          <p:cNvPr id="15362" name="Rectangle 1"/>
           <p:cNvSpPr>
             <a:spLocks noGrp="1" noChangeArrowheads="1"/>
           </p:cNvSpPr>
           <p:nvPr>
-            <p:ph type="title" idx="4294967295"/>
+            <p:ph type="title"/>
           </p:nvPr>
         </p:nvSpPr>
         <p:spPr/>
@@ -10158,37 +10191,22 @@
           <a:bodyPr/>
           <a:lstStyle/>
           <a:p>
-            <a:pPr>
-              <a:tabLst>
-                <a:tab pos="0" algn="l"/>
-                <a:tab pos="914400" algn="l"/>
-                <a:tab pos="1828800" algn="l"/>
-                <a:tab pos="2743200" algn="l"/>
-                <a:tab pos="3657600" algn="l"/>
-                <a:tab pos="4572000" algn="l"/>
-                <a:tab pos="5486400" algn="l"/>
-                <a:tab pos="6400800" algn="l"/>
-                <a:tab pos="7315200" algn="l"/>
-                <a:tab pos="8229600" algn="l"/>
-                <a:tab pos="9144000" algn="l"/>
-                <a:tab pos="10058400" algn="l"/>
-              </a:tabLst>
-            </a:pPr>
-            <a:r>
-              <a:rPr lang="en-US" altLang="en-US" smtClean="0"/>
-              <a:t>Embedded in your HTML files</a:t>
-            </a:r>
+            <a:r>
+              <a:rPr lang="en-US" altLang="en-US" dirty="0" smtClean="0"/>
+              <a:t>Client</a:t>
+            </a:r>
+            <a:endParaRPr lang="en-US" altLang="en-US" dirty="0" smtClean="0"/>
           </a:p>
         </p:txBody>
       </p:sp>
       <p:sp>
         <p:nvSpPr>
-          <p:cNvPr id="19459" name="Rectangle 2"/>
+          <p:cNvPr id="15363" name="Rectangle 2"/>
           <p:cNvSpPr>
             <a:spLocks noGrp="1" noChangeArrowheads="1"/>
           </p:cNvSpPr>
           <p:nvPr>
-            <p:ph type="body" idx="4294967295"/>
+            <p:ph type="body" idx="1"/>
           </p:nvPr>
         </p:nvSpPr>
         <p:spPr/>
@@ -10199,7 +10217,7 @@
             <a:pPr marL="341313" indent="-341313">
               <a:buFont typeface="Times New Roman" panose="02020603050405020304" pitchFamily="18" charset="0"/>
               <a:buBlip>
-                <a:blip r:embed="rId3"/>
+                <a:blip r:embed="rId2"/>
               </a:buBlip>
               <a:tabLst>
                 <a:tab pos="911225" algn="l"/>
@@ -10216,8 +10234,45 @@
               </a:tabLst>
             </a:pPr>
             <a:r>
-              <a:rPr lang="en-US" altLang="en-US" smtClean="0"/>
-              <a:t>Javascript between the &lt; script &gt; ... &lt; /script &gt; tags. When the browser encounters a &lt; script &gt; tag, it assumes that the script block is written in JavaScript. you can place these script blocks in the &lt; head &gt; or in the &lt; body &gt; section of HTML page or you can use both sections at the same time</a:t>
+              <a:rPr lang="en-US" altLang="en-US" dirty="0" smtClean="0"/>
+              <a:t>Client side programming considers to scripts that run within your web browser and these scripts has no interaction with a web server in order for the scripts to </a:t>
+            </a:r>
+            <a:r>
+              <a:rPr lang="en-US" altLang="en-US" dirty="0" smtClean="0"/>
+              <a:t>run </a:t>
+            </a:r>
+          </a:p>
+          <a:p>
+            <a:pPr marL="341313" indent="-341313">
+              <a:buFont typeface="Times New Roman" panose="02020603050405020304" pitchFamily="18" charset="0"/>
+              <a:buBlip>
+                <a:blip r:embed="rId2"/>
+              </a:buBlip>
+              <a:tabLst>
+                <a:tab pos="911225" algn="l"/>
+                <a:tab pos="1825625" algn="l"/>
+                <a:tab pos="2740025" algn="l"/>
+                <a:tab pos="3654425" algn="l"/>
+                <a:tab pos="4568825" algn="l"/>
+                <a:tab pos="5483225" algn="l"/>
+                <a:tab pos="6397625" algn="l"/>
+                <a:tab pos="7312025" algn="l"/>
+                <a:tab pos="8226425" algn="l"/>
+                <a:tab pos="9140825" algn="l"/>
+                <a:tab pos="10055225" algn="l"/>
+              </a:tabLst>
+            </a:pPr>
+            <a:r>
+              <a:rPr lang="en-US" altLang="en-US" dirty="0" err="1" smtClean="0"/>
+              <a:t>Javascript</a:t>
+            </a:r>
+            <a:r>
+              <a:rPr lang="en-US" altLang="en-US" dirty="0" smtClean="0"/>
+              <a:t> </a:t>
+            </a:r>
+            <a:r>
+              <a:rPr lang="en-US" altLang="en-US" dirty="0" smtClean="0"/>
+              <a:t>is the most popular client side scripting language</a:t>
             </a:r>
           </a:p>
         </p:txBody>
@@ -10277,12 +10332,12 @@
       </p:grpSpPr>
       <p:sp>
         <p:nvSpPr>
-          <p:cNvPr id="20482" name="Rectangle 1"/>
+          <p:cNvPr id="16386" name="Rectangle 1"/>
           <p:cNvSpPr>
             <a:spLocks noGrp="1" noChangeArrowheads="1"/>
           </p:cNvSpPr>
           <p:nvPr>
-            <p:ph type="title" idx="4294967295"/>
+            <p:ph type="title"/>
           </p:nvPr>
         </p:nvSpPr>
         <p:spPr/>
@@ -10290,37 +10345,22 @@
           <a:bodyPr/>
           <a:lstStyle/>
           <a:p>
-            <a:pPr>
-              <a:tabLst>
-                <a:tab pos="0" algn="l"/>
-                <a:tab pos="914400" algn="l"/>
-                <a:tab pos="1828800" algn="l"/>
-                <a:tab pos="2743200" algn="l"/>
-                <a:tab pos="3657600" algn="l"/>
-                <a:tab pos="4572000" algn="l"/>
-                <a:tab pos="5486400" algn="l"/>
-                <a:tab pos="6400800" algn="l"/>
-                <a:tab pos="7315200" algn="l"/>
-                <a:tab pos="8229600" algn="l"/>
-                <a:tab pos="9144000" algn="l"/>
-                <a:tab pos="10058400" algn="l"/>
-              </a:tabLst>
-            </a:pPr>
-            <a:r>
-              <a:rPr lang="en-US" altLang="en-US" smtClean="0"/>
-              <a:t> Javascript at Head section</a:t>
-            </a:r>
+            <a:r>
+              <a:rPr lang="en-US" altLang="en-US" dirty="0" smtClean="0"/>
+              <a:t>Server</a:t>
+            </a:r>
+            <a:endParaRPr lang="en-US" altLang="en-US" dirty="0" smtClean="0"/>
           </a:p>
         </p:txBody>
       </p:sp>
       <p:sp>
         <p:nvSpPr>
-          <p:cNvPr id="20483" name="Rectangle 2"/>
+          <p:cNvPr id="16387" name="Rectangle 2"/>
           <p:cNvSpPr>
             <a:spLocks noGrp="1" noChangeArrowheads="1"/>
           </p:cNvSpPr>
           <p:nvPr>
-            <p:ph type="body" idx="4294967295"/>
+            <p:ph type="body" idx="1"/>
           </p:nvPr>
         </p:nvSpPr>
         <p:spPr/>
@@ -10328,64 +10368,73 @@
           <a:bodyPr/>
           <a:lstStyle/>
           <a:p>
-            <a:endParaRPr lang="en-US" altLang="en-US" smtClean="0"/>
+            <a:pPr marL="341313" indent="-341313">
+              <a:buFont typeface="Times New Roman" panose="02020603050405020304" pitchFamily="18" charset="0"/>
+              <a:buBlip>
+                <a:blip r:embed="rId2"/>
+              </a:buBlip>
+              <a:tabLst>
+                <a:tab pos="911225" algn="l"/>
+                <a:tab pos="1825625" algn="l"/>
+                <a:tab pos="2740025" algn="l"/>
+                <a:tab pos="3654425" algn="l"/>
+                <a:tab pos="4568825" algn="l"/>
+                <a:tab pos="5483225" algn="l"/>
+                <a:tab pos="6397625" algn="l"/>
+                <a:tab pos="7312025" algn="l"/>
+                <a:tab pos="8226425" algn="l"/>
+                <a:tab pos="9140825" algn="l"/>
+                <a:tab pos="10055225" algn="l"/>
+              </a:tabLst>
+            </a:pPr>
+            <a:r>
+              <a:rPr lang="en-US" altLang="en-US" dirty="0" smtClean="0"/>
+              <a:t>Server-side programming refers to programs that run on the web server, which then sends results to your web </a:t>
+            </a:r>
+            <a:r>
+              <a:rPr lang="en-US" altLang="en-US" dirty="0" smtClean="0"/>
+              <a:t>browser </a:t>
+            </a:r>
+          </a:p>
+          <a:p>
+            <a:pPr marL="341313" indent="-341313">
+              <a:buFont typeface="Times New Roman" panose="02020603050405020304" pitchFamily="18" charset="0"/>
+              <a:buBlip>
+                <a:blip r:embed="rId2"/>
+              </a:buBlip>
+              <a:tabLst>
+                <a:tab pos="911225" algn="l"/>
+                <a:tab pos="1825625" algn="l"/>
+                <a:tab pos="2740025" algn="l"/>
+                <a:tab pos="3654425" algn="l"/>
+                <a:tab pos="4568825" algn="l"/>
+                <a:tab pos="5483225" algn="l"/>
+                <a:tab pos="6397625" algn="l"/>
+                <a:tab pos="7312025" algn="l"/>
+                <a:tab pos="8226425" algn="l"/>
+                <a:tab pos="9140825" algn="l"/>
+                <a:tab pos="10055225" algn="l"/>
+              </a:tabLst>
+            </a:pPr>
+            <a:r>
+              <a:rPr lang="en-US" altLang="en-US" dirty="0" smtClean="0"/>
+              <a:t>For example, PHP, Perl, Asp, </a:t>
+            </a:r>
+            <a:r>
+              <a:rPr lang="en-US" altLang="en-US" dirty="0" err="1" smtClean="0"/>
+              <a:t>.net</a:t>
+            </a:r>
+            <a:r>
+              <a:rPr lang="en-US" altLang="en-US" dirty="0" smtClean="0"/>
+              <a:t>, are </a:t>
+            </a:r>
+            <a:r>
+              <a:rPr lang="en-US" altLang="en-US" dirty="0" smtClean="0"/>
+              <a:t>the popular Server side programming languages</a:t>
+            </a:r>
           </a:p>
         </p:txBody>
       </p:sp>
-      <p:pic>
-        <p:nvPicPr>
-          <p:cNvPr id="20484" name="Picture 3"/>
-          <p:cNvPicPr>
-            <a:picLocks noChangeAspect="1" noChangeArrowheads="1"/>
-          </p:cNvPicPr>
-          <p:nvPr/>
-        </p:nvPicPr>
-        <p:blipFill>
-          <a:blip r:embed="rId3" cstate="print">
-            <a:extLst>
-              <a:ext uri="{28A0092B-C50C-407E-A947-70E740481C1C}">
-                <a14:useLocalDpi xmlns:a14="http://schemas.microsoft.com/office/drawing/2010/main" xmlns="" val="0"/>
-              </a:ext>
-            </a:extLst>
-          </a:blip>
-          <a:srcRect/>
-          <a:stretch>
-            <a:fillRect/>
-          </a:stretch>
-        </p:blipFill>
-        <p:spPr bwMode="auto">
-          <a:xfrm>
-            <a:off x="1235075" y="2732088"/>
-            <a:ext cx="6811963" cy="2846387"/>
-          </a:xfrm>
-          <a:prstGeom prst="rect">
-            <a:avLst/>
-          </a:prstGeom>
-          <a:noFill/>
-          <a:ln>
-            <a:noFill/>
-          </a:ln>
-          <a:extLst>
-            <a:ext uri="{909E8E84-426E-40DD-AFC4-6F175D3DCCD1}">
-              <a14:hiddenFill xmlns:a14="http://schemas.microsoft.com/office/drawing/2010/main" xmlns="">
-                <a:solidFill>
-                  <a:srgbClr val="FFFFFF"/>
-                </a:solidFill>
-              </a14:hiddenFill>
-            </a:ext>
-            <a:ext uri="{91240B29-F687-4F45-9708-019B960494DF}">
-              <a14:hiddenLine xmlns:a14="http://schemas.microsoft.com/office/drawing/2010/main" xmlns="" w="9525">
-                <a:solidFill>
-                  <a:srgbClr val="000000"/>
-                </a:solidFill>
-                <a:round/>
-                <a:headEnd/>
-                <a:tailEnd/>
-              </a14:hiddenLine>
-            </a:ext>
-          </a:extLst>
-        </p:spPr>
-      </p:pic>
     </p:spTree>
   </p:cSld>
   <p:clrMapOvr>
@@ -10461,14 +10510,14 @@
           </a:ln>
           <a:extLst>
             <a:ext uri="{909E8E84-426E-40DD-AFC4-6F175D3DCCD1}">
-              <a14:hiddenFill xmlns:a14="http://schemas.microsoft.com/office/drawing/2010/main" xmlns="">
+              <a14:hiddenFill xmlns="" xmlns:a14="http://schemas.microsoft.com/office/drawing/2010/main">
                 <a:solidFill>
                   <a:srgbClr val="FFFFFF"/>
                 </a:solidFill>
               </a14:hiddenFill>
             </a:ext>
             <a:ext uri="{91240B29-F687-4F45-9708-019B960494DF}">
-              <a14:hiddenLine xmlns:a14="http://schemas.microsoft.com/office/drawing/2010/main" xmlns="" w="9525">
+              <a14:hiddenLine xmlns="" xmlns:a14="http://schemas.microsoft.com/office/drawing/2010/main" w="9525">
                 <a:solidFill>
                   <a:srgbClr val="000000"/>
                 </a:solidFill>
@@ -10741,14 +10790,14 @@
           </a:ln>
           <a:extLst>
             <a:ext uri="{909E8E84-426E-40DD-AFC4-6F175D3DCCD1}">
-              <a14:hiddenFill xmlns:a14="http://schemas.microsoft.com/office/drawing/2010/main" xmlns="">
+              <a14:hiddenFill xmlns="" xmlns:a14="http://schemas.microsoft.com/office/drawing/2010/main">
                 <a:solidFill>
                   <a:srgbClr val="FFFFFF"/>
                 </a:solidFill>
               </a14:hiddenFill>
             </a:ext>
             <a:ext uri="{91240B29-F687-4F45-9708-019B960494DF}">
-              <a14:hiddenLine xmlns:a14="http://schemas.microsoft.com/office/drawing/2010/main" xmlns="" w="9525">
+              <a14:hiddenLine xmlns="" xmlns:a14="http://schemas.microsoft.com/office/drawing/2010/main" w="9525">
                 <a:solidFill>
                   <a:srgbClr val="000000"/>
                 </a:solidFill>
@@ -11157,12 +11206,12 @@
       </p:grpSpPr>
       <p:sp>
         <p:nvSpPr>
-          <p:cNvPr id="21506" name="Rectangle 1"/>
+          <p:cNvPr id="2" name="Title 1"/>
           <p:cNvSpPr>
-            <a:spLocks noGrp="1" noChangeArrowheads="1"/>
+            <a:spLocks noGrp="1"/>
           </p:cNvSpPr>
           <p:nvPr>
-            <p:ph type="title" idx="4294967295"/>
+            <p:ph type="title"/>
           </p:nvPr>
         </p:nvSpPr>
         <p:spPr/>
@@ -11170,37 +11219,22 @@
           <a:bodyPr/>
           <a:lstStyle/>
           <a:p>
-            <a:pPr>
-              <a:tabLst>
-                <a:tab pos="0" algn="l"/>
-                <a:tab pos="914400" algn="l"/>
-                <a:tab pos="1828800" algn="l"/>
-                <a:tab pos="2743200" algn="l"/>
-                <a:tab pos="3657600" algn="l"/>
-                <a:tab pos="4572000" algn="l"/>
-                <a:tab pos="5486400" algn="l"/>
-                <a:tab pos="6400800" algn="l"/>
-                <a:tab pos="7315200" algn="l"/>
-                <a:tab pos="8229600" algn="l"/>
-                <a:tab pos="9144000" algn="l"/>
-                <a:tab pos="10058400" algn="l"/>
-              </a:tabLst>
-            </a:pPr>
-            <a:r>
-              <a:rPr lang="en-US" altLang="en-US" smtClean="0"/>
-              <a:t>Javascript at Body Section</a:t>
-            </a:r>
+            <a:r>
+              <a:rPr lang="en-US" dirty="0" smtClean="0"/>
+              <a:t>Question</a:t>
+            </a:r>
+            <a:endParaRPr lang="en-US" dirty="0"/>
           </a:p>
         </p:txBody>
       </p:sp>
       <p:sp>
         <p:nvSpPr>
-          <p:cNvPr id="21507" name="Rectangle 2"/>
+          <p:cNvPr id="3" name="Content Placeholder 2"/>
           <p:cNvSpPr>
-            <a:spLocks noGrp="1" noChangeArrowheads="1"/>
+            <a:spLocks noGrp="1"/>
           </p:cNvSpPr>
           <p:nvPr>
-            <p:ph type="body" idx="4294967295"/>
+            <p:ph idx="1"/>
           </p:nvPr>
         </p:nvSpPr>
         <p:spPr/>
@@ -11208,97 +11242,52 @@
           <a:bodyPr/>
           <a:lstStyle/>
           <a:p>
-            <a:endParaRPr lang="en-US" altLang="en-US" smtClean="0"/>
+            <a:r>
+              <a:rPr lang="en-US" dirty="0" smtClean="0"/>
+              <a:t>Is Java the </a:t>
+            </a:r>
+            <a:r>
+              <a:rPr lang="en-US" altLang="en-US" dirty="0" smtClean="0"/>
+              <a:t>most </a:t>
+            </a:r>
+            <a:r>
+              <a:rPr lang="en-US" altLang="en-US" dirty="0" smtClean="0"/>
+              <a:t>popular client side scripting </a:t>
+            </a:r>
+            <a:r>
+              <a:rPr lang="en-US" altLang="en-US" dirty="0" smtClean="0"/>
+              <a:t>language?</a:t>
+            </a:r>
+          </a:p>
+          <a:p>
+            <a:endParaRPr lang="en-US" altLang="en-US" dirty="0" smtClean="0"/>
+          </a:p>
+          <a:p>
+            <a:pPr marL="514350" indent="-514350">
+              <a:buAutoNum type="alphaLcParenR"/>
+            </a:pPr>
+            <a:r>
+              <a:rPr lang="en-US" dirty="0" smtClean="0"/>
+              <a:t>True</a:t>
+            </a:r>
+          </a:p>
+          <a:p>
+            <a:pPr marL="514350" indent="-514350">
+              <a:buAutoNum type="alphaLcParenR"/>
+            </a:pPr>
+            <a:r>
+              <a:rPr lang="en-US" dirty="0" smtClean="0"/>
+              <a:t>False</a:t>
+            </a:r>
+            <a:endParaRPr lang="en-US" dirty="0"/>
           </a:p>
         </p:txBody>
       </p:sp>
-      <p:pic>
-        <p:nvPicPr>
-          <p:cNvPr id="21508" name="Picture 3"/>
-          <p:cNvPicPr>
-            <a:picLocks noChangeAspect="1" noChangeArrowheads="1"/>
-          </p:cNvPicPr>
-          <p:nvPr/>
-        </p:nvPicPr>
-        <p:blipFill>
-          <a:blip r:embed="rId3" cstate="print">
-            <a:extLst>
-              <a:ext uri="{28A0092B-C50C-407E-A947-70E740481C1C}">
-                <a14:useLocalDpi xmlns:a14="http://schemas.microsoft.com/office/drawing/2010/main" xmlns="" val="0"/>
-              </a:ext>
-            </a:extLst>
-          </a:blip>
-          <a:srcRect/>
-          <a:stretch>
-            <a:fillRect/>
-          </a:stretch>
-        </p:blipFill>
-        <p:spPr bwMode="auto">
-          <a:xfrm>
-            <a:off x="1371600" y="2581275"/>
-            <a:ext cx="6716713" cy="2720975"/>
-          </a:xfrm>
-          <a:prstGeom prst="rect">
-            <a:avLst/>
-          </a:prstGeom>
-          <a:noFill/>
-          <a:ln>
-            <a:noFill/>
-          </a:ln>
-          <a:extLst>
-            <a:ext uri="{909E8E84-426E-40DD-AFC4-6F175D3DCCD1}">
-              <a14:hiddenFill xmlns:a14="http://schemas.microsoft.com/office/drawing/2010/main" xmlns="">
-                <a:solidFill>
-                  <a:srgbClr val="FFFFFF"/>
-                </a:solidFill>
-              </a14:hiddenFill>
-            </a:ext>
-            <a:ext uri="{91240B29-F687-4F45-9708-019B960494DF}">
-              <a14:hiddenLine xmlns:a14="http://schemas.microsoft.com/office/drawing/2010/main" xmlns="" w="9525">
-                <a:solidFill>
-                  <a:srgbClr val="000000"/>
-                </a:solidFill>
-                <a:round/>
-                <a:headEnd/>
-                <a:tailEnd/>
-              </a14:hiddenLine>
-            </a:ext>
-          </a:extLst>
-        </p:spPr>
-      </p:pic>
     </p:spTree>
   </p:cSld>
   <p:clrMapOvr>
     <a:masterClrMapping/>
   </p:clrMapOvr>
-  <p:transition spd="med"/>
-  <p:timing>
-    <p:tnLst>
-      <p:par>
-        <p:cTn id="1" dur="indefinite" restart="never" nodeType="tmRoot">
-          <p:childTnLst>
-            <p:seq concurrent="1" nextAc="seek">
-              <p:cTn id="2" dur="0" nodeType="mainSeq"/>
-              <p:prevCondLst>
-                <p:cond evt="onPrev" delay="0">
-                  <p:tgtEl>
-                    <p:sldTgt/>
-                  </p:tgtEl>
-                </p:cond>
-              </p:prevCondLst>
-              <p:nextCondLst>
-                <p:cond evt="onNext" delay="0">
-                  <p:tgtEl>
-                    <p:sldTgt/>
-                  </p:tgtEl>
-                </p:cond>
-              </p:nextCondLst>
-            </p:seq>
-          </p:childTnLst>
-        </p:cTn>
-      </p:par>
-    </p:tnLst>
-  </p:timing>
 </p:sld>
 </file>
 
@@ -11321,12 +11310,12 @@
       </p:grpSpPr>
       <p:sp>
         <p:nvSpPr>
-          <p:cNvPr id="22530" name="Rectangle 1"/>
+          <p:cNvPr id="2" name="Title 1"/>
           <p:cNvSpPr>
-            <a:spLocks noGrp="1" noChangeArrowheads="1"/>
+            <a:spLocks noGrp="1"/>
           </p:cNvSpPr>
           <p:nvPr>
-            <p:ph type="title" idx="4294967295"/>
+            <p:ph type="title"/>
           </p:nvPr>
         </p:nvSpPr>
         <p:spPr/>
@@ -11334,37 +11323,22 @@
           <a:bodyPr/>
           <a:lstStyle/>
           <a:p>
-            <a:pPr>
-              <a:tabLst>
-                <a:tab pos="0" algn="l"/>
-                <a:tab pos="914400" algn="l"/>
-                <a:tab pos="1828800" algn="l"/>
-                <a:tab pos="2743200" algn="l"/>
-                <a:tab pos="3657600" algn="l"/>
-                <a:tab pos="4572000" algn="l"/>
-                <a:tab pos="5486400" algn="l"/>
-                <a:tab pos="6400800" algn="l"/>
-                <a:tab pos="7315200" algn="l"/>
-                <a:tab pos="8229600" algn="l"/>
-                <a:tab pos="9144000" algn="l"/>
-                <a:tab pos="10058400" algn="l"/>
-              </a:tabLst>
-            </a:pPr>
-            <a:r>
-              <a:rPr lang="en-US" altLang="en-US" smtClean="0"/>
-              <a:t>External script File</a:t>
-            </a:r>
+            <a:r>
+              <a:rPr lang="en-US" dirty="0" smtClean="0"/>
+              <a:t>Answer</a:t>
+            </a:r>
+            <a:endParaRPr lang="en-US" dirty="0"/>
           </a:p>
         </p:txBody>
       </p:sp>
       <p:sp>
         <p:nvSpPr>
-          <p:cNvPr id="22531" name="Rectangle 2"/>
+          <p:cNvPr id="3" name="Content Placeholder 2"/>
           <p:cNvSpPr>
-            <a:spLocks noGrp="1" noChangeArrowheads="1"/>
+            <a:spLocks noGrp="1"/>
           </p:cNvSpPr>
           <p:nvPr>
-            <p:ph type="body" idx="4294967295"/>
+            <p:ph idx="1"/>
           </p:nvPr>
         </p:nvSpPr>
         <p:spPr/>
@@ -11372,119 +11346,60 @@
           <a:bodyPr/>
           <a:lstStyle/>
           <a:p>
-            <a:pPr marL="341313" indent="-341313">
-              <a:buFont typeface="Times New Roman" panose="02020603050405020304" pitchFamily="18" charset="0"/>
-              <a:buBlip>
-                <a:blip r:embed="rId3"/>
-              </a:buBlip>
-              <a:tabLst>
-                <a:tab pos="911225" algn="l"/>
-                <a:tab pos="1825625" algn="l"/>
-                <a:tab pos="2740025" algn="l"/>
-                <a:tab pos="3654425" algn="l"/>
-                <a:tab pos="4568825" algn="l"/>
-                <a:tab pos="5483225" algn="l"/>
-                <a:tab pos="6397625" algn="l"/>
-                <a:tab pos="7312025" algn="l"/>
-                <a:tab pos="8226425" algn="l"/>
-                <a:tab pos="9140825" algn="l"/>
-                <a:tab pos="10055225" algn="l"/>
-              </a:tabLst>
+            <a:pPr>
+              <a:buNone/>
             </a:pPr>
             <a:r>
-              <a:rPr lang="en-US" altLang="en-US" smtClean="0"/>
-              <a:t>Either be embedded in your HTML files or placed in an external script file with a .js extension</a:t>
-            </a:r>
+              <a:rPr lang="en-US" dirty="0" smtClean="0"/>
+              <a:t>b) False</a:t>
+            </a:r>
+          </a:p>
+          <a:p>
+            <a:pPr>
+              <a:buNone/>
+            </a:pPr>
+            <a:endParaRPr lang="en-US" dirty="0" smtClean="0"/>
+          </a:p>
+          <a:p>
+            <a:pPr>
+              <a:buNone/>
+            </a:pPr>
+            <a:endParaRPr lang="en-US" dirty="0" smtClean="0"/>
+          </a:p>
+          <a:p>
+            <a:pPr>
+              <a:buNone/>
+            </a:pPr>
+            <a:r>
+              <a:rPr lang="en-US" altLang="en-US" dirty="0" err="1" smtClean="0"/>
+              <a:t>Javascript</a:t>
+            </a:r>
+            <a:r>
+              <a:rPr lang="en-US" altLang="en-US" dirty="0" smtClean="0"/>
+              <a:t> is the most popular client </a:t>
+            </a:r>
+            <a:r>
+              <a:rPr lang="en-US" altLang="en-US" dirty="0" smtClean="0"/>
+              <a:t>side scripting </a:t>
+            </a:r>
+            <a:r>
+              <a:rPr lang="en-US" altLang="en-US" dirty="0" smtClean="0"/>
+              <a:t>language</a:t>
+            </a:r>
+          </a:p>
+          <a:p>
+            <a:pPr>
+              <a:buNone/>
+            </a:pPr>
+            <a:endParaRPr lang="en-US" dirty="0"/>
           </a:p>
         </p:txBody>
       </p:sp>
-      <p:pic>
-        <p:nvPicPr>
-          <p:cNvPr id="22532" name="Picture 3"/>
-          <p:cNvPicPr>
-            <a:picLocks noChangeAspect="1" noChangeArrowheads="1"/>
-          </p:cNvPicPr>
-          <p:nvPr/>
-        </p:nvPicPr>
-        <p:blipFill>
-          <a:blip r:embed="rId4" cstate="print">
-            <a:extLst>
-              <a:ext uri="{28A0092B-C50C-407E-A947-70E740481C1C}">
-                <a14:useLocalDpi xmlns:a14="http://schemas.microsoft.com/office/drawing/2010/main" xmlns="" val="0"/>
-              </a:ext>
-            </a:extLst>
-          </a:blip>
-          <a:srcRect/>
-          <a:stretch>
-            <a:fillRect/>
-          </a:stretch>
-        </p:blipFill>
-        <p:spPr bwMode="auto">
-          <a:xfrm>
-            <a:off x="1000125" y="4413250"/>
-            <a:ext cx="6772275" cy="706438"/>
-          </a:xfrm>
-          <a:prstGeom prst="rect">
-            <a:avLst/>
-          </a:prstGeom>
-          <a:noFill/>
-          <a:ln>
-            <a:noFill/>
-          </a:ln>
-          <a:extLst>
-            <a:ext uri="{909E8E84-426E-40DD-AFC4-6F175D3DCCD1}">
-              <a14:hiddenFill xmlns:a14="http://schemas.microsoft.com/office/drawing/2010/main" xmlns="">
-                <a:solidFill>
-                  <a:srgbClr val="FFFFFF"/>
-                </a:solidFill>
-              </a14:hiddenFill>
-            </a:ext>
-            <a:ext uri="{91240B29-F687-4F45-9708-019B960494DF}">
-              <a14:hiddenLine xmlns:a14="http://schemas.microsoft.com/office/drawing/2010/main" xmlns="" w="9525">
-                <a:solidFill>
-                  <a:srgbClr val="000000"/>
-                </a:solidFill>
-                <a:round/>
-                <a:headEnd/>
-                <a:tailEnd/>
-              </a14:hiddenLine>
-            </a:ext>
-          </a:extLst>
-        </p:spPr>
-      </p:pic>
     </p:spTree>
   </p:cSld>
   <p:clrMapOvr>
     <a:masterClrMapping/>
   </p:clrMapOvr>
-  <p:transition spd="med"/>
-  <p:timing>
-    <p:tnLst>
-      <p:par>
-        <p:cTn id="1" dur="indefinite" restart="never" nodeType="tmRoot">
-          <p:childTnLst>
-            <p:seq concurrent="1" nextAc="seek">
-              <p:cTn id="2" dur="0" nodeType="mainSeq"/>
-              <p:prevCondLst>
-                <p:cond evt="onPrev" delay="0">
-                  <p:tgtEl>
-                    <p:sldTgt/>
-                  </p:tgtEl>
-                </p:cond>
-              </p:prevCondLst>
-              <p:nextCondLst>
-                <p:cond evt="onNext" delay="0">
-                  <p:tgtEl>
-                    <p:sldTgt/>
-                  </p:tgtEl>
-                </p:cond>
-              </p:nextCondLst>
-            </p:seq>
-          </p:childTnLst>
-        </p:cTn>
-      </p:par>
-    </p:tnLst>
-  </p:timing>
 </p:sld>
 </file>
 
@@ -11507,7 +11422,7 @@
       </p:grpSpPr>
       <p:sp>
         <p:nvSpPr>
-          <p:cNvPr id="23554" name="Rectangle 1"/>
+          <p:cNvPr id="17410" name="Rectangle 1"/>
           <p:cNvSpPr>
             <a:spLocks noGrp="1" noChangeArrowheads="1"/>
           </p:cNvSpPr>
@@ -11515,12 +11430,7 @@
             <p:ph type="title" idx="4294967295"/>
           </p:nvPr>
         </p:nvSpPr>
-        <p:spPr>
-          <a:xfrm>
-            <a:off x="685800" y="463550"/>
-            <a:ext cx="7772400" cy="1435100"/>
-          </a:xfrm>
-        </p:spPr>
+        <p:spPr/>
         <p:txBody>
           <a:bodyPr/>
           <a:lstStyle/>
@@ -11543,21 +11453,14 @@
             </a:pPr>
             <a:r>
               <a:rPr lang="en-US" altLang="en-US" smtClean="0"/>
-              <a:t>Simple First </a:t>
-            </a:r>
-            <a:br>
-              <a:rPr lang="en-US" altLang="en-US" smtClean="0"/>
-            </a:br>
-            <a:r>
-              <a:rPr lang="en-US" altLang="en-US" smtClean="0"/>
-              <a:t>JavaScript Program</a:t>
+              <a:t>Javascript</a:t>
             </a:r>
           </a:p>
         </p:txBody>
       </p:sp>
       <p:sp>
         <p:nvSpPr>
-          <p:cNvPr id="23555" name="Rectangle 2"/>
+          <p:cNvPr id="17411" name="Rectangle 2"/>
           <p:cNvSpPr>
             <a:spLocks noGrp="1" noChangeArrowheads="1"/>
           </p:cNvSpPr>
@@ -11590,66 +11493,77 @@
               </a:tabLst>
             </a:pPr>
             <a:r>
-              <a:rPr lang="en-US" altLang="en-US" smtClean="0"/>
-              <a:t>.html file and type the following code:</a:t>
+              <a:rPr lang="en-US" altLang="en-US" dirty="0" err="1" smtClean="0"/>
+              <a:t>Javascript</a:t>
+            </a:r>
+            <a:r>
+              <a:rPr lang="en-US" altLang="en-US" dirty="0" smtClean="0"/>
+              <a:t> programs runs only in the web browsers and these scripts are read and executed by an </a:t>
+            </a:r>
+            <a:r>
+              <a:rPr lang="en-US" altLang="en-US" dirty="0" smtClean="0">
+                <a:solidFill>
+                  <a:srgbClr val="FF0000"/>
+                </a:solidFill>
+              </a:rPr>
+              <a:t>interpreter</a:t>
+            </a:r>
+            <a:r>
+              <a:rPr lang="en-US" altLang="en-US" dirty="0" smtClean="0"/>
+              <a:t> (or engine</a:t>
+            </a:r>
+            <a:r>
+              <a:rPr lang="en-US" altLang="en-US" dirty="0" smtClean="0">
+                <a:solidFill>
+                  <a:schemeClr val="bg2"/>
+                </a:solidFill>
+              </a:rPr>
+              <a:t>)</a:t>
+            </a:r>
+            <a:r>
+              <a:rPr lang="en-US" altLang="en-US" dirty="0" smtClean="0">
+                <a:solidFill>
+                  <a:srgbClr val="FF0000"/>
+                </a:solidFill>
+              </a:rPr>
+              <a:t> inside the web browser</a:t>
+            </a:r>
+          </a:p>
+          <a:p>
+            <a:pPr marL="341313" indent="-341313">
+              <a:buFont typeface="Times New Roman" panose="02020603050405020304" pitchFamily="18" charset="0"/>
+              <a:buBlip>
+                <a:blip r:embed="rId3"/>
+              </a:buBlip>
+              <a:tabLst>
+                <a:tab pos="911225" algn="l"/>
+                <a:tab pos="1825625" algn="l"/>
+                <a:tab pos="2740025" algn="l"/>
+                <a:tab pos="3654425" algn="l"/>
+                <a:tab pos="4568825" algn="l"/>
+                <a:tab pos="5483225" algn="l"/>
+                <a:tab pos="6397625" algn="l"/>
+                <a:tab pos="7312025" algn="l"/>
+                <a:tab pos="8226425" algn="l"/>
+                <a:tab pos="9140825" algn="l"/>
+                <a:tab pos="10055225" algn="l"/>
+              </a:tabLst>
+            </a:pPr>
+            <a:r>
+              <a:rPr lang="en-US" altLang="en-US" dirty="0" smtClean="0"/>
+              <a:t>The most common uses of JavaScript are interacting with clients, getting available information from them, and validating their </a:t>
+            </a:r>
+            <a:r>
+              <a:rPr lang="en-US" altLang="en-US" dirty="0" smtClean="0">
+                <a:solidFill>
+                  <a:srgbClr val="FF0000"/>
+                </a:solidFill>
+              </a:rPr>
+              <a:t>actions</a:t>
             </a:r>
           </a:p>
         </p:txBody>
       </p:sp>
-      <p:pic>
-        <p:nvPicPr>
-          <p:cNvPr id="23556" name="Picture 3"/>
-          <p:cNvPicPr>
-            <a:picLocks noChangeAspect="1" noChangeArrowheads="1"/>
-          </p:cNvPicPr>
-          <p:nvPr/>
-        </p:nvPicPr>
-        <p:blipFill>
-          <a:blip r:embed="rId4" cstate="print">
-            <a:extLst>
-              <a:ext uri="{28A0092B-C50C-407E-A947-70E740481C1C}">
-                <a14:useLocalDpi xmlns:a14="http://schemas.microsoft.com/office/drawing/2010/main" xmlns="" val="0"/>
-              </a:ext>
-            </a:extLst>
-          </a:blip>
-          <a:srcRect/>
-          <a:stretch>
-            <a:fillRect/>
-          </a:stretch>
-        </p:blipFill>
-        <p:spPr bwMode="auto">
-          <a:xfrm>
-            <a:off x="1096963" y="3130550"/>
-            <a:ext cx="7142162" cy="2447925"/>
-          </a:xfrm>
-          <a:prstGeom prst="rect">
-            <a:avLst/>
-          </a:prstGeom>
-          <a:noFill/>
-          <a:ln>
-            <a:noFill/>
-          </a:ln>
-          <a:extLst>
-            <a:ext uri="{909E8E84-426E-40DD-AFC4-6F175D3DCCD1}">
-              <a14:hiddenFill xmlns:a14="http://schemas.microsoft.com/office/drawing/2010/main" xmlns="">
-                <a:solidFill>
-                  <a:srgbClr val="FFFFFF"/>
-                </a:solidFill>
-              </a14:hiddenFill>
-            </a:ext>
-            <a:ext uri="{91240B29-F687-4F45-9708-019B960494DF}">
-              <a14:hiddenLine xmlns:a14="http://schemas.microsoft.com/office/drawing/2010/main" xmlns="" w="9525">
-                <a:solidFill>
-                  <a:srgbClr val="000000"/>
-                </a:solidFill>
-                <a:round/>
-                <a:headEnd/>
-                <a:tailEnd/>
-              </a14:hiddenLine>
-            </a:ext>
-          </a:extLst>
-        </p:spPr>
-      </p:pic>
     </p:spTree>
   </p:cSld>
   <p:clrMapOvr>
@@ -11705,12 +11619,12 @@
       </p:grpSpPr>
       <p:sp>
         <p:nvSpPr>
-          <p:cNvPr id="24578" name="Rectangle 1"/>
+          <p:cNvPr id="18434" name="Rectangle 1"/>
           <p:cNvSpPr>
             <a:spLocks noGrp="1" noChangeArrowheads="1"/>
           </p:cNvSpPr>
           <p:nvPr>
-            <p:ph type="title"/>
+            <p:ph type="title" idx="4294967295"/>
           </p:nvPr>
         </p:nvSpPr>
         <p:spPr/>
@@ -11718,18 +11632,37 @@
           <a:bodyPr/>
           <a:lstStyle/>
           <a:p>
-            <a:endParaRPr lang="en-US" altLang="en-US" smtClean="0"/>
+            <a:pPr>
+              <a:tabLst>
+                <a:tab pos="0" algn="l"/>
+                <a:tab pos="914400" algn="l"/>
+                <a:tab pos="1828800" algn="l"/>
+                <a:tab pos="2743200" algn="l"/>
+                <a:tab pos="3657600" algn="l"/>
+                <a:tab pos="4572000" algn="l"/>
+                <a:tab pos="5486400" algn="l"/>
+                <a:tab pos="6400800" algn="l"/>
+                <a:tab pos="7315200" algn="l"/>
+                <a:tab pos="8229600" algn="l"/>
+                <a:tab pos="9144000" algn="l"/>
+                <a:tab pos="10058400" algn="l"/>
+              </a:tabLst>
+            </a:pPr>
+            <a:r>
+              <a:rPr lang="en-US" altLang="en-US" smtClean="0"/>
+              <a:t>Javascript is Case-Sensitive</a:t>
+            </a:r>
           </a:p>
         </p:txBody>
       </p:sp>
       <p:sp>
         <p:nvSpPr>
-          <p:cNvPr id="24579" name="Rectangle 2"/>
+          <p:cNvPr id="18435" name="Rectangle 2"/>
           <p:cNvSpPr>
             <a:spLocks noGrp="1" noChangeArrowheads="1"/>
           </p:cNvSpPr>
           <p:nvPr>
-            <p:ph type="body" idx="1"/>
+            <p:ph type="body" idx="4294967295"/>
           </p:nvPr>
         </p:nvSpPr>
         <p:spPr/>
@@ -11740,7 +11673,7 @@
             <a:pPr marL="341313" indent="-341313">
               <a:buFont typeface="Times New Roman" panose="02020603050405020304" pitchFamily="18" charset="0"/>
               <a:buBlip>
-                <a:blip r:embed="rId2"/>
+                <a:blip r:embed="rId3"/>
               </a:buBlip>
               <a:tabLst>
                 <a:tab pos="911225" algn="l"/>
@@ -11757,12 +11690,131 @@
               </a:tabLst>
             </a:pPr>
             <a:r>
-              <a:rPr lang="en-US" altLang="en-US" smtClean="0"/>
-              <a:t>When you open the file in web browser, first you get a message box in a white background and then you press OK button you can see the background color is changed to RED color</a:t>
+              <a:rPr lang="en-US" altLang="en-US" dirty="0" smtClean="0"/>
+              <a:t>First and most important thing regarding </a:t>
+            </a:r>
+            <a:r>
+              <a:rPr lang="en-US" altLang="en-US" dirty="0" err="1" smtClean="0"/>
+              <a:t>Javascript</a:t>
+            </a:r>
+            <a:r>
+              <a:rPr lang="en-US" altLang="en-US" dirty="0" smtClean="0"/>
+              <a:t> is that it is </a:t>
+            </a:r>
+            <a:r>
+              <a:rPr lang="en-US" altLang="en-US" u="sng" dirty="0" smtClean="0">
+                <a:solidFill>
+                  <a:srgbClr val="FF0000"/>
+                </a:solidFill>
+              </a:rPr>
+              <a:t>case sensitive</a:t>
+            </a:r>
+          </a:p>
+          <a:p>
+            <a:pPr marL="341313" indent="-341313">
+              <a:buFont typeface="Times New Roman" panose="02020603050405020304" pitchFamily="18" charset="0"/>
+              <a:buBlip>
+                <a:blip r:embed="rId3"/>
+              </a:buBlip>
+              <a:tabLst>
+                <a:tab pos="911225" algn="l"/>
+                <a:tab pos="1825625" algn="l"/>
+                <a:tab pos="2740025" algn="l"/>
+                <a:tab pos="3654425" algn="l"/>
+                <a:tab pos="4568825" algn="l"/>
+                <a:tab pos="5483225" algn="l"/>
+                <a:tab pos="6397625" algn="l"/>
+                <a:tab pos="7312025" algn="l"/>
+                <a:tab pos="8226425" algn="l"/>
+                <a:tab pos="9140825" algn="l"/>
+                <a:tab pos="10055225" algn="l"/>
+              </a:tabLst>
+            </a:pPr>
+            <a:r>
+              <a:rPr lang="en-US" altLang="en-US" dirty="0" smtClean="0"/>
+              <a:t>Everything defined in the </a:t>
+            </a:r>
+            <a:r>
+              <a:rPr lang="en-US" altLang="en-US" dirty="0" err="1" smtClean="0"/>
+              <a:t>Javascript</a:t>
+            </a:r>
+            <a:r>
+              <a:rPr lang="en-US" altLang="en-US" dirty="0" smtClean="0"/>
+              <a:t> is case sensitive, that means a variable '</a:t>
+            </a:r>
+            <a:r>
+              <a:rPr lang="en-US" altLang="en-US" dirty="0" err="1" smtClean="0"/>
+              <a:t>var</a:t>
+            </a:r>
+            <a:r>
+              <a:rPr lang="en-US" altLang="en-US" dirty="0" smtClean="0"/>
+              <a:t>' is different from a variable named '</a:t>
+            </a:r>
+            <a:r>
+              <a:rPr lang="en-US" altLang="en-US" dirty="0" err="1" smtClean="0"/>
+              <a:t>Var</a:t>
+            </a:r>
+            <a:r>
+              <a:rPr lang="en-US" altLang="en-US" dirty="0" smtClean="0"/>
+              <a:t>'</a:t>
             </a:r>
           </a:p>
         </p:txBody>
       </p:sp>
+      <p:pic>
+        <p:nvPicPr>
+          <p:cNvPr id="18436" name="Picture 3"/>
+          <p:cNvPicPr>
+            <a:picLocks noChangeAspect="1" noChangeArrowheads="1"/>
+          </p:cNvPicPr>
+          <p:nvPr/>
+        </p:nvPicPr>
+        <p:blipFill>
+          <a:blip r:embed="rId4" cstate="print">
+            <a:extLst>
+              <a:ext uri="{28A0092B-C50C-407E-A947-70E740481C1C}">
+                <a14:useLocalDpi xmlns="" xmlns:a14="http://schemas.microsoft.com/office/drawing/2010/main" val="0"/>
+              </a:ext>
+            </a:extLst>
+          </a:blip>
+          <a:srcRect/>
+          <a:stretch>
+            <a:fillRect/>
+          </a:stretch>
+        </p:blipFill>
+        <p:spPr bwMode="auto">
+          <a:xfrm>
+            <a:off x="3048000" y="4876800"/>
+            <a:ext cx="2144410" cy="1692275"/>
+          </a:xfrm>
+          <a:prstGeom prst="rect">
+            <a:avLst/>
+          </a:prstGeom>
+          <a:noFill/>
+          <a:ln>
+            <a:noFill/>
+          </a:ln>
+          <a:extLst>
+            <a:ext uri="{909E8E84-426E-40DD-AFC4-6F175D3DCCD1}">
+              <a14:hiddenFill xmlns="" xmlns:a14="http://schemas.microsoft.com/office/drawing/2010/main">
+                <a:solidFill>
+                  <a:srgbClr val="FFFFFF"/>
+                </a:solidFill>
+              </a14:hiddenFill>
+            </a:ext>
+            <a:ext uri="{91240B29-F687-4F45-9708-019B960494DF}">
+              <a14:hiddenLine xmlns="" xmlns:a14="http://schemas.microsoft.com/office/drawing/2010/main" w="9525">
+                <a:solidFill>
+                  <a:srgbClr val="000000"/>
+                </a:solidFill>
+                <a:round/>
+                <a:headEnd/>
+                <a:tailEnd/>
+              </a14:hiddenLine>
+            </a:ext>
+          </a:extLst>
+        </p:spPr>
+      </p:pic>
     </p:spTree>
   </p:cSld>
   <p:clrMapOvr>
@@ -11818,48 +11870,20 @@
       </p:grpSpPr>
       <p:sp>
         <p:nvSpPr>
-          <p:cNvPr id="25602" name="Text Box 1"/>
-          <p:cNvSpPr txBox="1">
-            <a:spLocks noChangeArrowheads="1"/>
+          <p:cNvPr id="19458" name="Rectangle 1"/>
+          <p:cNvSpPr>
+            <a:spLocks noGrp="1" noChangeArrowheads="1"/>
           </p:cNvSpPr>
-          <p:nvPr/>
+          <p:nvPr>
+            <p:ph type="title" idx="4294967295"/>
+          </p:nvPr>
         </p:nvSpPr>
-        <p:spPr bwMode="auto">
-          <a:xfrm>
-            <a:off x="685800" y="609600"/>
-            <a:ext cx="7772400" cy="1143000"/>
-          </a:xfrm>
-          <a:prstGeom prst="rect">
-            <a:avLst/>
-          </a:prstGeom>
-          <a:noFill/>
-          <a:ln>
-            <a:noFill/>
-          </a:ln>
-          <a:extLst>
-            <a:ext uri="{909E8E84-426E-40DD-AFC4-6F175D3DCCD1}">
-              <a14:hiddenFill xmlns:a14="http://schemas.microsoft.com/office/drawing/2010/main" xmlns="">
-                <a:solidFill>
-                  <a:srgbClr val="FFFFFF"/>
-                </a:solidFill>
-              </a14:hiddenFill>
-            </a:ext>
-            <a:ext uri="{91240B29-F687-4F45-9708-019B960494DF}">
-              <a14:hiddenLine xmlns:a14="http://schemas.microsoft.com/office/drawing/2010/main" xmlns="" w="9525">
-                <a:solidFill>
-                  <a:srgbClr val="000000"/>
-                </a:solidFill>
-                <a:round/>
-                <a:headEnd/>
-                <a:tailEnd/>
-              </a14:hiddenLine>
-            </a:ext>
-          </a:extLst>
-        </p:spPr>
+        <p:spPr/>
         <p:txBody>
-          <a:bodyPr anchor="ctr"/>
-          <a:lstStyle>
-            <a:lvl1pPr>
+          <a:bodyPr/>
+          <a:lstStyle/>
+          <a:p>
+            <a:pPr>
               <a:tabLst>
                 <a:tab pos="0" algn="l"/>
                 <a:tab pos="914400" algn="l"/>
@@ -11874,272 +11898,36 @@
                 <a:tab pos="9144000" algn="l"/>
                 <a:tab pos="10058400" algn="l"/>
               </a:tabLst>
-              <a:defRPr sz="2400">
-                <a:solidFill>
-                  <a:schemeClr val="tx1"/>
-                </a:solidFill>
-                <a:latin typeface="Times New Roman" panose="02020603050405020304" pitchFamily="18" charset="0"/>
-              </a:defRPr>
-            </a:lvl1pPr>
-            <a:lvl2pPr marL="742950" indent="-285750">
-              <a:tabLst>
-                <a:tab pos="0" algn="l"/>
-                <a:tab pos="914400" algn="l"/>
-                <a:tab pos="1828800" algn="l"/>
-                <a:tab pos="2743200" algn="l"/>
-                <a:tab pos="3657600" algn="l"/>
-                <a:tab pos="4572000" algn="l"/>
-                <a:tab pos="5486400" algn="l"/>
-                <a:tab pos="6400800" algn="l"/>
-                <a:tab pos="7315200" algn="l"/>
-                <a:tab pos="8229600" algn="l"/>
-                <a:tab pos="9144000" algn="l"/>
-                <a:tab pos="10058400" algn="l"/>
-              </a:tabLst>
-              <a:defRPr sz="2400">
-                <a:solidFill>
-                  <a:schemeClr val="tx1"/>
-                </a:solidFill>
-                <a:latin typeface="Times New Roman" panose="02020603050405020304" pitchFamily="18" charset="0"/>
-              </a:defRPr>
-            </a:lvl2pPr>
-            <a:lvl3pPr marL="1143000" indent="-228600">
-              <a:tabLst>
-                <a:tab pos="0" algn="l"/>
-                <a:tab pos="914400" algn="l"/>
-                <a:tab pos="1828800" algn="l"/>
-                <a:tab pos="2743200" algn="l"/>
-                <a:tab pos="3657600" algn="l"/>
-                <a:tab pos="4572000" algn="l"/>
-                <a:tab pos="5486400" algn="l"/>
-                <a:tab pos="6400800" algn="l"/>
-                <a:tab pos="7315200" algn="l"/>
-                <a:tab pos="8229600" algn="l"/>
-                <a:tab pos="9144000" algn="l"/>
-                <a:tab pos="10058400" algn="l"/>
-              </a:tabLst>
-              <a:defRPr sz="2400">
-                <a:solidFill>
-                  <a:schemeClr val="tx1"/>
-                </a:solidFill>
-                <a:latin typeface="Times New Roman" panose="02020603050405020304" pitchFamily="18" charset="0"/>
-              </a:defRPr>
-            </a:lvl3pPr>
-            <a:lvl4pPr marL="1600200" indent="-228600">
-              <a:tabLst>
-                <a:tab pos="0" algn="l"/>
-                <a:tab pos="914400" algn="l"/>
-                <a:tab pos="1828800" algn="l"/>
-                <a:tab pos="2743200" algn="l"/>
-                <a:tab pos="3657600" algn="l"/>
-                <a:tab pos="4572000" algn="l"/>
-                <a:tab pos="5486400" algn="l"/>
-                <a:tab pos="6400800" algn="l"/>
-                <a:tab pos="7315200" algn="l"/>
-                <a:tab pos="8229600" algn="l"/>
-                <a:tab pos="9144000" algn="l"/>
-                <a:tab pos="10058400" algn="l"/>
-              </a:tabLst>
-              <a:defRPr sz="2400">
-                <a:solidFill>
-                  <a:schemeClr val="tx1"/>
-                </a:solidFill>
-                <a:latin typeface="Times New Roman" panose="02020603050405020304" pitchFamily="18" charset="0"/>
-              </a:defRPr>
-            </a:lvl4pPr>
-            <a:lvl5pPr marL="2057400" indent="-228600">
-              <a:tabLst>
-                <a:tab pos="0" algn="l"/>
-                <a:tab pos="914400" algn="l"/>
-                <a:tab pos="1828800" algn="l"/>
-                <a:tab pos="2743200" algn="l"/>
-                <a:tab pos="3657600" algn="l"/>
-                <a:tab pos="4572000" algn="l"/>
-                <a:tab pos="5486400" algn="l"/>
-                <a:tab pos="6400800" algn="l"/>
-                <a:tab pos="7315200" algn="l"/>
-                <a:tab pos="8229600" algn="l"/>
-                <a:tab pos="9144000" algn="l"/>
-                <a:tab pos="10058400" algn="l"/>
-              </a:tabLst>
-              <a:defRPr sz="2400">
-                <a:solidFill>
-                  <a:schemeClr val="tx1"/>
-                </a:solidFill>
-                <a:latin typeface="Times New Roman" panose="02020603050405020304" pitchFamily="18" charset="0"/>
-              </a:defRPr>
-            </a:lvl5pPr>
-            <a:lvl6pPr marL="2514600" indent="-228600" eaLnBrk="0" fontAlgn="base" hangingPunct="0">
-              <a:spcBef>
-                <a:spcPct val="0"/>
-              </a:spcBef>
-              <a:spcAft>
-                <a:spcPct val="0"/>
-              </a:spcAft>
-              <a:tabLst>
-                <a:tab pos="0" algn="l"/>
-                <a:tab pos="914400" algn="l"/>
-                <a:tab pos="1828800" algn="l"/>
-                <a:tab pos="2743200" algn="l"/>
-                <a:tab pos="3657600" algn="l"/>
-                <a:tab pos="4572000" algn="l"/>
-                <a:tab pos="5486400" algn="l"/>
-                <a:tab pos="6400800" algn="l"/>
-                <a:tab pos="7315200" algn="l"/>
-                <a:tab pos="8229600" algn="l"/>
-                <a:tab pos="9144000" algn="l"/>
-                <a:tab pos="10058400" algn="l"/>
-              </a:tabLst>
-              <a:defRPr sz="2400">
-                <a:solidFill>
-                  <a:schemeClr val="tx1"/>
-                </a:solidFill>
-                <a:latin typeface="Times New Roman" panose="02020603050405020304" pitchFamily="18" charset="0"/>
-              </a:defRPr>
-            </a:lvl6pPr>
-            <a:lvl7pPr marL="2971800" indent="-228600" eaLnBrk="0" fontAlgn="base" hangingPunct="0">
-              <a:spcBef>
-                <a:spcPct val="0"/>
-              </a:spcBef>
-              <a:spcAft>
-                <a:spcPct val="0"/>
-              </a:spcAft>
-              <a:tabLst>
-                <a:tab pos="0" algn="l"/>
-                <a:tab pos="914400" algn="l"/>
-                <a:tab pos="1828800" algn="l"/>
-                <a:tab pos="2743200" algn="l"/>
-                <a:tab pos="3657600" algn="l"/>
-                <a:tab pos="4572000" algn="l"/>
-                <a:tab pos="5486400" algn="l"/>
-                <a:tab pos="6400800" algn="l"/>
-                <a:tab pos="7315200" algn="l"/>
-                <a:tab pos="8229600" algn="l"/>
-                <a:tab pos="9144000" algn="l"/>
-                <a:tab pos="10058400" algn="l"/>
-              </a:tabLst>
-              <a:defRPr sz="2400">
-                <a:solidFill>
-                  <a:schemeClr val="tx1"/>
-                </a:solidFill>
-                <a:latin typeface="Times New Roman" panose="02020603050405020304" pitchFamily="18" charset="0"/>
-              </a:defRPr>
-            </a:lvl7pPr>
-            <a:lvl8pPr marL="3429000" indent="-228600" eaLnBrk="0" fontAlgn="base" hangingPunct="0">
-              <a:spcBef>
-                <a:spcPct val="0"/>
-              </a:spcBef>
-              <a:spcAft>
-                <a:spcPct val="0"/>
-              </a:spcAft>
-              <a:tabLst>
-                <a:tab pos="0" algn="l"/>
-                <a:tab pos="914400" algn="l"/>
-                <a:tab pos="1828800" algn="l"/>
-                <a:tab pos="2743200" algn="l"/>
-                <a:tab pos="3657600" algn="l"/>
-                <a:tab pos="4572000" algn="l"/>
-                <a:tab pos="5486400" algn="l"/>
-                <a:tab pos="6400800" algn="l"/>
-                <a:tab pos="7315200" algn="l"/>
-                <a:tab pos="8229600" algn="l"/>
-                <a:tab pos="9144000" algn="l"/>
-                <a:tab pos="10058400" algn="l"/>
-              </a:tabLst>
-              <a:defRPr sz="2400">
-                <a:solidFill>
-                  <a:schemeClr val="tx1"/>
-                </a:solidFill>
-                <a:latin typeface="Times New Roman" panose="02020603050405020304" pitchFamily="18" charset="0"/>
-              </a:defRPr>
-            </a:lvl8pPr>
-            <a:lvl9pPr marL="3886200" indent="-228600" eaLnBrk="0" fontAlgn="base" hangingPunct="0">
-              <a:spcBef>
-                <a:spcPct val="0"/>
-              </a:spcBef>
-              <a:spcAft>
-                <a:spcPct val="0"/>
-              </a:spcAft>
-              <a:tabLst>
-                <a:tab pos="0" algn="l"/>
-                <a:tab pos="914400" algn="l"/>
-                <a:tab pos="1828800" algn="l"/>
-                <a:tab pos="2743200" algn="l"/>
-                <a:tab pos="3657600" algn="l"/>
-                <a:tab pos="4572000" algn="l"/>
-                <a:tab pos="5486400" algn="l"/>
-                <a:tab pos="6400800" algn="l"/>
-                <a:tab pos="7315200" algn="l"/>
-                <a:tab pos="8229600" algn="l"/>
-                <a:tab pos="9144000" algn="l"/>
-                <a:tab pos="10058400" algn="l"/>
-              </a:tabLst>
-              <a:defRPr sz="2400">
-                <a:solidFill>
-                  <a:schemeClr val="tx1"/>
-                </a:solidFill>
-                <a:latin typeface="Times New Roman" panose="02020603050405020304" pitchFamily="18" charset="0"/>
-              </a:defRPr>
-            </a:lvl9pPr>
-          </a:lstStyle>
-          <a:p>
-            <a:pPr algn="ctr"/>
-            <a:r>
-              <a:rPr lang="en-GB" altLang="en-US" sz="4400">
-                <a:solidFill>
-                  <a:srgbClr val="000000"/>
-                </a:solidFill>
-                <a:latin typeface="Arial" panose="020B0604020202020204" pitchFamily="34" charset="0"/>
-              </a:rPr>
-              <a:t>This Week</a:t>
+            </a:pPr>
+            <a:r>
+              <a:rPr lang="en-US" altLang="en-US" smtClean="0"/>
+              <a:t>Embedded in your HTML files</a:t>
             </a:r>
           </a:p>
         </p:txBody>
       </p:sp>
       <p:sp>
         <p:nvSpPr>
-          <p:cNvPr id="25603" name="Text Box 2"/>
-          <p:cNvSpPr txBox="1">
-            <a:spLocks noChangeArrowheads="1"/>
+          <p:cNvPr id="19459" name="Rectangle 2"/>
+          <p:cNvSpPr>
+            <a:spLocks noGrp="1" noChangeArrowheads="1"/>
           </p:cNvSpPr>
-          <p:nvPr/>
+          <p:nvPr>
+            <p:ph type="body" idx="4294967295"/>
+          </p:nvPr>
         </p:nvSpPr>
-        <p:spPr bwMode="auto">
-          <a:xfrm>
-            <a:off x="685800" y="1752600"/>
-            <a:ext cx="7772400" cy="4343400"/>
-          </a:xfrm>
-          <a:prstGeom prst="rect">
-            <a:avLst/>
-          </a:prstGeom>
-          <a:noFill/>
-          <a:ln>
-            <a:noFill/>
-          </a:ln>
-          <a:extLst>
-            <a:ext uri="{909E8E84-426E-40DD-AFC4-6F175D3DCCD1}">
-              <a14:hiddenFill xmlns:a14="http://schemas.microsoft.com/office/drawing/2010/main" xmlns="">
-                <a:solidFill>
-                  <a:srgbClr val="FFFFFF"/>
-                </a:solidFill>
-              </a14:hiddenFill>
-            </a:ext>
-            <a:ext uri="{91240B29-F687-4F45-9708-019B960494DF}">
-              <a14:hiddenLine xmlns:a14="http://schemas.microsoft.com/office/drawing/2010/main" xmlns="" w="9525">
-                <a:solidFill>
-                  <a:srgbClr val="000000"/>
-                </a:solidFill>
-                <a:round/>
-                <a:headEnd/>
-                <a:tailEnd/>
-              </a14:hiddenLine>
-            </a:ext>
-          </a:extLst>
-        </p:spPr>
+        <p:spPr/>
         <p:txBody>
-          <a:bodyPr/>
-          <a:lstStyle>
-            <a:lvl1pPr marL="341313" indent="-341313">
+          <a:bodyPr>
+            <a:normAutofit fontScale="92500"/>
+          </a:bodyPr>
+          <a:lstStyle/>
+          <a:p>
+            <a:pPr marL="341313" indent="-341313">
+              <a:buFont typeface="Times New Roman" panose="02020603050405020304" pitchFamily="18" charset="0"/>
+              <a:buBlip>
+                <a:blip r:embed="rId3"/>
+              </a:buBlip>
               <a:tabLst>
                 <a:tab pos="911225" algn="l"/>
                 <a:tab pos="1825625" algn="l"/>
@@ -12153,14 +11941,70 @@
                 <a:tab pos="9140825" algn="l"/>
                 <a:tab pos="10055225" algn="l"/>
               </a:tabLst>
-              <a:defRPr sz="2400">
-                <a:solidFill>
-                  <a:schemeClr val="tx1"/>
-                </a:solidFill>
-                <a:latin typeface="Times New Roman" panose="02020603050405020304" pitchFamily="18" charset="0"/>
-              </a:defRPr>
-            </a:lvl1pPr>
-            <a:lvl2pPr marL="741363" indent="-284163">
+            </a:pPr>
+            <a:r>
+              <a:rPr lang="en-US" altLang="en-US" dirty="0" err="1" smtClean="0"/>
+              <a:t>Javascript</a:t>
+            </a:r>
+            <a:r>
+              <a:rPr lang="en-US" altLang="en-US" dirty="0" smtClean="0"/>
+              <a:t> between the </a:t>
+            </a:r>
+            <a:r>
+              <a:rPr lang="en-US" altLang="en-US" dirty="0" smtClean="0">
+                <a:solidFill>
+                  <a:srgbClr val="FF0000"/>
+                </a:solidFill>
+              </a:rPr>
+              <a:t>&lt;script&gt; </a:t>
+            </a:r>
+            <a:r>
+              <a:rPr lang="en-US" altLang="en-US" dirty="0" smtClean="0">
+                <a:solidFill>
+                  <a:srgbClr val="FF0000"/>
+                </a:solidFill>
+              </a:rPr>
+              <a:t>... </a:t>
+            </a:r>
+            <a:r>
+              <a:rPr lang="en-US" altLang="en-US" dirty="0" smtClean="0">
+                <a:solidFill>
+                  <a:srgbClr val="FF0000"/>
+                </a:solidFill>
+              </a:rPr>
+              <a:t>&lt;/script&gt;</a:t>
+            </a:r>
+            <a:r>
+              <a:rPr lang="en-US" altLang="en-US" dirty="0" smtClean="0"/>
+              <a:t> </a:t>
+            </a:r>
+            <a:r>
+              <a:rPr lang="en-US" altLang="en-US" dirty="0" smtClean="0"/>
+              <a:t>tags. When the browser encounters a </a:t>
+            </a:r>
+            <a:r>
+              <a:rPr lang="en-US" altLang="en-US" dirty="0" smtClean="0">
+                <a:solidFill>
+                  <a:srgbClr val="FF0000"/>
+                </a:solidFill>
+              </a:rPr>
+              <a:t>&lt;script&gt; </a:t>
+            </a:r>
+            <a:r>
+              <a:rPr lang="en-US" altLang="en-US" dirty="0" smtClean="0"/>
+              <a:t>tag, it assumes that the script block is written in </a:t>
+            </a:r>
+            <a:r>
+              <a:rPr lang="en-US" altLang="en-US" dirty="0" smtClean="0"/>
+              <a:t>JavaScript </a:t>
+            </a:r>
+          </a:p>
+          <a:p>
+            <a:pPr marL="341313" indent="-341313">
+              <a:buFont typeface="Times New Roman" panose="02020603050405020304" pitchFamily="18" charset="0"/>
+              <a:buBlip>
+                <a:blip r:embed="rId3"/>
+              </a:buBlip>
               <a:tabLst>
                 <a:tab pos="911225" algn="l"/>
                 <a:tab pos="1825625" algn="l"/>
@@ -12174,281 +12018,30 @@
                 <a:tab pos="9140825" algn="l"/>
                 <a:tab pos="10055225" algn="l"/>
               </a:tabLst>
-              <a:defRPr sz="2400">
-                <a:solidFill>
-                  <a:schemeClr val="tx1"/>
-                </a:solidFill>
-                <a:latin typeface="Times New Roman" panose="02020603050405020304" pitchFamily="18" charset="0"/>
-              </a:defRPr>
-            </a:lvl2pPr>
-            <a:lvl3pPr marL="1143000" indent="-228600">
-              <a:tabLst>
-                <a:tab pos="911225" algn="l"/>
-                <a:tab pos="1825625" algn="l"/>
-                <a:tab pos="2740025" algn="l"/>
-                <a:tab pos="3654425" algn="l"/>
-                <a:tab pos="4568825" algn="l"/>
-                <a:tab pos="5483225" algn="l"/>
-                <a:tab pos="6397625" algn="l"/>
-                <a:tab pos="7312025" algn="l"/>
-                <a:tab pos="8226425" algn="l"/>
-                <a:tab pos="9140825" algn="l"/>
-                <a:tab pos="10055225" algn="l"/>
-              </a:tabLst>
-              <a:defRPr sz="2400">
-                <a:solidFill>
-                  <a:schemeClr val="tx1"/>
-                </a:solidFill>
-                <a:latin typeface="Times New Roman" panose="02020603050405020304" pitchFamily="18" charset="0"/>
-              </a:defRPr>
-            </a:lvl3pPr>
-            <a:lvl4pPr marL="1600200" indent="-228600">
-              <a:tabLst>
-                <a:tab pos="911225" algn="l"/>
-                <a:tab pos="1825625" algn="l"/>
-                <a:tab pos="2740025" algn="l"/>
-                <a:tab pos="3654425" algn="l"/>
-                <a:tab pos="4568825" algn="l"/>
-                <a:tab pos="5483225" algn="l"/>
-                <a:tab pos="6397625" algn="l"/>
-                <a:tab pos="7312025" algn="l"/>
-                <a:tab pos="8226425" algn="l"/>
-                <a:tab pos="9140825" algn="l"/>
-                <a:tab pos="10055225" algn="l"/>
-              </a:tabLst>
-              <a:defRPr sz="2400">
-                <a:solidFill>
-                  <a:schemeClr val="tx1"/>
-                </a:solidFill>
-                <a:latin typeface="Times New Roman" panose="02020603050405020304" pitchFamily="18" charset="0"/>
-              </a:defRPr>
-            </a:lvl4pPr>
-            <a:lvl5pPr marL="2057400" indent="-228600">
-              <a:tabLst>
-                <a:tab pos="911225" algn="l"/>
-                <a:tab pos="1825625" algn="l"/>
-                <a:tab pos="2740025" algn="l"/>
-                <a:tab pos="3654425" algn="l"/>
-                <a:tab pos="4568825" algn="l"/>
-                <a:tab pos="5483225" algn="l"/>
-                <a:tab pos="6397625" algn="l"/>
-                <a:tab pos="7312025" algn="l"/>
-                <a:tab pos="8226425" algn="l"/>
-                <a:tab pos="9140825" algn="l"/>
-                <a:tab pos="10055225" algn="l"/>
-              </a:tabLst>
-              <a:defRPr sz="2400">
-                <a:solidFill>
-                  <a:schemeClr val="tx1"/>
-                </a:solidFill>
-                <a:latin typeface="Times New Roman" panose="02020603050405020304" pitchFamily="18" charset="0"/>
-              </a:defRPr>
-            </a:lvl5pPr>
-            <a:lvl6pPr marL="2514600" indent="-228600" eaLnBrk="0" fontAlgn="base" hangingPunct="0">
-              <a:spcBef>
-                <a:spcPct val="0"/>
-              </a:spcBef>
-              <a:spcAft>
-                <a:spcPct val="0"/>
-              </a:spcAft>
-              <a:tabLst>
-                <a:tab pos="911225" algn="l"/>
-                <a:tab pos="1825625" algn="l"/>
-                <a:tab pos="2740025" algn="l"/>
-                <a:tab pos="3654425" algn="l"/>
-                <a:tab pos="4568825" algn="l"/>
-                <a:tab pos="5483225" algn="l"/>
-                <a:tab pos="6397625" algn="l"/>
-                <a:tab pos="7312025" algn="l"/>
-                <a:tab pos="8226425" algn="l"/>
-                <a:tab pos="9140825" algn="l"/>
-                <a:tab pos="10055225" algn="l"/>
-              </a:tabLst>
-              <a:defRPr sz="2400">
-                <a:solidFill>
-                  <a:schemeClr val="tx1"/>
-                </a:solidFill>
-                <a:latin typeface="Times New Roman" panose="02020603050405020304" pitchFamily="18" charset="0"/>
-              </a:defRPr>
-            </a:lvl6pPr>
-            <a:lvl7pPr marL="2971800" indent="-228600" eaLnBrk="0" fontAlgn="base" hangingPunct="0">
-              <a:spcBef>
-                <a:spcPct val="0"/>
-              </a:spcBef>
-              <a:spcAft>
-                <a:spcPct val="0"/>
-              </a:spcAft>
-              <a:tabLst>
-                <a:tab pos="911225" algn="l"/>
-                <a:tab pos="1825625" algn="l"/>
-                <a:tab pos="2740025" algn="l"/>
-                <a:tab pos="3654425" algn="l"/>
-                <a:tab pos="4568825" algn="l"/>
-                <a:tab pos="5483225" algn="l"/>
-                <a:tab pos="6397625" algn="l"/>
-                <a:tab pos="7312025" algn="l"/>
-                <a:tab pos="8226425" algn="l"/>
-                <a:tab pos="9140825" algn="l"/>
-                <a:tab pos="10055225" algn="l"/>
-              </a:tabLst>
-              <a:defRPr sz="2400">
-                <a:solidFill>
-                  <a:schemeClr val="tx1"/>
-                </a:solidFill>
-                <a:latin typeface="Times New Roman" panose="02020603050405020304" pitchFamily="18" charset="0"/>
-              </a:defRPr>
-            </a:lvl7pPr>
-            <a:lvl8pPr marL="3429000" indent="-228600" eaLnBrk="0" fontAlgn="base" hangingPunct="0">
-              <a:spcBef>
-                <a:spcPct val="0"/>
-              </a:spcBef>
-              <a:spcAft>
-                <a:spcPct val="0"/>
-              </a:spcAft>
-              <a:tabLst>
-                <a:tab pos="911225" algn="l"/>
-                <a:tab pos="1825625" algn="l"/>
-                <a:tab pos="2740025" algn="l"/>
-                <a:tab pos="3654425" algn="l"/>
-                <a:tab pos="4568825" algn="l"/>
-                <a:tab pos="5483225" algn="l"/>
-                <a:tab pos="6397625" algn="l"/>
-                <a:tab pos="7312025" algn="l"/>
-                <a:tab pos="8226425" algn="l"/>
-                <a:tab pos="9140825" algn="l"/>
-                <a:tab pos="10055225" algn="l"/>
-              </a:tabLst>
-              <a:defRPr sz="2400">
-                <a:solidFill>
-                  <a:schemeClr val="tx1"/>
-                </a:solidFill>
-                <a:latin typeface="Times New Roman" panose="02020603050405020304" pitchFamily="18" charset="0"/>
-              </a:defRPr>
-            </a:lvl8pPr>
-            <a:lvl9pPr marL="3886200" indent="-228600" eaLnBrk="0" fontAlgn="base" hangingPunct="0">
-              <a:spcBef>
-                <a:spcPct val="0"/>
-              </a:spcBef>
-              <a:spcAft>
-                <a:spcPct val="0"/>
-              </a:spcAft>
-              <a:tabLst>
-                <a:tab pos="911225" algn="l"/>
-                <a:tab pos="1825625" algn="l"/>
-                <a:tab pos="2740025" algn="l"/>
-                <a:tab pos="3654425" algn="l"/>
-                <a:tab pos="4568825" algn="l"/>
-                <a:tab pos="5483225" algn="l"/>
-                <a:tab pos="6397625" algn="l"/>
-                <a:tab pos="7312025" algn="l"/>
-                <a:tab pos="8226425" algn="l"/>
-                <a:tab pos="9140825" algn="l"/>
-                <a:tab pos="10055225" algn="l"/>
-              </a:tabLst>
-              <a:defRPr sz="2400">
-                <a:solidFill>
-                  <a:schemeClr val="tx1"/>
-                </a:solidFill>
-                <a:latin typeface="Times New Roman" panose="02020603050405020304" pitchFamily="18" charset="0"/>
-              </a:defRPr>
-            </a:lvl9pPr>
-          </a:lstStyle>
-          <a:p>
-            <a:pPr>
-              <a:spcBef>
-                <a:spcPts val="800"/>
-              </a:spcBef>
-              <a:buFont typeface="Times New Roman" panose="02020603050405020304" pitchFamily="18" charset="0"/>
-              <a:buBlip>
-                <a:blip r:embed="rId3"/>
-              </a:buBlip>
             </a:pPr>
             <a:r>
-              <a:rPr lang="en-GB" altLang="en-US" sz="3200">
-                <a:solidFill>
-                  <a:srgbClr val="000000"/>
-                </a:solidFill>
-                <a:latin typeface="Arial" panose="020B0604020202020204" pitchFamily="34" charset="0"/>
-              </a:rPr>
-              <a:t>Review Slides</a:t>
-            </a:r>
-          </a:p>
-          <a:p>
-            <a:pPr>
-              <a:spcBef>
-                <a:spcPts val="800"/>
-              </a:spcBef>
-              <a:buFont typeface="Times New Roman" panose="02020603050405020304" pitchFamily="18" charset="0"/>
-              <a:buBlip>
-                <a:blip r:embed="rId3"/>
-              </a:buBlip>
-            </a:pPr>
-            <a:r>
-              <a:rPr lang="en-GB" altLang="en-US" sz="3200">
-                <a:solidFill>
-                  <a:srgbClr val="000000"/>
-                </a:solidFill>
-                <a:latin typeface="Arial" panose="020B0604020202020204" pitchFamily="34" charset="0"/>
-              </a:rPr>
-              <a:t>Read Associated Chapters</a:t>
-            </a:r>
-          </a:p>
-          <a:p>
-            <a:pPr>
-              <a:spcBef>
-                <a:spcPts val="800"/>
-              </a:spcBef>
-              <a:buFont typeface="Times New Roman" panose="02020603050405020304" pitchFamily="18" charset="0"/>
-              <a:buBlip>
-                <a:blip r:embed="rId3"/>
-              </a:buBlip>
-            </a:pPr>
-            <a:r>
-              <a:rPr lang="en-GB" altLang="en-US" sz="3200">
-                <a:solidFill>
-                  <a:srgbClr val="000000"/>
-                </a:solidFill>
-                <a:latin typeface="Arial" panose="020B0604020202020204" pitchFamily="34" charset="0"/>
-              </a:rPr>
-              <a:t>Weekly Tasks</a:t>
-            </a:r>
-          </a:p>
-          <a:p>
-            <a:pPr lvl="1">
-              <a:spcBef>
-                <a:spcPts val="700"/>
-              </a:spcBef>
-              <a:buFont typeface="Wingdings 3" panose="05040102010807070707" pitchFamily="18" charset="2"/>
-              <a:buChar char=""/>
-            </a:pPr>
-            <a:r>
-              <a:rPr lang="en-GB" altLang="en-US" sz="2800">
-                <a:solidFill>
-                  <a:srgbClr val="000000"/>
-                </a:solidFill>
-                <a:latin typeface="Arial" panose="020B0604020202020204" pitchFamily="34" charset="0"/>
-              </a:rPr>
-              <a:t>Update GitHub Account/Webpage</a:t>
-            </a:r>
-          </a:p>
-          <a:p>
-            <a:pPr>
-              <a:spcBef>
-                <a:spcPts val="800"/>
-              </a:spcBef>
-              <a:buFont typeface="Arial" panose="020B0604020202020204" pitchFamily="34" charset="0"/>
-              <a:buBlip>
-                <a:blip r:embed="rId3"/>
-              </a:buBlip>
-            </a:pPr>
-            <a:r>
-              <a:rPr lang="en-GB" altLang="en-US" sz="3200" b="1" u="sng">
-                <a:solidFill>
-                  <a:srgbClr val="000000"/>
-                </a:solidFill>
-                <a:latin typeface="Arial" panose="020B0604020202020204" pitchFamily="34" charset="0"/>
-              </a:rPr>
-              <a:t>Online Quizzes</a:t>
+              <a:rPr lang="en-US" altLang="en-US" dirty="0" smtClean="0"/>
+              <a:t>You </a:t>
+            </a:r>
+            <a:r>
+              <a:rPr lang="en-US" altLang="en-US" dirty="0" smtClean="0"/>
+              <a:t>can place these script blocks in the </a:t>
+            </a:r>
+            <a:r>
+              <a:rPr lang="en-US" altLang="en-US" dirty="0" smtClean="0"/>
+              <a:t>&lt;head&gt; </a:t>
+            </a:r>
+            <a:r>
+              <a:rPr lang="en-US" altLang="en-US" dirty="0" smtClean="0"/>
+              <a:t>or in the </a:t>
+            </a:r>
+            <a:r>
+              <a:rPr lang="en-US" altLang="en-US" dirty="0" smtClean="0"/>
+              <a:t>&lt;body&gt; </a:t>
+            </a:r>
+            <a:r>
+              <a:rPr lang="en-US" altLang="en-US" dirty="0" smtClean="0"/>
+              <a:t>section of HTML page or you can use both sections at the same time</a:t>
             </a:r>
           </a:p>
         </p:txBody>
@@ -12508,659 +12101,76 @@
       </p:grpSpPr>
       <p:sp>
         <p:nvSpPr>
-          <p:cNvPr id="26626" name="Text Box 1"/>
-          <p:cNvSpPr txBox="1">
-            <a:spLocks noChangeArrowheads="1"/>
+          <p:cNvPr id="2" name="Title 1"/>
+          <p:cNvSpPr>
+            <a:spLocks noGrp="1"/>
           </p:cNvSpPr>
-          <p:nvPr/>
+          <p:nvPr>
+            <p:ph type="title"/>
+          </p:nvPr>
         </p:nvSpPr>
-        <p:spPr bwMode="auto">
-          <a:xfrm>
-            <a:off x="685800" y="609600"/>
-            <a:ext cx="7772400" cy="1143000"/>
-          </a:xfrm>
-          <a:prstGeom prst="rect">
-            <a:avLst/>
-          </a:prstGeom>
-          <a:noFill/>
-          <a:ln>
-            <a:noFill/>
-          </a:ln>
-          <a:extLst>
-            <a:ext uri="{909E8E84-426E-40DD-AFC4-6F175D3DCCD1}">
-              <a14:hiddenFill xmlns:a14="http://schemas.microsoft.com/office/drawing/2010/main" xmlns="">
-                <a:solidFill>
-                  <a:srgbClr val="FFFFFF"/>
-                </a:solidFill>
-              </a14:hiddenFill>
-            </a:ext>
-            <a:ext uri="{91240B29-F687-4F45-9708-019B960494DF}">
-              <a14:hiddenLine xmlns:a14="http://schemas.microsoft.com/office/drawing/2010/main" xmlns="" w="9525">
-                <a:solidFill>
-                  <a:srgbClr val="000000"/>
-                </a:solidFill>
-                <a:round/>
-                <a:headEnd/>
-                <a:tailEnd/>
-              </a14:hiddenLine>
-            </a:ext>
-          </a:extLst>
-        </p:spPr>
+        <p:spPr/>
         <p:txBody>
-          <a:bodyPr anchor="ctr"/>
-          <a:lstStyle>
-            <a:lvl1pPr>
-              <a:tabLst>
-                <a:tab pos="0" algn="l"/>
-                <a:tab pos="914400" algn="l"/>
-                <a:tab pos="1828800" algn="l"/>
-                <a:tab pos="2743200" algn="l"/>
-                <a:tab pos="3657600" algn="l"/>
-                <a:tab pos="4572000" algn="l"/>
-                <a:tab pos="5486400" algn="l"/>
-                <a:tab pos="6400800" algn="l"/>
-                <a:tab pos="7315200" algn="l"/>
-                <a:tab pos="8229600" algn="l"/>
-                <a:tab pos="9144000" algn="l"/>
-                <a:tab pos="10058400" algn="l"/>
-              </a:tabLst>
-              <a:defRPr sz="2400">
-                <a:solidFill>
-                  <a:schemeClr val="tx1"/>
-                </a:solidFill>
-                <a:latin typeface="Times New Roman" panose="02020603050405020304" pitchFamily="18" charset="0"/>
-              </a:defRPr>
-            </a:lvl1pPr>
-            <a:lvl2pPr marL="742950" indent="-285750">
-              <a:tabLst>
-                <a:tab pos="0" algn="l"/>
-                <a:tab pos="914400" algn="l"/>
-                <a:tab pos="1828800" algn="l"/>
-                <a:tab pos="2743200" algn="l"/>
-                <a:tab pos="3657600" algn="l"/>
-                <a:tab pos="4572000" algn="l"/>
-                <a:tab pos="5486400" algn="l"/>
-                <a:tab pos="6400800" algn="l"/>
-                <a:tab pos="7315200" algn="l"/>
-                <a:tab pos="8229600" algn="l"/>
-                <a:tab pos="9144000" algn="l"/>
-                <a:tab pos="10058400" algn="l"/>
-              </a:tabLst>
-              <a:defRPr sz="2400">
-                <a:solidFill>
-                  <a:schemeClr val="tx1"/>
-                </a:solidFill>
-                <a:latin typeface="Times New Roman" panose="02020603050405020304" pitchFamily="18" charset="0"/>
-              </a:defRPr>
-            </a:lvl2pPr>
-            <a:lvl3pPr marL="1143000" indent="-228600">
-              <a:tabLst>
-                <a:tab pos="0" algn="l"/>
-                <a:tab pos="914400" algn="l"/>
-                <a:tab pos="1828800" algn="l"/>
-                <a:tab pos="2743200" algn="l"/>
-                <a:tab pos="3657600" algn="l"/>
-                <a:tab pos="4572000" algn="l"/>
-                <a:tab pos="5486400" algn="l"/>
-                <a:tab pos="6400800" algn="l"/>
-                <a:tab pos="7315200" algn="l"/>
-                <a:tab pos="8229600" algn="l"/>
-                <a:tab pos="9144000" algn="l"/>
-                <a:tab pos="10058400" algn="l"/>
-              </a:tabLst>
-              <a:defRPr sz="2400">
-                <a:solidFill>
-                  <a:schemeClr val="tx1"/>
-                </a:solidFill>
-                <a:latin typeface="Times New Roman" panose="02020603050405020304" pitchFamily="18" charset="0"/>
-              </a:defRPr>
-            </a:lvl3pPr>
-            <a:lvl4pPr marL="1600200" indent="-228600">
-              <a:tabLst>
-                <a:tab pos="0" algn="l"/>
-                <a:tab pos="914400" algn="l"/>
-                <a:tab pos="1828800" algn="l"/>
-                <a:tab pos="2743200" algn="l"/>
-                <a:tab pos="3657600" algn="l"/>
-                <a:tab pos="4572000" algn="l"/>
-                <a:tab pos="5486400" algn="l"/>
-                <a:tab pos="6400800" algn="l"/>
-                <a:tab pos="7315200" algn="l"/>
-                <a:tab pos="8229600" algn="l"/>
-                <a:tab pos="9144000" algn="l"/>
-                <a:tab pos="10058400" algn="l"/>
-              </a:tabLst>
-              <a:defRPr sz="2400">
-                <a:solidFill>
-                  <a:schemeClr val="tx1"/>
-                </a:solidFill>
-                <a:latin typeface="Times New Roman" panose="02020603050405020304" pitchFamily="18" charset="0"/>
-              </a:defRPr>
-            </a:lvl4pPr>
-            <a:lvl5pPr marL="2057400" indent="-228600">
-              <a:tabLst>
-                <a:tab pos="0" algn="l"/>
-                <a:tab pos="914400" algn="l"/>
-                <a:tab pos="1828800" algn="l"/>
-                <a:tab pos="2743200" algn="l"/>
-                <a:tab pos="3657600" algn="l"/>
-                <a:tab pos="4572000" algn="l"/>
-                <a:tab pos="5486400" algn="l"/>
-                <a:tab pos="6400800" algn="l"/>
-                <a:tab pos="7315200" algn="l"/>
-                <a:tab pos="8229600" algn="l"/>
-                <a:tab pos="9144000" algn="l"/>
-                <a:tab pos="10058400" algn="l"/>
-              </a:tabLst>
-              <a:defRPr sz="2400">
-                <a:solidFill>
-                  <a:schemeClr val="tx1"/>
-                </a:solidFill>
-                <a:latin typeface="Times New Roman" panose="02020603050405020304" pitchFamily="18" charset="0"/>
-              </a:defRPr>
-            </a:lvl5pPr>
-            <a:lvl6pPr marL="2514600" indent="-228600" eaLnBrk="0" fontAlgn="base" hangingPunct="0">
-              <a:spcBef>
-                <a:spcPct val="0"/>
-              </a:spcBef>
-              <a:spcAft>
-                <a:spcPct val="0"/>
-              </a:spcAft>
-              <a:tabLst>
-                <a:tab pos="0" algn="l"/>
-                <a:tab pos="914400" algn="l"/>
-                <a:tab pos="1828800" algn="l"/>
-                <a:tab pos="2743200" algn="l"/>
-                <a:tab pos="3657600" algn="l"/>
-                <a:tab pos="4572000" algn="l"/>
-                <a:tab pos="5486400" algn="l"/>
-                <a:tab pos="6400800" algn="l"/>
-                <a:tab pos="7315200" algn="l"/>
-                <a:tab pos="8229600" algn="l"/>
-                <a:tab pos="9144000" algn="l"/>
-                <a:tab pos="10058400" algn="l"/>
-              </a:tabLst>
-              <a:defRPr sz="2400">
-                <a:solidFill>
-                  <a:schemeClr val="tx1"/>
-                </a:solidFill>
-                <a:latin typeface="Times New Roman" panose="02020603050405020304" pitchFamily="18" charset="0"/>
-              </a:defRPr>
-            </a:lvl6pPr>
-            <a:lvl7pPr marL="2971800" indent="-228600" eaLnBrk="0" fontAlgn="base" hangingPunct="0">
-              <a:spcBef>
-                <a:spcPct val="0"/>
-              </a:spcBef>
-              <a:spcAft>
-                <a:spcPct val="0"/>
-              </a:spcAft>
-              <a:tabLst>
-                <a:tab pos="0" algn="l"/>
-                <a:tab pos="914400" algn="l"/>
-                <a:tab pos="1828800" algn="l"/>
-                <a:tab pos="2743200" algn="l"/>
-                <a:tab pos="3657600" algn="l"/>
-                <a:tab pos="4572000" algn="l"/>
-                <a:tab pos="5486400" algn="l"/>
-                <a:tab pos="6400800" algn="l"/>
-                <a:tab pos="7315200" algn="l"/>
-                <a:tab pos="8229600" algn="l"/>
-                <a:tab pos="9144000" algn="l"/>
-                <a:tab pos="10058400" algn="l"/>
-              </a:tabLst>
-              <a:defRPr sz="2400">
-                <a:solidFill>
-                  <a:schemeClr val="tx1"/>
-                </a:solidFill>
-                <a:latin typeface="Times New Roman" panose="02020603050405020304" pitchFamily="18" charset="0"/>
-              </a:defRPr>
-            </a:lvl7pPr>
-            <a:lvl8pPr marL="3429000" indent="-228600" eaLnBrk="0" fontAlgn="base" hangingPunct="0">
-              <a:spcBef>
-                <a:spcPct val="0"/>
-              </a:spcBef>
-              <a:spcAft>
-                <a:spcPct val="0"/>
-              </a:spcAft>
-              <a:tabLst>
-                <a:tab pos="0" algn="l"/>
-                <a:tab pos="914400" algn="l"/>
-                <a:tab pos="1828800" algn="l"/>
-                <a:tab pos="2743200" algn="l"/>
-                <a:tab pos="3657600" algn="l"/>
-                <a:tab pos="4572000" algn="l"/>
-                <a:tab pos="5486400" algn="l"/>
-                <a:tab pos="6400800" algn="l"/>
-                <a:tab pos="7315200" algn="l"/>
-                <a:tab pos="8229600" algn="l"/>
-                <a:tab pos="9144000" algn="l"/>
-                <a:tab pos="10058400" algn="l"/>
-              </a:tabLst>
-              <a:defRPr sz="2400">
-                <a:solidFill>
-                  <a:schemeClr val="tx1"/>
-                </a:solidFill>
-                <a:latin typeface="Times New Roman" panose="02020603050405020304" pitchFamily="18" charset="0"/>
-              </a:defRPr>
-            </a:lvl8pPr>
-            <a:lvl9pPr marL="3886200" indent="-228600" eaLnBrk="0" fontAlgn="base" hangingPunct="0">
-              <a:spcBef>
-                <a:spcPct val="0"/>
-              </a:spcBef>
-              <a:spcAft>
-                <a:spcPct val="0"/>
-              </a:spcAft>
-              <a:tabLst>
-                <a:tab pos="0" algn="l"/>
-                <a:tab pos="914400" algn="l"/>
-                <a:tab pos="1828800" algn="l"/>
-                <a:tab pos="2743200" algn="l"/>
-                <a:tab pos="3657600" algn="l"/>
-                <a:tab pos="4572000" algn="l"/>
-                <a:tab pos="5486400" algn="l"/>
-                <a:tab pos="6400800" algn="l"/>
-                <a:tab pos="7315200" algn="l"/>
-                <a:tab pos="8229600" algn="l"/>
-                <a:tab pos="9144000" algn="l"/>
-                <a:tab pos="10058400" algn="l"/>
-              </a:tabLst>
-              <a:defRPr sz="2400">
-                <a:solidFill>
-                  <a:schemeClr val="tx1"/>
-                </a:solidFill>
-                <a:latin typeface="Times New Roman" panose="02020603050405020304" pitchFamily="18" charset="0"/>
-              </a:defRPr>
-            </a:lvl9pPr>
-          </a:lstStyle>
-          <a:p>
-            <a:pPr algn="ctr"/>
-            <a:r>
-              <a:rPr lang="en-GB" altLang="en-US" sz="4400">
-                <a:solidFill>
-                  <a:srgbClr val="000000"/>
-                </a:solidFill>
-                <a:latin typeface="Arial" panose="020B0604020202020204" pitchFamily="34" charset="0"/>
-              </a:rPr>
-              <a:t>Summary</a:t>
-            </a:r>
+          <a:bodyPr/>
+          <a:lstStyle/>
+          <a:p>
+            <a:r>
+              <a:rPr lang="en-US" dirty="0" smtClean="0"/>
+              <a:t>Question</a:t>
+            </a:r>
+            <a:endParaRPr lang="en-US" dirty="0"/>
           </a:p>
         </p:txBody>
       </p:sp>
       <p:sp>
         <p:nvSpPr>
-          <p:cNvPr id="26627" name="Text Box 2"/>
-          <p:cNvSpPr txBox="1">
-            <a:spLocks noChangeArrowheads="1"/>
+          <p:cNvPr id="3" name="Content Placeholder 2"/>
+          <p:cNvSpPr>
+            <a:spLocks noGrp="1"/>
           </p:cNvSpPr>
-          <p:nvPr/>
+          <p:nvPr>
+            <p:ph idx="1"/>
+          </p:nvPr>
         </p:nvSpPr>
-        <p:spPr bwMode="auto">
-          <a:xfrm>
-            <a:off x="685800" y="1981200"/>
-            <a:ext cx="8153400" cy="4114800"/>
-          </a:xfrm>
-          <a:prstGeom prst="rect">
-            <a:avLst/>
-          </a:prstGeom>
-          <a:noFill/>
-          <a:ln>
-            <a:noFill/>
-          </a:ln>
-          <a:extLst>
-            <a:ext uri="{909E8E84-426E-40DD-AFC4-6F175D3DCCD1}">
-              <a14:hiddenFill xmlns:a14="http://schemas.microsoft.com/office/drawing/2010/main" xmlns="">
-                <a:solidFill>
-                  <a:srgbClr val="FFFFFF"/>
-                </a:solidFill>
-              </a14:hiddenFill>
-            </a:ext>
-            <a:ext uri="{91240B29-F687-4F45-9708-019B960494DF}">
-              <a14:hiddenLine xmlns:a14="http://schemas.microsoft.com/office/drawing/2010/main" xmlns="" w="9525">
-                <a:solidFill>
-                  <a:srgbClr val="000000"/>
-                </a:solidFill>
-                <a:round/>
-                <a:headEnd/>
-                <a:tailEnd/>
-              </a14:hiddenLine>
-            </a:ext>
-          </a:extLst>
-        </p:spPr>
+        <p:spPr/>
         <p:txBody>
           <a:bodyPr/>
-          <a:lstStyle>
-            <a:lvl1pPr marL="341313" indent="-341313">
-              <a:tabLst>
-                <a:tab pos="911225" algn="l"/>
-                <a:tab pos="1825625" algn="l"/>
-                <a:tab pos="2740025" algn="l"/>
-                <a:tab pos="3654425" algn="l"/>
-                <a:tab pos="4568825" algn="l"/>
-                <a:tab pos="5483225" algn="l"/>
-                <a:tab pos="6397625" algn="l"/>
-                <a:tab pos="7312025" algn="l"/>
-                <a:tab pos="8226425" algn="l"/>
-                <a:tab pos="9140825" algn="l"/>
-                <a:tab pos="10055225" algn="l"/>
-              </a:tabLst>
-              <a:defRPr sz="2400">
-                <a:solidFill>
-                  <a:schemeClr val="tx1"/>
-                </a:solidFill>
-                <a:latin typeface="Times New Roman" panose="02020603050405020304" pitchFamily="18" charset="0"/>
-              </a:defRPr>
-            </a:lvl1pPr>
-            <a:lvl2pPr marL="742950" indent="-285750">
-              <a:tabLst>
-                <a:tab pos="911225" algn="l"/>
-                <a:tab pos="1825625" algn="l"/>
-                <a:tab pos="2740025" algn="l"/>
-                <a:tab pos="3654425" algn="l"/>
-                <a:tab pos="4568825" algn="l"/>
-                <a:tab pos="5483225" algn="l"/>
-                <a:tab pos="6397625" algn="l"/>
-                <a:tab pos="7312025" algn="l"/>
-                <a:tab pos="8226425" algn="l"/>
-                <a:tab pos="9140825" algn="l"/>
-                <a:tab pos="10055225" algn="l"/>
-              </a:tabLst>
-              <a:defRPr sz="2400">
-                <a:solidFill>
-                  <a:schemeClr val="tx1"/>
-                </a:solidFill>
-                <a:latin typeface="Times New Roman" panose="02020603050405020304" pitchFamily="18" charset="0"/>
-              </a:defRPr>
-            </a:lvl2pPr>
-            <a:lvl3pPr marL="1143000" indent="-228600">
-              <a:tabLst>
-                <a:tab pos="911225" algn="l"/>
-                <a:tab pos="1825625" algn="l"/>
-                <a:tab pos="2740025" algn="l"/>
-                <a:tab pos="3654425" algn="l"/>
-                <a:tab pos="4568825" algn="l"/>
-                <a:tab pos="5483225" algn="l"/>
-                <a:tab pos="6397625" algn="l"/>
-                <a:tab pos="7312025" algn="l"/>
-                <a:tab pos="8226425" algn="l"/>
-                <a:tab pos="9140825" algn="l"/>
-                <a:tab pos="10055225" algn="l"/>
-              </a:tabLst>
-              <a:defRPr sz="2400">
-                <a:solidFill>
-                  <a:schemeClr val="tx1"/>
-                </a:solidFill>
-                <a:latin typeface="Times New Roman" panose="02020603050405020304" pitchFamily="18" charset="0"/>
-              </a:defRPr>
-            </a:lvl3pPr>
-            <a:lvl4pPr marL="1600200" indent="-228600">
-              <a:tabLst>
-                <a:tab pos="911225" algn="l"/>
-                <a:tab pos="1825625" algn="l"/>
-                <a:tab pos="2740025" algn="l"/>
-                <a:tab pos="3654425" algn="l"/>
-                <a:tab pos="4568825" algn="l"/>
-                <a:tab pos="5483225" algn="l"/>
-                <a:tab pos="6397625" algn="l"/>
-                <a:tab pos="7312025" algn="l"/>
-                <a:tab pos="8226425" algn="l"/>
-                <a:tab pos="9140825" algn="l"/>
-                <a:tab pos="10055225" algn="l"/>
-              </a:tabLst>
-              <a:defRPr sz="2400">
-                <a:solidFill>
-                  <a:schemeClr val="tx1"/>
-                </a:solidFill>
-                <a:latin typeface="Times New Roman" panose="02020603050405020304" pitchFamily="18" charset="0"/>
-              </a:defRPr>
-            </a:lvl4pPr>
-            <a:lvl5pPr marL="2057400" indent="-228600">
-              <a:tabLst>
-                <a:tab pos="911225" algn="l"/>
-                <a:tab pos="1825625" algn="l"/>
-                <a:tab pos="2740025" algn="l"/>
-                <a:tab pos="3654425" algn="l"/>
-                <a:tab pos="4568825" algn="l"/>
-                <a:tab pos="5483225" algn="l"/>
-                <a:tab pos="6397625" algn="l"/>
-                <a:tab pos="7312025" algn="l"/>
-                <a:tab pos="8226425" algn="l"/>
-                <a:tab pos="9140825" algn="l"/>
-                <a:tab pos="10055225" algn="l"/>
-              </a:tabLst>
-              <a:defRPr sz="2400">
-                <a:solidFill>
-                  <a:schemeClr val="tx1"/>
-                </a:solidFill>
-                <a:latin typeface="Times New Roman" panose="02020603050405020304" pitchFamily="18" charset="0"/>
-              </a:defRPr>
-            </a:lvl5pPr>
-            <a:lvl6pPr marL="2514600" indent="-228600" eaLnBrk="0" fontAlgn="base" hangingPunct="0">
-              <a:spcBef>
-                <a:spcPct val="0"/>
-              </a:spcBef>
-              <a:spcAft>
-                <a:spcPct val="0"/>
-              </a:spcAft>
-              <a:tabLst>
-                <a:tab pos="911225" algn="l"/>
-                <a:tab pos="1825625" algn="l"/>
-                <a:tab pos="2740025" algn="l"/>
-                <a:tab pos="3654425" algn="l"/>
-                <a:tab pos="4568825" algn="l"/>
-                <a:tab pos="5483225" algn="l"/>
-                <a:tab pos="6397625" algn="l"/>
-                <a:tab pos="7312025" algn="l"/>
-                <a:tab pos="8226425" algn="l"/>
-                <a:tab pos="9140825" algn="l"/>
-                <a:tab pos="10055225" algn="l"/>
-              </a:tabLst>
-              <a:defRPr sz="2400">
-                <a:solidFill>
-                  <a:schemeClr val="tx1"/>
-                </a:solidFill>
-                <a:latin typeface="Times New Roman" panose="02020603050405020304" pitchFamily="18" charset="0"/>
-              </a:defRPr>
-            </a:lvl6pPr>
-            <a:lvl7pPr marL="2971800" indent="-228600" eaLnBrk="0" fontAlgn="base" hangingPunct="0">
-              <a:spcBef>
-                <a:spcPct val="0"/>
-              </a:spcBef>
-              <a:spcAft>
-                <a:spcPct val="0"/>
-              </a:spcAft>
-              <a:tabLst>
-                <a:tab pos="911225" algn="l"/>
-                <a:tab pos="1825625" algn="l"/>
-                <a:tab pos="2740025" algn="l"/>
-                <a:tab pos="3654425" algn="l"/>
-                <a:tab pos="4568825" algn="l"/>
-                <a:tab pos="5483225" algn="l"/>
-                <a:tab pos="6397625" algn="l"/>
-                <a:tab pos="7312025" algn="l"/>
-                <a:tab pos="8226425" algn="l"/>
-                <a:tab pos="9140825" algn="l"/>
-                <a:tab pos="10055225" algn="l"/>
-              </a:tabLst>
-              <a:defRPr sz="2400">
-                <a:solidFill>
-                  <a:schemeClr val="tx1"/>
-                </a:solidFill>
-                <a:latin typeface="Times New Roman" panose="02020603050405020304" pitchFamily="18" charset="0"/>
-              </a:defRPr>
-            </a:lvl7pPr>
-            <a:lvl8pPr marL="3429000" indent="-228600" eaLnBrk="0" fontAlgn="base" hangingPunct="0">
-              <a:spcBef>
-                <a:spcPct val="0"/>
-              </a:spcBef>
-              <a:spcAft>
-                <a:spcPct val="0"/>
-              </a:spcAft>
-              <a:tabLst>
-                <a:tab pos="911225" algn="l"/>
-                <a:tab pos="1825625" algn="l"/>
-                <a:tab pos="2740025" algn="l"/>
-                <a:tab pos="3654425" algn="l"/>
-                <a:tab pos="4568825" algn="l"/>
-                <a:tab pos="5483225" algn="l"/>
-                <a:tab pos="6397625" algn="l"/>
-                <a:tab pos="7312025" algn="l"/>
-                <a:tab pos="8226425" algn="l"/>
-                <a:tab pos="9140825" algn="l"/>
-                <a:tab pos="10055225" algn="l"/>
-              </a:tabLst>
-              <a:defRPr sz="2400">
-                <a:solidFill>
-                  <a:schemeClr val="tx1"/>
-                </a:solidFill>
-                <a:latin typeface="Times New Roman" panose="02020603050405020304" pitchFamily="18" charset="0"/>
-              </a:defRPr>
-            </a:lvl8pPr>
-            <a:lvl9pPr marL="3886200" indent="-228600" eaLnBrk="0" fontAlgn="base" hangingPunct="0">
-              <a:spcBef>
-                <a:spcPct val="0"/>
-              </a:spcBef>
-              <a:spcAft>
-                <a:spcPct val="0"/>
-              </a:spcAft>
-              <a:tabLst>
-                <a:tab pos="911225" algn="l"/>
-                <a:tab pos="1825625" algn="l"/>
-                <a:tab pos="2740025" algn="l"/>
-                <a:tab pos="3654425" algn="l"/>
-                <a:tab pos="4568825" algn="l"/>
-                <a:tab pos="5483225" algn="l"/>
-                <a:tab pos="6397625" algn="l"/>
-                <a:tab pos="7312025" algn="l"/>
-                <a:tab pos="8226425" algn="l"/>
-                <a:tab pos="9140825" algn="l"/>
-                <a:tab pos="10055225" algn="l"/>
-              </a:tabLst>
-              <a:defRPr sz="2400">
-                <a:solidFill>
-                  <a:schemeClr val="tx1"/>
-                </a:solidFill>
-                <a:latin typeface="Times New Roman" panose="02020603050405020304" pitchFamily="18" charset="0"/>
-              </a:defRPr>
-            </a:lvl9pPr>
-          </a:lstStyle>
-          <a:p>
-            <a:pPr>
-              <a:spcBef>
-                <a:spcPts val="800"/>
-              </a:spcBef>
-              <a:buFont typeface="Times New Roman" panose="02020603050405020304" pitchFamily="18" charset="0"/>
-              <a:buBlip>
-                <a:blip r:embed="rId3"/>
-              </a:buBlip>
+          <a:lstStyle/>
+          <a:p>
+            <a:r>
+              <a:rPr lang="en-US" dirty="0" smtClean="0"/>
+              <a:t>Is </a:t>
+            </a:r>
+            <a:r>
+              <a:rPr lang="en-US" dirty="0" err="1" smtClean="0"/>
+              <a:t>Javascript</a:t>
+            </a:r>
+            <a:r>
+              <a:rPr lang="en-US" dirty="0" smtClean="0"/>
+              <a:t> case sensitive?</a:t>
+            </a:r>
+          </a:p>
+          <a:p>
+            <a:endParaRPr lang="en-US" dirty="0" smtClean="0"/>
+          </a:p>
+          <a:p>
+            <a:pPr marL="514350" indent="-514350">
+              <a:buAutoNum type="alphaLcParenR"/>
             </a:pPr>
             <a:r>
-              <a:rPr lang="en-GB" altLang="en-US" sz="3200" dirty="0">
-                <a:solidFill>
-                  <a:srgbClr val="000000"/>
-                </a:solidFill>
-                <a:latin typeface="Arial" panose="020B0604020202020204" pitchFamily="34" charset="0"/>
-              </a:rPr>
-              <a:t>Overview of Dynamic and Static </a:t>
-            </a:r>
-            <a:r>
-              <a:rPr lang="en-GB" altLang="en-US" sz="3200" dirty="0" smtClean="0">
-                <a:solidFill>
-                  <a:srgbClr val="000000"/>
-                </a:solidFill>
-                <a:latin typeface="Arial" panose="020B0604020202020204" pitchFamily="34" charset="0"/>
-              </a:rPr>
-              <a:t>Websites</a:t>
-            </a:r>
-          </a:p>
-          <a:p>
-            <a:pPr>
-              <a:spcBef>
-                <a:spcPts val="800"/>
-              </a:spcBef>
-              <a:buFont typeface="Times New Roman" panose="02020603050405020304" pitchFamily="18" charset="0"/>
-              <a:buBlip>
-                <a:blip r:embed="rId3"/>
-              </a:buBlip>
+              <a:rPr lang="en-US" dirty="0" smtClean="0"/>
+              <a:t>True</a:t>
+            </a:r>
+          </a:p>
+          <a:p>
+            <a:pPr marL="514350" indent="-514350">
+              <a:buAutoNum type="alphaLcParenR"/>
             </a:pPr>
             <a:r>
-              <a:rPr lang="en-GB" altLang="en-US" sz="3200" dirty="0" smtClean="0">
-                <a:solidFill>
-                  <a:srgbClr val="000000"/>
-                </a:solidFill>
-                <a:latin typeface="Arial" panose="020B0604020202020204" pitchFamily="34" charset="0"/>
-              </a:rPr>
-              <a:t>Dynamic websites </a:t>
-            </a:r>
-            <a:r>
-              <a:rPr lang="en-GB" altLang="en-US" sz="3200" smtClean="0">
-                <a:solidFill>
-                  <a:srgbClr val="000000"/>
-                </a:solidFill>
-                <a:latin typeface="Arial" panose="020B0604020202020204" pitchFamily="34" charset="0"/>
-              </a:rPr>
-              <a:t>(Generated Content)</a:t>
-            </a:r>
-            <a:endParaRPr lang="en-GB" altLang="en-US" sz="3200" dirty="0">
-              <a:solidFill>
-                <a:srgbClr val="000000"/>
-              </a:solidFill>
-              <a:latin typeface="Arial" panose="020B0604020202020204" pitchFamily="34" charset="0"/>
-            </a:endParaRPr>
-          </a:p>
-          <a:p>
-            <a:pPr>
-              <a:spcBef>
-                <a:spcPts val="800"/>
-              </a:spcBef>
-              <a:buFont typeface="Times New Roman" panose="02020603050405020304" pitchFamily="18" charset="0"/>
-              <a:buBlip>
-                <a:blip r:embed="rId3"/>
-              </a:buBlip>
-            </a:pPr>
-            <a:r>
-              <a:rPr lang="en-GB" altLang="en-US" sz="3200" dirty="0">
-                <a:solidFill>
-                  <a:srgbClr val="000000"/>
-                </a:solidFill>
-                <a:latin typeface="Arial" panose="020B0604020202020204" pitchFamily="34" charset="0"/>
-              </a:rPr>
-              <a:t>Getting started with scripting and </a:t>
-            </a:r>
-            <a:r>
-              <a:rPr lang="en-GB" altLang="en-US" sz="3200" dirty="0" err="1">
-                <a:solidFill>
-                  <a:srgbClr val="000000"/>
-                </a:solidFill>
-                <a:latin typeface="Arial" panose="020B0604020202020204" pitchFamily="34" charset="0"/>
-              </a:rPr>
-              <a:t>Javascript</a:t>
-            </a:r>
-            <a:endParaRPr lang="en-GB" altLang="en-US" sz="3200" dirty="0">
-              <a:solidFill>
-                <a:srgbClr val="000000"/>
-              </a:solidFill>
-              <a:latin typeface="Arial" panose="020B0604020202020204" pitchFamily="34" charset="0"/>
-            </a:endParaRPr>
-          </a:p>
-          <a:p>
-            <a:pPr>
-              <a:spcBef>
-                <a:spcPts val="800"/>
-              </a:spcBef>
-              <a:buFont typeface="Times New Roman" panose="02020603050405020304" pitchFamily="18" charset="0"/>
-              <a:buBlip>
-                <a:blip r:embed="rId3"/>
-              </a:buBlip>
-            </a:pPr>
-            <a:r>
-              <a:rPr lang="en-GB" altLang="en-US" sz="3200" dirty="0">
-                <a:solidFill>
-                  <a:srgbClr val="000000"/>
-                </a:solidFill>
-                <a:latin typeface="Arial" panose="020B0604020202020204" pitchFamily="34" charset="0"/>
-              </a:rPr>
-              <a:t>Hands-On/Practical</a:t>
-            </a:r>
+              <a:rPr lang="en-US" dirty="0" smtClean="0"/>
+              <a:t>False</a:t>
+            </a:r>
+            <a:endParaRPr lang="en-US" dirty="0"/>
           </a:p>
         </p:txBody>
       </p:sp>
@@ -13169,34 +12179,6 @@
   <p:clrMapOvr>
     <a:masterClrMapping/>
   </p:clrMapOvr>
-  <p:transition spd="med"/>
-  <p:timing>
-    <p:tnLst>
-      <p:par>
-        <p:cTn id="1" dur="indefinite" restart="never" nodeType="tmRoot">
-          <p:childTnLst>
-            <p:seq concurrent="1" nextAc="seek">
-              <p:cTn id="2" dur="0" nodeType="mainSeq"/>
-              <p:prevCondLst>
-                <p:cond evt="onPrev" delay="0">
-                  <p:tgtEl>
-                    <p:sldTgt/>
-                  </p:tgtEl>
-                </p:cond>
-              </p:prevCondLst>
-              <p:nextCondLst>
-                <p:cond evt="onNext" delay="0">
-                  <p:tgtEl>
-                    <p:sldTgt/>
-                  </p:tgtEl>
-                </p:cond>
-              </p:nextCondLst>
-            </p:seq>
-          </p:childTnLst>
-        </p:cTn>
-      </p:par>
-    </p:tnLst>
-  </p:timing>
 </p:sld>
 </file>
 
@@ -13219,426 +12201,68 @@
       </p:grpSpPr>
       <p:sp>
         <p:nvSpPr>
-          <p:cNvPr id="27650" name="Text Box 1"/>
-          <p:cNvSpPr txBox="1">
-            <a:spLocks noChangeArrowheads="1"/>
+          <p:cNvPr id="2" name="Title 1"/>
+          <p:cNvSpPr>
+            <a:spLocks noGrp="1"/>
           </p:cNvSpPr>
-          <p:nvPr/>
+          <p:nvPr>
+            <p:ph type="title"/>
+          </p:nvPr>
         </p:nvSpPr>
-        <p:spPr bwMode="auto">
-          <a:xfrm>
-            <a:off x="685800" y="609600"/>
-            <a:ext cx="7772400" cy="1143000"/>
-          </a:xfrm>
-          <a:prstGeom prst="rect">
-            <a:avLst/>
-          </a:prstGeom>
-          <a:noFill/>
-          <a:ln>
-            <a:noFill/>
-          </a:ln>
-          <a:extLst>
-            <a:ext uri="{909E8E84-426E-40DD-AFC4-6F175D3DCCD1}">
-              <a14:hiddenFill xmlns:a14="http://schemas.microsoft.com/office/drawing/2010/main" xmlns="">
-                <a:solidFill>
-                  <a:srgbClr val="FFFFFF"/>
-                </a:solidFill>
-              </a14:hiddenFill>
-            </a:ext>
-            <a:ext uri="{91240B29-F687-4F45-9708-019B960494DF}">
-              <a14:hiddenLine xmlns:a14="http://schemas.microsoft.com/office/drawing/2010/main" xmlns="" w="9525">
-                <a:solidFill>
-                  <a:srgbClr val="000000"/>
-                </a:solidFill>
-                <a:round/>
-                <a:headEnd/>
-                <a:tailEnd/>
-              </a14:hiddenLine>
-            </a:ext>
-          </a:extLst>
-        </p:spPr>
+        <p:spPr/>
         <p:txBody>
-          <a:bodyPr anchor="ctr"/>
-          <a:lstStyle>
-            <a:lvl1pPr>
-              <a:tabLst>
-                <a:tab pos="0" algn="l"/>
-                <a:tab pos="914400" algn="l"/>
-                <a:tab pos="1828800" algn="l"/>
-                <a:tab pos="2743200" algn="l"/>
-                <a:tab pos="3657600" algn="l"/>
-                <a:tab pos="4572000" algn="l"/>
-                <a:tab pos="5486400" algn="l"/>
-                <a:tab pos="6400800" algn="l"/>
-                <a:tab pos="7315200" algn="l"/>
-                <a:tab pos="8229600" algn="l"/>
-                <a:tab pos="9144000" algn="l"/>
-                <a:tab pos="10058400" algn="l"/>
-              </a:tabLst>
-              <a:defRPr sz="2400">
-                <a:solidFill>
-                  <a:schemeClr val="tx1"/>
-                </a:solidFill>
-                <a:latin typeface="Times New Roman" panose="02020603050405020304" pitchFamily="18" charset="0"/>
-              </a:defRPr>
-            </a:lvl1pPr>
-            <a:lvl2pPr marL="742950" indent="-285750">
-              <a:tabLst>
-                <a:tab pos="0" algn="l"/>
-                <a:tab pos="914400" algn="l"/>
-                <a:tab pos="1828800" algn="l"/>
-                <a:tab pos="2743200" algn="l"/>
-                <a:tab pos="3657600" algn="l"/>
-                <a:tab pos="4572000" algn="l"/>
-                <a:tab pos="5486400" algn="l"/>
-                <a:tab pos="6400800" algn="l"/>
-                <a:tab pos="7315200" algn="l"/>
-                <a:tab pos="8229600" algn="l"/>
-                <a:tab pos="9144000" algn="l"/>
-                <a:tab pos="10058400" algn="l"/>
-              </a:tabLst>
-              <a:defRPr sz="2400">
-                <a:solidFill>
-                  <a:schemeClr val="tx1"/>
-                </a:solidFill>
-                <a:latin typeface="Times New Roman" panose="02020603050405020304" pitchFamily="18" charset="0"/>
-              </a:defRPr>
-            </a:lvl2pPr>
-            <a:lvl3pPr marL="1143000" indent="-228600">
-              <a:tabLst>
-                <a:tab pos="0" algn="l"/>
-                <a:tab pos="914400" algn="l"/>
-                <a:tab pos="1828800" algn="l"/>
-                <a:tab pos="2743200" algn="l"/>
-                <a:tab pos="3657600" algn="l"/>
-                <a:tab pos="4572000" algn="l"/>
-                <a:tab pos="5486400" algn="l"/>
-                <a:tab pos="6400800" algn="l"/>
-                <a:tab pos="7315200" algn="l"/>
-                <a:tab pos="8229600" algn="l"/>
-                <a:tab pos="9144000" algn="l"/>
-                <a:tab pos="10058400" algn="l"/>
-              </a:tabLst>
-              <a:defRPr sz="2400">
-                <a:solidFill>
-                  <a:schemeClr val="tx1"/>
-                </a:solidFill>
-                <a:latin typeface="Times New Roman" panose="02020603050405020304" pitchFamily="18" charset="0"/>
-              </a:defRPr>
-            </a:lvl3pPr>
-            <a:lvl4pPr marL="1600200" indent="-228600">
-              <a:tabLst>
-                <a:tab pos="0" algn="l"/>
-                <a:tab pos="914400" algn="l"/>
-                <a:tab pos="1828800" algn="l"/>
-                <a:tab pos="2743200" algn="l"/>
-                <a:tab pos="3657600" algn="l"/>
-                <a:tab pos="4572000" algn="l"/>
-                <a:tab pos="5486400" algn="l"/>
-                <a:tab pos="6400800" algn="l"/>
-                <a:tab pos="7315200" algn="l"/>
-                <a:tab pos="8229600" algn="l"/>
-                <a:tab pos="9144000" algn="l"/>
-                <a:tab pos="10058400" algn="l"/>
-              </a:tabLst>
-              <a:defRPr sz="2400">
-                <a:solidFill>
-                  <a:schemeClr val="tx1"/>
-                </a:solidFill>
-                <a:latin typeface="Times New Roman" panose="02020603050405020304" pitchFamily="18" charset="0"/>
-              </a:defRPr>
-            </a:lvl4pPr>
-            <a:lvl5pPr marL="2057400" indent="-228600">
-              <a:tabLst>
-                <a:tab pos="0" algn="l"/>
-                <a:tab pos="914400" algn="l"/>
-                <a:tab pos="1828800" algn="l"/>
-                <a:tab pos="2743200" algn="l"/>
-                <a:tab pos="3657600" algn="l"/>
-                <a:tab pos="4572000" algn="l"/>
-                <a:tab pos="5486400" algn="l"/>
-                <a:tab pos="6400800" algn="l"/>
-                <a:tab pos="7315200" algn="l"/>
-                <a:tab pos="8229600" algn="l"/>
-                <a:tab pos="9144000" algn="l"/>
-                <a:tab pos="10058400" algn="l"/>
-              </a:tabLst>
-              <a:defRPr sz="2400">
-                <a:solidFill>
-                  <a:schemeClr val="tx1"/>
-                </a:solidFill>
-                <a:latin typeface="Times New Roman" panose="02020603050405020304" pitchFamily="18" charset="0"/>
-              </a:defRPr>
-            </a:lvl5pPr>
-            <a:lvl6pPr marL="2514600" indent="-228600" eaLnBrk="0" fontAlgn="base" hangingPunct="0">
-              <a:spcBef>
-                <a:spcPct val="0"/>
-              </a:spcBef>
-              <a:spcAft>
-                <a:spcPct val="0"/>
-              </a:spcAft>
-              <a:tabLst>
-                <a:tab pos="0" algn="l"/>
-                <a:tab pos="914400" algn="l"/>
-                <a:tab pos="1828800" algn="l"/>
-                <a:tab pos="2743200" algn="l"/>
-                <a:tab pos="3657600" algn="l"/>
-                <a:tab pos="4572000" algn="l"/>
-                <a:tab pos="5486400" algn="l"/>
-                <a:tab pos="6400800" algn="l"/>
-                <a:tab pos="7315200" algn="l"/>
-                <a:tab pos="8229600" algn="l"/>
-                <a:tab pos="9144000" algn="l"/>
-                <a:tab pos="10058400" algn="l"/>
-              </a:tabLst>
-              <a:defRPr sz="2400">
-                <a:solidFill>
-                  <a:schemeClr val="tx1"/>
-                </a:solidFill>
-                <a:latin typeface="Times New Roman" panose="02020603050405020304" pitchFamily="18" charset="0"/>
-              </a:defRPr>
-            </a:lvl6pPr>
-            <a:lvl7pPr marL="2971800" indent="-228600" eaLnBrk="0" fontAlgn="base" hangingPunct="0">
-              <a:spcBef>
-                <a:spcPct val="0"/>
-              </a:spcBef>
-              <a:spcAft>
-                <a:spcPct val="0"/>
-              </a:spcAft>
-              <a:tabLst>
-                <a:tab pos="0" algn="l"/>
-                <a:tab pos="914400" algn="l"/>
-                <a:tab pos="1828800" algn="l"/>
-                <a:tab pos="2743200" algn="l"/>
-                <a:tab pos="3657600" algn="l"/>
-                <a:tab pos="4572000" algn="l"/>
-                <a:tab pos="5486400" algn="l"/>
-                <a:tab pos="6400800" algn="l"/>
-                <a:tab pos="7315200" algn="l"/>
-                <a:tab pos="8229600" algn="l"/>
-                <a:tab pos="9144000" algn="l"/>
-                <a:tab pos="10058400" algn="l"/>
-              </a:tabLst>
-              <a:defRPr sz="2400">
-                <a:solidFill>
-                  <a:schemeClr val="tx1"/>
-                </a:solidFill>
-                <a:latin typeface="Times New Roman" panose="02020603050405020304" pitchFamily="18" charset="0"/>
-              </a:defRPr>
-            </a:lvl7pPr>
-            <a:lvl8pPr marL="3429000" indent="-228600" eaLnBrk="0" fontAlgn="base" hangingPunct="0">
-              <a:spcBef>
-                <a:spcPct val="0"/>
-              </a:spcBef>
-              <a:spcAft>
-                <a:spcPct val="0"/>
-              </a:spcAft>
-              <a:tabLst>
-                <a:tab pos="0" algn="l"/>
-                <a:tab pos="914400" algn="l"/>
-                <a:tab pos="1828800" algn="l"/>
-                <a:tab pos="2743200" algn="l"/>
-                <a:tab pos="3657600" algn="l"/>
-                <a:tab pos="4572000" algn="l"/>
-                <a:tab pos="5486400" algn="l"/>
-                <a:tab pos="6400800" algn="l"/>
-                <a:tab pos="7315200" algn="l"/>
-                <a:tab pos="8229600" algn="l"/>
-                <a:tab pos="9144000" algn="l"/>
-                <a:tab pos="10058400" algn="l"/>
-              </a:tabLst>
-              <a:defRPr sz="2400">
-                <a:solidFill>
-                  <a:schemeClr val="tx1"/>
-                </a:solidFill>
-                <a:latin typeface="Times New Roman" panose="02020603050405020304" pitchFamily="18" charset="0"/>
-              </a:defRPr>
-            </a:lvl8pPr>
-            <a:lvl9pPr marL="3886200" indent="-228600" eaLnBrk="0" fontAlgn="base" hangingPunct="0">
-              <a:spcBef>
-                <a:spcPct val="0"/>
-              </a:spcBef>
-              <a:spcAft>
-                <a:spcPct val="0"/>
-              </a:spcAft>
-              <a:tabLst>
-                <a:tab pos="0" algn="l"/>
-                <a:tab pos="914400" algn="l"/>
-                <a:tab pos="1828800" algn="l"/>
-                <a:tab pos="2743200" algn="l"/>
-                <a:tab pos="3657600" algn="l"/>
-                <a:tab pos="4572000" algn="l"/>
-                <a:tab pos="5486400" algn="l"/>
-                <a:tab pos="6400800" algn="l"/>
-                <a:tab pos="7315200" algn="l"/>
-                <a:tab pos="8229600" algn="l"/>
-                <a:tab pos="9144000" algn="l"/>
-                <a:tab pos="10058400" algn="l"/>
-              </a:tabLst>
-              <a:defRPr sz="2400">
-                <a:solidFill>
-                  <a:schemeClr val="tx1"/>
-                </a:solidFill>
-                <a:latin typeface="Times New Roman" panose="02020603050405020304" pitchFamily="18" charset="0"/>
-              </a:defRPr>
-            </a:lvl9pPr>
-          </a:lstStyle>
-          <a:p>
-            <a:pPr algn="ctr" eaLnBrk="1" hangingPunct="1"/>
-            <a:r>
-              <a:rPr lang="en-GB" altLang="en-US" sz="4400">
-                <a:solidFill>
-                  <a:srgbClr val="000000"/>
-                </a:solidFill>
-                <a:latin typeface="Arial" panose="020B0604020202020204" pitchFamily="34" charset="0"/>
-              </a:rPr>
-              <a:t>Questions/Discussion</a:t>
-            </a:r>
+          <a:bodyPr/>
+          <a:lstStyle/>
+          <a:p>
+            <a:r>
+              <a:rPr lang="en-US" dirty="0" smtClean="0"/>
+              <a:t>Answer</a:t>
+            </a:r>
+            <a:endParaRPr lang="en-US" dirty="0"/>
           </a:p>
         </p:txBody>
       </p:sp>
       <p:sp>
         <p:nvSpPr>
-          <p:cNvPr id="27651" name="Text Box 2"/>
-          <p:cNvSpPr txBox="1">
-            <a:spLocks noChangeArrowheads="1"/>
+          <p:cNvPr id="3" name="Content Placeholder 2"/>
+          <p:cNvSpPr>
+            <a:spLocks noGrp="1"/>
           </p:cNvSpPr>
-          <p:nvPr/>
+          <p:nvPr>
+            <p:ph idx="1"/>
+          </p:nvPr>
         </p:nvSpPr>
-        <p:spPr bwMode="auto">
-          <a:xfrm>
-            <a:off x="685800" y="1981200"/>
-            <a:ext cx="7772400" cy="4114800"/>
-          </a:xfrm>
-          <a:prstGeom prst="rect">
-            <a:avLst/>
-          </a:prstGeom>
-          <a:noFill/>
-          <a:ln>
-            <a:noFill/>
-          </a:ln>
-          <a:extLst>
-            <a:ext uri="{909E8E84-426E-40DD-AFC4-6F175D3DCCD1}">
-              <a14:hiddenFill xmlns:a14="http://schemas.microsoft.com/office/drawing/2010/main" xmlns="">
-                <a:solidFill>
-                  <a:srgbClr val="FFFFFF"/>
-                </a:solidFill>
-              </a14:hiddenFill>
-            </a:ext>
-            <a:ext uri="{91240B29-F687-4F45-9708-019B960494DF}">
-              <a14:hiddenLine xmlns:a14="http://schemas.microsoft.com/office/drawing/2010/main" xmlns="" w="9525">
-                <a:solidFill>
-                  <a:srgbClr val="000000"/>
-                </a:solidFill>
-                <a:round/>
-                <a:headEnd/>
-                <a:tailEnd/>
-              </a14:hiddenLine>
-            </a:ext>
-          </a:extLst>
-        </p:spPr>
+        <p:spPr/>
         <p:txBody>
-          <a:bodyPr wrap="none" anchor="ctr"/>
-          <a:lstStyle>
-            <a:lvl1pPr>
-              <a:defRPr sz="2400">
-                <a:solidFill>
-                  <a:schemeClr val="tx1"/>
-                </a:solidFill>
-                <a:latin typeface="Times New Roman" panose="02020603050405020304" pitchFamily="18" charset="0"/>
-              </a:defRPr>
-            </a:lvl1pPr>
-            <a:lvl2pPr marL="742950" indent="-285750">
-              <a:defRPr sz="2400">
-                <a:solidFill>
-                  <a:schemeClr val="tx1"/>
-                </a:solidFill>
-                <a:latin typeface="Times New Roman" panose="02020603050405020304" pitchFamily="18" charset="0"/>
-              </a:defRPr>
-            </a:lvl2pPr>
-            <a:lvl3pPr marL="1143000" indent="-228600">
-              <a:defRPr sz="2400">
-                <a:solidFill>
-                  <a:schemeClr val="tx1"/>
-                </a:solidFill>
-                <a:latin typeface="Times New Roman" panose="02020603050405020304" pitchFamily="18" charset="0"/>
-              </a:defRPr>
-            </a:lvl3pPr>
-            <a:lvl4pPr marL="1600200" indent="-228600">
-              <a:defRPr sz="2400">
-                <a:solidFill>
-                  <a:schemeClr val="tx1"/>
-                </a:solidFill>
-                <a:latin typeface="Times New Roman" panose="02020603050405020304" pitchFamily="18" charset="0"/>
-              </a:defRPr>
-            </a:lvl4pPr>
-            <a:lvl5pPr marL="2057400" indent="-228600">
-              <a:defRPr sz="2400">
-                <a:solidFill>
-                  <a:schemeClr val="tx1"/>
-                </a:solidFill>
-                <a:latin typeface="Times New Roman" panose="02020603050405020304" pitchFamily="18" charset="0"/>
-              </a:defRPr>
-            </a:lvl5pPr>
-            <a:lvl6pPr marL="2514600" indent="-228600" eaLnBrk="0" fontAlgn="base" hangingPunct="0">
-              <a:spcBef>
-                <a:spcPct val="0"/>
-              </a:spcBef>
-              <a:spcAft>
-                <a:spcPct val="0"/>
-              </a:spcAft>
-              <a:defRPr sz="2400">
-                <a:solidFill>
-                  <a:schemeClr val="tx1"/>
-                </a:solidFill>
-                <a:latin typeface="Times New Roman" panose="02020603050405020304" pitchFamily="18" charset="0"/>
-              </a:defRPr>
-            </a:lvl6pPr>
-            <a:lvl7pPr marL="2971800" indent="-228600" eaLnBrk="0" fontAlgn="base" hangingPunct="0">
-              <a:spcBef>
-                <a:spcPct val="0"/>
-              </a:spcBef>
-              <a:spcAft>
-                <a:spcPct val="0"/>
-              </a:spcAft>
-              <a:defRPr sz="2400">
-                <a:solidFill>
-                  <a:schemeClr val="tx1"/>
-                </a:solidFill>
-                <a:latin typeface="Times New Roman" panose="02020603050405020304" pitchFamily="18" charset="0"/>
-              </a:defRPr>
-            </a:lvl7pPr>
-            <a:lvl8pPr marL="3429000" indent="-228600" eaLnBrk="0" fontAlgn="base" hangingPunct="0">
-              <a:spcBef>
-                <a:spcPct val="0"/>
-              </a:spcBef>
-              <a:spcAft>
-                <a:spcPct val="0"/>
-              </a:spcAft>
-              <a:defRPr sz="2400">
-                <a:solidFill>
-                  <a:schemeClr val="tx1"/>
-                </a:solidFill>
-                <a:latin typeface="Times New Roman" panose="02020603050405020304" pitchFamily="18" charset="0"/>
-              </a:defRPr>
-            </a:lvl8pPr>
-            <a:lvl9pPr marL="3886200" indent="-228600" eaLnBrk="0" fontAlgn="base" hangingPunct="0">
-              <a:spcBef>
-                <a:spcPct val="0"/>
-              </a:spcBef>
-              <a:spcAft>
-                <a:spcPct val="0"/>
-              </a:spcAft>
-              <a:defRPr sz="2400">
-                <a:solidFill>
-                  <a:schemeClr val="tx1"/>
-                </a:solidFill>
-                <a:latin typeface="Times New Roman" panose="02020603050405020304" pitchFamily="18" charset="0"/>
-              </a:defRPr>
-            </a:lvl9pPr>
-          </a:lstStyle>
-          <a:p>
-            <a:endParaRPr lang="en-US" altLang="en-US"/>
+          <a:bodyPr/>
+          <a:lstStyle/>
+          <a:p>
+            <a:r>
+              <a:rPr lang="en-US" dirty="0" smtClean="0"/>
+              <a:t>a) True</a:t>
+            </a:r>
+          </a:p>
+          <a:p>
+            <a:endParaRPr lang="en-US" dirty="0" smtClean="0"/>
+          </a:p>
+          <a:p>
+            <a:pPr>
+              <a:buNone/>
+            </a:pPr>
+            <a:r>
+              <a:rPr lang="en-US" dirty="0" err="1" smtClean="0"/>
+              <a:t>Javascript</a:t>
+            </a:r>
+            <a:r>
+              <a:rPr lang="en-US" dirty="0" smtClean="0"/>
+              <a:t> is case sensitive</a:t>
+            </a:r>
+          </a:p>
+          <a:p>
+            <a:pPr>
+              <a:buNone/>
+            </a:pPr>
+            <a:endParaRPr lang="en-US" dirty="0"/>
           </a:p>
         </p:txBody>
       </p:sp>
@@ -13647,34 +12271,6 @@
   <p:clrMapOvr>
     <a:masterClrMapping/>
   </p:clrMapOvr>
-  <p:transition spd="med"/>
-  <p:timing>
-    <p:tnLst>
-      <p:par>
-        <p:cTn id="1" dur="indefinite" restart="never" nodeType="tmRoot">
-          <p:childTnLst>
-            <p:seq concurrent="1" nextAc="seek">
-              <p:cTn id="2" dur="0" nodeType="mainSeq"/>
-              <p:prevCondLst>
-                <p:cond evt="onPrev" delay="0">
-                  <p:tgtEl>
-                    <p:sldTgt/>
-                  </p:tgtEl>
-                </p:cond>
-              </p:prevCondLst>
-              <p:nextCondLst>
-                <p:cond evt="onNext" delay="0">
-                  <p:tgtEl>
-                    <p:sldTgt/>
-                  </p:tgtEl>
-                </p:cond>
-              </p:nextCondLst>
-            </p:seq>
-          </p:childTnLst>
-        </p:cTn>
-      </p:par>
-    </p:tnLst>
-  </p:timing>
 </p:sld>
 </file>
 
@@ -13705,19 +12301,14 @@
             <p:ph type="title"/>
           </p:nvPr>
         </p:nvSpPr>
-        <p:spPr>
-          <a:xfrm>
-            <a:off x="609600" y="228600"/>
-            <a:ext cx="7772400" cy="1143000"/>
-          </a:xfrm>
-        </p:spPr>
+        <p:spPr/>
         <p:txBody>
           <a:bodyPr/>
           <a:lstStyle/>
           <a:p>
             <a:r>
               <a:rPr lang="en-US" dirty="0" smtClean="0"/>
-              <a:t>Challenge</a:t>
+              <a:t>Question</a:t>
             </a:r>
             <a:endParaRPr lang="en-US" dirty="0"/>
           </a:p>
@@ -13733,75 +12324,64 @@
             <p:ph idx="1"/>
           </p:nvPr>
         </p:nvSpPr>
-        <p:spPr>
-          <a:xfrm>
-            <a:off x="762000" y="5334000"/>
-            <a:ext cx="7772400" cy="1371600"/>
-          </a:xfrm>
-        </p:spPr>
+        <p:spPr/>
         <p:txBody>
-          <a:bodyPr>
-            <a:normAutofit fontScale="70000" lnSpcReduction="20000"/>
-          </a:bodyPr>
+          <a:bodyPr/>
           <a:lstStyle/>
           <a:p>
             <a:r>
+              <a:rPr lang="en-US" altLang="en-US" dirty="0" smtClean="0"/>
+              <a:t>The &lt;script&gt; </a:t>
+            </a:r>
+            <a:r>
+              <a:rPr lang="en-US" altLang="en-US" dirty="0" smtClean="0"/>
+              <a:t>blocks </a:t>
+            </a:r>
+            <a:r>
+              <a:rPr lang="en-US" altLang="en-US" dirty="0" smtClean="0"/>
+              <a:t>has to be in the &lt;</a:t>
+            </a:r>
+            <a:r>
+              <a:rPr lang="en-US" altLang="en-US" dirty="0" smtClean="0"/>
+              <a:t>head&gt; </a:t>
+            </a:r>
+            <a:r>
+              <a:rPr lang="en-US" altLang="en-US" dirty="0" smtClean="0"/>
+              <a:t>section </a:t>
+            </a:r>
+            <a:r>
+              <a:rPr lang="en-US" altLang="en-US" dirty="0" smtClean="0"/>
+              <a:t>of </a:t>
+            </a:r>
+            <a:r>
+              <a:rPr lang="en-US" altLang="en-US" dirty="0" smtClean="0"/>
+              <a:t>HTML page?</a:t>
+            </a:r>
+          </a:p>
+          <a:p>
+            <a:endParaRPr lang="en-US" dirty="0" smtClean="0"/>
+          </a:p>
+          <a:p>
+            <a:pPr marL="514350" indent="-514350">
+              <a:buAutoNum type="alphaLcParenR"/>
+            </a:pPr>
+            <a:r>
               <a:rPr lang="en-US" dirty="0" smtClean="0"/>
-              <a:t>Implement a similar website design</a:t>
-            </a:r>
-          </a:p>
-          <a:p>
+              <a:t>True</a:t>
+            </a:r>
+          </a:p>
+          <a:p>
+            <a:pPr marL="514350" indent="-514350">
+              <a:buAutoNum type="alphaLcParenR"/>
+            </a:pPr>
             <a:r>
               <a:rPr lang="en-US" dirty="0" smtClean="0"/>
-              <a:t>Navigation elements are within the image (e.g., people, tables, …)</a:t>
-            </a:r>
-          </a:p>
-          <a:p>
-            <a:r>
-              <a:rPr lang="en-US" dirty="0" smtClean="0"/>
-              <a:t>Popup information, hover </a:t>
-            </a:r>
-            <a:r>
-              <a:rPr lang="en-US" smtClean="0"/>
-              <a:t>over images/text, … </a:t>
+              <a:t>False</a:t>
             </a:r>
             <a:endParaRPr lang="en-US" dirty="0"/>
           </a:p>
         </p:txBody>
       </p:sp>
-      <p:pic>
-        <p:nvPicPr>
-          <p:cNvPr id="1026" name="Picture 2"/>
-          <p:cNvPicPr>
-            <a:picLocks noChangeAspect="1" noChangeArrowheads="1"/>
-          </p:cNvPicPr>
-          <p:nvPr/>
-        </p:nvPicPr>
-        <p:blipFill>
-          <a:blip r:embed="rId2" cstate="print"/>
-          <a:srcRect/>
-          <a:stretch>
-            <a:fillRect/>
-          </a:stretch>
-        </p:blipFill>
-        <p:spPr bwMode="auto">
-          <a:xfrm>
-            <a:off x="1143000" y="1371600"/>
-            <a:ext cx="6648450" cy="3838575"/>
-          </a:xfrm>
-          <a:prstGeom prst="rect">
-            <a:avLst/>
-          </a:prstGeom>
-          <a:noFill/>
-          <a:ln w="9525">
-            <a:noFill/>
-            <a:miter lim="800000"/>
-            <a:headEnd/>
-            <a:tailEnd/>
-          </a:ln>
-          <a:effectLst/>
-        </p:spPr>
-      </p:pic>
     </p:spTree>
   </p:cSld>
   <p:clrMapOvr>
@@ -13829,16 +12409,181 @@
       </p:grpSpPr>
       <p:sp>
         <p:nvSpPr>
-          <p:cNvPr id="28674" name="Text Box 1"/>
-          <p:cNvSpPr txBox="1">
-            <a:spLocks noChangeArrowheads="1"/>
+          <p:cNvPr id="2" name="Title 1"/>
+          <p:cNvSpPr>
+            <a:spLocks noGrp="1"/>
           </p:cNvSpPr>
+          <p:nvPr>
+            <p:ph type="title"/>
+          </p:nvPr>
+        </p:nvSpPr>
+        <p:spPr/>
+        <p:txBody>
+          <a:bodyPr/>
+          <a:lstStyle/>
+          <a:p>
+            <a:r>
+              <a:rPr lang="en-US" dirty="0" smtClean="0"/>
+              <a:t>Answer</a:t>
+            </a:r>
+            <a:endParaRPr lang="en-US" dirty="0"/>
+          </a:p>
+        </p:txBody>
+      </p:sp>
+      <p:sp>
+        <p:nvSpPr>
+          <p:cNvPr id="3" name="Content Placeholder 2"/>
+          <p:cNvSpPr>
+            <a:spLocks noGrp="1"/>
+          </p:cNvSpPr>
+          <p:nvPr>
+            <p:ph idx="1"/>
+          </p:nvPr>
+        </p:nvSpPr>
+        <p:spPr/>
+        <p:txBody>
+          <a:bodyPr/>
+          <a:lstStyle/>
+          <a:p>
+            <a:r>
+              <a:rPr lang="en-US" dirty="0" smtClean="0"/>
+              <a:t>b) False</a:t>
+            </a:r>
+          </a:p>
+          <a:p>
+            <a:endParaRPr lang="en-US" dirty="0" smtClean="0"/>
+          </a:p>
+          <a:p>
+            <a:pPr>
+              <a:buNone/>
+            </a:pPr>
+            <a:r>
+              <a:rPr lang="en-US" altLang="en-US" dirty="0" smtClean="0"/>
+              <a:t>The &lt;script&gt; </a:t>
+            </a:r>
+            <a:r>
+              <a:rPr lang="en-US" altLang="en-US" dirty="0" smtClean="0"/>
+              <a:t>blocks </a:t>
+            </a:r>
+            <a:r>
+              <a:rPr lang="en-US" altLang="en-US" dirty="0" smtClean="0"/>
+              <a:t>can be in </a:t>
+            </a:r>
+            <a:r>
+              <a:rPr lang="en-US" altLang="en-US" dirty="0" smtClean="0"/>
+              <a:t>the &lt;head&gt; or in the &lt;body&gt; section of HTML</a:t>
+            </a:r>
+            <a:endParaRPr lang="en-US" dirty="0"/>
+          </a:p>
+        </p:txBody>
+      </p:sp>
+    </p:spTree>
+  </p:cSld>
+  <p:clrMapOvr>
+    <a:masterClrMapping/>
+  </p:clrMapOvr>
+</p:sld>
+</file>
+
+<file path=ppt/slides/slide29.xml><?xml version="1.0" encoding="utf-8"?>
+<p:sld xmlns:a="http://schemas.openxmlformats.org/drawingml/2006/main" xmlns:r="http://schemas.openxmlformats.org/officeDocument/2006/relationships" xmlns:p="http://schemas.openxmlformats.org/presentationml/2006/main">
+  <p:cSld>
+    <p:spTree>
+      <p:nvGrpSpPr>
+        <p:cNvPr id="1" name=""/>
+        <p:cNvGrpSpPr/>
+        <p:nvPr/>
+      </p:nvGrpSpPr>
+      <p:grpSpPr>
+        <a:xfrm>
+          <a:off x="0" y="0"/>
+          <a:ext cx="0" cy="0"/>
+          <a:chOff x="0" y="0"/>
+          <a:chExt cx="0" cy="0"/>
+        </a:xfrm>
+      </p:grpSpPr>
+      <p:sp>
+        <p:nvSpPr>
+          <p:cNvPr id="20482" name="Rectangle 1"/>
+          <p:cNvSpPr>
+            <a:spLocks noGrp="1" noChangeArrowheads="1"/>
+          </p:cNvSpPr>
+          <p:nvPr>
+            <p:ph type="title" idx="4294967295"/>
+          </p:nvPr>
+        </p:nvSpPr>
+        <p:spPr/>
+        <p:txBody>
+          <a:bodyPr/>
+          <a:lstStyle/>
+          <a:p>
+            <a:pPr>
+              <a:tabLst>
+                <a:tab pos="0" algn="l"/>
+                <a:tab pos="914400" algn="l"/>
+                <a:tab pos="1828800" algn="l"/>
+                <a:tab pos="2743200" algn="l"/>
+                <a:tab pos="3657600" algn="l"/>
+                <a:tab pos="4572000" algn="l"/>
+                <a:tab pos="5486400" algn="l"/>
+                <a:tab pos="6400800" algn="l"/>
+                <a:tab pos="7315200" algn="l"/>
+                <a:tab pos="8229600" algn="l"/>
+                <a:tab pos="9144000" algn="l"/>
+                <a:tab pos="10058400" algn="l"/>
+              </a:tabLst>
+            </a:pPr>
+            <a:r>
+              <a:rPr lang="en-US" altLang="en-US" smtClean="0"/>
+              <a:t> Javascript at Head section</a:t>
+            </a:r>
+          </a:p>
+        </p:txBody>
+      </p:sp>
+      <p:sp>
+        <p:nvSpPr>
+          <p:cNvPr id="20483" name="Rectangle 2"/>
+          <p:cNvSpPr>
+            <a:spLocks noGrp="1" noChangeArrowheads="1"/>
+          </p:cNvSpPr>
+          <p:nvPr>
+            <p:ph type="body" idx="4294967295"/>
+          </p:nvPr>
+        </p:nvSpPr>
+        <p:spPr/>
+        <p:txBody>
+          <a:bodyPr/>
+          <a:lstStyle/>
+          <a:p>
+            <a:endParaRPr lang="en-US" altLang="en-US" smtClean="0"/>
+          </a:p>
+        </p:txBody>
+      </p:sp>
+      <p:pic>
+        <p:nvPicPr>
+          <p:cNvPr id="20484" name="Picture 3"/>
+          <p:cNvPicPr>
+            <a:picLocks noChangeAspect="1" noChangeArrowheads="1"/>
+          </p:cNvPicPr>
           <p:nvPr/>
-        </p:nvSpPr>
+        </p:nvPicPr>
+        <p:blipFill>
+          <a:blip r:embed="rId3" cstate="print">
+            <a:extLst>
+              <a:ext uri="{28A0092B-C50C-407E-A947-70E740481C1C}">
+                <a14:useLocalDpi xmlns="" xmlns:a14="http://schemas.microsoft.com/office/drawing/2010/main" val="0"/>
+              </a:ext>
+            </a:extLst>
+          </a:blip>
+          <a:srcRect/>
+          <a:stretch>
+            <a:fillRect/>
+          </a:stretch>
+        </p:blipFill>
         <p:spPr bwMode="auto">
           <a:xfrm>
-            <a:off x="685800" y="609600"/>
-            <a:ext cx="7772400" cy="1143000"/>
+            <a:off x="1235075" y="2732088"/>
+            <a:ext cx="6811963" cy="2846387"/>
           </a:xfrm>
           <a:prstGeom prst="rect">
             <a:avLst/>
@@ -13849,317 +12594,14 @@
           </a:ln>
           <a:extLst>
             <a:ext uri="{909E8E84-426E-40DD-AFC4-6F175D3DCCD1}">
-              <a14:hiddenFill xmlns:a14="http://schemas.microsoft.com/office/drawing/2010/main" xmlns="">
+              <a14:hiddenFill xmlns="" xmlns:a14="http://schemas.microsoft.com/office/drawing/2010/main">
                 <a:solidFill>
                   <a:srgbClr val="FFFFFF"/>
                 </a:solidFill>
               </a14:hiddenFill>
             </a:ext>
             <a:ext uri="{91240B29-F687-4F45-9708-019B960494DF}">
-              <a14:hiddenLine xmlns:a14="http://schemas.microsoft.com/office/drawing/2010/main" xmlns="" w="9525">
-                <a:solidFill>
-                  <a:srgbClr val="000000"/>
-                </a:solidFill>
-                <a:round/>
-                <a:headEnd/>
-                <a:tailEnd/>
-              </a14:hiddenLine>
-            </a:ext>
-          </a:extLst>
-        </p:spPr>
-        <p:txBody>
-          <a:bodyPr wrap="none" anchor="ctr"/>
-          <a:lstStyle>
-            <a:lvl1pPr>
-              <a:defRPr sz="2400">
-                <a:solidFill>
-                  <a:schemeClr val="tx1"/>
-                </a:solidFill>
-                <a:latin typeface="Times New Roman" panose="02020603050405020304" pitchFamily="18" charset="0"/>
-              </a:defRPr>
-            </a:lvl1pPr>
-            <a:lvl2pPr marL="742950" indent="-285750">
-              <a:defRPr sz="2400">
-                <a:solidFill>
-                  <a:schemeClr val="tx1"/>
-                </a:solidFill>
-                <a:latin typeface="Times New Roman" panose="02020603050405020304" pitchFamily="18" charset="0"/>
-              </a:defRPr>
-            </a:lvl2pPr>
-            <a:lvl3pPr marL="1143000" indent="-228600">
-              <a:defRPr sz="2400">
-                <a:solidFill>
-                  <a:schemeClr val="tx1"/>
-                </a:solidFill>
-                <a:latin typeface="Times New Roman" panose="02020603050405020304" pitchFamily="18" charset="0"/>
-              </a:defRPr>
-            </a:lvl3pPr>
-            <a:lvl4pPr marL="1600200" indent="-228600">
-              <a:defRPr sz="2400">
-                <a:solidFill>
-                  <a:schemeClr val="tx1"/>
-                </a:solidFill>
-                <a:latin typeface="Times New Roman" panose="02020603050405020304" pitchFamily="18" charset="0"/>
-              </a:defRPr>
-            </a:lvl4pPr>
-            <a:lvl5pPr marL="2057400" indent="-228600">
-              <a:defRPr sz="2400">
-                <a:solidFill>
-                  <a:schemeClr val="tx1"/>
-                </a:solidFill>
-                <a:latin typeface="Times New Roman" panose="02020603050405020304" pitchFamily="18" charset="0"/>
-              </a:defRPr>
-            </a:lvl5pPr>
-            <a:lvl6pPr marL="2514600" indent="-228600" eaLnBrk="0" fontAlgn="base" hangingPunct="0">
-              <a:spcBef>
-                <a:spcPct val="0"/>
-              </a:spcBef>
-              <a:spcAft>
-                <a:spcPct val="0"/>
-              </a:spcAft>
-              <a:defRPr sz="2400">
-                <a:solidFill>
-                  <a:schemeClr val="tx1"/>
-                </a:solidFill>
-                <a:latin typeface="Times New Roman" panose="02020603050405020304" pitchFamily="18" charset="0"/>
-              </a:defRPr>
-            </a:lvl6pPr>
-            <a:lvl7pPr marL="2971800" indent="-228600" eaLnBrk="0" fontAlgn="base" hangingPunct="0">
-              <a:spcBef>
-                <a:spcPct val="0"/>
-              </a:spcBef>
-              <a:spcAft>
-                <a:spcPct val="0"/>
-              </a:spcAft>
-              <a:defRPr sz="2400">
-                <a:solidFill>
-                  <a:schemeClr val="tx1"/>
-                </a:solidFill>
-                <a:latin typeface="Times New Roman" panose="02020603050405020304" pitchFamily="18" charset="0"/>
-              </a:defRPr>
-            </a:lvl7pPr>
-            <a:lvl8pPr marL="3429000" indent="-228600" eaLnBrk="0" fontAlgn="base" hangingPunct="0">
-              <a:spcBef>
-                <a:spcPct val="0"/>
-              </a:spcBef>
-              <a:spcAft>
-                <a:spcPct val="0"/>
-              </a:spcAft>
-              <a:defRPr sz="2400">
-                <a:solidFill>
-                  <a:schemeClr val="tx1"/>
-                </a:solidFill>
-                <a:latin typeface="Times New Roman" panose="02020603050405020304" pitchFamily="18" charset="0"/>
-              </a:defRPr>
-            </a:lvl8pPr>
-            <a:lvl9pPr marL="3886200" indent="-228600" eaLnBrk="0" fontAlgn="base" hangingPunct="0">
-              <a:spcBef>
-                <a:spcPct val="0"/>
-              </a:spcBef>
-              <a:spcAft>
-                <a:spcPct val="0"/>
-              </a:spcAft>
-              <a:defRPr sz="2400">
-                <a:solidFill>
-                  <a:schemeClr val="tx1"/>
-                </a:solidFill>
-                <a:latin typeface="Times New Roman" panose="02020603050405020304" pitchFamily="18" charset="0"/>
-              </a:defRPr>
-            </a:lvl9pPr>
-          </a:lstStyle>
-          <a:p>
-            <a:endParaRPr lang="en-US" altLang="en-US"/>
-          </a:p>
-        </p:txBody>
-      </p:sp>
-      <p:sp>
-        <p:nvSpPr>
-          <p:cNvPr id="28675" name="Rectangle 2"/>
-          <p:cNvSpPr>
-            <a:spLocks noGrp="1" noChangeArrowheads="1"/>
-          </p:cNvSpPr>
-          <p:nvPr/>
-        </p:nvSpPr>
-        <p:spPr bwMode="auto">
-          <a:xfrm>
-            <a:off x="685800" y="1981200"/>
-            <a:ext cx="7772400" cy="4114800"/>
-          </a:xfrm>
-          <a:prstGeom prst="rect">
-            <a:avLst/>
-          </a:prstGeom>
-          <a:noFill/>
-          <a:ln>
-            <a:noFill/>
-          </a:ln>
-          <a:extLst>
-            <a:ext uri="{909E8E84-426E-40DD-AFC4-6F175D3DCCD1}">
-              <a14:hiddenFill xmlns:a14="http://schemas.microsoft.com/office/drawing/2010/main" xmlns="">
-                <a:solidFill>
-                  <a:srgbClr val="FFFFFF"/>
-                </a:solidFill>
-              </a14:hiddenFill>
-            </a:ext>
-            <a:ext uri="{91240B29-F687-4F45-9708-019B960494DF}">
-              <a14:hiddenLine xmlns:a14="http://schemas.microsoft.com/office/drawing/2010/main" xmlns="" w="9525">
-                <a:solidFill>
-                  <a:srgbClr val="000000"/>
-                </a:solidFill>
-                <a:miter lim="800000"/>
-                <a:headEnd/>
-                <a:tailEnd/>
-              </a14:hiddenLine>
-            </a:ext>
-          </a:extLst>
-        </p:spPr>
-        <p:txBody>
-          <a:bodyPr lIns="90000" tIns="46800" rIns="90000" bIns="46800"/>
-          <a:lstStyle>
-            <a:lvl1pPr>
-              <a:defRPr sz="2400">
-                <a:solidFill>
-                  <a:schemeClr val="tx1"/>
-                </a:solidFill>
-                <a:latin typeface="Times New Roman" panose="02020603050405020304" pitchFamily="18" charset="0"/>
-              </a:defRPr>
-            </a:lvl1pPr>
-            <a:lvl2pPr marL="742950" indent="-285750">
-              <a:defRPr sz="2400">
-                <a:solidFill>
-                  <a:schemeClr val="tx1"/>
-                </a:solidFill>
-                <a:latin typeface="Times New Roman" panose="02020603050405020304" pitchFamily="18" charset="0"/>
-              </a:defRPr>
-            </a:lvl2pPr>
-            <a:lvl3pPr marL="1143000" indent="-228600">
-              <a:defRPr sz="2400">
-                <a:solidFill>
-                  <a:schemeClr val="tx1"/>
-                </a:solidFill>
-                <a:latin typeface="Times New Roman" panose="02020603050405020304" pitchFamily="18" charset="0"/>
-              </a:defRPr>
-            </a:lvl3pPr>
-            <a:lvl4pPr marL="1600200" indent="-228600">
-              <a:defRPr sz="2400">
-                <a:solidFill>
-                  <a:schemeClr val="tx1"/>
-                </a:solidFill>
-                <a:latin typeface="Times New Roman" panose="02020603050405020304" pitchFamily="18" charset="0"/>
-              </a:defRPr>
-            </a:lvl4pPr>
-            <a:lvl5pPr marL="2057400" indent="-228600">
-              <a:defRPr sz="2400">
-                <a:solidFill>
-                  <a:schemeClr val="tx1"/>
-                </a:solidFill>
-                <a:latin typeface="Times New Roman" panose="02020603050405020304" pitchFamily="18" charset="0"/>
-              </a:defRPr>
-            </a:lvl5pPr>
-            <a:lvl6pPr marL="2514600" indent="-228600" eaLnBrk="0" fontAlgn="base" hangingPunct="0">
-              <a:spcBef>
-                <a:spcPct val="0"/>
-              </a:spcBef>
-              <a:spcAft>
-                <a:spcPct val="0"/>
-              </a:spcAft>
-              <a:defRPr sz="2400">
-                <a:solidFill>
-                  <a:schemeClr val="tx1"/>
-                </a:solidFill>
-                <a:latin typeface="Times New Roman" panose="02020603050405020304" pitchFamily="18" charset="0"/>
-              </a:defRPr>
-            </a:lvl6pPr>
-            <a:lvl7pPr marL="2971800" indent="-228600" eaLnBrk="0" fontAlgn="base" hangingPunct="0">
-              <a:spcBef>
-                <a:spcPct val="0"/>
-              </a:spcBef>
-              <a:spcAft>
-                <a:spcPct val="0"/>
-              </a:spcAft>
-              <a:defRPr sz="2400">
-                <a:solidFill>
-                  <a:schemeClr val="tx1"/>
-                </a:solidFill>
-                <a:latin typeface="Times New Roman" panose="02020603050405020304" pitchFamily="18" charset="0"/>
-              </a:defRPr>
-            </a:lvl7pPr>
-            <a:lvl8pPr marL="3429000" indent="-228600" eaLnBrk="0" fontAlgn="base" hangingPunct="0">
-              <a:spcBef>
-                <a:spcPct val="0"/>
-              </a:spcBef>
-              <a:spcAft>
-                <a:spcPct val="0"/>
-              </a:spcAft>
-              <a:defRPr sz="2400">
-                <a:solidFill>
-                  <a:schemeClr val="tx1"/>
-                </a:solidFill>
-                <a:latin typeface="Times New Roman" panose="02020603050405020304" pitchFamily="18" charset="0"/>
-              </a:defRPr>
-            </a:lvl8pPr>
-            <a:lvl9pPr marL="3886200" indent="-228600" eaLnBrk="0" fontAlgn="base" hangingPunct="0">
-              <a:spcBef>
-                <a:spcPct val="0"/>
-              </a:spcBef>
-              <a:spcAft>
-                <a:spcPct val="0"/>
-              </a:spcAft>
-              <a:defRPr sz="2400">
-                <a:solidFill>
-                  <a:schemeClr val="tx1"/>
-                </a:solidFill>
-                <a:latin typeface="Times New Roman" panose="02020603050405020304" pitchFamily="18" charset="0"/>
-              </a:defRPr>
-            </a:lvl9pPr>
-          </a:lstStyle>
-          <a:p>
-            <a:endParaRPr lang="en-US" altLang="en-US"/>
-          </a:p>
-        </p:txBody>
-      </p:sp>
-      <p:pic>
-        <p:nvPicPr>
-          <p:cNvPr id="28676" name="Picture 3"/>
-          <p:cNvPicPr>
-            <a:picLocks noChangeAspect="1" noChangeArrowheads="1"/>
-          </p:cNvPicPr>
-          <p:nvPr/>
-        </p:nvPicPr>
-        <p:blipFill>
-          <a:blip r:embed="rId3" cstate="print">
-            <a:extLst>
-              <a:ext uri="{28A0092B-C50C-407E-A947-70E740481C1C}">
-                <a14:useLocalDpi xmlns:a14="http://schemas.microsoft.com/office/drawing/2010/main" xmlns="" val="0"/>
-              </a:ext>
-            </a:extLst>
-          </a:blip>
-          <a:srcRect b="6802"/>
-          <a:stretch>
-            <a:fillRect/>
-          </a:stretch>
-        </p:blipFill>
-        <p:spPr bwMode="auto">
-          <a:xfrm>
-            <a:off x="1981200" y="990600"/>
-            <a:ext cx="5505450" cy="5130800"/>
-          </a:xfrm>
-          <a:prstGeom prst="rect">
-            <a:avLst/>
-          </a:prstGeom>
-          <a:noFill/>
-          <a:ln>
-            <a:noFill/>
-          </a:ln>
-          <a:extLst>
-            <a:ext uri="{909E8E84-426E-40DD-AFC4-6F175D3DCCD1}">
-              <a14:hiddenFill xmlns:a14="http://schemas.microsoft.com/office/drawing/2010/main" xmlns="">
-                <a:solidFill>
-                  <a:srgbClr val="FFFFFF"/>
-                </a:solidFill>
-              </a14:hiddenFill>
-            </a:ext>
-            <a:ext uri="{91240B29-F687-4F45-9708-019B960494DF}">
-              <a14:hiddenLine xmlns:a14="http://schemas.microsoft.com/office/drawing/2010/main" xmlns="" w="9525">
+              <a14:hiddenLine xmlns="" xmlns:a14="http://schemas.microsoft.com/office/drawing/2010/main" w="9525">
                 <a:solidFill>
                   <a:srgbClr val="000000"/>
                 </a:solidFill>
@@ -14393,63 +12835,7 @@
                   <a:srgbClr val="E62D33"/>
                 </a:solidFill>
               </a:rPr>
-              <a:t>Have printed </a:t>
-            </a:r>
-            <a:r>
-              <a:rPr lang="en-US" sz="1800" b="1" dirty="0" smtClean="0">
-                <a:solidFill>
-                  <a:srgbClr val="E62D33"/>
-                </a:solidFill>
-              </a:rPr>
-              <a:t>out/or </a:t>
-            </a:r>
-            <a:r>
-              <a:rPr lang="en-US" sz="1800" b="1" dirty="0" smtClean="0">
-                <a:solidFill>
-                  <a:srgbClr val="E62D33"/>
-                </a:solidFill>
-              </a:rPr>
-              <a:t>copied </a:t>
-            </a:r>
-            <a:r>
-              <a:rPr lang="en-US" sz="1800" b="1" dirty="0" smtClean="0">
-                <a:solidFill>
-                  <a:srgbClr val="E62D33"/>
-                </a:solidFill>
-              </a:rPr>
-              <a:t>out your answers and </a:t>
-            </a:r>
-            <a:r>
-              <a:rPr lang="en-US" sz="1800" b="1" dirty="0" smtClean="0">
-                <a:solidFill>
-                  <a:srgbClr val="E62D33"/>
-                </a:solidFill>
-              </a:rPr>
-              <a:t>brought them </a:t>
-            </a:r>
-            <a:r>
-              <a:rPr lang="en-US" sz="1800" b="1" dirty="0" smtClean="0">
-                <a:solidFill>
-                  <a:srgbClr val="E62D33"/>
-                </a:solidFill>
-              </a:rPr>
-              <a:t>with you for </a:t>
-            </a:r>
-            <a:r>
-              <a:rPr lang="en-US" sz="1800" b="1" dirty="0" smtClean="0">
-                <a:solidFill>
-                  <a:srgbClr val="E62D33"/>
-                </a:solidFill>
-              </a:rPr>
-              <a:t>this </a:t>
-            </a:r>
-            <a:r>
-              <a:rPr lang="en-US" sz="1800" b="1" dirty="0" smtClean="0">
-                <a:solidFill>
-                  <a:srgbClr val="E62D33"/>
-                </a:solidFill>
-              </a:rPr>
-              <a:t>lesson</a:t>
+              <a:t>Have printed out/or copied out your answers and brought them with you for this lesson</a:t>
             </a:r>
             <a:endParaRPr lang="en-US" sz="1800" b="1" dirty="0">
               <a:solidFill>
@@ -14468,6 +12854,3075 @@
     <p:tnLst>
       <p:par>
         <p:cTn id="1" dur="indefinite" restart="never" nodeType="tmRoot"/>
+      </p:par>
+    </p:tnLst>
+  </p:timing>
+</p:sld>
+</file>
+
+<file path=ppt/slides/slide30.xml><?xml version="1.0" encoding="utf-8"?>
+<p:sld xmlns:a="http://schemas.openxmlformats.org/drawingml/2006/main" xmlns:r="http://schemas.openxmlformats.org/officeDocument/2006/relationships" xmlns:p="http://schemas.openxmlformats.org/presentationml/2006/main">
+  <p:cSld>
+    <p:spTree>
+      <p:nvGrpSpPr>
+        <p:cNvPr id="1" name=""/>
+        <p:cNvGrpSpPr/>
+        <p:nvPr/>
+      </p:nvGrpSpPr>
+      <p:grpSpPr>
+        <a:xfrm>
+          <a:off x="0" y="0"/>
+          <a:ext cx="0" cy="0"/>
+          <a:chOff x="0" y="0"/>
+          <a:chExt cx="0" cy="0"/>
+        </a:xfrm>
+      </p:grpSpPr>
+      <p:sp>
+        <p:nvSpPr>
+          <p:cNvPr id="21506" name="Rectangle 1"/>
+          <p:cNvSpPr>
+            <a:spLocks noGrp="1" noChangeArrowheads="1"/>
+          </p:cNvSpPr>
+          <p:nvPr>
+            <p:ph type="title" idx="4294967295"/>
+          </p:nvPr>
+        </p:nvSpPr>
+        <p:spPr/>
+        <p:txBody>
+          <a:bodyPr/>
+          <a:lstStyle/>
+          <a:p>
+            <a:pPr>
+              <a:tabLst>
+                <a:tab pos="0" algn="l"/>
+                <a:tab pos="914400" algn="l"/>
+                <a:tab pos="1828800" algn="l"/>
+                <a:tab pos="2743200" algn="l"/>
+                <a:tab pos="3657600" algn="l"/>
+                <a:tab pos="4572000" algn="l"/>
+                <a:tab pos="5486400" algn="l"/>
+                <a:tab pos="6400800" algn="l"/>
+                <a:tab pos="7315200" algn="l"/>
+                <a:tab pos="8229600" algn="l"/>
+                <a:tab pos="9144000" algn="l"/>
+                <a:tab pos="10058400" algn="l"/>
+              </a:tabLst>
+            </a:pPr>
+            <a:r>
+              <a:rPr lang="en-US" altLang="en-US" smtClean="0"/>
+              <a:t>Javascript at Body Section</a:t>
+            </a:r>
+          </a:p>
+        </p:txBody>
+      </p:sp>
+      <p:sp>
+        <p:nvSpPr>
+          <p:cNvPr id="21507" name="Rectangle 2"/>
+          <p:cNvSpPr>
+            <a:spLocks noGrp="1" noChangeArrowheads="1"/>
+          </p:cNvSpPr>
+          <p:nvPr>
+            <p:ph type="body" idx="4294967295"/>
+          </p:nvPr>
+        </p:nvSpPr>
+        <p:spPr/>
+        <p:txBody>
+          <a:bodyPr/>
+          <a:lstStyle/>
+          <a:p>
+            <a:endParaRPr lang="en-US" altLang="en-US" smtClean="0"/>
+          </a:p>
+        </p:txBody>
+      </p:sp>
+      <p:pic>
+        <p:nvPicPr>
+          <p:cNvPr id="21508" name="Picture 3"/>
+          <p:cNvPicPr>
+            <a:picLocks noChangeAspect="1" noChangeArrowheads="1"/>
+          </p:cNvPicPr>
+          <p:nvPr/>
+        </p:nvPicPr>
+        <p:blipFill>
+          <a:blip r:embed="rId3" cstate="print">
+            <a:extLst>
+              <a:ext uri="{28A0092B-C50C-407E-A947-70E740481C1C}">
+                <a14:useLocalDpi xmlns="" xmlns:a14="http://schemas.microsoft.com/office/drawing/2010/main" val="0"/>
+              </a:ext>
+            </a:extLst>
+          </a:blip>
+          <a:srcRect/>
+          <a:stretch>
+            <a:fillRect/>
+          </a:stretch>
+        </p:blipFill>
+        <p:spPr bwMode="auto">
+          <a:xfrm>
+            <a:off x="1371600" y="2581275"/>
+            <a:ext cx="6716713" cy="2720975"/>
+          </a:xfrm>
+          <a:prstGeom prst="rect">
+            <a:avLst/>
+          </a:prstGeom>
+          <a:noFill/>
+          <a:ln>
+            <a:noFill/>
+          </a:ln>
+          <a:extLst>
+            <a:ext uri="{909E8E84-426E-40DD-AFC4-6F175D3DCCD1}">
+              <a14:hiddenFill xmlns="" xmlns:a14="http://schemas.microsoft.com/office/drawing/2010/main">
+                <a:solidFill>
+                  <a:srgbClr val="FFFFFF"/>
+                </a:solidFill>
+              </a14:hiddenFill>
+            </a:ext>
+            <a:ext uri="{91240B29-F687-4F45-9708-019B960494DF}">
+              <a14:hiddenLine xmlns="" xmlns:a14="http://schemas.microsoft.com/office/drawing/2010/main" w="9525">
+                <a:solidFill>
+                  <a:srgbClr val="000000"/>
+                </a:solidFill>
+                <a:round/>
+                <a:headEnd/>
+                <a:tailEnd/>
+              </a14:hiddenLine>
+            </a:ext>
+          </a:extLst>
+        </p:spPr>
+      </p:pic>
+    </p:spTree>
+  </p:cSld>
+  <p:clrMapOvr>
+    <a:masterClrMapping/>
+  </p:clrMapOvr>
+  <p:transition spd="med"/>
+  <p:timing>
+    <p:tnLst>
+      <p:par>
+        <p:cTn id="1" dur="indefinite" restart="never" nodeType="tmRoot">
+          <p:childTnLst>
+            <p:seq concurrent="1" nextAc="seek">
+              <p:cTn id="2" dur="0" nodeType="mainSeq"/>
+              <p:prevCondLst>
+                <p:cond evt="onPrev" delay="0">
+                  <p:tgtEl>
+                    <p:sldTgt/>
+                  </p:tgtEl>
+                </p:cond>
+              </p:prevCondLst>
+              <p:nextCondLst>
+                <p:cond evt="onNext" delay="0">
+                  <p:tgtEl>
+                    <p:sldTgt/>
+                  </p:tgtEl>
+                </p:cond>
+              </p:nextCondLst>
+            </p:seq>
+          </p:childTnLst>
+        </p:cTn>
+      </p:par>
+    </p:tnLst>
+  </p:timing>
+</p:sld>
+</file>
+
+<file path=ppt/slides/slide31.xml><?xml version="1.0" encoding="utf-8"?>
+<p:sld xmlns:a="http://schemas.openxmlformats.org/drawingml/2006/main" xmlns:r="http://schemas.openxmlformats.org/officeDocument/2006/relationships" xmlns:p="http://schemas.openxmlformats.org/presentationml/2006/main">
+  <p:cSld>
+    <p:spTree>
+      <p:nvGrpSpPr>
+        <p:cNvPr id="1" name=""/>
+        <p:cNvGrpSpPr/>
+        <p:nvPr/>
+      </p:nvGrpSpPr>
+      <p:grpSpPr>
+        <a:xfrm>
+          <a:off x="0" y="0"/>
+          <a:ext cx="0" cy="0"/>
+          <a:chOff x="0" y="0"/>
+          <a:chExt cx="0" cy="0"/>
+        </a:xfrm>
+      </p:grpSpPr>
+      <p:sp>
+        <p:nvSpPr>
+          <p:cNvPr id="22530" name="Rectangle 1"/>
+          <p:cNvSpPr>
+            <a:spLocks noGrp="1" noChangeArrowheads="1"/>
+          </p:cNvSpPr>
+          <p:nvPr>
+            <p:ph type="title" idx="4294967295"/>
+          </p:nvPr>
+        </p:nvSpPr>
+        <p:spPr/>
+        <p:txBody>
+          <a:bodyPr/>
+          <a:lstStyle/>
+          <a:p>
+            <a:pPr>
+              <a:tabLst>
+                <a:tab pos="0" algn="l"/>
+                <a:tab pos="914400" algn="l"/>
+                <a:tab pos="1828800" algn="l"/>
+                <a:tab pos="2743200" algn="l"/>
+                <a:tab pos="3657600" algn="l"/>
+                <a:tab pos="4572000" algn="l"/>
+                <a:tab pos="5486400" algn="l"/>
+                <a:tab pos="6400800" algn="l"/>
+                <a:tab pos="7315200" algn="l"/>
+                <a:tab pos="8229600" algn="l"/>
+                <a:tab pos="9144000" algn="l"/>
+                <a:tab pos="10058400" algn="l"/>
+              </a:tabLst>
+            </a:pPr>
+            <a:r>
+              <a:rPr lang="en-US" altLang="en-US" smtClean="0"/>
+              <a:t>External script File</a:t>
+            </a:r>
+          </a:p>
+        </p:txBody>
+      </p:sp>
+      <p:sp>
+        <p:nvSpPr>
+          <p:cNvPr id="22531" name="Rectangle 2"/>
+          <p:cNvSpPr>
+            <a:spLocks noGrp="1" noChangeArrowheads="1"/>
+          </p:cNvSpPr>
+          <p:nvPr>
+            <p:ph type="body" idx="4294967295"/>
+          </p:nvPr>
+        </p:nvSpPr>
+        <p:spPr/>
+        <p:txBody>
+          <a:bodyPr/>
+          <a:lstStyle/>
+          <a:p>
+            <a:pPr marL="341313" indent="-341313">
+              <a:buFont typeface="Times New Roman" panose="02020603050405020304" pitchFamily="18" charset="0"/>
+              <a:buBlip>
+                <a:blip r:embed="rId3"/>
+              </a:buBlip>
+              <a:tabLst>
+                <a:tab pos="911225" algn="l"/>
+                <a:tab pos="1825625" algn="l"/>
+                <a:tab pos="2740025" algn="l"/>
+                <a:tab pos="3654425" algn="l"/>
+                <a:tab pos="4568825" algn="l"/>
+                <a:tab pos="5483225" algn="l"/>
+                <a:tab pos="6397625" algn="l"/>
+                <a:tab pos="7312025" algn="l"/>
+                <a:tab pos="8226425" algn="l"/>
+                <a:tab pos="9140825" algn="l"/>
+                <a:tab pos="10055225" algn="l"/>
+              </a:tabLst>
+            </a:pPr>
+            <a:r>
+              <a:rPr lang="en-US" altLang="en-US" smtClean="0"/>
+              <a:t>Either be embedded in your HTML files or placed in an external script file with a .js extension</a:t>
+            </a:r>
+          </a:p>
+        </p:txBody>
+      </p:sp>
+      <p:pic>
+        <p:nvPicPr>
+          <p:cNvPr id="22532" name="Picture 3"/>
+          <p:cNvPicPr>
+            <a:picLocks noChangeAspect="1" noChangeArrowheads="1"/>
+          </p:cNvPicPr>
+          <p:nvPr/>
+        </p:nvPicPr>
+        <p:blipFill>
+          <a:blip r:embed="rId4" cstate="print">
+            <a:extLst>
+              <a:ext uri="{28A0092B-C50C-407E-A947-70E740481C1C}">
+                <a14:useLocalDpi xmlns="" xmlns:a14="http://schemas.microsoft.com/office/drawing/2010/main" val="0"/>
+              </a:ext>
+            </a:extLst>
+          </a:blip>
+          <a:srcRect/>
+          <a:stretch>
+            <a:fillRect/>
+          </a:stretch>
+        </p:blipFill>
+        <p:spPr bwMode="auto">
+          <a:xfrm>
+            <a:off x="1000125" y="4413250"/>
+            <a:ext cx="6772275" cy="706438"/>
+          </a:xfrm>
+          <a:prstGeom prst="rect">
+            <a:avLst/>
+          </a:prstGeom>
+          <a:noFill/>
+          <a:ln>
+            <a:noFill/>
+          </a:ln>
+          <a:extLst>
+            <a:ext uri="{909E8E84-426E-40DD-AFC4-6F175D3DCCD1}">
+              <a14:hiddenFill xmlns="" xmlns:a14="http://schemas.microsoft.com/office/drawing/2010/main">
+                <a:solidFill>
+                  <a:srgbClr val="FFFFFF"/>
+                </a:solidFill>
+              </a14:hiddenFill>
+            </a:ext>
+            <a:ext uri="{91240B29-F687-4F45-9708-019B960494DF}">
+              <a14:hiddenLine xmlns="" xmlns:a14="http://schemas.microsoft.com/office/drawing/2010/main" w="9525">
+                <a:solidFill>
+                  <a:srgbClr val="000000"/>
+                </a:solidFill>
+                <a:round/>
+                <a:headEnd/>
+                <a:tailEnd/>
+              </a14:hiddenLine>
+            </a:ext>
+          </a:extLst>
+        </p:spPr>
+      </p:pic>
+    </p:spTree>
+  </p:cSld>
+  <p:clrMapOvr>
+    <a:masterClrMapping/>
+  </p:clrMapOvr>
+  <p:transition spd="med"/>
+  <p:timing>
+    <p:tnLst>
+      <p:par>
+        <p:cTn id="1" dur="indefinite" restart="never" nodeType="tmRoot">
+          <p:childTnLst>
+            <p:seq concurrent="1" nextAc="seek">
+              <p:cTn id="2" dur="0" nodeType="mainSeq"/>
+              <p:prevCondLst>
+                <p:cond evt="onPrev" delay="0">
+                  <p:tgtEl>
+                    <p:sldTgt/>
+                  </p:tgtEl>
+                </p:cond>
+              </p:prevCondLst>
+              <p:nextCondLst>
+                <p:cond evt="onNext" delay="0">
+                  <p:tgtEl>
+                    <p:sldTgt/>
+                  </p:tgtEl>
+                </p:cond>
+              </p:nextCondLst>
+            </p:seq>
+          </p:childTnLst>
+        </p:cTn>
+      </p:par>
+    </p:tnLst>
+  </p:timing>
+</p:sld>
+</file>
+
+<file path=ppt/slides/slide32.xml><?xml version="1.0" encoding="utf-8"?>
+<p:sld xmlns:a="http://schemas.openxmlformats.org/drawingml/2006/main" xmlns:r="http://schemas.openxmlformats.org/officeDocument/2006/relationships" xmlns:p="http://schemas.openxmlformats.org/presentationml/2006/main">
+  <p:cSld>
+    <p:spTree>
+      <p:nvGrpSpPr>
+        <p:cNvPr id="1" name=""/>
+        <p:cNvGrpSpPr/>
+        <p:nvPr/>
+      </p:nvGrpSpPr>
+      <p:grpSpPr>
+        <a:xfrm>
+          <a:off x="0" y="0"/>
+          <a:ext cx="0" cy="0"/>
+          <a:chOff x="0" y="0"/>
+          <a:chExt cx="0" cy="0"/>
+        </a:xfrm>
+      </p:grpSpPr>
+      <p:sp>
+        <p:nvSpPr>
+          <p:cNvPr id="23554" name="Rectangle 1"/>
+          <p:cNvSpPr>
+            <a:spLocks noGrp="1" noChangeArrowheads="1"/>
+          </p:cNvSpPr>
+          <p:nvPr>
+            <p:ph type="title" idx="4294967295"/>
+          </p:nvPr>
+        </p:nvSpPr>
+        <p:spPr>
+          <a:xfrm>
+            <a:off x="685800" y="463550"/>
+            <a:ext cx="7772400" cy="1435100"/>
+          </a:xfrm>
+        </p:spPr>
+        <p:txBody>
+          <a:bodyPr/>
+          <a:lstStyle/>
+          <a:p>
+            <a:pPr>
+              <a:tabLst>
+                <a:tab pos="0" algn="l"/>
+                <a:tab pos="914400" algn="l"/>
+                <a:tab pos="1828800" algn="l"/>
+                <a:tab pos="2743200" algn="l"/>
+                <a:tab pos="3657600" algn="l"/>
+                <a:tab pos="4572000" algn="l"/>
+                <a:tab pos="5486400" algn="l"/>
+                <a:tab pos="6400800" algn="l"/>
+                <a:tab pos="7315200" algn="l"/>
+                <a:tab pos="8229600" algn="l"/>
+                <a:tab pos="9144000" algn="l"/>
+                <a:tab pos="10058400" algn="l"/>
+              </a:tabLst>
+            </a:pPr>
+            <a:r>
+              <a:rPr lang="en-US" altLang="en-US" smtClean="0"/>
+              <a:t>Simple First </a:t>
+            </a:r>
+            <a:br>
+              <a:rPr lang="en-US" altLang="en-US" smtClean="0"/>
+            </a:br>
+            <a:r>
+              <a:rPr lang="en-US" altLang="en-US" smtClean="0"/>
+              <a:t>JavaScript Program</a:t>
+            </a:r>
+          </a:p>
+        </p:txBody>
+      </p:sp>
+      <p:sp>
+        <p:nvSpPr>
+          <p:cNvPr id="23555" name="Rectangle 2"/>
+          <p:cNvSpPr>
+            <a:spLocks noGrp="1" noChangeArrowheads="1"/>
+          </p:cNvSpPr>
+          <p:nvPr>
+            <p:ph type="body" idx="4294967295"/>
+          </p:nvPr>
+        </p:nvSpPr>
+        <p:spPr/>
+        <p:txBody>
+          <a:bodyPr/>
+          <a:lstStyle/>
+          <a:p>
+            <a:pPr marL="341313" indent="-341313">
+              <a:buFont typeface="Times New Roman" panose="02020603050405020304" pitchFamily="18" charset="0"/>
+              <a:buBlip>
+                <a:blip r:embed="rId3"/>
+              </a:buBlip>
+              <a:tabLst>
+                <a:tab pos="911225" algn="l"/>
+                <a:tab pos="1825625" algn="l"/>
+                <a:tab pos="2740025" algn="l"/>
+                <a:tab pos="3654425" algn="l"/>
+                <a:tab pos="4568825" algn="l"/>
+                <a:tab pos="5483225" algn="l"/>
+                <a:tab pos="6397625" algn="l"/>
+                <a:tab pos="7312025" algn="l"/>
+                <a:tab pos="8226425" algn="l"/>
+                <a:tab pos="9140825" algn="l"/>
+                <a:tab pos="10055225" algn="l"/>
+              </a:tabLst>
+            </a:pPr>
+            <a:r>
+              <a:rPr lang="en-US" altLang="en-US" smtClean="0"/>
+              <a:t>.html file and type the following code:</a:t>
+            </a:r>
+          </a:p>
+        </p:txBody>
+      </p:sp>
+      <p:pic>
+        <p:nvPicPr>
+          <p:cNvPr id="23556" name="Picture 3"/>
+          <p:cNvPicPr>
+            <a:picLocks noChangeAspect="1" noChangeArrowheads="1"/>
+          </p:cNvPicPr>
+          <p:nvPr/>
+        </p:nvPicPr>
+        <p:blipFill>
+          <a:blip r:embed="rId4" cstate="print">
+            <a:extLst>
+              <a:ext uri="{28A0092B-C50C-407E-A947-70E740481C1C}">
+                <a14:useLocalDpi xmlns="" xmlns:a14="http://schemas.microsoft.com/office/drawing/2010/main" val="0"/>
+              </a:ext>
+            </a:extLst>
+          </a:blip>
+          <a:srcRect/>
+          <a:stretch>
+            <a:fillRect/>
+          </a:stretch>
+        </p:blipFill>
+        <p:spPr bwMode="auto">
+          <a:xfrm>
+            <a:off x="1096963" y="3130550"/>
+            <a:ext cx="7142162" cy="2447925"/>
+          </a:xfrm>
+          <a:prstGeom prst="rect">
+            <a:avLst/>
+          </a:prstGeom>
+          <a:noFill/>
+          <a:ln>
+            <a:noFill/>
+          </a:ln>
+          <a:extLst>
+            <a:ext uri="{909E8E84-426E-40DD-AFC4-6F175D3DCCD1}">
+              <a14:hiddenFill xmlns="" xmlns:a14="http://schemas.microsoft.com/office/drawing/2010/main">
+                <a:solidFill>
+                  <a:srgbClr val="FFFFFF"/>
+                </a:solidFill>
+              </a14:hiddenFill>
+            </a:ext>
+            <a:ext uri="{91240B29-F687-4F45-9708-019B960494DF}">
+              <a14:hiddenLine xmlns="" xmlns:a14="http://schemas.microsoft.com/office/drawing/2010/main" w="9525">
+                <a:solidFill>
+                  <a:srgbClr val="000000"/>
+                </a:solidFill>
+                <a:round/>
+                <a:headEnd/>
+                <a:tailEnd/>
+              </a14:hiddenLine>
+            </a:ext>
+          </a:extLst>
+        </p:spPr>
+      </p:pic>
+    </p:spTree>
+  </p:cSld>
+  <p:clrMapOvr>
+    <a:masterClrMapping/>
+  </p:clrMapOvr>
+  <p:transition spd="med"/>
+  <p:timing>
+    <p:tnLst>
+      <p:par>
+        <p:cTn id="1" dur="indefinite" restart="never" nodeType="tmRoot">
+          <p:childTnLst>
+            <p:seq concurrent="1" nextAc="seek">
+              <p:cTn id="2" dur="0" nodeType="mainSeq"/>
+              <p:prevCondLst>
+                <p:cond evt="onPrev" delay="0">
+                  <p:tgtEl>
+                    <p:sldTgt/>
+                  </p:tgtEl>
+                </p:cond>
+              </p:prevCondLst>
+              <p:nextCondLst>
+                <p:cond evt="onNext" delay="0">
+                  <p:tgtEl>
+                    <p:sldTgt/>
+                  </p:tgtEl>
+                </p:cond>
+              </p:nextCondLst>
+            </p:seq>
+          </p:childTnLst>
+        </p:cTn>
+      </p:par>
+    </p:tnLst>
+  </p:timing>
+</p:sld>
+</file>
+
+<file path=ppt/slides/slide33.xml><?xml version="1.0" encoding="utf-8"?>
+<p:sld xmlns:a="http://schemas.openxmlformats.org/drawingml/2006/main" xmlns:r="http://schemas.openxmlformats.org/officeDocument/2006/relationships" xmlns:p="http://schemas.openxmlformats.org/presentationml/2006/main">
+  <p:cSld>
+    <p:spTree>
+      <p:nvGrpSpPr>
+        <p:cNvPr id="1" name=""/>
+        <p:cNvGrpSpPr/>
+        <p:nvPr/>
+      </p:nvGrpSpPr>
+      <p:grpSpPr>
+        <a:xfrm>
+          <a:off x="0" y="0"/>
+          <a:ext cx="0" cy="0"/>
+          <a:chOff x="0" y="0"/>
+          <a:chExt cx="0" cy="0"/>
+        </a:xfrm>
+      </p:grpSpPr>
+      <p:sp>
+        <p:nvSpPr>
+          <p:cNvPr id="24578" name="Rectangle 1"/>
+          <p:cNvSpPr>
+            <a:spLocks noGrp="1" noChangeArrowheads="1"/>
+          </p:cNvSpPr>
+          <p:nvPr>
+            <p:ph type="title"/>
+          </p:nvPr>
+        </p:nvSpPr>
+        <p:spPr/>
+        <p:txBody>
+          <a:bodyPr/>
+          <a:lstStyle/>
+          <a:p>
+            <a:endParaRPr lang="en-US" altLang="en-US" smtClean="0"/>
+          </a:p>
+        </p:txBody>
+      </p:sp>
+      <p:sp>
+        <p:nvSpPr>
+          <p:cNvPr id="24579" name="Rectangle 2"/>
+          <p:cNvSpPr>
+            <a:spLocks noGrp="1" noChangeArrowheads="1"/>
+          </p:cNvSpPr>
+          <p:nvPr>
+            <p:ph type="body" idx="1"/>
+          </p:nvPr>
+        </p:nvSpPr>
+        <p:spPr/>
+        <p:txBody>
+          <a:bodyPr/>
+          <a:lstStyle/>
+          <a:p>
+            <a:pPr marL="341313" indent="-341313">
+              <a:buFont typeface="Times New Roman" panose="02020603050405020304" pitchFamily="18" charset="0"/>
+              <a:buBlip>
+                <a:blip r:embed="rId2"/>
+              </a:buBlip>
+              <a:tabLst>
+                <a:tab pos="911225" algn="l"/>
+                <a:tab pos="1825625" algn="l"/>
+                <a:tab pos="2740025" algn="l"/>
+                <a:tab pos="3654425" algn="l"/>
+                <a:tab pos="4568825" algn="l"/>
+                <a:tab pos="5483225" algn="l"/>
+                <a:tab pos="6397625" algn="l"/>
+                <a:tab pos="7312025" algn="l"/>
+                <a:tab pos="8226425" algn="l"/>
+                <a:tab pos="9140825" algn="l"/>
+                <a:tab pos="10055225" algn="l"/>
+              </a:tabLst>
+            </a:pPr>
+            <a:r>
+              <a:rPr lang="en-US" altLang="en-US" smtClean="0"/>
+              <a:t>When you open the file in web browser, first you get a message box in a white background and then you press OK button you can see the background color is changed to RED color</a:t>
+            </a:r>
+          </a:p>
+        </p:txBody>
+      </p:sp>
+    </p:spTree>
+  </p:cSld>
+  <p:clrMapOvr>
+    <a:masterClrMapping/>
+  </p:clrMapOvr>
+  <p:transition spd="med"/>
+  <p:timing>
+    <p:tnLst>
+      <p:par>
+        <p:cTn id="1" dur="indefinite" restart="never" nodeType="tmRoot">
+          <p:childTnLst>
+            <p:seq concurrent="1" nextAc="seek">
+              <p:cTn id="2" dur="0" nodeType="mainSeq"/>
+              <p:prevCondLst>
+                <p:cond evt="onPrev" delay="0">
+                  <p:tgtEl>
+                    <p:sldTgt/>
+                  </p:tgtEl>
+                </p:cond>
+              </p:prevCondLst>
+              <p:nextCondLst>
+                <p:cond evt="onNext" delay="0">
+                  <p:tgtEl>
+                    <p:sldTgt/>
+                  </p:tgtEl>
+                </p:cond>
+              </p:nextCondLst>
+            </p:seq>
+          </p:childTnLst>
+        </p:cTn>
+      </p:par>
+    </p:tnLst>
+  </p:timing>
+</p:sld>
+</file>
+
+<file path=ppt/slides/slide34.xml><?xml version="1.0" encoding="utf-8"?>
+<p:sld xmlns:a="http://schemas.openxmlformats.org/drawingml/2006/main" xmlns:r="http://schemas.openxmlformats.org/officeDocument/2006/relationships" xmlns:p="http://schemas.openxmlformats.org/presentationml/2006/main">
+  <p:cSld>
+    <p:spTree>
+      <p:nvGrpSpPr>
+        <p:cNvPr id="1" name=""/>
+        <p:cNvGrpSpPr/>
+        <p:nvPr/>
+      </p:nvGrpSpPr>
+      <p:grpSpPr>
+        <a:xfrm>
+          <a:off x="0" y="0"/>
+          <a:ext cx="0" cy="0"/>
+          <a:chOff x="0" y="0"/>
+          <a:chExt cx="0" cy="0"/>
+        </a:xfrm>
+      </p:grpSpPr>
+      <p:sp>
+        <p:nvSpPr>
+          <p:cNvPr id="25602" name="Text Box 1"/>
+          <p:cNvSpPr txBox="1">
+            <a:spLocks noChangeArrowheads="1"/>
+          </p:cNvSpPr>
+          <p:nvPr/>
+        </p:nvSpPr>
+        <p:spPr bwMode="auto">
+          <a:xfrm>
+            <a:off x="685800" y="609600"/>
+            <a:ext cx="7772400" cy="1143000"/>
+          </a:xfrm>
+          <a:prstGeom prst="rect">
+            <a:avLst/>
+          </a:prstGeom>
+          <a:noFill/>
+          <a:ln>
+            <a:noFill/>
+          </a:ln>
+          <a:extLst>
+            <a:ext uri="{909E8E84-426E-40DD-AFC4-6F175D3DCCD1}">
+              <a14:hiddenFill xmlns="" xmlns:a14="http://schemas.microsoft.com/office/drawing/2010/main">
+                <a:solidFill>
+                  <a:srgbClr val="FFFFFF"/>
+                </a:solidFill>
+              </a14:hiddenFill>
+            </a:ext>
+            <a:ext uri="{91240B29-F687-4F45-9708-019B960494DF}">
+              <a14:hiddenLine xmlns="" xmlns:a14="http://schemas.microsoft.com/office/drawing/2010/main" w="9525">
+                <a:solidFill>
+                  <a:srgbClr val="000000"/>
+                </a:solidFill>
+                <a:round/>
+                <a:headEnd/>
+                <a:tailEnd/>
+              </a14:hiddenLine>
+            </a:ext>
+          </a:extLst>
+        </p:spPr>
+        <p:txBody>
+          <a:bodyPr anchor="ctr"/>
+          <a:lstStyle>
+            <a:lvl1pPr>
+              <a:tabLst>
+                <a:tab pos="0" algn="l"/>
+                <a:tab pos="914400" algn="l"/>
+                <a:tab pos="1828800" algn="l"/>
+                <a:tab pos="2743200" algn="l"/>
+                <a:tab pos="3657600" algn="l"/>
+                <a:tab pos="4572000" algn="l"/>
+                <a:tab pos="5486400" algn="l"/>
+                <a:tab pos="6400800" algn="l"/>
+                <a:tab pos="7315200" algn="l"/>
+                <a:tab pos="8229600" algn="l"/>
+                <a:tab pos="9144000" algn="l"/>
+                <a:tab pos="10058400" algn="l"/>
+              </a:tabLst>
+              <a:defRPr sz="2400">
+                <a:solidFill>
+                  <a:schemeClr val="tx1"/>
+                </a:solidFill>
+                <a:latin typeface="Times New Roman" panose="02020603050405020304" pitchFamily="18" charset="0"/>
+              </a:defRPr>
+            </a:lvl1pPr>
+            <a:lvl2pPr marL="742950" indent="-285750">
+              <a:tabLst>
+                <a:tab pos="0" algn="l"/>
+                <a:tab pos="914400" algn="l"/>
+                <a:tab pos="1828800" algn="l"/>
+                <a:tab pos="2743200" algn="l"/>
+                <a:tab pos="3657600" algn="l"/>
+                <a:tab pos="4572000" algn="l"/>
+                <a:tab pos="5486400" algn="l"/>
+                <a:tab pos="6400800" algn="l"/>
+                <a:tab pos="7315200" algn="l"/>
+                <a:tab pos="8229600" algn="l"/>
+                <a:tab pos="9144000" algn="l"/>
+                <a:tab pos="10058400" algn="l"/>
+              </a:tabLst>
+              <a:defRPr sz="2400">
+                <a:solidFill>
+                  <a:schemeClr val="tx1"/>
+                </a:solidFill>
+                <a:latin typeface="Times New Roman" panose="02020603050405020304" pitchFamily="18" charset="0"/>
+              </a:defRPr>
+            </a:lvl2pPr>
+            <a:lvl3pPr marL="1143000" indent="-228600">
+              <a:tabLst>
+                <a:tab pos="0" algn="l"/>
+                <a:tab pos="914400" algn="l"/>
+                <a:tab pos="1828800" algn="l"/>
+                <a:tab pos="2743200" algn="l"/>
+                <a:tab pos="3657600" algn="l"/>
+                <a:tab pos="4572000" algn="l"/>
+                <a:tab pos="5486400" algn="l"/>
+                <a:tab pos="6400800" algn="l"/>
+                <a:tab pos="7315200" algn="l"/>
+                <a:tab pos="8229600" algn="l"/>
+                <a:tab pos="9144000" algn="l"/>
+                <a:tab pos="10058400" algn="l"/>
+              </a:tabLst>
+              <a:defRPr sz="2400">
+                <a:solidFill>
+                  <a:schemeClr val="tx1"/>
+                </a:solidFill>
+                <a:latin typeface="Times New Roman" panose="02020603050405020304" pitchFamily="18" charset="0"/>
+              </a:defRPr>
+            </a:lvl3pPr>
+            <a:lvl4pPr marL="1600200" indent="-228600">
+              <a:tabLst>
+                <a:tab pos="0" algn="l"/>
+                <a:tab pos="914400" algn="l"/>
+                <a:tab pos="1828800" algn="l"/>
+                <a:tab pos="2743200" algn="l"/>
+                <a:tab pos="3657600" algn="l"/>
+                <a:tab pos="4572000" algn="l"/>
+                <a:tab pos="5486400" algn="l"/>
+                <a:tab pos="6400800" algn="l"/>
+                <a:tab pos="7315200" algn="l"/>
+                <a:tab pos="8229600" algn="l"/>
+                <a:tab pos="9144000" algn="l"/>
+                <a:tab pos="10058400" algn="l"/>
+              </a:tabLst>
+              <a:defRPr sz="2400">
+                <a:solidFill>
+                  <a:schemeClr val="tx1"/>
+                </a:solidFill>
+                <a:latin typeface="Times New Roman" panose="02020603050405020304" pitchFamily="18" charset="0"/>
+              </a:defRPr>
+            </a:lvl4pPr>
+            <a:lvl5pPr marL="2057400" indent="-228600">
+              <a:tabLst>
+                <a:tab pos="0" algn="l"/>
+                <a:tab pos="914400" algn="l"/>
+                <a:tab pos="1828800" algn="l"/>
+                <a:tab pos="2743200" algn="l"/>
+                <a:tab pos="3657600" algn="l"/>
+                <a:tab pos="4572000" algn="l"/>
+                <a:tab pos="5486400" algn="l"/>
+                <a:tab pos="6400800" algn="l"/>
+                <a:tab pos="7315200" algn="l"/>
+                <a:tab pos="8229600" algn="l"/>
+                <a:tab pos="9144000" algn="l"/>
+                <a:tab pos="10058400" algn="l"/>
+              </a:tabLst>
+              <a:defRPr sz="2400">
+                <a:solidFill>
+                  <a:schemeClr val="tx1"/>
+                </a:solidFill>
+                <a:latin typeface="Times New Roman" panose="02020603050405020304" pitchFamily="18" charset="0"/>
+              </a:defRPr>
+            </a:lvl5pPr>
+            <a:lvl6pPr marL="2514600" indent="-228600" eaLnBrk="0" fontAlgn="base" hangingPunct="0">
+              <a:spcBef>
+                <a:spcPct val="0"/>
+              </a:spcBef>
+              <a:spcAft>
+                <a:spcPct val="0"/>
+              </a:spcAft>
+              <a:tabLst>
+                <a:tab pos="0" algn="l"/>
+                <a:tab pos="914400" algn="l"/>
+                <a:tab pos="1828800" algn="l"/>
+                <a:tab pos="2743200" algn="l"/>
+                <a:tab pos="3657600" algn="l"/>
+                <a:tab pos="4572000" algn="l"/>
+                <a:tab pos="5486400" algn="l"/>
+                <a:tab pos="6400800" algn="l"/>
+                <a:tab pos="7315200" algn="l"/>
+                <a:tab pos="8229600" algn="l"/>
+                <a:tab pos="9144000" algn="l"/>
+                <a:tab pos="10058400" algn="l"/>
+              </a:tabLst>
+              <a:defRPr sz="2400">
+                <a:solidFill>
+                  <a:schemeClr val="tx1"/>
+                </a:solidFill>
+                <a:latin typeface="Times New Roman" panose="02020603050405020304" pitchFamily="18" charset="0"/>
+              </a:defRPr>
+            </a:lvl6pPr>
+            <a:lvl7pPr marL="2971800" indent="-228600" eaLnBrk="0" fontAlgn="base" hangingPunct="0">
+              <a:spcBef>
+                <a:spcPct val="0"/>
+              </a:spcBef>
+              <a:spcAft>
+                <a:spcPct val="0"/>
+              </a:spcAft>
+              <a:tabLst>
+                <a:tab pos="0" algn="l"/>
+                <a:tab pos="914400" algn="l"/>
+                <a:tab pos="1828800" algn="l"/>
+                <a:tab pos="2743200" algn="l"/>
+                <a:tab pos="3657600" algn="l"/>
+                <a:tab pos="4572000" algn="l"/>
+                <a:tab pos="5486400" algn="l"/>
+                <a:tab pos="6400800" algn="l"/>
+                <a:tab pos="7315200" algn="l"/>
+                <a:tab pos="8229600" algn="l"/>
+                <a:tab pos="9144000" algn="l"/>
+                <a:tab pos="10058400" algn="l"/>
+              </a:tabLst>
+              <a:defRPr sz="2400">
+                <a:solidFill>
+                  <a:schemeClr val="tx1"/>
+                </a:solidFill>
+                <a:latin typeface="Times New Roman" panose="02020603050405020304" pitchFamily="18" charset="0"/>
+              </a:defRPr>
+            </a:lvl7pPr>
+            <a:lvl8pPr marL="3429000" indent="-228600" eaLnBrk="0" fontAlgn="base" hangingPunct="0">
+              <a:spcBef>
+                <a:spcPct val="0"/>
+              </a:spcBef>
+              <a:spcAft>
+                <a:spcPct val="0"/>
+              </a:spcAft>
+              <a:tabLst>
+                <a:tab pos="0" algn="l"/>
+                <a:tab pos="914400" algn="l"/>
+                <a:tab pos="1828800" algn="l"/>
+                <a:tab pos="2743200" algn="l"/>
+                <a:tab pos="3657600" algn="l"/>
+                <a:tab pos="4572000" algn="l"/>
+                <a:tab pos="5486400" algn="l"/>
+                <a:tab pos="6400800" algn="l"/>
+                <a:tab pos="7315200" algn="l"/>
+                <a:tab pos="8229600" algn="l"/>
+                <a:tab pos="9144000" algn="l"/>
+                <a:tab pos="10058400" algn="l"/>
+              </a:tabLst>
+              <a:defRPr sz="2400">
+                <a:solidFill>
+                  <a:schemeClr val="tx1"/>
+                </a:solidFill>
+                <a:latin typeface="Times New Roman" panose="02020603050405020304" pitchFamily="18" charset="0"/>
+              </a:defRPr>
+            </a:lvl8pPr>
+            <a:lvl9pPr marL="3886200" indent="-228600" eaLnBrk="0" fontAlgn="base" hangingPunct="0">
+              <a:spcBef>
+                <a:spcPct val="0"/>
+              </a:spcBef>
+              <a:spcAft>
+                <a:spcPct val="0"/>
+              </a:spcAft>
+              <a:tabLst>
+                <a:tab pos="0" algn="l"/>
+                <a:tab pos="914400" algn="l"/>
+                <a:tab pos="1828800" algn="l"/>
+                <a:tab pos="2743200" algn="l"/>
+                <a:tab pos="3657600" algn="l"/>
+                <a:tab pos="4572000" algn="l"/>
+                <a:tab pos="5486400" algn="l"/>
+                <a:tab pos="6400800" algn="l"/>
+                <a:tab pos="7315200" algn="l"/>
+                <a:tab pos="8229600" algn="l"/>
+                <a:tab pos="9144000" algn="l"/>
+                <a:tab pos="10058400" algn="l"/>
+              </a:tabLst>
+              <a:defRPr sz="2400">
+                <a:solidFill>
+                  <a:schemeClr val="tx1"/>
+                </a:solidFill>
+                <a:latin typeface="Times New Roman" panose="02020603050405020304" pitchFamily="18" charset="0"/>
+              </a:defRPr>
+            </a:lvl9pPr>
+          </a:lstStyle>
+          <a:p>
+            <a:pPr algn="ctr"/>
+            <a:r>
+              <a:rPr lang="en-GB" altLang="en-US" sz="4400">
+                <a:solidFill>
+                  <a:srgbClr val="000000"/>
+                </a:solidFill>
+                <a:latin typeface="Arial" panose="020B0604020202020204" pitchFamily="34" charset="0"/>
+              </a:rPr>
+              <a:t>This Week</a:t>
+            </a:r>
+          </a:p>
+        </p:txBody>
+      </p:sp>
+      <p:sp>
+        <p:nvSpPr>
+          <p:cNvPr id="25603" name="Text Box 2"/>
+          <p:cNvSpPr txBox="1">
+            <a:spLocks noChangeArrowheads="1"/>
+          </p:cNvSpPr>
+          <p:nvPr/>
+        </p:nvSpPr>
+        <p:spPr bwMode="auto">
+          <a:xfrm>
+            <a:off x="685800" y="1752600"/>
+            <a:ext cx="7772400" cy="4343400"/>
+          </a:xfrm>
+          <a:prstGeom prst="rect">
+            <a:avLst/>
+          </a:prstGeom>
+          <a:noFill/>
+          <a:ln>
+            <a:noFill/>
+          </a:ln>
+          <a:extLst>
+            <a:ext uri="{909E8E84-426E-40DD-AFC4-6F175D3DCCD1}">
+              <a14:hiddenFill xmlns="" xmlns:a14="http://schemas.microsoft.com/office/drawing/2010/main">
+                <a:solidFill>
+                  <a:srgbClr val="FFFFFF"/>
+                </a:solidFill>
+              </a14:hiddenFill>
+            </a:ext>
+            <a:ext uri="{91240B29-F687-4F45-9708-019B960494DF}">
+              <a14:hiddenLine xmlns="" xmlns:a14="http://schemas.microsoft.com/office/drawing/2010/main" w="9525">
+                <a:solidFill>
+                  <a:srgbClr val="000000"/>
+                </a:solidFill>
+                <a:round/>
+                <a:headEnd/>
+                <a:tailEnd/>
+              </a14:hiddenLine>
+            </a:ext>
+          </a:extLst>
+        </p:spPr>
+        <p:txBody>
+          <a:bodyPr/>
+          <a:lstStyle>
+            <a:lvl1pPr marL="341313" indent="-341313">
+              <a:tabLst>
+                <a:tab pos="911225" algn="l"/>
+                <a:tab pos="1825625" algn="l"/>
+                <a:tab pos="2740025" algn="l"/>
+                <a:tab pos="3654425" algn="l"/>
+                <a:tab pos="4568825" algn="l"/>
+                <a:tab pos="5483225" algn="l"/>
+                <a:tab pos="6397625" algn="l"/>
+                <a:tab pos="7312025" algn="l"/>
+                <a:tab pos="8226425" algn="l"/>
+                <a:tab pos="9140825" algn="l"/>
+                <a:tab pos="10055225" algn="l"/>
+              </a:tabLst>
+              <a:defRPr sz="2400">
+                <a:solidFill>
+                  <a:schemeClr val="tx1"/>
+                </a:solidFill>
+                <a:latin typeface="Times New Roman" panose="02020603050405020304" pitchFamily="18" charset="0"/>
+              </a:defRPr>
+            </a:lvl1pPr>
+            <a:lvl2pPr marL="741363" indent="-284163">
+              <a:tabLst>
+                <a:tab pos="911225" algn="l"/>
+                <a:tab pos="1825625" algn="l"/>
+                <a:tab pos="2740025" algn="l"/>
+                <a:tab pos="3654425" algn="l"/>
+                <a:tab pos="4568825" algn="l"/>
+                <a:tab pos="5483225" algn="l"/>
+                <a:tab pos="6397625" algn="l"/>
+                <a:tab pos="7312025" algn="l"/>
+                <a:tab pos="8226425" algn="l"/>
+                <a:tab pos="9140825" algn="l"/>
+                <a:tab pos="10055225" algn="l"/>
+              </a:tabLst>
+              <a:defRPr sz="2400">
+                <a:solidFill>
+                  <a:schemeClr val="tx1"/>
+                </a:solidFill>
+                <a:latin typeface="Times New Roman" panose="02020603050405020304" pitchFamily="18" charset="0"/>
+              </a:defRPr>
+            </a:lvl2pPr>
+            <a:lvl3pPr marL="1143000" indent="-228600">
+              <a:tabLst>
+                <a:tab pos="911225" algn="l"/>
+                <a:tab pos="1825625" algn="l"/>
+                <a:tab pos="2740025" algn="l"/>
+                <a:tab pos="3654425" algn="l"/>
+                <a:tab pos="4568825" algn="l"/>
+                <a:tab pos="5483225" algn="l"/>
+                <a:tab pos="6397625" algn="l"/>
+                <a:tab pos="7312025" algn="l"/>
+                <a:tab pos="8226425" algn="l"/>
+                <a:tab pos="9140825" algn="l"/>
+                <a:tab pos="10055225" algn="l"/>
+              </a:tabLst>
+              <a:defRPr sz="2400">
+                <a:solidFill>
+                  <a:schemeClr val="tx1"/>
+                </a:solidFill>
+                <a:latin typeface="Times New Roman" panose="02020603050405020304" pitchFamily="18" charset="0"/>
+              </a:defRPr>
+            </a:lvl3pPr>
+            <a:lvl4pPr marL="1600200" indent="-228600">
+              <a:tabLst>
+                <a:tab pos="911225" algn="l"/>
+                <a:tab pos="1825625" algn="l"/>
+                <a:tab pos="2740025" algn="l"/>
+                <a:tab pos="3654425" algn="l"/>
+                <a:tab pos="4568825" algn="l"/>
+                <a:tab pos="5483225" algn="l"/>
+                <a:tab pos="6397625" algn="l"/>
+                <a:tab pos="7312025" algn="l"/>
+                <a:tab pos="8226425" algn="l"/>
+                <a:tab pos="9140825" algn="l"/>
+                <a:tab pos="10055225" algn="l"/>
+              </a:tabLst>
+              <a:defRPr sz="2400">
+                <a:solidFill>
+                  <a:schemeClr val="tx1"/>
+                </a:solidFill>
+                <a:latin typeface="Times New Roman" panose="02020603050405020304" pitchFamily="18" charset="0"/>
+              </a:defRPr>
+            </a:lvl4pPr>
+            <a:lvl5pPr marL="2057400" indent="-228600">
+              <a:tabLst>
+                <a:tab pos="911225" algn="l"/>
+                <a:tab pos="1825625" algn="l"/>
+                <a:tab pos="2740025" algn="l"/>
+                <a:tab pos="3654425" algn="l"/>
+                <a:tab pos="4568825" algn="l"/>
+                <a:tab pos="5483225" algn="l"/>
+                <a:tab pos="6397625" algn="l"/>
+                <a:tab pos="7312025" algn="l"/>
+                <a:tab pos="8226425" algn="l"/>
+                <a:tab pos="9140825" algn="l"/>
+                <a:tab pos="10055225" algn="l"/>
+              </a:tabLst>
+              <a:defRPr sz="2400">
+                <a:solidFill>
+                  <a:schemeClr val="tx1"/>
+                </a:solidFill>
+                <a:latin typeface="Times New Roman" panose="02020603050405020304" pitchFamily="18" charset="0"/>
+              </a:defRPr>
+            </a:lvl5pPr>
+            <a:lvl6pPr marL="2514600" indent="-228600" eaLnBrk="0" fontAlgn="base" hangingPunct="0">
+              <a:spcBef>
+                <a:spcPct val="0"/>
+              </a:spcBef>
+              <a:spcAft>
+                <a:spcPct val="0"/>
+              </a:spcAft>
+              <a:tabLst>
+                <a:tab pos="911225" algn="l"/>
+                <a:tab pos="1825625" algn="l"/>
+                <a:tab pos="2740025" algn="l"/>
+                <a:tab pos="3654425" algn="l"/>
+                <a:tab pos="4568825" algn="l"/>
+                <a:tab pos="5483225" algn="l"/>
+                <a:tab pos="6397625" algn="l"/>
+                <a:tab pos="7312025" algn="l"/>
+                <a:tab pos="8226425" algn="l"/>
+                <a:tab pos="9140825" algn="l"/>
+                <a:tab pos="10055225" algn="l"/>
+              </a:tabLst>
+              <a:defRPr sz="2400">
+                <a:solidFill>
+                  <a:schemeClr val="tx1"/>
+                </a:solidFill>
+                <a:latin typeface="Times New Roman" panose="02020603050405020304" pitchFamily="18" charset="0"/>
+              </a:defRPr>
+            </a:lvl6pPr>
+            <a:lvl7pPr marL="2971800" indent="-228600" eaLnBrk="0" fontAlgn="base" hangingPunct="0">
+              <a:spcBef>
+                <a:spcPct val="0"/>
+              </a:spcBef>
+              <a:spcAft>
+                <a:spcPct val="0"/>
+              </a:spcAft>
+              <a:tabLst>
+                <a:tab pos="911225" algn="l"/>
+                <a:tab pos="1825625" algn="l"/>
+                <a:tab pos="2740025" algn="l"/>
+                <a:tab pos="3654425" algn="l"/>
+                <a:tab pos="4568825" algn="l"/>
+                <a:tab pos="5483225" algn="l"/>
+                <a:tab pos="6397625" algn="l"/>
+                <a:tab pos="7312025" algn="l"/>
+                <a:tab pos="8226425" algn="l"/>
+                <a:tab pos="9140825" algn="l"/>
+                <a:tab pos="10055225" algn="l"/>
+              </a:tabLst>
+              <a:defRPr sz="2400">
+                <a:solidFill>
+                  <a:schemeClr val="tx1"/>
+                </a:solidFill>
+                <a:latin typeface="Times New Roman" panose="02020603050405020304" pitchFamily="18" charset="0"/>
+              </a:defRPr>
+            </a:lvl7pPr>
+            <a:lvl8pPr marL="3429000" indent="-228600" eaLnBrk="0" fontAlgn="base" hangingPunct="0">
+              <a:spcBef>
+                <a:spcPct val="0"/>
+              </a:spcBef>
+              <a:spcAft>
+                <a:spcPct val="0"/>
+              </a:spcAft>
+              <a:tabLst>
+                <a:tab pos="911225" algn="l"/>
+                <a:tab pos="1825625" algn="l"/>
+                <a:tab pos="2740025" algn="l"/>
+                <a:tab pos="3654425" algn="l"/>
+                <a:tab pos="4568825" algn="l"/>
+                <a:tab pos="5483225" algn="l"/>
+                <a:tab pos="6397625" algn="l"/>
+                <a:tab pos="7312025" algn="l"/>
+                <a:tab pos="8226425" algn="l"/>
+                <a:tab pos="9140825" algn="l"/>
+                <a:tab pos="10055225" algn="l"/>
+              </a:tabLst>
+              <a:defRPr sz="2400">
+                <a:solidFill>
+                  <a:schemeClr val="tx1"/>
+                </a:solidFill>
+                <a:latin typeface="Times New Roman" panose="02020603050405020304" pitchFamily="18" charset="0"/>
+              </a:defRPr>
+            </a:lvl8pPr>
+            <a:lvl9pPr marL="3886200" indent="-228600" eaLnBrk="0" fontAlgn="base" hangingPunct="0">
+              <a:spcBef>
+                <a:spcPct val="0"/>
+              </a:spcBef>
+              <a:spcAft>
+                <a:spcPct val="0"/>
+              </a:spcAft>
+              <a:tabLst>
+                <a:tab pos="911225" algn="l"/>
+                <a:tab pos="1825625" algn="l"/>
+                <a:tab pos="2740025" algn="l"/>
+                <a:tab pos="3654425" algn="l"/>
+                <a:tab pos="4568825" algn="l"/>
+                <a:tab pos="5483225" algn="l"/>
+                <a:tab pos="6397625" algn="l"/>
+                <a:tab pos="7312025" algn="l"/>
+                <a:tab pos="8226425" algn="l"/>
+                <a:tab pos="9140825" algn="l"/>
+                <a:tab pos="10055225" algn="l"/>
+              </a:tabLst>
+              <a:defRPr sz="2400">
+                <a:solidFill>
+                  <a:schemeClr val="tx1"/>
+                </a:solidFill>
+                <a:latin typeface="Times New Roman" panose="02020603050405020304" pitchFamily="18" charset="0"/>
+              </a:defRPr>
+            </a:lvl9pPr>
+          </a:lstStyle>
+          <a:p>
+            <a:pPr>
+              <a:spcBef>
+                <a:spcPts val="800"/>
+              </a:spcBef>
+              <a:buFont typeface="Times New Roman" panose="02020603050405020304" pitchFamily="18" charset="0"/>
+              <a:buBlip>
+                <a:blip r:embed="rId3"/>
+              </a:buBlip>
+            </a:pPr>
+            <a:r>
+              <a:rPr lang="en-GB" altLang="en-US" sz="3200">
+                <a:solidFill>
+                  <a:srgbClr val="000000"/>
+                </a:solidFill>
+                <a:latin typeface="Arial" panose="020B0604020202020204" pitchFamily="34" charset="0"/>
+              </a:rPr>
+              <a:t>Review Slides</a:t>
+            </a:r>
+          </a:p>
+          <a:p>
+            <a:pPr>
+              <a:spcBef>
+                <a:spcPts val="800"/>
+              </a:spcBef>
+              <a:buFont typeface="Times New Roman" panose="02020603050405020304" pitchFamily="18" charset="0"/>
+              <a:buBlip>
+                <a:blip r:embed="rId3"/>
+              </a:buBlip>
+            </a:pPr>
+            <a:r>
+              <a:rPr lang="en-GB" altLang="en-US" sz="3200">
+                <a:solidFill>
+                  <a:srgbClr val="000000"/>
+                </a:solidFill>
+                <a:latin typeface="Arial" panose="020B0604020202020204" pitchFamily="34" charset="0"/>
+              </a:rPr>
+              <a:t>Read Associated Chapters</a:t>
+            </a:r>
+          </a:p>
+          <a:p>
+            <a:pPr>
+              <a:spcBef>
+                <a:spcPts val="800"/>
+              </a:spcBef>
+              <a:buFont typeface="Times New Roman" panose="02020603050405020304" pitchFamily="18" charset="0"/>
+              <a:buBlip>
+                <a:blip r:embed="rId3"/>
+              </a:buBlip>
+            </a:pPr>
+            <a:r>
+              <a:rPr lang="en-GB" altLang="en-US" sz="3200">
+                <a:solidFill>
+                  <a:srgbClr val="000000"/>
+                </a:solidFill>
+                <a:latin typeface="Arial" panose="020B0604020202020204" pitchFamily="34" charset="0"/>
+              </a:rPr>
+              <a:t>Weekly Tasks</a:t>
+            </a:r>
+          </a:p>
+          <a:p>
+            <a:pPr lvl="1">
+              <a:spcBef>
+                <a:spcPts val="700"/>
+              </a:spcBef>
+              <a:buFont typeface="Wingdings 3" panose="05040102010807070707" pitchFamily="18" charset="2"/>
+              <a:buChar char=""/>
+            </a:pPr>
+            <a:r>
+              <a:rPr lang="en-GB" altLang="en-US" sz="2800">
+                <a:solidFill>
+                  <a:srgbClr val="000000"/>
+                </a:solidFill>
+                <a:latin typeface="Arial" panose="020B0604020202020204" pitchFamily="34" charset="0"/>
+              </a:rPr>
+              <a:t>Update GitHub Account/Webpage</a:t>
+            </a:r>
+          </a:p>
+          <a:p>
+            <a:pPr>
+              <a:spcBef>
+                <a:spcPts val="800"/>
+              </a:spcBef>
+              <a:buFont typeface="Arial" panose="020B0604020202020204" pitchFamily="34" charset="0"/>
+              <a:buBlip>
+                <a:blip r:embed="rId3"/>
+              </a:buBlip>
+            </a:pPr>
+            <a:r>
+              <a:rPr lang="en-GB" altLang="en-US" sz="3200" b="1" u="sng">
+                <a:solidFill>
+                  <a:srgbClr val="000000"/>
+                </a:solidFill>
+                <a:latin typeface="Arial" panose="020B0604020202020204" pitchFamily="34" charset="0"/>
+              </a:rPr>
+              <a:t>Online Quizzes</a:t>
+            </a:r>
+          </a:p>
+        </p:txBody>
+      </p:sp>
+    </p:spTree>
+  </p:cSld>
+  <p:clrMapOvr>
+    <a:masterClrMapping/>
+  </p:clrMapOvr>
+  <p:transition spd="med"/>
+  <p:timing>
+    <p:tnLst>
+      <p:par>
+        <p:cTn id="1" dur="indefinite" restart="never" nodeType="tmRoot">
+          <p:childTnLst>
+            <p:seq concurrent="1" nextAc="seek">
+              <p:cTn id="2" dur="0" nodeType="mainSeq"/>
+              <p:prevCondLst>
+                <p:cond evt="onPrev" delay="0">
+                  <p:tgtEl>
+                    <p:sldTgt/>
+                  </p:tgtEl>
+                </p:cond>
+              </p:prevCondLst>
+              <p:nextCondLst>
+                <p:cond evt="onNext" delay="0">
+                  <p:tgtEl>
+                    <p:sldTgt/>
+                  </p:tgtEl>
+                </p:cond>
+              </p:nextCondLst>
+            </p:seq>
+          </p:childTnLst>
+        </p:cTn>
+      </p:par>
+    </p:tnLst>
+  </p:timing>
+</p:sld>
+</file>
+
+<file path=ppt/slides/slide35.xml><?xml version="1.0" encoding="utf-8"?>
+<p:sld xmlns:a="http://schemas.openxmlformats.org/drawingml/2006/main" xmlns:r="http://schemas.openxmlformats.org/officeDocument/2006/relationships" xmlns:p="http://schemas.openxmlformats.org/presentationml/2006/main">
+  <p:cSld>
+    <p:spTree>
+      <p:nvGrpSpPr>
+        <p:cNvPr id="1" name=""/>
+        <p:cNvGrpSpPr/>
+        <p:nvPr/>
+      </p:nvGrpSpPr>
+      <p:grpSpPr>
+        <a:xfrm>
+          <a:off x="0" y="0"/>
+          <a:ext cx="0" cy="0"/>
+          <a:chOff x="0" y="0"/>
+          <a:chExt cx="0" cy="0"/>
+        </a:xfrm>
+      </p:grpSpPr>
+      <p:sp>
+        <p:nvSpPr>
+          <p:cNvPr id="26626" name="Text Box 1"/>
+          <p:cNvSpPr txBox="1">
+            <a:spLocks noChangeArrowheads="1"/>
+          </p:cNvSpPr>
+          <p:nvPr/>
+        </p:nvSpPr>
+        <p:spPr bwMode="auto">
+          <a:xfrm>
+            <a:off x="685800" y="609600"/>
+            <a:ext cx="7772400" cy="1143000"/>
+          </a:xfrm>
+          <a:prstGeom prst="rect">
+            <a:avLst/>
+          </a:prstGeom>
+          <a:noFill/>
+          <a:ln>
+            <a:noFill/>
+          </a:ln>
+          <a:extLst>
+            <a:ext uri="{909E8E84-426E-40DD-AFC4-6F175D3DCCD1}">
+              <a14:hiddenFill xmlns="" xmlns:a14="http://schemas.microsoft.com/office/drawing/2010/main">
+                <a:solidFill>
+                  <a:srgbClr val="FFFFFF"/>
+                </a:solidFill>
+              </a14:hiddenFill>
+            </a:ext>
+            <a:ext uri="{91240B29-F687-4F45-9708-019B960494DF}">
+              <a14:hiddenLine xmlns="" xmlns:a14="http://schemas.microsoft.com/office/drawing/2010/main" w="9525">
+                <a:solidFill>
+                  <a:srgbClr val="000000"/>
+                </a:solidFill>
+                <a:round/>
+                <a:headEnd/>
+                <a:tailEnd/>
+              </a14:hiddenLine>
+            </a:ext>
+          </a:extLst>
+        </p:spPr>
+        <p:txBody>
+          <a:bodyPr anchor="ctr"/>
+          <a:lstStyle>
+            <a:lvl1pPr>
+              <a:tabLst>
+                <a:tab pos="0" algn="l"/>
+                <a:tab pos="914400" algn="l"/>
+                <a:tab pos="1828800" algn="l"/>
+                <a:tab pos="2743200" algn="l"/>
+                <a:tab pos="3657600" algn="l"/>
+                <a:tab pos="4572000" algn="l"/>
+                <a:tab pos="5486400" algn="l"/>
+                <a:tab pos="6400800" algn="l"/>
+                <a:tab pos="7315200" algn="l"/>
+                <a:tab pos="8229600" algn="l"/>
+                <a:tab pos="9144000" algn="l"/>
+                <a:tab pos="10058400" algn="l"/>
+              </a:tabLst>
+              <a:defRPr sz="2400">
+                <a:solidFill>
+                  <a:schemeClr val="tx1"/>
+                </a:solidFill>
+                <a:latin typeface="Times New Roman" panose="02020603050405020304" pitchFamily="18" charset="0"/>
+              </a:defRPr>
+            </a:lvl1pPr>
+            <a:lvl2pPr marL="742950" indent="-285750">
+              <a:tabLst>
+                <a:tab pos="0" algn="l"/>
+                <a:tab pos="914400" algn="l"/>
+                <a:tab pos="1828800" algn="l"/>
+                <a:tab pos="2743200" algn="l"/>
+                <a:tab pos="3657600" algn="l"/>
+                <a:tab pos="4572000" algn="l"/>
+                <a:tab pos="5486400" algn="l"/>
+                <a:tab pos="6400800" algn="l"/>
+                <a:tab pos="7315200" algn="l"/>
+                <a:tab pos="8229600" algn="l"/>
+                <a:tab pos="9144000" algn="l"/>
+                <a:tab pos="10058400" algn="l"/>
+              </a:tabLst>
+              <a:defRPr sz="2400">
+                <a:solidFill>
+                  <a:schemeClr val="tx1"/>
+                </a:solidFill>
+                <a:latin typeface="Times New Roman" panose="02020603050405020304" pitchFamily="18" charset="0"/>
+              </a:defRPr>
+            </a:lvl2pPr>
+            <a:lvl3pPr marL="1143000" indent="-228600">
+              <a:tabLst>
+                <a:tab pos="0" algn="l"/>
+                <a:tab pos="914400" algn="l"/>
+                <a:tab pos="1828800" algn="l"/>
+                <a:tab pos="2743200" algn="l"/>
+                <a:tab pos="3657600" algn="l"/>
+                <a:tab pos="4572000" algn="l"/>
+                <a:tab pos="5486400" algn="l"/>
+                <a:tab pos="6400800" algn="l"/>
+                <a:tab pos="7315200" algn="l"/>
+                <a:tab pos="8229600" algn="l"/>
+                <a:tab pos="9144000" algn="l"/>
+                <a:tab pos="10058400" algn="l"/>
+              </a:tabLst>
+              <a:defRPr sz="2400">
+                <a:solidFill>
+                  <a:schemeClr val="tx1"/>
+                </a:solidFill>
+                <a:latin typeface="Times New Roman" panose="02020603050405020304" pitchFamily="18" charset="0"/>
+              </a:defRPr>
+            </a:lvl3pPr>
+            <a:lvl4pPr marL="1600200" indent="-228600">
+              <a:tabLst>
+                <a:tab pos="0" algn="l"/>
+                <a:tab pos="914400" algn="l"/>
+                <a:tab pos="1828800" algn="l"/>
+                <a:tab pos="2743200" algn="l"/>
+                <a:tab pos="3657600" algn="l"/>
+                <a:tab pos="4572000" algn="l"/>
+                <a:tab pos="5486400" algn="l"/>
+                <a:tab pos="6400800" algn="l"/>
+                <a:tab pos="7315200" algn="l"/>
+                <a:tab pos="8229600" algn="l"/>
+                <a:tab pos="9144000" algn="l"/>
+                <a:tab pos="10058400" algn="l"/>
+              </a:tabLst>
+              <a:defRPr sz="2400">
+                <a:solidFill>
+                  <a:schemeClr val="tx1"/>
+                </a:solidFill>
+                <a:latin typeface="Times New Roman" panose="02020603050405020304" pitchFamily="18" charset="0"/>
+              </a:defRPr>
+            </a:lvl4pPr>
+            <a:lvl5pPr marL="2057400" indent="-228600">
+              <a:tabLst>
+                <a:tab pos="0" algn="l"/>
+                <a:tab pos="914400" algn="l"/>
+                <a:tab pos="1828800" algn="l"/>
+                <a:tab pos="2743200" algn="l"/>
+                <a:tab pos="3657600" algn="l"/>
+                <a:tab pos="4572000" algn="l"/>
+                <a:tab pos="5486400" algn="l"/>
+                <a:tab pos="6400800" algn="l"/>
+                <a:tab pos="7315200" algn="l"/>
+                <a:tab pos="8229600" algn="l"/>
+                <a:tab pos="9144000" algn="l"/>
+                <a:tab pos="10058400" algn="l"/>
+              </a:tabLst>
+              <a:defRPr sz="2400">
+                <a:solidFill>
+                  <a:schemeClr val="tx1"/>
+                </a:solidFill>
+                <a:latin typeface="Times New Roman" panose="02020603050405020304" pitchFamily="18" charset="0"/>
+              </a:defRPr>
+            </a:lvl5pPr>
+            <a:lvl6pPr marL="2514600" indent="-228600" eaLnBrk="0" fontAlgn="base" hangingPunct="0">
+              <a:spcBef>
+                <a:spcPct val="0"/>
+              </a:spcBef>
+              <a:spcAft>
+                <a:spcPct val="0"/>
+              </a:spcAft>
+              <a:tabLst>
+                <a:tab pos="0" algn="l"/>
+                <a:tab pos="914400" algn="l"/>
+                <a:tab pos="1828800" algn="l"/>
+                <a:tab pos="2743200" algn="l"/>
+                <a:tab pos="3657600" algn="l"/>
+                <a:tab pos="4572000" algn="l"/>
+                <a:tab pos="5486400" algn="l"/>
+                <a:tab pos="6400800" algn="l"/>
+                <a:tab pos="7315200" algn="l"/>
+                <a:tab pos="8229600" algn="l"/>
+                <a:tab pos="9144000" algn="l"/>
+                <a:tab pos="10058400" algn="l"/>
+              </a:tabLst>
+              <a:defRPr sz="2400">
+                <a:solidFill>
+                  <a:schemeClr val="tx1"/>
+                </a:solidFill>
+                <a:latin typeface="Times New Roman" panose="02020603050405020304" pitchFamily="18" charset="0"/>
+              </a:defRPr>
+            </a:lvl6pPr>
+            <a:lvl7pPr marL="2971800" indent="-228600" eaLnBrk="0" fontAlgn="base" hangingPunct="0">
+              <a:spcBef>
+                <a:spcPct val="0"/>
+              </a:spcBef>
+              <a:spcAft>
+                <a:spcPct val="0"/>
+              </a:spcAft>
+              <a:tabLst>
+                <a:tab pos="0" algn="l"/>
+                <a:tab pos="914400" algn="l"/>
+                <a:tab pos="1828800" algn="l"/>
+                <a:tab pos="2743200" algn="l"/>
+                <a:tab pos="3657600" algn="l"/>
+                <a:tab pos="4572000" algn="l"/>
+                <a:tab pos="5486400" algn="l"/>
+                <a:tab pos="6400800" algn="l"/>
+                <a:tab pos="7315200" algn="l"/>
+                <a:tab pos="8229600" algn="l"/>
+                <a:tab pos="9144000" algn="l"/>
+                <a:tab pos="10058400" algn="l"/>
+              </a:tabLst>
+              <a:defRPr sz="2400">
+                <a:solidFill>
+                  <a:schemeClr val="tx1"/>
+                </a:solidFill>
+                <a:latin typeface="Times New Roman" panose="02020603050405020304" pitchFamily="18" charset="0"/>
+              </a:defRPr>
+            </a:lvl7pPr>
+            <a:lvl8pPr marL="3429000" indent="-228600" eaLnBrk="0" fontAlgn="base" hangingPunct="0">
+              <a:spcBef>
+                <a:spcPct val="0"/>
+              </a:spcBef>
+              <a:spcAft>
+                <a:spcPct val="0"/>
+              </a:spcAft>
+              <a:tabLst>
+                <a:tab pos="0" algn="l"/>
+                <a:tab pos="914400" algn="l"/>
+                <a:tab pos="1828800" algn="l"/>
+                <a:tab pos="2743200" algn="l"/>
+                <a:tab pos="3657600" algn="l"/>
+                <a:tab pos="4572000" algn="l"/>
+                <a:tab pos="5486400" algn="l"/>
+                <a:tab pos="6400800" algn="l"/>
+                <a:tab pos="7315200" algn="l"/>
+                <a:tab pos="8229600" algn="l"/>
+                <a:tab pos="9144000" algn="l"/>
+                <a:tab pos="10058400" algn="l"/>
+              </a:tabLst>
+              <a:defRPr sz="2400">
+                <a:solidFill>
+                  <a:schemeClr val="tx1"/>
+                </a:solidFill>
+                <a:latin typeface="Times New Roman" panose="02020603050405020304" pitchFamily="18" charset="0"/>
+              </a:defRPr>
+            </a:lvl8pPr>
+            <a:lvl9pPr marL="3886200" indent="-228600" eaLnBrk="0" fontAlgn="base" hangingPunct="0">
+              <a:spcBef>
+                <a:spcPct val="0"/>
+              </a:spcBef>
+              <a:spcAft>
+                <a:spcPct val="0"/>
+              </a:spcAft>
+              <a:tabLst>
+                <a:tab pos="0" algn="l"/>
+                <a:tab pos="914400" algn="l"/>
+                <a:tab pos="1828800" algn="l"/>
+                <a:tab pos="2743200" algn="l"/>
+                <a:tab pos="3657600" algn="l"/>
+                <a:tab pos="4572000" algn="l"/>
+                <a:tab pos="5486400" algn="l"/>
+                <a:tab pos="6400800" algn="l"/>
+                <a:tab pos="7315200" algn="l"/>
+                <a:tab pos="8229600" algn="l"/>
+                <a:tab pos="9144000" algn="l"/>
+                <a:tab pos="10058400" algn="l"/>
+              </a:tabLst>
+              <a:defRPr sz="2400">
+                <a:solidFill>
+                  <a:schemeClr val="tx1"/>
+                </a:solidFill>
+                <a:latin typeface="Times New Roman" panose="02020603050405020304" pitchFamily="18" charset="0"/>
+              </a:defRPr>
+            </a:lvl9pPr>
+          </a:lstStyle>
+          <a:p>
+            <a:pPr algn="ctr"/>
+            <a:r>
+              <a:rPr lang="en-GB" altLang="en-US" sz="4400">
+                <a:solidFill>
+                  <a:srgbClr val="000000"/>
+                </a:solidFill>
+                <a:latin typeface="Arial" panose="020B0604020202020204" pitchFamily="34" charset="0"/>
+              </a:rPr>
+              <a:t>Summary</a:t>
+            </a:r>
+          </a:p>
+        </p:txBody>
+      </p:sp>
+      <p:sp>
+        <p:nvSpPr>
+          <p:cNvPr id="26627" name="Text Box 2"/>
+          <p:cNvSpPr txBox="1">
+            <a:spLocks noChangeArrowheads="1"/>
+          </p:cNvSpPr>
+          <p:nvPr/>
+        </p:nvSpPr>
+        <p:spPr bwMode="auto">
+          <a:xfrm>
+            <a:off x="685800" y="1981200"/>
+            <a:ext cx="8153400" cy="4114800"/>
+          </a:xfrm>
+          <a:prstGeom prst="rect">
+            <a:avLst/>
+          </a:prstGeom>
+          <a:noFill/>
+          <a:ln>
+            <a:noFill/>
+          </a:ln>
+          <a:extLst>
+            <a:ext uri="{909E8E84-426E-40DD-AFC4-6F175D3DCCD1}">
+              <a14:hiddenFill xmlns="" xmlns:a14="http://schemas.microsoft.com/office/drawing/2010/main">
+                <a:solidFill>
+                  <a:srgbClr val="FFFFFF"/>
+                </a:solidFill>
+              </a14:hiddenFill>
+            </a:ext>
+            <a:ext uri="{91240B29-F687-4F45-9708-019B960494DF}">
+              <a14:hiddenLine xmlns="" xmlns:a14="http://schemas.microsoft.com/office/drawing/2010/main" w="9525">
+                <a:solidFill>
+                  <a:srgbClr val="000000"/>
+                </a:solidFill>
+                <a:round/>
+                <a:headEnd/>
+                <a:tailEnd/>
+              </a14:hiddenLine>
+            </a:ext>
+          </a:extLst>
+        </p:spPr>
+        <p:txBody>
+          <a:bodyPr/>
+          <a:lstStyle>
+            <a:lvl1pPr marL="341313" indent="-341313">
+              <a:tabLst>
+                <a:tab pos="911225" algn="l"/>
+                <a:tab pos="1825625" algn="l"/>
+                <a:tab pos="2740025" algn="l"/>
+                <a:tab pos="3654425" algn="l"/>
+                <a:tab pos="4568825" algn="l"/>
+                <a:tab pos="5483225" algn="l"/>
+                <a:tab pos="6397625" algn="l"/>
+                <a:tab pos="7312025" algn="l"/>
+                <a:tab pos="8226425" algn="l"/>
+                <a:tab pos="9140825" algn="l"/>
+                <a:tab pos="10055225" algn="l"/>
+              </a:tabLst>
+              <a:defRPr sz="2400">
+                <a:solidFill>
+                  <a:schemeClr val="tx1"/>
+                </a:solidFill>
+                <a:latin typeface="Times New Roman" panose="02020603050405020304" pitchFamily="18" charset="0"/>
+              </a:defRPr>
+            </a:lvl1pPr>
+            <a:lvl2pPr marL="742950" indent="-285750">
+              <a:tabLst>
+                <a:tab pos="911225" algn="l"/>
+                <a:tab pos="1825625" algn="l"/>
+                <a:tab pos="2740025" algn="l"/>
+                <a:tab pos="3654425" algn="l"/>
+                <a:tab pos="4568825" algn="l"/>
+                <a:tab pos="5483225" algn="l"/>
+                <a:tab pos="6397625" algn="l"/>
+                <a:tab pos="7312025" algn="l"/>
+                <a:tab pos="8226425" algn="l"/>
+                <a:tab pos="9140825" algn="l"/>
+                <a:tab pos="10055225" algn="l"/>
+              </a:tabLst>
+              <a:defRPr sz="2400">
+                <a:solidFill>
+                  <a:schemeClr val="tx1"/>
+                </a:solidFill>
+                <a:latin typeface="Times New Roman" panose="02020603050405020304" pitchFamily="18" charset="0"/>
+              </a:defRPr>
+            </a:lvl2pPr>
+            <a:lvl3pPr marL="1143000" indent="-228600">
+              <a:tabLst>
+                <a:tab pos="911225" algn="l"/>
+                <a:tab pos="1825625" algn="l"/>
+                <a:tab pos="2740025" algn="l"/>
+                <a:tab pos="3654425" algn="l"/>
+                <a:tab pos="4568825" algn="l"/>
+                <a:tab pos="5483225" algn="l"/>
+                <a:tab pos="6397625" algn="l"/>
+                <a:tab pos="7312025" algn="l"/>
+                <a:tab pos="8226425" algn="l"/>
+                <a:tab pos="9140825" algn="l"/>
+                <a:tab pos="10055225" algn="l"/>
+              </a:tabLst>
+              <a:defRPr sz="2400">
+                <a:solidFill>
+                  <a:schemeClr val="tx1"/>
+                </a:solidFill>
+                <a:latin typeface="Times New Roman" panose="02020603050405020304" pitchFamily="18" charset="0"/>
+              </a:defRPr>
+            </a:lvl3pPr>
+            <a:lvl4pPr marL="1600200" indent="-228600">
+              <a:tabLst>
+                <a:tab pos="911225" algn="l"/>
+                <a:tab pos="1825625" algn="l"/>
+                <a:tab pos="2740025" algn="l"/>
+                <a:tab pos="3654425" algn="l"/>
+                <a:tab pos="4568825" algn="l"/>
+                <a:tab pos="5483225" algn="l"/>
+                <a:tab pos="6397625" algn="l"/>
+                <a:tab pos="7312025" algn="l"/>
+                <a:tab pos="8226425" algn="l"/>
+                <a:tab pos="9140825" algn="l"/>
+                <a:tab pos="10055225" algn="l"/>
+              </a:tabLst>
+              <a:defRPr sz="2400">
+                <a:solidFill>
+                  <a:schemeClr val="tx1"/>
+                </a:solidFill>
+                <a:latin typeface="Times New Roman" panose="02020603050405020304" pitchFamily="18" charset="0"/>
+              </a:defRPr>
+            </a:lvl4pPr>
+            <a:lvl5pPr marL="2057400" indent="-228600">
+              <a:tabLst>
+                <a:tab pos="911225" algn="l"/>
+                <a:tab pos="1825625" algn="l"/>
+                <a:tab pos="2740025" algn="l"/>
+                <a:tab pos="3654425" algn="l"/>
+                <a:tab pos="4568825" algn="l"/>
+                <a:tab pos="5483225" algn="l"/>
+                <a:tab pos="6397625" algn="l"/>
+                <a:tab pos="7312025" algn="l"/>
+                <a:tab pos="8226425" algn="l"/>
+                <a:tab pos="9140825" algn="l"/>
+                <a:tab pos="10055225" algn="l"/>
+              </a:tabLst>
+              <a:defRPr sz="2400">
+                <a:solidFill>
+                  <a:schemeClr val="tx1"/>
+                </a:solidFill>
+                <a:latin typeface="Times New Roman" panose="02020603050405020304" pitchFamily="18" charset="0"/>
+              </a:defRPr>
+            </a:lvl5pPr>
+            <a:lvl6pPr marL="2514600" indent="-228600" eaLnBrk="0" fontAlgn="base" hangingPunct="0">
+              <a:spcBef>
+                <a:spcPct val="0"/>
+              </a:spcBef>
+              <a:spcAft>
+                <a:spcPct val="0"/>
+              </a:spcAft>
+              <a:tabLst>
+                <a:tab pos="911225" algn="l"/>
+                <a:tab pos="1825625" algn="l"/>
+                <a:tab pos="2740025" algn="l"/>
+                <a:tab pos="3654425" algn="l"/>
+                <a:tab pos="4568825" algn="l"/>
+                <a:tab pos="5483225" algn="l"/>
+                <a:tab pos="6397625" algn="l"/>
+                <a:tab pos="7312025" algn="l"/>
+                <a:tab pos="8226425" algn="l"/>
+                <a:tab pos="9140825" algn="l"/>
+                <a:tab pos="10055225" algn="l"/>
+              </a:tabLst>
+              <a:defRPr sz="2400">
+                <a:solidFill>
+                  <a:schemeClr val="tx1"/>
+                </a:solidFill>
+                <a:latin typeface="Times New Roman" panose="02020603050405020304" pitchFamily="18" charset="0"/>
+              </a:defRPr>
+            </a:lvl6pPr>
+            <a:lvl7pPr marL="2971800" indent="-228600" eaLnBrk="0" fontAlgn="base" hangingPunct="0">
+              <a:spcBef>
+                <a:spcPct val="0"/>
+              </a:spcBef>
+              <a:spcAft>
+                <a:spcPct val="0"/>
+              </a:spcAft>
+              <a:tabLst>
+                <a:tab pos="911225" algn="l"/>
+                <a:tab pos="1825625" algn="l"/>
+                <a:tab pos="2740025" algn="l"/>
+                <a:tab pos="3654425" algn="l"/>
+                <a:tab pos="4568825" algn="l"/>
+                <a:tab pos="5483225" algn="l"/>
+                <a:tab pos="6397625" algn="l"/>
+                <a:tab pos="7312025" algn="l"/>
+                <a:tab pos="8226425" algn="l"/>
+                <a:tab pos="9140825" algn="l"/>
+                <a:tab pos="10055225" algn="l"/>
+              </a:tabLst>
+              <a:defRPr sz="2400">
+                <a:solidFill>
+                  <a:schemeClr val="tx1"/>
+                </a:solidFill>
+                <a:latin typeface="Times New Roman" panose="02020603050405020304" pitchFamily="18" charset="0"/>
+              </a:defRPr>
+            </a:lvl7pPr>
+            <a:lvl8pPr marL="3429000" indent="-228600" eaLnBrk="0" fontAlgn="base" hangingPunct="0">
+              <a:spcBef>
+                <a:spcPct val="0"/>
+              </a:spcBef>
+              <a:spcAft>
+                <a:spcPct val="0"/>
+              </a:spcAft>
+              <a:tabLst>
+                <a:tab pos="911225" algn="l"/>
+                <a:tab pos="1825625" algn="l"/>
+                <a:tab pos="2740025" algn="l"/>
+                <a:tab pos="3654425" algn="l"/>
+                <a:tab pos="4568825" algn="l"/>
+                <a:tab pos="5483225" algn="l"/>
+                <a:tab pos="6397625" algn="l"/>
+                <a:tab pos="7312025" algn="l"/>
+                <a:tab pos="8226425" algn="l"/>
+                <a:tab pos="9140825" algn="l"/>
+                <a:tab pos="10055225" algn="l"/>
+              </a:tabLst>
+              <a:defRPr sz="2400">
+                <a:solidFill>
+                  <a:schemeClr val="tx1"/>
+                </a:solidFill>
+                <a:latin typeface="Times New Roman" panose="02020603050405020304" pitchFamily="18" charset="0"/>
+              </a:defRPr>
+            </a:lvl8pPr>
+            <a:lvl9pPr marL="3886200" indent="-228600" eaLnBrk="0" fontAlgn="base" hangingPunct="0">
+              <a:spcBef>
+                <a:spcPct val="0"/>
+              </a:spcBef>
+              <a:spcAft>
+                <a:spcPct val="0"/>
+              </a:spcAft>
+              <a:tabLst>
+                <a:tab pos="911225" algn="l"/>
+                <a:tab pos="1825625" algn="l"/>
+                <a:tab pos="2740025" algn="l"/>
+                <a:tab pos="3654425" algn="l"/>
+                <a:tab pos="4568825" algn="l"/>
+                <a:tab pos="5483225" algn="l"/>
+                <a:tab pos="6397625" algn="l"/>
+                <a:tab pos="7312025" algn="l"/>
+                <a:tab pos="8226425" algn="l"/>
+                <a:tab pos="9140825" algn="l"/>
+                <a:tab pos="10055225" algn="l"/>
+              </a:tabLst>
+              <a:defRPr sz="2400">
+                <a:solidFill>
+                  <a:schemeClr val="tx1"/>
+                </a:solidFill>
+                <a:latin typeface="Times New Roman" panose="02020603050405020304" pitchFamily="18" charset="0"/>
+              </a:defRPr>
+            </a:lvl9pPr>
+          </a:lstStyle>
+          <a:p>
+            <a:pPr>
+              <a:spcBef>
+                <a:spcPts val="800"/>
+              </a:spcBef>
+              <a:buFont typeface="Times New Roman" panose="02020603050405020304" pitchFamily="18" charset="0"/>
+              <a:buBlip>
+                <a:blip r:embed="rId3"/>
+              </a:buBlip>
+            </a:pPr>
+            <a:r>
+              <a:rPr lang="en-GB" altLang="en-US" sz="3200" dirty="0">
+                <a:solidFill>
+                  <a:srgbClr val="000000"/>
+                </a:solidFill>
+                <a:latin typeface="Arial" panose="020B0604020202020204" pitchFamily="34" charset="0"/>
+              </a:rPr>
+              <a:t>Overview of Dynamic and Static </a:t>
+            </a:r>
+            <a:r>
+              <a:rPr lang="en-GB" altLang="en-US" sz="3200" dirty="0" smtClean="0">
+                <a:solidFill>
+                  <a:srgbClr val="000000"/>
+                </a:solidFill>
+                <a:latin typeface="Arial" panose="020B0604020202020204" pitchFamily="34" charset="0"/>
+              </a:rPr>
+              <a:t>Websites</a:t>
+            </a:r>
+          </a:p>
+          <a:p>
+            <a:pPr>
+              <a:spcBef>
+                <a:spcPts val="800"/>
+              </a:spcBef>
+              <a:buFont typeface="Times New Roman" panose="02020603050405020304" pitchFamily="18" charset="0"/>
+              <a:buBlip>
+                <a:blip r:embed="rId3"/>
+              </a:buBlip>
+            </a:pPr>
+            <a:r>
+              <a:rPr lang="en-GB" altLang="en-US" sz="3200" dirty="0" smtClean="0">
+                <a:solidFill>
+                  <a:srgbClr val="000000"/>
+                </a:solidFill>
+                <a:latin typeface="Arial" panose="020B0604020202020204" pitchFamily="34" charset="0"/>
+              </a:rPr>
+              <a:t>Dynamic websites </a:t>
+            </a:r>
+            <a:r>
+              <a:rPr lang="en-GB" altLang="en-US" sz="3200" smtClean="0">
+                <a:solidFill>
+                  <a:srgbClr val="000000"/>
+                </a:solidFill>
+                <a:latin typeface="Arial" panose="020B0604020202020204" pitchFamily="34" charset="0"/>
+              </a:rPr>
+              <a:t>(Generated Content)</a:t>
+            </a:r>
+            <a:endParaRPr lang="en-GB" altLang="en-US" sz="3200" dirty="0">
+              <a:solidFill>
+                <a:srgbClr val="000000"/>
+              </a:solidFill>
+              <a:latin typeface="Arial" panose="020B0604020202020204" pitchFamily="34" charset="0"/>
+            </a:endParaRPr>
+          </a:p>
+          <a:p>
+            <a:pPr>
+              <a:spcBef>
+                <a:spcPts val="800"/>
+              </a:spcBef>
+              <a:buFont typeface="Times New Roman" panose="02020603050405020304" pitchFamily="18" charset="0"/>
+              <a:buBlip>
+                <a:blip r:embed="rId3"/>
+              </a:buBlip>
+            </a:pPr>
+            <a:r>
+              <a:rPr lang="en-GB" altLang="en-US" sz="3200" dirty="0">
+                <a:solidFill>
+                  <a:srgbClr val="000000"/>
+                </a:solidFill>
+                <a:latin typeface="Arial" panose="020B0604020202020204" pitchFamily="34" charset="0"/>
+              </a:rPr>
+              <a:t>Getting started with scripting and </a:t>
+            </a:r>
+            <a:r>
+              <a:rPr lang="en-GB" altLang="en-US" sz="3200" dirty="0" err="1">
+                <a:solidFill>
+                  <a:srgbClr val="000000"/>
+                </a:solidFill>
+                <a:latin typeface="Arial" panose="020B0604020202020204" pitchFamily="34" charset="0"/>
+              </a:rPr>
+              <a:t>Javascript</a:t>
+            </a:r>
+            <a:endParaRPr lang="en-GB" altLang="en-US" sz="3200" dirty="0">
+              <a:solidFill>
+                <a:srgbClr val="000000"/>
+              </a:solidFill>
+              <a:latin typeface="Arial" panose="020B0604020202020204" pitchFamily="34" charset="0"/>
+            </a:endParaRPr>
+          </a:p>
+          <a:p>
+            <a:pPr>
+              <a:spcBef>
+                <a:spcPts val="800"/>
+              </a:spcBef>
+              <a:buFont typeface="Times New Roman" panose="02020603050405020304" pitchFamily="18" charset="0"/>
+              <a:buBlip>
+                <a:blip r:embed="rId3"/>
+              </a:buBlip>
+            </a:pPr>
+            <a:r>
+              <a:rPr lang="en-GB" altLang="en-US" sz="3200" dirty="0">
+                <a:solidFill>
+                  <a:srgbClr val="000000"/>
+                </a:solidFill>
+                <a:latin typeface="Arial" panose="020B0604020202020204" pitchFamily="34" charset="0"/>
+              </a:rPr>
+              <a:t>Hands-On/Practical</a:t>
+            </a:r>
+          </a:p>
+        </p:txBody>
+      </p:sp>
+    </p:spTree>
+  </p:cSld>
+  <p:clrMapOvr>
+    <a:masterClrMapping/>
+  </p:clrMapOvr>
+  <p:transition spd="med"/>
+  <p:timing>
+    <p:tnLst>
+      <p:par>
+        <p:cTn id="1" dur="indefinite" restart="never" nodeType="tmRoot">
+          <p:childTnLst>
+            <p:seq concurrent="1" nextAc="seek">
+              <p:cTn id="2" dur="0" nodeType="mainSeq"/>
+              <p:prevCondLst>
+                <p:cond evt="onPrev" delay="0">
+                  <p:tgtEl>
+                    <p:sldTgt/>
+                  </p:tgtEl>
+                </p:cond>
+              </p:prevCondLst>
+              <p:nextCondLst>
+                <p:cond evt="onNext" delay="0">
+                  <p:tgtEl>
+                    <p:sldTgt/>
+                  </p:tgtEl>
+                </p:cond>
+              </p:nextCondLst>
+            </p:seq>
+          </p:childTnLst>
+        </p:cTn>
+      </p:par>
+    </p:tnLst>
+  </p:timing>
+</p:sld>
+</file>
+
+<file path=ppt/slides/slide36.xml><?xml version="1.0" encoding="utf-8"?>
+<p:sld xmlns:a="http://schemas.openxmlformats.org/drawingml/2006/main" xmlns:r="http://schemas.openxmlformats.org/officeDocument/2006/relationships" xmlns:p="http://schemas.openxmlformats.org/presentationml/2006/main">
+  <p:cSld>
+    <p:spTree>
+      <p:nvGrpSpPr>
+        <p:cNvPr id="1" name=""/>
+        <p:cNvGrpSpPr/>
+        <p:nvPr/>
+      </p:nvGrpSpPr>
+      <p:grpSpPr>
+        <a:xfrm>
+          <a:off x="0" y="0"/>
+          <a:ext cx="0" cy="0"/>
+          <a:chOff x="0" y="0"/>
+          <a:chExt cx="0" cy="0"/>
+        </a:xfrm>
+      </p:grpSpPr>
+      <p:sp>
+        <p:nvSpPr>
+          <p:cNvPr id="27650" name="Text Box 1"/>
+          <p:cNvSpPr txBox="1">
+            <a:spLocks noChangeArrowheads="1"/>
+          </p:cNvSpPr>
+          <p:nvPr/>
+        </p:nvSpPr>
+        <p:spPr bwMode="auto">
+          <a:xfrm>
+            <a:off x="685800" y="609600"/>
+            <a:ext cx="7772400" cy="1143000"/>
+          </a:xfrm>
+          <a:prstGeom prst="rect">
+            <a:avLst/>
+          </a:prstGeom>
+          <a:noFill/>
+          <a:ln>
+            <a:noFill/>
+          </a:ln>
+          <a:extLst>
+            <a:ext uri="{909E8E84-426E-40DD-AFC4-6F175D3DCCD1}">
+              <a14:hiddenFill xmlns="" xmlns:a14="http://schemas.microsoft.com/office/drawing/2010/main">
+                <a:solidFill>
+                  <a:srgbClr val="FFFFFF"/>
+                </a:solidFill>
+              </a14:hiddenFill>
+            </a:ext>
+            <a:ext uri="{91240B29-F687-4F45-9708-019B960494DF}">
+              <a14:hiddenLine xmlns="" xmlns:a14="http://schemas.microsoft.com/office/drawing/2010/main" w="9525">
+                <a:solidFill>
+                  <a:srgbClr val="000000"/>
+                </a:solidFill>
+                <a:round/>
+                <a:headEnd/>
+                <a:tailEnd/>
+              </a14:hiddenLine>
+            </a:ext>
+          </a:extLst>
+        </p:spPr>
+        <p:txBody>
+          <a:bodyPr anchor="ctr"/>
+          <a:lstStyle>
+            <a:lvl1pPr>
+              <a:tabLst>
+                <a:tab pos="0" algn="l"/>
+                <a:tab pos="914400" algn="l"/>
+                <a:tab pos="1828800" algn="l"/>
+                <a:tab pos="2743200" algn="l"/>
+                <a:tab pos="3657600" algn="l"/>
+                <a:tab pos="4572000" algn="l"/>
+                <a:tab pos="5486400" algn="l"/>
+                <a:tab pos="6400800" algn="l"/>
+                <a:tab pos="7315200" algn="l"/>
+                <a:tab pos="8229600" algn="l"/>
+                <a:tab pos="9144000" algn="l"/>
+                <a:tab pos="10058400" algn="l"/>
+              </a:tabLst>
+              <a:defRPr sz="2400">
+                <a:solidFill>
+                  <a:schemeClr val="tx1"/>
+                </a:solidFill>
+                <a:latin typeface="Times New Roman" panose="02020603050405020304" pitchFamily="18" charset="0"/>
+              </a:defRPr>
+            </a:lvl1pPr>
+            <a:lvl2pPr marL="742950" indent="-285750">
+              <a:tabLst>
+                <a:tab pos="0" algn="l"/>
+                <a:tab pos="914400" algn="l"/>
+                <a:tab pos="1828800" algn="l"/>
+                <a:tab pos="2743200" algn="l"/>
+                <a:tab pos="3657600" algn="l"/>
+                <a:tab pos="4572000" algn="l"/>
+                <a:tab pos="5486400" algn="l"/>
+                <a:tab pos="6400800" algn="l"/>
+                <a:tab pos="7315200" algn="l"/>
+                <a:tab pos="8229600" algn="l"/>
+                <a:tab pos="9144000" algn="l"/>
+                <a:tab pos="10058400" algn="l"/>
+              </a:tabLst>
+              <a:defRPr sz="2400">
+                <a:solidFill>
+                  <a:schemeClr val="tx1"/>
+                </a:solidFill>
+                <a:latin typeface="Times New Roman" panose="02020603050405020304" pitchFamily="18" charset="0"/>
+              </a:defRPr>
+            </a:lvl2pPr>
+            <a:lvl3pPr marL="1143000" indent="-228600">
+              <a:tabLst>
+                <a:tab pos="0" algn="l"/>
+                <a:tab pos="914400" algn="l"/>
+                <a:tab pos="1828800" algn="l"/>
+                <a:tab pos="2743200" algn="l"/>
+                <a:tab pos="3657600" algn="l"/>
+                <a:tab pos="4572000" algn="l"/>
+                <a:tab pos="5486400" algn="l"/>
+                <a:tab pos="6400800" algn="l"/>
+                <a:tab pos="7315200" algn="l"/>
+                <a:tab pos="8229600" algn="l"/>
+                <a:tab pos="9144000" algn="l"/>
+                <a:tab pos="10058400" algn="l"/>
+              </a:tabLst>
+              <a:defRPr sz="2400">
+                <a:solidFill>
+                  <a:schemeClr val="tx1"/>
+                </a:solidFill>
+                <a:latin typeface="Times New Roman" panose="02020603050405020304" pitchFamily="18" charset="0"/>
+              </a:defRPr>
+            </a:lvl3pPr>
+            <a:lvl4pPr marL="1600200" indent="-228600">
+              <a:tabLst>
+                <a:tab pos="0" algn="l"/>
+                <a:tab pos="914400" algn="l"/>
+                <a:tab pos="1828800" algn="l"/>
+                <a:tab pos="2743200" algn="l"/>
+                <a:tab pos="3657600" algn="l"/>
+                <a:tab pos="4572000" algn="l"/>
+                <a:tab pos="5486400" algn="l"/>
+                <a:tab pos="6400800" algn="l"/>
+                <a:tab pos="7315200" algn="l"/>
+                <a:tab pos="8229600" algn="l"/>
+                <a:tab pos="9144000" algn="l"/>
+                <a:tab pos="10058400" algn="l"/>
+              </a:tabLst>
+              <a:defRPr sz="2400">
+                <a:solidFill>
+                  <a:schemeClr val="tx1"/>
+                </a:solidFill>
+                <a:latin typeface="Times New Roman" panose="02020603050405020304" pitchFamily="18" charset="0"/>
+              </a:defRPr>
+            </a:lvl4pPr>
+            <a:lvl5pPr marL="2057400" indent="-228600">
+              <a:tabLst>
+                <a:tab pos="0" algn="l"/>
+                <a:tab pos="914400" algn="l"/>
+                <a:tab pos="1828800" algn="l"/>
+                <a:tab pos="2743200" algn="l"/>
+                <a:tab pos="3657600" algn="l"/>
+                <a:tab pos="4572000" algn="l"/>
+                <a:tab pos="5486400" algn="l"/>
+                <a:tab pos="6400800" algn="l"/>
+                <a:tab pos="7315200" algn="l"/>
+                <a:tab pos="8229600" algn="l"/>
+                <a:tab pos="9144000" algn="l"/>
+                <a:tab pos="10058400" algn="l"/>
+              </a:tabLst>
+              <a:defRPr sz="2400">
+                <a:solidFill>
+                  <a:schemeClr val="tx1"/>
+                </a:solidFill>
+                <a:latin typeface="Times New Roman" panose="02020603050405020304" pitchFamily="18" charset="0"/>
+              </a:defRPr>
+            </a:lvl5pPr>
+            <a:lvl6pPr marL="2514600" indent="-228600" eaLnBrk="0" fontAlgn="base" hangingPunct="0">
+              <a:spcBef>
+                <a:spcPct val="0"/>
+              </a:spcBef>
+              <a:spcAft>
+                <a:spcPct val="0"/>
+              </a:spcAft>
+              <a:tabLst>
+                <a:tab pos="0" algn="l"/>
+                <a:tab pos="914400" algn="l"/>
+                <a:tab pos="1828800" algn="l"/>
+                <a:tab pos="2743200" algn="l"/>
+                <a:tab pos="3657600" algn="l"/>
+                <a:tab pos="4572000" algn="l"/>
+                <a:tab pos="5486400" algn="l"/>
+                <a:tab pos="6400800" algn="l"/>
+                <a:tab pos="7315200" algn="l"/>
+                <a:tab pos="8229600" algn="l"/>
+                <a:tab pos="9144000" algn="l"/>
+                <a:tab pos="10058400" algn="l"/>
+              </a:tabLst>
+              <a:defRPr sz="2400">
+                <a:solidFill>
+                  <a:schemeClr val="tx1"/>
+                </a:solidFill>
+                <a:latin typeface="Times New Roman" panose="02020603050405020304" pitchFamily="18" charset="0"/>
+              </a:defRPr>
+            </a:lvl6pPr>
+            <a:lvl7pPr marL="2971800" indent="-228600" eaLnBrk="0" fontAlgn="base" hangingPunct="0">
+              <a:spcBef>
+                <a:spcPct val="0"/>
+              </a:spcBef>
+              <a:spcAft>
+                <a:spcPct val="0"/>
+              </a:spcAft>
+              <a:tabLst>
+                <a:tab pos="0" algn="l"/>
+                <a:tab pos="914400" algn="l"/>
+                <a:tab pos="1828800" algn="l"/>
+                <a:tab pos="2743200" algn="l"/>
+                <a:tab pos="3657600" algn="l"/>
+                <a:tab pos="4572000" algn="l"/>
+                <a:tab pos="5486400" algn="l"/>
+                <a:tab pos="6400800" algn="l"/>
+                <a:tab pos="7315200" algn="l"/>
+                <a:tab pos="8229600" algn="l"/>
+                <a:tab pos="9144000" algn="l"/>
+                <a:tab pos="10058400" algn="l"/>
+              </a:tabLst>
+              <a:defRPr sz="2400">
+                <a:solidFill>
+                  <a:schemeClr val="tx1"/>
+                </a:solidFill>
+                <a:latin typeface="Times New Roman" panose="02020603050405020304" pitchFamily="18" charset="0"/>
+              </a:defRPr>
+            </a:lvl7pPr>
+            <a:lvl8pPr marL="3429000" indent="-228600" eaLnBrk="0" fontAlgn="base" hangingPunct="0">
+              <a:spcBef>
+                <a:spcPct val="0"/>
+              </a:spcBef>
+              <a:spcAft>
+                <a:spcPct val="0"/>
+              </a:spcAft>
+              <a:tabLst>
+                <a:tab pos="0" algn="l"/>
+                <a:tab pos="914400" algn="l"/>
+                <a:tab pos="1828800" algn="l"/>
+                <a:tab pos="2743200" algn="l"/>
+                <a:tab pos="3657600" algn="l"/>
+                <a:tab pos="4572000" algn="l"/>
+                <a:tab pos="5486400" algn="l"/>
+                <a:tab pos="6400800" algn="l"/>
+                <a:tab pos="7315200" algn="l"/>
+                <a:tab pos="8229600" algn="l"/>
+                <a:tab pos="9144000" algn="l"/>
+                <a:tab pos="10058400" algn="l"/>
+              </a:tabLst>
+              <a:defRPr sz="2400">
+                <a:solidFill>
+                  <a:schemeClr val="tx1"/>
+                </a:solidFill>
+                <a:latin typeface="Times New Roman" panose="02020603050405020304" pitchFamily="18" charset="0"/>
+              </a:defRPr>
+            </a:lvl8pPr>
+            <a:lvl9pPr marL="3886200" indent="-228600" eaLnBrk="0" fontAlgn="base" hangingPunct="0">
+              <a:spcBef>
+                <a:spcPct val="0"/>
+              </a:spcBef>
+              <a:spcAft>
+                <a:spcPct val="0"/>
+              </a:spcAft>
+              <a:tabLst>
+                <a:tab pos="0" algn="l"/>
+                <a:tab pos="914400" algn="l"/>
+                <a:tab pos="1828800" algn="l"/>
+                <a:tab pos="2743200" algn="l"/>
+                <a:tab pos="3657600" algn="l"/>
+                <a:tab pos="4572000" algn="l"/>
+                <a:tab pos="5486400" algn="l"/>
+                <a:tab pos="6400800" algn="l"/>
+                <a:tab pos="7315200" algn="l"/>
+                <a:tab pos="8229600" algn="l"/>
+                <a:tab pos="9144000" algn="l"/>
+                <a:tab pos="10058400" algn="l"/>
+              </a:tabLst>
+              <a:defRPr sz="2400">
+                <a:solidFill>
+                  <a:schemeClr val="tx1"/>
+                </a:solidFill>
+                <a:latin typeface="Times New Roman" panose="02020603050405020304" pitchFamily="18" charset="0"/>
+              </a:defRPr>
+            </a:lvl9pPr>
+          </a:lstStyle>
+          <a:p>
+            <a:pPr algn="ctr" eaLnBrk="1" hangingPunct="1"/>
+            <a:r>
+              <a:rPr lang="en-GB" altLang="en-US" sz="4400">
+                <a:solidFill>
+                  <a:srgbClr val="000000"/>
+                </a:solidFill>
+                <a:latin typeface="Arial" panose="020B0604020202020204" pitchFamily="34" charset="0"/>
+              </a:rPr>
+              <a:t>Questions/Discussion</a:t>
+            </a:r>
+          </a:p>
+        </p:txBody>
+      </p:sp>
+      <p:sp>
+        <p:nvSpPr>
+          <p:cNvPr id="27651" name="Text Box 2"/>
+          <p:cNvSpPr txBox="1">
+            <a:spLocks noChangeArrowheads="1"/>
+          </p:cNvSpPr>
+          <p:nvPr/>
+        </p:nvSpPr>
+        <p:spPr bwMode="auto">
+          <a:xfrm>
+            <a:off x="685800" y="1981200"/>
+            <a:ext cx="7772400" cy="4114800"/>
+          </a:xfrm>
+          <a:prstGeom prst="rect">
+            <a:avLst/>
+          </a:prstGeom>
+          <a:noFill/>
+          <a:ln>
+            <a:noFill/>
+          </a:ln>
+          <a:extLst>
+            <a:ext uri="{909E8E84-426E-40DD-AFC4-6F175D3DCCD1}">
+              <a14:hiddenFill xmlns="" xmlns:a14="http://schemas.microsoft.com/office/drawing/2010/main">
+                <a:solidFill>
+                  <a:srgbClr val="FFFFFF"/>
+                </a:solidFill>
+              </a14:hiddenFill>
+            </a:ext>
+            <a:ext uri="{91240B29-F687-4F45-9708-019B960494DF}">
+              <a14:hiddenLine xmlns="" xmlns:a14="http://schemas.microsoft.com/office/drawing/2010/main" w="9525">
+                <a:solidFill>
+                  <a:srgbClr val="000000"/>
+                </a:solidFill>
+                <a:round/>
+                <a:headEnd/>
+                <a:tailEnd/>
+              </a14:hiddenLine>
+            </a:ext>
+          </a:extLst>
+        </p:spPr>
+        <p:txBody>
+          <a:bodyPr wrap="none" anchor="ctr"/>
+          <a:lstStyle>
+            <a:lvl1pPr>
+              <a:defRPr sz="2400">
+                <a:solidFill>
+                  <a:schemeClr val="tx1"/>
+                </a:solidFill>
+                <a:latin typeface="Times New Roman" panose="02020603050405020304" pitchFamily="18" charset="0"/>
+              </a:defRPr>
+            </a:lvl1pPr>
+            <a:lvl2pPr marL="742950" indent="-285750">
+              <a:defRPr sz="2400">
+                <a:solidFill>
+                  <a:schemeClr val="tx1"/>
+                </a:solidFill>
+                <a:latin typeface="Times New Roman" panose="02020603050405020304" pitchFamily="18" charset="0"/>
+              </a:defRPr>
+            </a:lvl2pPr>
+            <a:lvl3pPr marL="1143000" indent="-228600">
+              <a:defRPr sz="2400">
+                <a:solidFill>
+                  <a:schemeClr val="tx1"/>
+                </a:solidFill>
+                <a:latin typeface="Times New Roman" panose="02020603050405020304" pitchFamily="18" charset="0"/>
+              </a:defRPr>
+            </a:lvl3pPr>
+            <a:lvl4pPr marL="1600200" indent="-228600">
+              <a:defRPr sz="2400">
+                <a:solidFill>
+                  <a:schemeClr val="tx1"/>
+                </a:solidFill>
+                <a:latin typeface="Times New Roman" panose="02020603050405020304" pitchFamily="18" charset="0"/>
+              </a:defRPr>
+            </a:lvl4pPr>
+            <a:lvl5pPr marL="2057400" indent="-228600">
+              <a:defRPr sz="2400">
+                <a:solidFill>
+                  <a:schemeClr val="tx1"/>
+                </a:solidFill>
+                <a:latin typeface="Times New Roman" panose="02020603050405020304" pitchFamily="18" charset="0"/>
+              </a:defRPr>
+            </a:lvl5pPr>
+            <a:lvl6pPr marL="2514600" indent="-228600" eaLnBrk="0" fontAlgn="base" hangingPunct="0">
+              <a:spcBef>
+                <a:spcPct val="0"/>
+              </a:spcBef>
+              <a:spcAft>
+                <a:spcPct val="0"/>
+              </a:spcAft>
+              <a:defRPr sz="2400">
+                <a:solidFill>
+                  <a:schemeClr val="tx1"/>
+                </a:solidFill>
+                <a:latin typeface="Times New Roman" panose="02020603050405020304" pitchFamily="18" charset="0"/>
+              </a:defRPr>
+            </a:lvl6pPr>
+            <a:lvl7pPr marL="2971800" indent="-228600" eaLnBrk="0" fontAlgn="base" hangingPunct="0">
+              <a:spcBef>
+                <a:spcPct val="0"/>
+              </a:spcBef>
+              <a:spcAft>
+                <a:spcPct val="0"/>
+              </a:spcAft>
+              <a:defRPr sz="2400">
+                <a:solidFill>
+                  <a:schemeClr val="tx1"/>
+                </a:solidFill>
+                <a:latin typeface="Times New Roman" panose="02020603050405020304" pitchFamily="18" charset="0"/>
+              </a:defRPr>
+            </a:lvl7pPr>
+            <a:lvl8pPr marL="3429000" indent="-228600" eaLnBrk="0" fontAlgn="base" hangingPunct="0">
+              <a:spcBef>
+                <a:spcPct val="0"/>
+              </a:spcBef>
+              <a:spcAft>
+                <a:spcPct val="0"/>
+              </a:spcAft>
+              <a:defRPr sz="2400">
+                <a:solidFill>
+                  <a:schemeClr val="tx1"/>
+                </a:solidFill>
+                <a:latin typeface="Times New Roman" panose="02020603050405020304" pitchFamily="18" charset="0"/>
+              </a:defRPr>
+            </a:lvl8pPr>
+            <a:lvl9pPr marL="3886200" indent="-228600" eaLnBrk="0" fontAlgn="base" hangingPunct="0">
+              <a:spcBef>
+                <a:spcPct val="0"/>
+              </a:spcBef>
+              <a:spcAft>
+                <a:spcPct val="0"/>
+              </a:spcAft>
+              <a:defRPr sz="2400">
+                <a:solidFill>
+                  <a:schemeClr val="tx1"/>
+                </a:solidFill>
+                <a:latin typeface="Times New Roman" panose="02020603050405020304" pitchFamily="18" charset="0"/>
+              </a:defRPr>
+            </a:lvl9pPr>
+          </a:lstStyle>
+          <a:p>
+            <a:endParaRPr lang="en-US" altLang="en-US"/>
+          </a:p>
+        </p:txBody>
+      </p:sp>
+    </p:spTree>
+  </p:cSld>
+  <p:clrMapOvr>
+    <a:masterClrMapping/>
+  </p:clrMapOvr>
+  <p:transition spd="med"/>
+  <p:timing>
+    <p:tnLst>
+      <p:par>
+        <p:cTn id="1" dur="indefinite" restart="never" nodeType="tmRoot">
+          <p:childTnLst>
+            <p:seq concurrent="1" nextAc="seek">
+              <p:cTn id="2" dur="0" nodeType="mainSeq"/>
+              <p:prevCondLst>
+                <p:cond evt="onPrev" delay="0">
+                  <p:tgtEl>
+                    <p:sldTgt/>
+                  </p:tgtEl>
+                </p:cond>
+              </p:prevCondLst>
+              <p:nextCondLst>
+                <p:cond evt="onNext" delay="0">
+                  <p:tgtEl>
+                    <p:sldTgt/>
+                  </p:tgtEl>
+                </p:cond>
+              </p:nextCondLst>
+            </p:seq>
+          </p:childTnLst>
+        </p:cTn>
+      </p:par>
+    </p:tnLst>
+  </p:timing>
+</p:sld>
+</file>
+
+<file path=ppt/slides/slide37.xml><?xml version="1.0" encoding="utf-8"?>
+<p:sld xmlns:a="http://schemas.openxmlformats.org/drawingml/2006/main" xmlns:r="http://schemas.openxmlformats.org/officeDocument/2006/relationships" xmlns:p="http://schemas.openxmlformats.org/presentationml/2006/main">
+  <p:cSld>
+    <p:spTree>
+      <p:nvGrpSpPr>
+        <p:cNvPr id="1" name=""/>
+        <p:cNvGrpSpPr/>
+        <p:nvPr/>
+      </p:nvGrpSpPr>
+      <p:grpSpPr>
+        <a:xfrm>
+          <a:off x="0" y="0"/>
+          <a:ext cx="0" cy="0"/>
+          <a:chOff x="0" y="0"/>
+          <a:chExt cx="0" cy="0"/>
+        </a:xfrm>
+      </p:grpSpPr>
+      <p:sp>
+        <p:nvSpPr>
+          <p:cNvPr id="2" name="Title 1"/>
+          <p:cNvSpPr>
+            <a:spLocks noGrp="1"/>
+          </p:cNvSpPr>
+          <p:nvPr>
+            <p:ph type="title"/>
+          </p:nvPr>
+        </p:nvSpPr>
+        <p:spPr>
+          <a:xfrm>
+            <a:off x="609600" y="228600"/>
+            <a:ext cx="7772400" cy="1143000"/>
+          </a:xfrm>
+        </p:spPr>
+        <p:txBody>
+          <a:bodyPr/>
+          <a:lstStyle/>
+          <a:p>
+            <a:r>
+              <a:rPr lang="en-US" dirty="0" smtClean="0"/>
+              <a:t>Challenge</a:t>
+            </a:r>
+            <a:endParaRPr lang="en-US" dirty="0"/>
+          </a:p>
+        </p:txBody>
+      </p:sp>
+      <p:sp>
+        <p:nvSpPr>
+          <p:cNvPr id="3" name="Content Placeholder 2"/>
+          <p:cNvSpPr>
+            <a:spLocks noGrp="1"/>
+          </p:cNvSpPr>
+          <p:nvPr>
+            <p:ph idx="1"/>
+          </p:nvPr>
+        </p:nvSpPr>
+        <p:spPr>
+          <a:xfrm>
+            <a:off x="762000" y="5334000"/>
+            <a:ext cx="7772400" cy="1371600"/>
+          </a:xfrm>
+        </p:spPr>
+        <p:txBody>
+          <a:bodyPr>
+            <a:normAutofit fontScale="70000" lnSpcReduction="20000"/>
+          </a:bodyPr>
+          <a:lstStyle/>
+          <a:p>
+            <a:r>
+              <a:rPr lang="en-US" dirty="0" smtClean="0"/>
+              <a:t>Implement a similar website design</a:t>
+            </a:r>
+          </a:p>
+          <a:p>
+            <a:r>
+              <a:rPr lang="en-US" dirty="0" smtClean="0"/>
+              <a:t>Navigation elements are within the image (e.g., people, tables, …)</a:t>
+            </a:r>
+          </a:p>
+          <a:p>
+            <a:r>
+              <a:rPr lang="en-US" dirty="0" smtClean="0"/>
+              <a:t>Popup information, hover </a:t>
+            </a:r>
+            <a:r>
+              <a:rPr lang="en-US" smtClean="0"/>
+              <a:t>over images/text, … </a:t>
+            </a:r>
+            <a:endParaRPr lang="en-US" dirty="0"/>
+          </a:p>
+        </p:txBody>
+      </p:sp>
+      <p:pic>
+        <p:nvPicPr>
+          <p:cNvPr id="1026" name="Picture 2"/>
+          <p:cNvPicPr>
+            <a:picLocks noChangeAspect="1" noChangeArrowheads="1"/>
+          </p:cNvPicPr>
+          <p:nvPr/>
+        </p:nvPicPr>
+        <p:blipFill>
+          <a:blip r:embed="rId2" cstate="print"/>
+          <a:srcRect/>
+          <a:stretch>
+            <a:fillRect/>
+          </a:stretch>
+        </p:blipFill>
+        <p:spPr bwMode="auto">
+          <a:xfrm>
+            <a:off x="1143000" y="1371600"/>
+            <a:ext cx="6648450" cy="3838575"/>
+          </a:xfrm>
+          <a:prstGeom prst="rect">
+            <a:avLst/>
+          </a:prstGeom>
+          <a:noFill/>
+          <a:ln w="9525">
+            <a:noFill/>
+            <a:miter lim="800000"/>
+            <a:headEnd/>
+            <a:tailEnd/>
+          </a:ln>
+          <a:effectLst/>
+        </p:spPr>
+      </p:pic>
+    </p:spTree>
+  </p:cSld>
+  <p:clrMapOvr>
+    <a:masterClrMapping/>
+  </p:clrMapOvr>
+</p:sld>
+</file>
+
+<file path=ppt/slides/slide38.xml><?xml version="1.0" encoding="utf-8"?>
+<p:sld xmlns:a="http://schemas.openxmlformats.org/drawingml/2006/main" xmlns:r="http://schemas.openxmlformats.org/officeDocument/2006/relationships" xmlns:p="http://schemas.openxmlformats.org/presentationml/2006/main">
+  <p:cSld>
+    <p:spTree>
+      <p:nvGrpSpPr>
+        <p:cNvPr id="1" name=""/>
+        <p:cNvGrpSpPr/>
+        <p:nvPr/>
+      </p:nvGrpSpPr>
+      <p:grpSpPr>
+        <a:xfrm>
+          <a:off x="0" y="0"/>
+          <a:ext cx="0" cy="0"/>
+          <a:chOff x="0" y="0"/>
+          <a:chExt cx="0" cy="0"/>
+        </a:xfrm>
+      </p:grpSpPr>
+      <p:sp>
+        <p:nvSpPr>
+          <p:cNvPr id="28674" name="Text Box 1"/>
+          <p:cNvSpPr txBox="1">
+            <a:spLocks noChangeArrowheads="1"/>
+          </p:cNvSpPr>
+          <p:nvPr/>
+        </p:nvSpPr>
+        <p:spPr bwMode="auto">
+          <a:xfrm>
+            <a:off x="685800" y="609600"/>
+            <a:ext cx="7772400" cy="1143000"/>
+          </a:xfrm>
+          <a:prstGeom prst="rect">
+            <a:avLst/>
+          </a:prstGeom>
+          <a:noFill/>
+          <a:ln>
+            <a:noFill/>
+          </a:ln>
+          <a:extLst>
+            <a:ext uri="{909E8E84-426E-40DD-AFC4-6F175D3DCCD1}">
+              <a14:hiddenFill xmlns="" xmlns:a14="http://schemas.microsoft.com/office/drawing/2010/main">
+                <a:solidFill>
+                  <a:srgbClr val="FFFFFF"/>
+                </a:solidFill>
+              </a14:hiddenFill>
+            </a:ext>
+            <a:ext uri="{91240B29-F687-4F45-9708-019B960494DF}">
+              <a14:hiddenLine xmlns="" xmlns:a14="http://schemas.microsoft.com/office/drawing/2010/main" w="9525">
+                <a:solidFill>
+                  <a:srgbClr val="000000"/>
+                </a:solidFill>
+                <a:round/>
+                <a:headEnd/>
+                <a:tailEnd/>
+              </a14:hiddenLine>
+            </a:ext>
+          </a:extLst>
+        </p:spPr>
+        <p:txBody>
+          <a:bodyPr wrap="none" anchor="ctr"/>
+          <a:lstStyle>
+            <a:lvl1pPr>
+              <a:defRPr sz="2400">
+                <a:solidFill>
+                  <a:schemeClr val="tx1"/>
+                </a:solidFill>
+                <a:latin typeface="Times New Roman" panose="02020603050405020304" pitchFamily="18" charset="0"/>
+              </a:defRPr>
+            </a:lvl1pPr>
+            <a:lvl2pPr marL="742950" indent="-285750">
+              <a:defRPr sz="2400">
+                <a:solidFill>
+                  <a:schemeClr val="tx1"/>
+                </a:solidFill>
+                <a:latin typeface="Times New Roman" panose="02020603050405020304" pitchFamily="18" charset="0"/>
+              </a:defRPr>
+            </a:lvl2pPr>
+            <a:lvl3pPr marL="1143000" indent="-228600">
+              <a:defRPr sz="2400">
+                <a:solidFill>
+                  <a:schemeClr val="tx1"/>
+                </a:solidFill>
+                <a:latin typeface="Times New Roman" panose="02020603050405020304" pitchFamily="18" charset="0"/>
+              </a:defRPr>
+            </a:lvl3pPr>
+            <a:lvl4pPr marL="1600200" indent="-228600">
+              <a:defRPr sz="2400">
+                <a:solidFill>
+                  <a:schemeClr val="tx1"/>
+                </a:solidFill>
+                <a:latin typeface="Times New Roman" panose="02020603050405020304" pitchFamily="18" charset="0"/>
+              </a:defRPr>
+            </a:lvl4pPr>
+            <a:lvl5pPr marL="2057400" indent="-228600">
+              <a:defRPr sz="2400">
+                <a:solidFill>
+                  <a:schemeClr val="tx1"/>
+                </a:solidFill>
+                <a:latin typeface="Times New Roman" panose="02020603050405020304" pitchFamily="18" charset="0"/>
+              </a:defRPr>
+            </a:lvl5pPr>
+            <a:lvl6pPr marL="2514600" indent="-228600" eaLnBrk="0" fontAlgn="base" hangingPunct="0">
+              <a:spcBef>
+                <a:spcPct val="0"/>
+              </a:spcBef>
+              <a:spcAft>
+                <a:spcPct val="0"/>
+              </a:spcAft>
+              <a:defRPr sz="2400">
+                <a:solidFill>
+                  <a:schemeClr val="tx1"/>
+                </a:solidFill>
+                <a:latin typeface="Times New Roman" panose="02020603050405020304" pitchFamily="18" charset="0"/>
+              </a:defRPr>
+            </a:lvl6pPr>
+            <a:lvl7pPr marL="2971800" indent="-228600" eaLnBrk="0" fontAlgn="base" hangingPunct="0">
+              <a:spcBef>
+                <a:spcPct val="0"/>
+              </a:spcBef>
+              <a:spcAft>
+                <a:spcPct val="0"/>
+              </a:spcAft>
+              <a:defRPr sz="2400">
+                <a:solidFill>
+                  <a:schemeClr val="tx1"/>
+                </a:solidFill>
+                <a:latin typeface="Times New Roman" panose="02020603050405020304" pitchFamily="18" charset="0"/>
+              </a:defRPr>
+            </a:lvl7pPr>
+            <a:lvl8pPr marL="3429000" indent="-228600" eaLnBrk="0" fontAlgn="base" hangingPunct="0">
+              <a:spcBef>
+                <a:spcPct val="0"/>
+              </a:spcBef>
+              <a:spcAft>
+                <a:spcPct val="0"/>
+              </a:spcAft>
+              <a:defRPr sz="2400">
+                <a:solidFill>
+                  <a:schemeClr val="tx1"/>
+                </a:solidFill>
+                <a:latin typeface="Times New Roman" panose="02020603050405020304" pitchFamily="18" charset="0"/>
+              </a:defRPr>
+            </a:lvl8pPr>
+            <a:lvl9pPr marL="3886200" indent="-228600" eaLnBrk="0" fontAlgn="base" hangingPunct="0">
+              <a:spcBef>
+                <a:spcPct val="0"/>
+              </a:spcBef>
+              <a:spcAft>
+                <a:spcPct val="0"/>
+              </a:spcAft>
+              <a:defRPr sz="2400">
+                <a:solidFill>
+                  <a:schemeClr val="tx1"/>
+                </a:solidFill>
+                <a:latin typeface="Times New Roman" panose="02020603050405020304" pitchFamily="18" charset="0"/>
+              </a:defRPr>
+            </a:lvl9pPr>
+          </a:lstStyle>
+          <a:p>
+            <a:endParaRPr lang="en-US" altLang="en-US"/>
+          </a:p>
+        </p:txBody>
+      </p:sp>
+      <p:sp>
+        <p:nvSpPr>
+          <p:cNvPr id="28675" name="Rectangle 2"/>
+          <p:cNvSpPr>
+            <a:spLocks noGrp="1" noChangeArrowheads="1"/>
+          </p:cNvSpPr>
+          <p:nvPr/>
+        </p:nvSpPr>
+        <p:spPr bwMode="auto">
+          <a:xfrm>
+            <a:off x="685800" y="1981200"/>
+            <a:ext cx="7772400" cy="4114800"/>
+          </a:xfrm>
+          <a:prstGeom prst="rect">
+            <a:avLst/>
+          </a:prstGeom>
+          <a:noFill/>
+          <a:ln>
+            <a:noFill/>
+          </a:ln>
+          <a:extLst>
+            <a:ext uri="{909E8E84-426E-40DD-AFC4-6F175D3DCCD1}">
+              <a14:hiddenFill xmlns="" xmlns:a14="http://schemas.microsoft.com/office/drawing/2010/main">
+                <a:solidFill>
+                  <a:srgbClr val="FFFFFF"/>
+                </a:solidFill>
+              </a14:hiddenFill>
+            </a:ext>
+            <a:ext uri="{91240B29-F687-4F45-9708-019B960494DF}">
+              <a14:hiddenLine xmlns="" xmlns:a14="http://schemas.microsoft.com/office/drawing/2010/main" w="9525">
+                <a:solidFill>
+                  <a:srgbClr val="000000"/>
+                </a:solidFill>
+                <a:miter lim="800000"/>
+                <a:headEnd/>
+                <a:tailEnd/>
+              </a14:hiddenLine>
+            </a:ext>
+          </a:extLst>
+        </p:spPr>
+        <p:txBody>
+          <a:bodyPr lIns="90000" tIns="46800" rIns="90000" bIns="46800"/>
+          <a:lstStyle>
+            <a:lvl1pPr>
+              <a:defRPr sz="2400">
+                <a:solidFill>
+                  <a:schemeClr val="tx1"/>
+                </a:solidFill>
+                <a:latin typeface="Times New Roman" panose="02020603050405020304" pitchFamily="18" charset="0"/>
+              </a:defRPr>
+            </a:lvl1pPr>
+            <a:lvl2pPr marL="742950" indent="-285750">
+              <a:defRPr sz="2400">
+                <a:solidFill>
+                  <a:schemeClr val="tx1"/>
+                </a:solidFill>
+                <a:latin typeface="Times New Roman" panose="02020603050405020304" pitchFamily="18" charset="0"/>
+              </a:defRPr>
+            </a:lvl2pPr>
+            <a:lvl3pPr marL="1143000" indent="-228600">
+              <a:defRPr sz="2400">
+                <a:solidFill>
+                  <a:schemeClr val="tx1"/>
+                </a:solidFill>
+                <a:latin typeface="Times New Roman" panose="02020603050405020304" pitchFamily="18" charset="0"/>
+              </a:defRPr>
+            </a:lvl3pPr>
+            <a:lvl4pPr marL="1600200" indent="-228600">
+              <a:defRPr sz="2400">
+                <a:solidFill>
+                  <a:schemeClr val="tx1"/>
+                </a:solidFill>
+                <a:latin typeface="Times New Roman" panose="02020603050405020304" pitchFamily="18" charset="0"/>
+              </a:defRPr>
+            </a:lvl4pPr>
+            <a:lvl5pPr marL="2057400" indent="-228600">
+              <a:defRPr sz="2400">
+                <a:solidFill>
+                  <a:schemeClr val="tx1"/>
+                </a:solidFill>
+                <a:latin typeface="Times New Roman" panose="02020603050405020304" pitchFamily="18" charset="0"/>
+              </a:defRPr>
+            </a:lvl5pPr>
+            <a:lvl6pPr marL="2514600" indent="-228600" eaLnBrk="0" fontAlgn="base" hangingPunct="0">
+              <a:spcBef>
+                <a:spcPct val="0"/>
+              </a:spcBef>
+              <a:spcAft>
+                <a:spcPct val="0"/>
+              </a:spcAft>
+              <a:defRPr sz="2400">
+                <a:solidFill>
+                  <a:schemeClr val="tx1"/>
+                </a:solidFill>
+                <a:latin typeface="Times New Roman" panose="02020603050405020304" pitchFamily="18" charset="0"/>
+              </a:defRPr>
+            </a:lvl6pPr>
+            <a:lvl7pPr marL="2971800" indent="-228600" eaLnBrk="0" fontAlgn="base" hangingPunct="0">
+              <a:spcBef>
+                <a:spcPct val="0"/>
+              </a:spcBef>
+              <a:spcAft>
+                <a:spcPct val="0"/>
+              </a:spcAft>
+              <a:defRPr sz="2400">
+                <a:solidFill>
+                  <a:schemeClr val="tx1"/>
+                </a:solidFill>
+                <a:latin typeface="Times New Roman" panose="02020603050405020304" pitchFamily="18" charset="0"/>
+              </a:defRPr>
+            </a:lvl7pPr>
+            <a:lvl8pPr marL="3429000" indent="-228600" eaLnBrk="0" fontAlgn="base" hangingPunct="0">
+              <a:spcBef>
+                <a:spcPct val="0"/>
+              </a:spcBef>
+              <a:spcAft>
+                <a:spcPct val="0"/>
+              </a:spcAft>
+              <a:defRPr sz="2400">
+                <a:solidFill>
+                  <a:schemeClr val="tx1"/>
+                </a:solidFill>
+                <a:latin typeface="Times New Roman" panose="02020603050405020304" pitchFamily="18" charset="0"/>
+              </a:defRPr>
+            </a:lvl8pPr>
+            <a:lvl9pPr marL="3886200" indent="-228600" eaLnBrk="0" fontAlgn="base" hangingPunct="0">
+              <a:spcBef>
+                <a:spcPct val="0"/>
+              </a:spcBef>
+              <a:spcAft>
+                <a:spcPct val="0"/>
+              </a:spcAft>
+              <a:defRPr sz="2400">
+                <a:solidFill>
+                  <a:schemeClr val="tx1"/>
+                </a:solidFill>
+                <a:latin typeface="Times New Roman" panose="02020603050405020304" pitchFamily="18" charset="0"/>
+              </a:defRPr>
+            </a:lvl9pPr>
+          </a:lstStyle>
+          <a:p>
+            <a:endParaRPr lang="en-US" altLang="en-US"/>
+          </a:p>
+        </p:txBody>
+      </p:sp>
+      <p:pic>
+        <p:nvPicPr>
+          <p:cNvPr id="28676" name="Picture 3"/>
+          <p:cNvPicPr>
+            <a:picLocks noChangeAspect="1" noChangeArrowheads="1"/>
+          </p:cNvPicPr>
+          <p:nvPr/>
+        </p:nvPicPr>
+        <p:blipFill>
+          <a:blip r:embed="rId3" cstate="print">
+            <a:extLst>
+              <a:ext uri="{28A0092B-C50C-407E-A947-70E740481C1C}">
+                <a14:useLocalDpi xmlns="" xmlns:a14="http://schemas.microsoft.com/office/drawing/2010/main" val="0"/>
+              </a:ext>
+            </a:extLst>
+          </a:blip>
+          <a:srcRect b="6802"/>
+          <a:stretch>
+            <a:fillRect/>
+          </a:stretch>
+        </p:blipFill>
+        <p:spPr bwMode="auto">
+          <a:xfrm>
+            <a:off x="1981200" y="990600"/>
+            <a:ext cx="5505450" cy="5130800"/>
+          </a:xfrm>
+          <a:prstGeom prst="rect">
+            <a:avLst/>
+          </a:prstGeom>
+          <a:noFill/>
+          <a:ln>
+            <a:noFill/>
+          </a:ln>
+          <a:extLst>
+            <a:ext uri="{909E8E84-426E-40DD-AFC4-6F175D3DCCD1}">
+              <a14:hiddenFill xmlns="" xmlns:a14="http://schemas.microsoft.com/office/drawing/2010/main">
+                <a:solidFill>
+                  <a:srgbClr val="FFFFFF"/>
+                </a:solidFill>
+              </a14:hiddenFill>
+            </a:ext>
+            <a:ext uri="{91240B29-F687-4F45-9708-019B960494DF}">
+              <a14:hiddenLine xmlns="" xmlns:a14="http://schemas.microsoft.com/office/drawing/2010/main" w="9525">
+                <a:solidFill>
+                  <a:srgbClr val="000000"/>
+                </a:solidFill>
+                <a:round/>
+                <a:headEnd/>
+                <a:tailEnd/>
+              </a14:hiddenLine>
+            </a:ext>
+          </a:extLst>
+        </p:spPr>
+      </p:pic>
+    </p:spTree>
+  </p:cSld>
+  <p:clrMapOvr>
+    <a:masterClrMapping/>
+  </p:clrMapOvr>
+  <p:transition spd="med"/>
+  <p:timing>
+    <p:tnLst>
+      <p:par>
+        <p:cTn id="1" dur="indefinite" restart="never" nodeType="tmRoot">
+          <p:childTnLst>
+            <p:seq concurrent="1" nextAc="seek">
+              <p:cTn id="2" dur="0" nodeType="mainSeq"/>
+              <p:prevCondLst>
+                <p:cond evt="onPrev" delay="0">
+                  <p:tgtEl>
+                    <p:sldTgt/>
+                  </p:tgtEl>
+                </p:cond>
+              </p:prevCondLst>
+              <p:nextCondLst>
+                <p:cond evt="onNext" delay="0">
+                  <p:tgtEl>
+                    <p:sldTgt/>
+                  </p:tgtEl>
+                </p:cond>
+              </p:nextCondLst>
+            </p:seq>
+          </p:childTnLst>
+        </p:cTn>
       </p:par>
     </p:tnLst>
   </p:timing>
@@ -14580,7 +16035,7 @@
           <a:blip r:embed="rId2" cstate="print">
             <a:extLst>
               <a:ext uri="{28A0092B-C50C-407E-A947-70E740481C1C}">
-                <a14:useLocalDpi xmlns:a14="http://schemas.microsoft.com/office/drawing/2010/main" xmlns="" val="0"/>
+                <a14:useLocalDpi xmlns="" xmlns:a14="http://schemas.microsoft.com/office/drawing/2010/main" val="0"/>
               </a:ext>
             </a:extLst>
           </a:blip>
@@ -14603,14 +16058,14 @@
           </a:ln>
           <a:extLst>
             <a:ext uri="{909E8E84-426E-40DD-AFC4-6F175D3DCCD1}">
-              <a14:hiddenFill xmlns:a14="http://schemas.microsoft.com/office/drawing/2010/main" xmlns="">
+              <a14:hiddenFill xmlns="" xmlns:a14="http://schemas.microsoft.com/office/drawing/2010/main">
                 <a:solidFill>
                   <a:srgbClr val="FFFFFF"/>
                 </a:solidFill>
               </a14:hiddenFill>
             </a:ext>
             <a:ext uri="{91240B29-F687-4F45-9708-019B960494DF}">
-              <a14:hiddenLine xmlns:a14="http://schemas.microsoft.com/office/drawing/2010/main" xmlns="" w="9525">
+              <a14:hiddenLine xmlns="" xmlns:a14="http://schemas.microsoft.com/office/drawing/2010/main" w="9525">
                 <a:solidFill>
                   <a:srgbClr val="000000"/>
                 </a:solidFill>
@@ -14805,7 +16260,7 @@
           <a:blip r:embed="rId2" cstate="print">
             <a:extLst>
               <a:ext uri="{28A0092B-C50C-407E-A947-70E740481C1C}">
-                <a14:useLocalDpi xmlns:a14="http://schemas.microsoft.com/office/drawing/2010/main" xmlns="" val="0"/>
+                <a14:useLocalDpi xmlns="" xmlns:a14="http://schemas.microsoft.com/office/drawing/2010/main" val="0"/>
               </a:ext>
             </a:extLst>
           </a:blip>
@@ -14828,14 +16283,14 @@
           </a:ln>
           <a:extLst>
             <a:ext uri="{909E8E84-426E-40DD-AFC4-6F175D3DCCD1}">
-              <a14:hiddenFill xmlns:a14="http://schemas.microsoft.com/office/drawing/2010/main" xmlns="">
+              <a14:hiddenFill xmlns="" xmlns:a14="http://schemas.microsoft.com/office/drawing/2010/main">
                 <a:solidFill>
                   <a:srgbClr val="FFFFFF"/>
                 </a:solidFill>
               </a14:hiddenFill>
             </a:ext>
             <a:ext uri="{91240B29-F687-4F45-9708-019B960494DF}">
-              <a14:hiddenLine xmlns:a14="http://schemas.microsoft.com/office/drawing/2010/main" xmlns="" w="9525">
+              <a14:hiddenLine xmlns="" xmlns:a14="http://schemas.microsoft.com/office/drawing/2010/main" w="9525">
                 <a:solidFill>
                   <a:srgbClr val="000000"/>
                 </a:solidFill>
@@ -14859,7 +16314,7 @@
           <a:blip r:embed="rId3" cstate="print">
             <a:extLst>
               <a:ext uri="{28A0092B-C50C-407E-A947-70E740481C1C}">
-                <a14:useLocalDpi xmlns:a14="http://schemas.microsoft.com/office/drawing/2010/main" xmlns="" val="0"/>
+                <a14:useLocalDpi xmlns="" xmlns:a14="http://schemas.microsoft.com/office/drawing/2010/main" val="0"/>
               </a:ext>
             </a:extLst>
           </a:blip>
@@ -14882,14 +16337,14 @@
           </a:ln>
           <a:extLst>
             <a:ext uri="{909E8E84-426E-40DD-AFC4-6F175D3DCCD1}">
-              <a14:hiddenFill xmlns:a14="http://schemas.microsoft.com/office/drawing/2010/main" xmlns="">
+              <a14:hiddenFill xmlns="" xmlns:a14="http://schemas.microsoft.com/office/drawing/2010/main">
                 <a:solidFill>
                   <a:srgbClr val="FFFFFF"/>
                 </a:solidFill>
               </a14:hiddenFill>
             </a:ext>
             <a:ext uri="{91240B29-F687-4F45-9708-019B960494DF}">
-              <a14:hiddenLine xmlns:a14="http://schemas.microsoft.com/office/drawing/2010/main" xmlns="" w="9525">
+              <a14:hiddenLine xmlns="" xmlns:a14="http://schemas.microsoft.com/office/drawing/2010/main" w="9525">
                 <a:solidFill>
                   <a:srgbClr val="000000"/>
                 </a:solidFill>
@@ -14982,13 +16437,8 @@
             </a:pPr>
             <a:r>
               <a:rPr lang="en-GB" altLang="en-US" dirty="0" smtClean="0"/>
-              <a:t>Write down on a piece of paper the HTML to display the following </a:t>
-            </a:r>
-            <a:r>
-              <a:rPr lang="en-GB" altLang="en-US" dirty="0" smtClean="0"/>
-              <a:t>website design:</a:t>
-            </a:r>
-            <a:endParaRPr lang="en-GB" altLang="en-US" dirty="0" smtClean="0"/>
+              <a:t>Write down on a piece of paper the HTML to display the following website design:</a:t>
+            </a:r>
           </a:p>
           <a:p>
             <a:pPr marL="0" indent="0">
@@ -15050,7 +16500,7 @@
           <a:blip r:embed="rId3" cstate="print">
             <a:extLst>
               <a:ext uri="{28A0092B-C50C-407E-A947-70E740481C1C}">
-                <a14:useLocalDpi xmlns:a14="http://schemas.microsoft.com/office/drawing/2010/main" xmlns="" val="0"/>
+                <a14:useLocalDpi xmlns="" xmlns:a14="http://schemas.microsoft.com/office/drawing/2010/main" val="0"/>
               </a:ext>
             </a:extLst>
           </a:blip>
@@ -15073,14 +16523,14 @@
           </a:ln>
           <a:extLst>
             <a:ext uri="{909E8E84-426E-40DD-AFC4-6F175D3DCCD1}">
-              <a14:hiddenFill xmlns:a14="http://schemas.microsoft.com/office/drawing/2010/main" xmlns="">
+              <a14:hiddenFill xmlns="" xmlns:a14="http://schemas.microsoft.com/office/drawing/2010/main">
                 <a:solidFill>
                   <a:srgbClr val="FFFFFF"/>
                 </a:solidFill>
               </a14:hiddenFill>
             </a:ext>
             <a:ext uri="{91240B29-F687-4F45-9708-019B960494DF}">
-              <a14:hiddenLine xmlns:a14="http://schemas.microsoft.com/office/drawing/2010/main" xmlns="" w="9525">
+              <a14:hiddenLine xmlns="" xmlns:a14="http://schemas.microsoft.com/office/drawing/2010/main" w="9525">
                 <a:solidFill>
                   <a:srgbClr val="000000"/>
                 </a:solidFill>
@@ -15139,14 +16589,14 @@
           </a:ln>
           <a:extLst>
             <a:ext uri="{909E8E84-426E-40DD-AFC4-6F175D3DCCD1}">
-              <a14:hiddenFill xmlns:a14="http://schemas.microsoft.com/office/drawing/2010/main" xmlns="">
+              <a14:hiddenFill xmlns="" xmlns:a14="http://schemas.microsoft.com/office/drawing/2010/main">
                 <a:solidFill>
                   <a:srgbClr val="FFFFFF"/>
                 </a:solidFill>
               </a14:hiddenFill>
             </a:ext>
             <a:ext uri="{91240B29-F687-4F45-9708-019B960494DF}">
-              <a14:hiddenLine xmlns:a14="http://schemas.microsoft.com/office/drawing/2010/main" xmlns="" w="9525">
+              <a14:hiddenLine xmlns="" xmlns:a14="http://schemas.microsoft.com/office/drawing/2010/main" w="9525">
                 <a:solidFill>
                   <a:srgbClr val="000000"/>
                 </a:solidFill>
@@ -15425,14 +16875,14 @@
           </a:ln>
           <a:extLst>
             <a:ext uri="{909E8E84-426E-40DD-AFC4-6F175D3DCCD1}">
-              <a14:hiddenFill xmlns:a14="http://schemas.microsoft.com/office/drawing/2010/main" xmlns="">
+              <a14:hiddenFill xmlns="" xmlns:a14="http://schemas.microsoft.com/office/drawing/2010/main">
                 <a:solidFill>
                   <a:srgbClr val="FFFFFF"/>
                 </a:solidFill>
               </a14:hiddenFill>
             </a:ext>
             <a:ext uri="{91240B29-F687-4F45-9708-019B960494DF}">
-              <a14:hiddenLine xmlns:a14="http://schemas.microsoft.com/office/drawing/2010/main" xmlns="" w="9525">
+              <a14:hiddenLine xmlns="" xmlns:a14="http://schemas.microsoft.com/office/drawing/2010/main" w="9525">
                 <a:solidFill>
                   <a:srgbClr val="000000"/>
                 </a:solidFill>
@@ -16162,14 +17612,14 @@
           </a:ln>
           <a:extLst>
             <a:ext uri="{909E8E84-426E-40DD-AFC4-6F175D3DCCD1}">
-              <a14:hiddenFill xmlns:a14="http://schemas.microsoft.com/office/drawing/2010/main" xmlns="">
+              <a14:hiddenFill xmlns="" xmlns:a14="http://schemas.microsoft.com/office/drawing/2010/main">
                 <a:solidFill>
                   <a:srgbClr val="FFFFFF"/>
                 </a:solidFill>
               </a14:hiddenFill>
             </a:ext>
             <a:ext uri="{91240B29-F687-4F45-9708-019B960494DF}">
-              <a14:hiddenLine xmlns:a14="http://schemas.microsoft.com/office/drawing/2010/main" xmlns="" w="9525">
+              <a14:hiddenLine xmlns="" xmlns:a14="http://schemas.microsoft.com/office/drawing/2010/main" w="9525">
                 <a:solidFill>
                   <a:srgbClr val="000000"/>
                 </a:solidFill>
@@ -16706,25 +18156,7 @@
                 </a:solidFill>
                 <a:latin typeface="Arial" panose="020B0604020202020204" pitchFamily="34" charset="0"/>
               </a:rPr>
-              <a:t>Three Columns </a:t>
-            </a:r>
-            <a:r>
-              <a:rPr lang="en-GB" altLang="en-US" dirty="0" smtClean="0">
-                <a:solidFill>
-                  <a:srgbClr val="000000"/>
-                </a:solidFill>
-                <a:latin typeface="Arial" panose="020B0604020202020204" pitchFamily="34" charset="0"/>
-              </a:rPr>
-              <a:t> Flanking </a:t>
-            </a:r>
-            <a:r>
-              <a:rPr lang="en-GB" altLang="en-US" dirty="0" smtClean="0">
-                <a:solidFill>
-                  <a:srgbClr val="000000"/>
-                </a:solidFill>
-                <a:latin typeface="Arial" panose="020B0604020202020204" pitchFamily="34" charset="0"/>
-              </a:rPr>
-              <a:t>Menu</a:t>
+              <a:t>Three Columns  Flanking Menu</a:t>
             </a:r>
           </a:p>
           <a:p>
@@ -16862,7 +18294,6 @@
               <a:rPr lang="en-US" altLang="en-US" sz="2800" dirty="0" smtClean="0"/>
               <a:t>HTML defines the structure and layout of a Web document by using a variety of tags and attributes. </a:t>
             </a:r>
-            <a:endParaRPr lang="en-US" altLang="en-US" sz="2800" dirty="0" smtClean="0"/>
           </a:p>
           <a:p>
             <a:pPr marL="341313" indent="-341313">
@@ -16887,13 +18318,8 @@
             </a:pPr>
             <a:r>
               <a:rPr lang="en-US" altLang="en-US" sz="2800" dirty="0" smtClean="0"/>
-              <a:t>Since </a:t>
-            </a:r>
-            <a:r>
-              <a:rPr lang="en-US" altLang="en-US" sz="2800" dirty="0" smtClean="0"/>
-              <a:t>its initial introduction in late 1991, it came to encompass a wider variety of stylistic and dynamic behavior capabilities to meet the demands of web developers. </a:t>
-            </a:r>
-            <a:endParaRPr lang="en-US" altLang="en-US" sz="2800" dirty="0" smtClean="0"/>
+              <a:t>Since its initial introduction in late 1991, it came to encompass a wider variety of stylistic and dynamic behavior capabilities to meet the demands of web developers. </a:t>
+            </a:r>
           </a:p>
           <a:p>
             <a:pPr marL="341313" indent="-341313">
@@ -16918,11 +18344,7 @@
             </a:pPr>
             <a:r>
               <a:rPr lang="en-US" altLang="en-US" sz="2800" dirty="0" smtClean="0"/>
-              <a:t>Web </a:t>
-            </a:r>
-            <a:r>
-              <a:rPr lang="en-US" altLang="en-US" sz="2800" dirty="0" smtClean="0"/>
-              <a:t>page, we can find that, it can consist of up to</a:t>
+              <a:t>Web page, we can find that, it can consist of up to</a:t>
             </a:r>
             <a:r>
               <a:rPr lang="en-US" altLang="en-US" sz="2800" b="1" dirty="0" smtClean="0">
@@ -17663,7 +19085,7 @@
   </a:extraClrSchemeLst>
   <a:extLst>
     <a:ext uri="{05A4C25C-085E-4340-85A3-A5531E510DB2}">
-      <thm15:themeFamily xmlns:thm15="http://schemas.microsoft.com/office/thememl/2012/main" xmlns="" name="Office Theme" id="{62F939B6-93AF-4DB8-9C6B-D6C7DFDC589F}" vid="{4A3C46E8-61CC-4603-A589-7422A47A8E4A}"/>
+      <thm15:themeFamily xmlns="" xmlns:thm15="http://schemas.microsoft.com/office/thememl/2012/main" name="Office Theme" id="{62F939B6-93AF-4DB8-9C6B-D6C7DFDC589F}" vid="{4A3C46E8-61CC-4603-A589-7422A47A8E4A}"/>
     </a:ext>
   </a:extLst>
 </a:theme>
@@ -17924,7 +19346,7 @@
   <a:extraClrSchemeLst/>
   <a:extLst>
     <a:ext uri="{05A4C25C-085E-4340-85A3-A5531E510DB2}">
-      <thm15:themeFamily xmlns:thm15="http://schemas.microsoft.com/office/thememl/2012/main" xmlns="" name="Office Theme" id="{62F939B6-93AF-4DB8-9C6B-D6C7DFDC589F}" vid="{4A3C46E8-61CC-4603-A589-7422A47A8E4A}"/>
+      <thm15:themeFamily xmlns="" xmlns:thm15="http://schemas.microsoft.com/office/thememl/2012/main" name="Office Theme" id="{62F939B6-93AF-4DB8-9C6B-D6C7DFDC589F}" vid="{4A3C46E8-61CC-4603-A589-7422A47A8E4A}"/>
     </a:ext>
   </a:extLst>
 </a:theme>

--- a/WAD/lectures/080--Dynamic.vs.Static.Websites.pptx
+++ b/WAD/lectures/080--Dynamic.vs.Static.Websites.pptx
@@ -5,7 +5,7 @@
     <p:sldMasterId id="2147483648" r:id="rId1"/>
   </p:sldMasterIdLst>
   <p:notesMasterIdLst>
-    <p:notesMasterId r:id="rId40"/>
+    <p:notesMasterId r:id="rId41"/>
   </p:notesMasterIdLst>
   <p:sldIdLst>
     <p:sldId id="256" r:id="rId2"/>
@@ -41,11 +41,12 @@
     <p:sldId id="270" r:id="rId32"/>
     <p:sldId id="271" r:id="rId33"/>
     <p:sldId id="272" r:id="rId34"/>
-    <p:sldId id="273" r:id="rId35"/>
-    <p:sldId id="274" r:id="rId36"/>
-    <p:sldId id="275" r:id="rId37"/>
-    <p:sldId id="277" r:id="rId38"/>
-    <p:sldId id="276" r:id="rId39"/>
+    <p:sldId id="274" r:id="rId35"/>
+    <p:sldId id="273" r:id="rId36"/>
+    <p:sldId id="296" r:id="rId37"/>
+    <p:sldId id="275" r:id="rId38"/>
+    <p:sldId id="277" r:id="rId39"/>
+    <p:sldId id="276" r:id="rId40"/>
   </p:sldIdLst>
   <p:sldSz cx="9144000" cy="6858000" type="screen4x3"/>
   <p:notesSz cx="6858000" cy="9144000"/>
@@ -176,7 +177,7 @@
   </p:defaultTextStyle>
   <p:extLst>
     <p:ext uri="{EFAFB233-063F-42B5-8137-9DF3F51BA10A}">
-      <p15:sldGuideLst xmlns="" xmlns:p15="http://schemas.microsoft.com/office/powerpoint/2012/main">
+      <p15:sldGuideLst xmlns:p15="http://schemas.microsoft.com/office/powerpoint/2012/main" xmlns="">
         <p15:guide id="1" orient="horz" pos="2160">
           <p15:clr>
             <a:srgbClr val="A4A3A4"/>
@@ -335,7 +336,7 @@
           </a:ln>
           <a:extLst>
             <a:ext uri="{909E8E84-426E-40DD-AFC4-6F175D3DCCD1}">
-              <a14:hiddenFill xmlns="" xmlns:a14="http://schemas.microsoft.com/office/drawing/2010/main">
+              <a14:hiddenFill xmlns:a14="http://schemas.microsoft.com/office/drawing/2010/main" xmlns="">
                 <a:solidFill>
                   <a:srgbClr val="FFFFFF"/>
                 </a:solidFill>
@@ -506,7 +507,7 @@
     </p:spTree>
     <p:extLst>
       <p:ext uri="{BB962C8B-B14F-4D97-AF65-F5344CB8AC3E}">
-        <p14:creationId xmlns="" xmlns:p14="http://schemas.microsoft.com/office/powerpoint/2010/main" val="2023285378"/>
+        <p14:creationId xmlns:p14="http://schemas.microsoft.com/office/powerpoint/2010/main" xmlns="" val="2023285378"/>
       </p:ext>
     </p:extLst>
   </p:cSld>
@@ -675,14 +676,14 @@
           <a:noFill/>
           <a:extLst>
             <a:ext uri="{909E8E84-426E-40DD-AFC4-6F175D3DCCD1}">
-              <a14:hiddenFill xmlns="" xmlns:a14="http://schemas.microsoft.com/office/drawing/2010/main">
+              <a14:hiddenFill xmlns:a14="http://schemas.microsoft.com/office/drawing/2010/main" xmlns="">
                 <a:solidFill>
                   <a:srgbClr val="FFFFFF"/>
                 </a:solidFill>
               </a14:hiddenFill>
             </a:ext>
             <a:ext uri="{91240B29-F687-4F45-9708-019B960494DF}">
-              <a14:hiddenLine xmlns="" xmlns:a14="http://schemas.microsoft.com/office/drawing/2010/main" w="9525">
+              <a14:hiddenLine xmlns:a14="http://schemas.microsoft.com/office/drawing/2010/main" xmlns="" w="9525">
                 <a:solidFill>
                   <a:srgbClr val="000000"/>
                 </a:solidFill>
@@ -834,14 +835,14 @@
           <a:noFill/>
           <a:extLst>
             <a:ext uri="{909E8E84-426E-40DD-AFC4-6F175D3DCCD1}">
-              <a14:hiddenFill xmlns="" xmlns:a14="http://schemas.microsoft.com/office/drawing/2010/main">
+              <a14:hiddenFill xmlns:a14="http://schemas.microsoft.com/office/drawing/2010/main" xmlns="">
                 <a:solidFill>
                   <a:srgbClr val="FFFFFF"/>
                 </a:solidFill>
               </a14:hiddenFill>
             </a:ext>
             <a:ext uri="{91240B29-F687-4F45-9708-019B960494DF}">
-              <a14:hiddenLine xmlns="" xmlns:a14="http://schemas.microsoft.com/office/drawing/2010/main" w="9525" cap="flat">
+              <a14:hiddenLine xmlns:a14="http://schemas.microsoft.com/office/drawing/2010/main" xmlns="" w="9525" cap="flat">
                 <a:solidFill>
                   <a:srgbClr val="000000"/>
                 </a:solidFill>
@@ -863,7 +864,7 @@
     </p:spTree>
     <p:extLst>
       <p:ext uri="{BB962C8B-B14F-4D97-AF65-F5344CB8AC3E}">
-        <p14:creationId xmlns="" xmlns:p14="http://schemas.microsoft.com/office/powerpoint/2010/main" val="4046050419"/>
+        <p14:creationId xmlns:p14="http://schemas.microsoft.com/office/powerpoint/2010/main" xmlns="" val="4046050419"/>
       </p:ext>
     </p:extLst>
   </p:cSld>
@@ -912,14 +913,14 @@
           <a:noFill/>
           <a:extLst>
             <a:ext uri="{909E8E84-426E-40DD-AFC4-6F175D3DCCD1}">
-              <a14:hiddenFill xmlns="" xmlns:a14="http://schemas.microsoft.com/office/drawing/2010/main">
+              <a14:hiddenFill xmlns:a14="http://schemas.microsoft.com/office/drawing/2010/main" xmlns="">
                 <a:solidFill>
                   <a:srgbClr val="FFFFFF"/>
                 </a:solidFill>
               </a14:hiddenFill>
             </a:ext>
             <a:ext uri="{91240B29-F687-4F45-9708-019B960494DF}">
-              <a14:hiddenLine xmlns="" xmlns:a14="http://schemas.microsoft.com/office/drawing/2010/main" w="9525">
+              <a14:hiddenLine xmlns:a14="http://schemas.microsoft.com/office/drawing/2010/main" xmlns="" w="9525">
                 <a:solidFill>
                   <a:srgbClr val="000000"/>
                 </a:solidFill>
@@ -1071,14 +1072,14 @@
           <a:noFill/>
           <a:extLst>
             <a:ext uri="{909E8E84-426E-40DD-AFC4-6F175D3DCCD1}">
-              <a14:hiddenFill xmlns="" xmlns:a14="http://schemas.microsoft.com/office/drawing/2010/main">
+              <a14:hiddenFill xmlns:a14="http://schemas.microsoft.com/office/drawing/2010/main" xmlns="">
                 <a:solidFill>
                   <a:srgbClr val="FFFFFF"/>
                 </a:solidFill>
               </a14:hiddenFill>
             </a:ext>
             <a:ext uri="{91240B29-F687-4F45-9708-019B960494DF}">
-              <a14:hiddenLine xmlns="" xmlns:a14="http://schemas.microsoft.com/office/drawing/2010/main" w="9525" cap="flat">
+              <a14:hiddenLine xmlns:a14="http://schemas.microsoft.com/office/drawing/2010/main" xmlns="" w="9525" cap="flat">
                 <a:solidFill>
                   <a:srgbClr val="000000"/>
                 </a:solidFill>
@@ -1100,7 +1101,7 @@
     </p:spTree>
     <p:extLst>
       <p:ext uri="{BB962C8B-B14F-4D97-AF65-F5344CB8AC3E}">
-        <p14:creationId xmlns="" xmlns:p14="http://schemas.microsoft.com/office/powerpoint/2010/main" val="2873119749"/>
+        <p14:creationId xmlns:p14="http://schemas.microsoft.com/office/powerpoint/2010/main" xmlns="" val="2873119749"/>
       </p:ext>
     </p:extLst>
   </p:cSld>
@@ -1149,14 +1150,14 @@
           <a:noFill/>
           <a:extLst>
             <a:ext uri="{909E8E84-426E-40DD-AFC4-6F175D3DCCD1}">
-              <a14:hiddenFill xmlns="" xmlns:a14="http://schemas.microsoft.com/office/drawing/2010/main">
+              <a14:hiddenFill xmlns:a14="http://schemas.microsoft.com/office/drawing/2010/main" xmlns="">
                 <a:solidFill>
                   <a:srgbClr val="FFFFFF"/>
                 </a:solidFill>
               </a14:hiddenFill>
             </a:ext>
             <a:ext uri="{91240B29-F687-4F45-9708-019B960494DF}">
-              <a14:hiddenLine xmlns="" xmlns:a14="http://schemas.microsoft.com/office/drawing/2010/main" w="9525">
+              <a14:hiddenLine xmlns:a14="http://schemas.microsoft.com/office/drawing/2010/main" xmlns="" w="9525">
                 <a:solidFill>
                   <a:srgbClr val="000000"/>
                 </a:solidFill>
@@ -1308,14 +1309,14 @@
           <a:noFill/>
           <a:extLst>
             <a:ext uri="{909E8E84-426E-40DD-AFC4-6F175D3DCCD1}">
-              <a14:hiddenFill xmlns="" xmlns:a14="http://schemas.microsoft.com/office/drawing/2010/main">
+              <a14:hiddenFill xmlns:a14="http://schemas.microsoft.com/office/drawing/2010/main" xmlns="">
                 <a:solidFill>
                   <a:srgbClr val="FFFFFF"/>
                 </a:solidFill>
               </a14:hiddenFill>
             </a:ext>
             <a:ext uri="{91240B29-F687-4F45-9708-019B960494DF}">
-              <a14:hiddenLine xmlns="" xmlns:a14="http://schemas.microsoft.com/office/drawing/2010/main" w="9525" cap="flat">
+              <a14:hiddenLine xmlns:a14="http://schemas.microsoft.com/office/drawing/2010/main" xmlns="" w="9525" cap="flat">
                 <a:solidFill>
                   <a:srgbClr val="000000"/>
                 </a:solidFill>
@@ -1337,7 +1338,7 @@
     </p:spTree>
     <p:extLst>
       <p:ext uri="{BB962C8B-B14F-4D97-AF65-F5344CB8AC3E}">
-        <p14:creationId xmlns="" xmlns:p14="http://schemas.microsoft.com/office/powerpoint/2010/main" val="633398870"/>
+        <p14:creationId xmlns:p14="http://schemas.microsoft.com/office/powerpoint/2010/main" xmlns="" val="633398870"/>
       </p:ext>
     </p:extLst>
   </p:cSld>
@@ -1386,14 +1387,14 @@
           <a:noFill/>
           <a:extLst>
             <a:ext uri="{909E8E84-426E-40DD-AFC4-6F175D3DCCD1}">
-              <a14:hiddenFill xmlns="" xmlns:a14="http://schemas.microsoft.com/office/drawing/2010/main">
+              <a14:hiddenFill xmlns:a14="http://schemas.microsoft.com/office/drawing/2010/main" xmlns="">
                 <a:solidFill>
                   <a:srgbClr val="FFFFFF"/>
                 </a:solidFill>
               </a14:hiddenFill>
             </a:ext>
             <a:ext uri="{91240B29-F687-4F45-9708-019B960494DF}">
-              <a14:hiddenLine xmlns="" xmlns:a14="http://schemas.microsoft.com/office/drawing/2010/main" w="9525">
+              <a14:hiddenLine xmlns:a14="http://schemas.microsoft.com/office/drawing/2010/main" xmlns="" w="9525">
                 <a:solidFill>
                   <a:srgbClr val="000000"/>
                 </a:solidFill>
@@ -1545,14 +1546,14 @@
           <a:noFill/>
           <a:extLst>
             <a:ext uri="{909E8E84-426E-40DD-AFC4-6F175D3DCCD1}">
-              <a14:hiddenFill xmlns="" xmlns:a14="http://schemas.microsoft.com/office/drawing/2010/main">
+              <a14:hiddenFill xmlns:a14="http://schemas.microsoft.com/office/drawing/2010/main" xmlns="">
                 <a:solidFill>
                   <a:srgbClr val="FFFFFF"/>
                 </a:solidFill>
               </a14:hiddenFill>
             </a:ext>
             <a:ext uri="{91240B29-F687-4F45-9708-019B960494DF}">
-              <a14:hiddenLine xmlns="" xmlns:a14="http://schemas.microsoft.com/office/drawing/2010/main" w="9525" cap="flat">
+              <a14:hiddenLine xmlns:a14="http://schemas.microsoft.com/office/drawing/2010/main" xmlns="" w="9525" cap="flat">
                 <a:solidFill>
                   <a:srgbClr val="000000"/>
                 </a:solidFill>
@@ -1574,7 +1575,7 @@
     </p:spTree>
     <p:extLst>
       <p:ext uri="{BB962C8B-B14F-4D97-AF65-F5344CB8AC3E}">
-        <p14:creationId xmlns="" xmlns:p14="http://schemas.microsoft.com/office/powerpoint/2010/main" val="2648853661"/>
+        <p14:creationId xmlns:p14="http://schemas.microsoft.com/office/powerpoint/2010/main" xmlns="" val="2648853661"/>
       </p:ext>
     </p:extLst>
   </p:cSld>
@@ -1623,14 +1624,14 @@
           <a:noFill/>
           <a:extLst>
             <a:ext uri="{909E8E84-426E-40DD-AFC4-6F175D3DCCD1}">
-              <a14:hiddenFill xmlns="" xmlns:a14="http://schemas.microsoft.com/office/drawing/2010/main">
+              <a14:hiddenFill xmlns:a14="http://schemas.microsoft.com/office/drawing/2010/main" xmlns="">
                 <a:solidFill>
                   <a:srgbClr val="FFFFFF"/>
                 </a:solidFill>
               </a14:hiddenFill>
             </a:ext>
             <a:ext uri="{91240B29-F687-4F45-9708-019B960494DF}">
-              <a14:hiddenLine xmlns="" xmlns:a14="http://schemas.microsoft.com/office/drawing/2010/main" w="9525">
+              <a14:hiddenLine xmlns:a14="http://schemas.microsoft.com/office/drawing/2010/main" xmlns="" w="9525">
                 <a:solidFill>
                   <a:srgbClr val="000000"/>
                 </a:solidFill>
@@ -1782,14 +1783,14 @@
           <a:noFill/>
           <a:extLst>
             <a:ext uri="{909E8E84-426E-40DD-AFC4-6F175D3DCCD1}">
-              <a14:hiddenFill xmlns="" xmlns:a14="http://schemas.microsoft.com/office/drawing/2010/main">
+              <a14:hiddenFill xmlns:a14="http://schemas.microsoft.com/office/drawing/2010/main" xmlns="">
                 <a:solidFill>
                   <a:srgbClr val="FFFFFF"/>
                 </a:solidFill>
               </a14:hiddenFill>
             </a:ext>
             <a:ext uri="{91240B29-F687-4F45-9708-019B960494DF}">
-              <a14:hiddenLine xmlns="" xmlns:a14="http://schemas.microsoft.com/office/drawing/2010/main" w="9525" cap="flat">
+              <a14:hiddenLine xmlns:a14="http://schemas.microsoft.com/office/drawing/2010/main" xmlns="" w="9525" cap="flat">
                 <a:solidFill>
                   <a:srgbClr val="000000"/>
                 </a:solidFill>
@@ -1811,7 +1812,7 @@
     </p:spTree>
     <p:extLst>
       <p:ext uri="{BB962C8B-B14F-4D97-AF65-F5344CB8AC3E}">
-        <p14:creationId xmlns="" xmlns:p14="http://schemas.microsoft.com/office/powerpoint/2010/main" val="3778943495"/>
+        <p14:creationId xmlns:p14="http://schemas.microsoft.com/office/powerpoint/2010/main" xmlns="" val="3778943495"/>
       </p:ext>
     </p:extLst>
   </p:cSld>
@@ -1860,14 +1861,14 @@
           <a:noFill/>
           <a:extLst>
             <a:ext uri="{909E8E84-426E-40DD-AFC4-6F175D3DCCD1}">
-              <a14:hiddenFill xmlns="" xmlns:a14="http://schemas.microsoft.com/office/drawing/2010/main">
+              <a14:hiddenFill xmlns:a14="http://schemas.microsoft.com/office/drawing/2010/main" xmlns="">
                 <a:solidFill>
                   <a:srgbClr val="FFFFFF"/>
                 </a:solidFill>
               </a14:hiddenFill>
             </a:ext>
             <a:ext uri="{91240B29-F687-4F45-9708-019B960494DF}">
-              <a14:hiddenLine xmlns="" xmlns:a14="http://schemas.microsoft.com/office/drawing/2010/main" w="9525">
+              <a14:hiddenLine xmlns:a14="http://schemas.microsoft.com/office/drawing/2010/main" xmlns="" w="9525">
                 <a:solidFill>
                   <a:srgbClr val="000000"/>
                 </a:solidFill>
@@ -2019,14 +2020,14 @@
           <a:noFill/>
           <a:extLst>
             <a:ext uri="{909E8E84-426E-40DD-AFC4-6F175D3DCCD1}">
-              <a14:hiddenFill xmlns="" xmlns:a14="http://schemas.microsoft.com/office/drawing/2010/main">
+              <a14:hiddenFill xmlns:a14="http://schemas.microsoft.com/office/drawing/2010/main" xmlns="">
                 <a:solidFill>
                   <a:srgbClr val="FFFFFF"/>
                 </a:solidFill>
               </a14:hiddenFill>
             </a:ext>
             <a:ext uri="{91240B29-F687-4F45-9708-019B960494DF}">
-              <a14:hiddenLine xmlns="" xmlns:a14="http://schemas.microsoft.com/office/drawing/2010/main" w="9525" cap="flat">
+              <a14:hiddenLine xmlns:a14="http://schemas.microsoft.com/office/drawing/2010/main" xmlns="" w="9525" cap="flat">
                 <a:solidFill>
                   <a:srgbClr val="000000"/>
                 </a:solidFill>
@@ -2048,7 +2049,7 @@
     </p:spTree>
     <p:extLst>
       <p:ext uri="{BB962C8B-B14F-4D97-AF65-F5344CB8AC3E}">
-        <p14:creationId xmlns="" xmlns:p14="http://schemas.microsoft.com/office/powerpoint/2010/main" val="3093866340"/>
+        <p14:creationId xmlns:p14="http://schemas.microsoft.com/office/powerpoint/2010/main" xmlns="" val="3093866340"/>
       </p:ext>
     </p:extLst>
   </p:cSld>
@@ -2097,14 +2098,14 @@
           <a:noFill/>
           <a:extLst>
             <a:ext uri="{909E8E84-426E-40DD-AFC4-6F175D3DCCD1}">
-              <a14:hiddenFill xmlns="" xmlns:a14="http://schemas.microsoft.com/office/drawing/2010/main">
+              <a14:hiddenFill xmlns:a14="http://schemas.microsoft.com/office/drawing/2010/main" xmlns="">
                 <a:solidFill>
                   <a:srgbClr val="FFFFFF"/>
                 </a:solidFill>
               </a14:hiddenFill>
             </a:ext>
             <a:ext uri="{91240B29-F687-4F45-9708-019B960494DF}">
-              <a14:hiddenLine xmlns="" xmlns:a14="http://schemas.microsoft.com/office/drawing/2010/main" w="9525">
+              <a14:hiddenLine xmlns:a14="http://schemas.microsoft.com/office/drawing/2010/main" xmlns="" w="9525">
                 <a:solidFill>
                   <a:srgbClr val="000000"/>
                 </a:solidFill>
@@ -2256,14 +2257,14 @@
           <a:noFill/>
           <a:extLst>
             <a:ext uri="{909E8E84-426E-40DD-AFC4-6F175D3DCCD1}">
-              <a14:hiddenFill xmlns="" xmlns:a14="http://schemas.microsoft.com/office/drawing/2010/main">
+              <a14:hiddenFill xmlns:a14="http://schemas.microsoft.com/office/drawing/2010/main" xmlns="">
                 <a:solidFill>
                   <a:srgbClr val="FFFFFF"/>
                 </a:solidFill>
               </a14:hiddenFill>
             </a:ext>
             <a:ext uri="{91240B29-F687-4F45-9708-019B960494DF}">
-              <a14:hiddenLine xmlns="" xmlns:a14="http://schemas.microsoft.com/office/drawing/2010/main" w="9525" cap="flat">
+              <a14:hiddenLine xmlns:a14="http://schemas.microsoft.com/office/drawing/2010/main" xmlns="" w="9525" cap="flat">
                 <a:solidFill>
                   <a:srgbClr val="000000"/>
                 </a:solidFill>
@@ -2285,7 +2286,7 @@
     </p:spTree>
     <p:extLst>
       <p:ext uri="{BB962C8B-B14F-4D97-AF65-F5344CB8AC3E}">
-        <p14:creationId xmlns="" xmlns:p14="http://schemas.microsoft.com/office/powerpoint/2010/main" val="2445468865"/>
+        <p14:creationId xmlns:p14="http://schemas.microsoft.com/office/powerpoint/2010/main" xmlns="" val="2445468865"/>
       </p:ext>
     </p:extLst>
   </p:cSld>
@@ -2296,6 +2297,243 @@
 </file>
 
 <file path=ppt/notesSlides/notesSlide16.xml><?xml version="1.0" encoding="utf-8"?>
+<p:notes xmlns:a="http://schemas.openxmlformats.org/drawingml/2006/main" xmlns:r="http://schemas.openxmlformats.org/officeDocument/2006/relationships" xmlns:p="http://schemas.openxmlformats.org/presentationml/2006/main">
+  <p:cSld>
+    <p:bg>
+      <p:bgPr>
+        <a:solidFill>
+          <a:srgbClr val="FFFFFF"/>
+        </a:solidFill>
+        <a:effectLst/>
+      </p:bgPr>
+    </p:bg>
+    <p:spTree>
+      <p:nvGrpSpPr>
+        <p:cNvPr id="1" name=""/>
+        <p:cNvGrpSpPr/>
+        <p:nvPr/>
+      </p:nvGrpSpPr>
+      <p:grpSpPr>
+        <a:xfrm>
+          <a:off x="0" y="0"/>
+          <a:ext cx="0" cy="0"/>
+          <a:chOff x="0" y="0"/>
+          <a:chExt cx="0" cy="0"/>
+        </a:xfrm>
+      </p:grpSpPr>
+      <p:sp>
+        <p:nvSpPr>
+          <p:cNvPr id="46082" name="Rectangle 7"/>
+          <p:cNvSpPr>
+            <a:spLocks noGrp="1" noChangeArrowheads="1"/>
+          </p:cNvSpPr>
+          <p:nvPr>
+            <p:ph type="sldNum" sz="quarter" idx="5"/>
+          </p:nvPr>
+        </p:nvSpPr>
+        <p:spPr>
+          <a:noFill/>
+          <a:extLst>
+            <a:ext uri="{909E8E84-426E-40DD-AFC4-6F175D3DCCD1}">
+              <a14:hiddenFill xmlns:a14="http://schemas.microsoft.com/office/drawing/2010/main" xmlns="">
+                <a:solidFill>
+                  <a:srgbClr val="FFFFFF"/>
+                </a:solidFill>
+              </a14:hiddenFill>
+            </a:ext>
+            <a:ext uri="{91240B29-F687-4F45-9708-019B960494DF}">
+              <a14:hiddenLine xmlns:a14="http://schemas.microsoft.com/office/drawing/2010/main" xmlns="" w="9525">
+                <a:solidFill>
+                  <a:srgbClr val="000000"/>
+                </a:solidFill>
+                <a:miter lim="800000"/>
+                <a:headEnd/>
+                <a:tailEnd/>
+              </a14:hiddenLine>
+            </a:ext>
+          </a:extLst>
+        </p:spPr>
+        <p:txBody>
+          <a:bodyPr/>
+          <a:lstStyle>
+            <a:lvl1pPr>
+              <a:defRPr sz="2400">
+                <a:solidFill>
+                  <a:schemeClr val="tx1"/>
+                </a:solidFill>
+                <a:latin typeface="Times New Roman" panose="02020603050405020304" pitchFamily="18" charset="0"/>
+              </a:defRPr>
+            </a:lvl1pPr>
+            <a:lvl2pPr marL="742950" indent="-285750">
+              <a:defRPr sz="2400">
+                <a:solidFill>
+                  <a:schemeClr val="tx1"/>
+                </a:solidFill>
+                <a:latin typeface="Times New Roman" panose="02020603050405020304" pitchFamily="18" charset="0"/>
+              </a:defRPr>
+            </a:lvl2pPr>
+            <a:lvl3pPr marL="1143000" indent="-228600">
+              <a:defRPr sz="2400">
+                <a:solidFill>
+                  <a:schemeClr val="tx1"/>
+                </a:solidFill>
+                <a:latin typeface="Times New Roman" panose="02020603050405020304" pitchFamily="18" charset="0"/>
+              </a:defRPr>
+            </a:lvl3pPr>
+            <a:lvl4pPr marL="1600200" indent="-228600">
+              <a:defRPr sz="2400">
+                <a:solidFill>
+                  <a:schemeClr val="tx1"/>
+                </a:solidFill>
+                <a:latin typeface="Times New Roman" panose="02020603050405020304" pitchFamily="18" charset="0"/>
+              </a:defRPr>
+            </a:lvl4pPr>
+            <a:lvl5pPr marL="2057400" indent="-228600">
+              <a:defRPr sz="2400">
+                <a:solidFill>
+                  <a:schemeClr val="tx1"/>
+                </a:solidFill>
+                <a:latin typeface="Times New Roman" panose="02020603050405020304" pitchFamily="18" charset="0"/>
+              </a:defRPr>
+            </a:lvl5pPr>
+            <a:lvl6pPr marL="2514600" indent="-228600" eaLnBrk="0" fontAlgn="base" hangingPunct="0">
+              <a:spcBef>
+                <a:spcPct val="0"/>
+              </a:spcBef>
+              <a:spcAft>
+                <a:spcPct val="0"/>
+              </a:spcAft>
+              <a:defRPr sz="2400">
+                <a:solidFill>
+                  <a:schemeClr val="tx1"/>
+                </a:solidFill>
+                <a:latin typeface="Times New Roman" panose="02020603050405020304" pitchFamily="18" charset="0"/>
+              </a:defRPr>
+            </a:lvl6pPr>
+            <a:lvl7pPr marL="2971800" indent="-228600" eaLnBrk="0" fontAlgn="base" hangingPunct="0">
+              <a:spcBef>
+                <a:spcPct val="0"/>
+              </a:spcBef>
+              <a:spcAft>
+                <a:spcPct val="0"/>
+              </a:spcAft>
+              <a:defRPr sz="2400">
+                <a:solidFill>
+                  <a:schemeClr val="tx1"/>
+                </a:solidFill>
+                <a:latin typeface="Times New Roman" panose="02020603050405020304" pitchFamily="18" charset="0"/>
+              </a:defRPr>
+            </a:lvl7pPr>
+            <a:lvl8pPr marL="3429000" indent="-228600" eaLnBrk="0" fontAlgn="base" hangingPunct="0">
+              <a:spcBef>
+                <a:spcPct val="0"/>
+              </a:spcBef>
+              <a:spcAft>
+                <a:spcPct val="0"/>
+              </a:spcAft>
+              <a:defRPr sz="2400">
+                <a:solidFill>
+                  <a:schemeClr val="tx1"/>
+                </a:solidFill>
+                <a:latin typeface="Times New Roman" panose="02020603050405020304" pitchFamily="18" charset="0"/>
+              </a:defRPr>
+            </a:lvl8pPr>
+            <a:lvl9pPr marL="3886200" indent="-228600" eaLnBrk="0" fontAlgn="base" hangingPunct="0">
+              <a:spcBef>
+                <a:spcPct val="0"/>
+              </a:spcBef>
+              <a:spcAft>
+                <a:spcPct val="0"/>
+              </a:spcAft>
+              <a:defRPr sz="2400">
+                <a:solidFill>
+                  <a:schemeClr val="tx1"/>
+                </a:solidFill>
+                <a:latin typeface="Times New Roman" panose="02020603050405020304" pitchFamily="18" charset="0"/>
+              </a:defRPr>
+            </a:lvl9pPr>
+          </a:lstStyle>
+          <a:p>
+            <a:fld id="{DDA500DE-00E5-4279-8CE1-AEFC553A216C}" type="slidenum">
+              <a:rPr lang="en-US" altLang="en-US" sz="1200"/>
+              <a:pPr/>
+              <a:t>34</a:t>
+            </a:fld>
+            <a:endParaRPr lang="en-US" altLang="en-US" sz="1200"/>
+          </a:p>
+        </p:txBody>
+      </p:sp>
+      <p:sp>
+        <p:nvSpPr>
+          <p:cNvPr id="46083" name="Rectangle 1"/>
+          <p:cNvSpPr txBox="1">
+            <a:spLocks noGrp="1" noRot="1" noChangeAspect="1" noChangeArrowheads="1" noTextEdit="1"/>
+          </p:cNvSpPr>
+          <p:nvPr>
+            <p:ph type="sldImg"/>
+          </p:nvPr>
+        </p:nvSpPr>
+        <p:spPr>
+          <a:solidFill>
+            <a:srgbClr val="FFFFFF"/>
+          </a:solidFill>
+          <a:ln/>
+        </p:spPr>
+      </p:sp>
+      <p:sp>
+        <p:nvSpPr>
+          <p:cNvPr id="46084" name="Rectangle 2"/>
+          <p:cNvSpPr txBox="1">
+            <a:spLocks noGrp="1" noChangeArrowheads="1"/>
+          </p:cNvSpPr>
+          <p:nvPr>
+            <p:ph type="body" idx="1"/>
+          </p:nvPr>
+        </p:nvSpPr>
+        <p:spPr>
+          <a:noFill/>
+          <a:extLst>
+            <a:ext uri="{909E8E84-426E-40DD-AFC4-6F175D3DCCD1}">
+              <a14:hiddenFill xmlns:a14="http://schemas.microsoft.com/office/drawing/2010/main" xmlns="">
+                <a:solidFill>
+                  <a:srgbClr val="FFFFFF"/>
+                </a:solidFill>
+              </a14:hiddenFill>
+            </a:ext>
+            <a:ext uri="{91240B29-F687-4F45-9708-019B960494DF}">
+              <a14:hiddenLine xmlns:a14="http://schemas.microsoft.com/office/drawing/2010/main" xmlns="" w="9525" cap="flat">
+                <a:solidFill>
+                  <a:srgbClr val="000000"/>
+                </a:solidFill>
+                <a:round/>
+                <a:headEnd/>
+                <a:tailEnd/>
+              </a14:hiddenLine>
+            </a:ext>
+          </a:extLst>
+        </p:spPr>
+        <p:txBody>
+          <a:bodyPr wrap="none" anchor="ctr"/>
+          <a:lstStyle/>
+          <a:p>
+            <a:endParaRPr lang="en-US" altLang="en-US" smtClean="0"/>
+          </a:p>
+        </p:txBody>
+      </p:sp>
+    </p:spTree>
+    <p:extLst>
+      <p:ext uri="{BB962C8B-B14F-4D97-AF65-F5344CB8AC3E}">
+        <p14:creationId xmlns:p14="http://schemas.microsoft.com/office/powerpoint/2010/main" xmlns="" val="3189149127"/>
+      </p:ext>
+    </p:extLst>
+  </p:cSld>
+  <p:clrMapOvr>
+    <a:masterClrMapping/>
+  </p:clrMapOvr>
+</p:notes>
+</file>
+
+<file path=ppt/notesSlides/notesSlide17.xml><?xml version="1.0" encoding="utf-8"?>
 <p:notes xmlns:a="http://schemas.openxmlformats.org/drawingml/2006/main" xmlns:r="http://schemas.openxmlformats.org/officeDocument/2006/relationships" xmlns:p="http://schemas.openxmlformats.org/presentationml/2006/main">
   <p:cSld>
     <p:bg>
@@ -2334,14 +2572,14 @@
           <a:noFill/>
           <a:extLst>
             <a:ext uri="{909E8E84-426E-40DD-AFC4-6F175D3DCCD1}">
-              <a14:hiddenFill xmlns="" xmlns:a14="http://schemas.microsoft.com/office/drawing/2010/main">
+              <a14:hiddenFill xmlns:a14="http://schemas.microsoft.com/office/drawing/2010/main" xmlns="">
                 <a:solidFill>
                   <a:srgbClr val="FFFFFF"/>
                 </a:solidFill>
               </a14:hiddenFill>
             </a:ext>
             <a:ext uri="{91240B29-F687-4F45-9708-019B960494DF}">
-              <a14:hiddenLine xmlns="" xmlns:a14="http://schemas.microsoft.com/office/drawing/2010/main" w="9525">
+              <a14:hiddenLine xmlns:a14="http://schemas.microsoft.com/office/drawing/2010/main" xmlns="" w="9525">
                 <a:solidFill>
                   <a:srgbClr val="000000"/>
                 </a:solidFill>
@@ -2456,7 +2694,7 @@
             <a:fld id="{6E1AEE5F-10E7-4C92-96CE-7405AF0B07D6}" type="slidenum">
               <a:rPr lang="en-US" altLang="en-US" sz="1200"/>
               <a:pPr/>
-              <a:t>34</a:t>
+              <a:t>35</a:t>
             </a:fld>
             <a:endParaRPr lang="en-US" altLang="en-US" sz="1200"/>
           </a:p>
@@ -2493,14 +2731,14 @@
           <a:noFill/>
           <a:extLst>
             <a:ext uri="{909E8E84-426E-40DD-AFC4-6F175D3DCCD1}">
-              <a14:hiddenFill xmlns="" xmlns:a14="http://schemas.microsoft.com/office/drawing/2010/main">
+              <a14:hiddenFill xmlns:a14="http://schemas.microsoft.com/office/drawing/2010/main" xmlns="">
                 <a:solidFill>
                   <a:srgbClr val="FFFFFF"/>
                 </a:solidFill>
               </a14:hiddenFill>
             </a:ext>
             <a:ext uri="{91240B29-F687-4F45-9708-019B960494DF}">
-              <a14:hiddenLine xmlns="" xmlns:a14="http://schemas.microsoft.com/office/drawing/2010/main" w="9525" cap="flat">
+              <a14:hiddenLine xmlns:a14="http://schemas.microsoft.com/office/drawing/2010/main" xmlns="" w="9525" cap="flat">
                 <a:solidFill>
                   <a:srgbClr val="000000"/>
                 </a:solidFill>
@@ -2522,244 +2760,7 @@
     </p:spTree>
     <p:extLst>
       <p:ext uri="{BB962C8B-B14F-4D97-AF65-F5344CB8AC3E}">
-        <p14:creationId xmlns="" xmlns:p14="http://schemas.microsoft.com/office/powerpoint/2010/main" val="3670739436"/>
-      </p:ext>
-    </p:extLst>
-  </p:cSld>
-  <p:clrMapOvr>
-    <a:masterClrMapping/>
-  </p:clrMapOvr>
-</p:notes>
-</file>
-
-<file path=ppt/notesSlides/notesSlide17.xml><?xml version="1.0" encoding="utf-8"?>
-<p:notes xmlns:a="http://schemas.openxmlformats.org/drawingml/2006/main" xmlns:r="http://schemas.openxmlformats.org/officeDocument/2006/relationships" xmlns:p="http://schemas.openxmlformats.org/presentationml/2006/main">
-  <p:cSld>
-    <p:bg>
-      <p:bgPr>
-        <a:solidFill>
-          <a:srgbClr val="FFFFFF"/>
-        </a:solidFill>
-        <a:effectLst/>
-      </p:bgPr>
-    </p:bg>
-    <p:spTree>
-      <p:nvGrpSpPr>
-        <p:cNvPr id="1" name=""/>
-        <p:cNvGrpSpPr/>
-        <p:nvPr/>
-      </p:nvGrpSpPr>
-      <p:grpSpPr>
-        <a:xfrm>
-          <a:off x="0" y="0"/>
-          <a:ext cx="0" cy="0"/>
-          <a:chOff x="0" y="0"/>
-          <a:chExt cx="0" cy="0"/>
-        </a:xfrm>
-      </p:grpSpPr>
-      <p:sp>
-        <p:nvSpPr>
-          <p:cNvPr id="46082" name="Rectangle 7"/>
-          <p:cNvSpPr>
-            <a:spLocks noGrp="1" noChangeArrowheads="1"/>
-          </p:cNvSpPr>
-          <p:nvPr>
-            <p:ph type="sldNum" sz="quarter" idx="5"/>
-          </p:nvPr>
-        </p:nvSpPr>
-        <p:spPr>
-          <a:noFill/>
-          <a:extLst>
-            <a:ext uri="{909E8E84-426E-40DD-AFC4-6F175D3DCCD1}">
-              <a14:hiddenFill xmlns="" xmlns:a14="http://schemas.microsoft.com/office/drawing/2010/main">
-                <a:solidFill>
-                  <a:srgbClr val="FFFFFF"/>
-                </a:solidFill>
-              </a14:hiddenFill>
-            </a:ext>
-            <a:ext uri="{91240B29-F687-4F45-9708-019B960494DF}">
-              <a14:hiddenLine xmlns="" xmlns:a14="http://schemas.microsoft.com/office/drawing/2010/main" w="9525">
-                <a:solidFill>
-                  <a:srgbClr val="000000"/>
-                </a:solidFill>
-                <a:miter lim="800000"/>
-                <a:headEnd/>
-                <a:tailEnd/>
-              </a14:hiddenLine>
-            </a:ext>
-          </a:extLst>
-        </p:spPr>
-        <p:txBody>
-          <a:bodyPr/>
-          <a:lstStyle>
-            <a:lvl1pPr>
-              <a:defRPr sz="2400">
-                <a:solidFill>
-                  <a:schemeClr val="tx1"/>
-                </a:solidFill>
-                <a:latin typeface="Times New Roman" panose="02020603050405020304" pitchFamily="18" charset="0"/>
-              </a:defRPr>
-            </a:lvl1pPr>
-            <a:lvl2pPr marL="742950" indent="-285750">
-              <a:defRPr sz="2400">
-                <a:solidFill>
-                  <a:schemeClr val="tx1"/>
-                </a:solidFill>
-                <a:latin typeface="Times New Roman" panose="02020603050405020304" pitchFamily="18" charset="0"/>
-              </a:defRPr>
-            </a:lvl2pPr>
-            <a:lvl3pPr marL="1143000" indent="-228600">
-              <a:defRPr sz="2400">
-                <a:solidFill>
-                  <a:schemeClr val="tx1"/>
-                </a:solidFill>
-                <a:latin typeface="Times New Roman" panose="02020603050405020304" pitchFamily="18" charset="0"/>
-              </a:defRPr>
-            </a:lvl3pPr>
-            <a:lvl4pPr marL="1600200" indent="-228600">
-              <a:defRPr sz="2400">
-                <a:solidFill>
-                  <a:schemeClr val="tx1"/>
-                </a:solidFill>
-                <a:latin typeface="Times New Roman" panose="02020603050405020304" pitchFamily="18" charset="0"/>
-              </a:defRPr>
-            </a:lvl4pPr>
-            <a:lvl5pPr marL="2057400" indent="-228600">
-              <a:defRPr sz="2400">
-                <a:solidFill>
-                  <a:schemeClr val="tx1"/>
-                </a:solidFill>
-                <a:latin typeface="Times New Roman" panose="02020603050405020304" pitchFamily="18" charset="0"/>
-              </a:defRPr>
-            </a:lvl5pPr>
-            <a:lvl6pPr marL="2514600" indent="-228600" eaLnBrk="0" fontAlgn="base" hangingPunct="0">
-              <a:spcBef>
-                <a:spcPct val="0"/>
-              </a:spcBef>
-              <a:spcAft>
-                <a:spcPct val="0"/>
-              </a:spcAft>
-              <a:defRPr sz="2400">
-                <a:solidFill>
-                  <a:schemeClr val="tx1"/>
-                </a:solidFill>
-                <a:latin typeface="Times New Roman" panose="02020603050405020304" pitchFamily="18" charset="0"/>
-              </a:defRPr>
-            </a:lvl6pPr>
-            <a:lvl7pPr marL="2971800" indent="-228600" eaLnBrk="0" fontAlgn="base" hangingPunct="0">
-              <a:spcBef>
-                <a:spcPct val="0"/>
-              </a:spcBef>
-              <a:spcAft>
-                <a:spcPct val="0"/>
-              </a:spcAft>
-              <a:defRPr sz="2400">
-                <a:solidFill>
-                  <a:schemeClr val="tx1"/>
-                </a:solidFill>
-                <a:latin typeface="Times New Roman" panose="02020603050405020304" pitchFamily="18" charset="0"/>
-              </a:defRPr>
-            </a:lvl7pPr>
-            <a:lvl8pPr marL="3429000" indent="-228600" eaLnBrk="0" fontAlgn="base" hangingPunct="0">
-              <a:spcBef>
-                <a:spcPct val="0"/>
-              </a:spcBef>
-              <a:spcAft>
-                <a:spcPct val="0"/>
-              </a:spcAft>
-              <a:defRPr sz="2400">
-                <a:solidFill>
-                  <a:schemeClr val="tx1"/>
-                </a:solidFill>
-                <a:latin typeface="Times New Roman" panose="02020603050405020304" pitchFamily="18" charset="0"/>
-              </a:defRPr>
-            </a:lvl8pPr>
-            <a:lvl9pPr marL="3886200" indent="-228600" eaLnBrk="0" fontAlgn="base" hangingPunct="0">
-              <a:spcBef>
-                <a:spcPct val="0"/>
-              </a:spcBef>
-              <a:spcAft>
-                <a:spcPct val="0"/>
-              </a:spcAft>
-              <a:defRPr sz="2400">
-                <a:solidFill>
-                  <a:schemeClr val="tx1"/>
-                </a:solidFill>
-                <a:latin typeface="Times New Roman" panose="02020603050405020304" pitchFamily="18" charset="0"/>
-              </a:defRPr>
-            </a:lvl9pPr>
-          </a:lstStyle>
-          <a:p>
-            <a:fld id="{DDA500DE-00E5-4279-8CE1-AEFC553A216C}" type="slidenum">
-              <a:rPr lang="en-US" altLang="en-US" sz="1200"/>
-              <a:pPr/>
-              <a:t>35</a:t>
-            </a:fld>
-            <a:endParaRPr lang="en-US" altLang="en-US" sz="1200"/>
-          </a:p>
-        </p:txBody>
-      </p:sp>
-      <p:sp>
-        <p:nvSpPr>
-          <p:cNvPr id="46083" name="Rectangle 1"/>
-          <p:cNvSpPr txBox="1">
-            <a:spLocks noGrp="1" noRot="1" noChangeAspect="1" noChangeArrowheads="1" noTextEdit="1"/>
-          </p:cNvSpPr>
-          <p:nvPr>
-            <p:ph type="sldImg"/>
-          </p:nvPr>
-        </p:nvSpPr>
-        <p:spPr>
-          <a:solidFill>
-            <a:srgbClr val="FFFFFF"/>
-          </a:solidFill>
-          <a:ln/>
-        </p:spPr>
-      </p:sp>
-      <p:sp>
-        <p:nvSpPr>
-          <p:cNvPr id="46084" name="Rectangle 2"/>
-          <p:cNvSpPr txBox="1">
-            <a:spLocks noGrp="1" noChangeArrowheads="1"/>
-          </p:cNvSpPr>
-          <p:nvPr>
-            <p:ph type="body" idx="1"/>
-          </p:nvPr>
-        </p:nvSpPr>
-        <p:spPr>
-          <a:noFill/>
-          <a:extLst>
-            <a:ext uri="{909E8E84-426E-40DD-AFC4-6F175D3DCCD1}">
-              <a14:hiddenFill xmlns="" xmlns:a14="http://schemas.microsoft.com/office/drawing/2010/main">
-                <a:solidFill>
-                  <a:srgbClr val="FFFFFF"/>
-                </a:solidFill>
-              </a14:hiddenFill>
-            </a:ext>
-            <a:ext uri="{91240B29-F687-4F45-9708-019B960494DF}">
-              <a14:hiddenLine xmlns="" xmlns:a14="http://schemas.microsoft.com/office/drawing/2010/main" w="9525" cap="flat">
-                <a:solidFill>
-                  <a:srgbClr val="000000"/>
-                </a:solidFill>
-                <a:round/>
-                <a:headEnd/>
-                <a:tailEnd/>
-              </a14:hiddenLine>
-            </a:ext>
-          </a:extLst>
-        </p:spPr>
-        <p:txBody>
-          <a:bodyPr wrap="none" anchor="ctr"/>
-          <a:lstStyle/>
-          <a:p>
-            <a:endParaRPr lang="en-US" altLang="en-US" smtClean="0"/>
-          </a:p>
-        </p:txBody>
-      </p:sp>
-    </p:spTree>
-    <p:extLst>
-      <p:ext uri="{BB962C8B-B14F-4D97-AF65-F5344CB8AC3E}">
-        <p14:creationId xmlns="" xmlns:p14="http://schemas.microsoft.com/office/powerpoint/2010/main" val="3189149127"/>
+        <p14:creationId xmlns:p14="http://schemas.microsoft.com/office/powerpoint/2010/main" xmlns="" val="3670739436"/>
       </p:ext>
     </p:extLst>
   </p:cSld>
@@ -2808,14 +2809,14 @@
           <a:noFill/>
           <a:extLst>
             <a:ext uri="{909E8E84-426E-40DD-AFC4-6F175D3DCCD1}">
-              <a14:hiddenFill xmlns="" xmlns:a14="http://schemas.microsoft.com/office/drawing/2010/main">
+              <a14:hiddenFill xmlns:a14="http://schemas.microsoft.com/office/drawing/2010/main" xmlns="">
                 <a:solidFill>
                   <a:srgbClr val="FFFFFF"/>
                 </a:solidFill>
               </a14:hiddenFill>
             </a:ext>
             <a:ext uri="{91240B29-F687-4F45-9708-019B960494DF}">
-              <a14:hiddenLine xmlns="" xmlns:a14="http://schemas.microsoft.com/office/drawing/2010/main" w="9525">
+              <a14:hiddenLine xmlns:a14="http://schemas.microsoft.com/office/drawing/2010/main" xmlns="" w="9525">
                 <a:solidFill>
                   <a:srgbClr val="000000"/>
                 </a:solidFill>
@@ -2930,7 +2931,7 @@
             <a:fld id="{5693BEE4-8B0E-4EEC-BAAD-8B925E4D6212}" type="slidenum">
               <a:rPr lang="en-US" altLang="en-US" sz="1200"/>
               <a:pPr/>
-              <a:t>36</a:t>
+              <a:t>37</a:t>
             </a:fld>
             <a:endParaRPr lang="en-US" altLang="en-US" sz="1200"/>
           </a:p>
@@ -2967,14 +2968,14 @@
           <a:noFill/>
           <a:extLst>
             <a:ext uri="{909E8E84-426E-40DD-AFC4-6F175D3DCCD1}">
-              <a14:hiddenFill xmlns="" xmlns:a14="http://schemas.microsoft.com/office/drawing/2010/main">
+              <a14:hiddenFill xmlns:a14="http://schemas.microsoft.com/office/drawing/2010/main" xmlns="">
                 <a:solidFill>
                   <a:srgbClr val="FFFFFF"/>
                 </a:solidFill>
               </a14:hiddenFill>
             </a:ext>
             <a:ext uri="{91240B29-F687-4F45-9708-019B960494DF}">
-              <a14:hiddenLine xmlns="" xmlns:a14="http://schemas.microsoft.com/office/drawing/2010/main" w="9525" cap="flat">
+              <a14:hiddenLine xmlns:a14="http://schemas.microsoft.com/office/drawing/2010/main" xmlns="" w="9525" cap="flat">
                 <a:solidFill>
                   <a:srgbClr val="000000"/>
                 </a:solidFill>
@@ -2996,7 +2997,7 @@
     </p:spTree>
     <p:extLst>
       <p:ext uri="{BB962C8B-B14F-4D97-AF65-F5344CB8AC3E}">
-        <p14:creationId xmlns="" xmlns:p14="http://schemas.microsoft.com/office/powerpoint/2010/main" val="3064784966"/>
+        <p14:creationId xmlns:p14="http://schemas.microsoft.com/office/powerpoint/2010/main" xmlns="" val="3064784966"/>
       </p:ext>
     </p:extLst>
   </p:cSld>
@@ -3045,14 +3046,14 @@
           <a:noFill/>
           <a:extLst>
             <a:ext uri="{909E8E84-426E-40DD-AFC4-6F175D3DCCD1}">
-              <a14:hiddenFill xmlns="" xmlns:a14="http://schemas.microsoft.com/office/drawing/2010/main">
+              <a14:hiddenFill xmlns:a14="http://schemas.microsoft.com/office/drawing/2010/main" xmlns="">
                 <a:solidFill>
                   <a:srgbClr val="FFFFFF"/>
                 </a:solidFill>
               </a14:hiddenFill>
             </a:ext>
             <a:ext uri="{91240B29-F687-4F45-9708-019B960494DF}">
-              <a14:hiddenLine xmlns="" xmlns:a14="http://schemas.microsoft.com/office/drawing/2010/main" w="9525">
+              <a14:hiddenLine xmlns:a14="http://schemas.microsoft.com/office/drawing/2010/main" xmlns="" w="9525">
                 <a:solidFill>
                   <a:srgbClr val="000000"/>
                 </a:solidFill>
@@ -3167,7 +3168,7 @@
             <a:fld id="{0A7B1DF6-31FF-4C6F-A106-D3DB840C0A9B}" type="slidenum">
               <a:rPr lang="en-US" altLang="en-US" sz="1200"/>
               <a:pPr/>
-              <a:t>38</a:t>
+              <a:t>39</a:t>
             </a:fld>
             <a:endParaRPr lang="en-US" altLang="en-US" sz="1200"/>
           </a:p>
@@ -3204,14 +3205,14 @@
           <a:noFill/>
           <a:extLst>
             <a:ext uri="{909E8E84-426E-40DD-AFC4-6F175D3DCCD1}">
-              <a14:hiddenFill xmlns="" xmlns:a14="http://schemas.microsoft.com/office/drawing/2010/main">
+              <a14:hiddenFill xmlns:a14="http://schemas.microsoft.com/office/drawing/2010/main" xmlns="">
                 <a:solidFill>
                   <a:srgbClr val="FFFFFF"/>
                 </a:solidFill>
               </a14:hiddenFill>
             </a:ext>
             <a:ext uri="{91240B29-F687-4F45-9708-019B960494DF}">
-              <a14:hiddenLine xmlns="" xmlns:a14="http://schemas.microsoft.com/office/drawing/2010/main" w="9525" cap="flat">
+              <a14:hiddenLine xmlns:a14="http://schemas.microsoft.com/office/drawing/2010/main" xmlns="" w="9525" cap="flat">
                 <a:solidFill>
                   <a:srgbClr val="000000"/>
                 </a:solidFill>
@@ -3233,7 +3234,7 @@
     </p:spTree>
     <p:extLst>
       <p:ext uri="{BB962C8B-B14F-4D97-AF65-F5344CB8AC3E}">
-        <p14:creationId xmlns="" xmlns:p14="http://schemas.microsoft.com/office/powerpoint/2010/main" val="820887667"/>
+        <p14:creationId xmlns:p14="http://schemas.microsoft.com/office/powerpoint/2010/main" xmlns="" val="820887667"/>
       </p:ext>
     </p:extLst>
   </p:cSld>
@@ -3282,14 +3283,14 @@
           <a:noFill/>
           <a:extLst>
             <a:ext uri="{909E8E84-426E-40DD-AFC4-6F175D3DCCD1}">
-              <a14:hiddenFill xmlns="" xmlns:a14="http://schemas.microsoft.com/office/drawing/2010/main">
+              <a14:hiddenFill xmlns:a14="http://schemas.microsoft.com/office/drawing/2010/main" xmlns="">
                 <a:solidFill>
                   <a:srgbClr val="FFFFFF"/>
                 </a:solidFill>
               </a14:hiddenFill>
             </a:ext>
             <a:ext uri="{91240B29-F687-4F45-9708-019B960494DF}">
-              <a14:hiddenLine xmlns="" xmlns:a14="http://schemas.microsoft.com/office/drawing/2010/main" w="9525">
+              <a14:hiddenLine xmlns:a14="http://schemas.microsoft.com/office/drawing/2010/main" xmlns="" w="9525">
                 <a:solidFill>
                   <a:srgbClr val="000000"/>
                 </a:solidFill>
@@ -3441,14 +3442,14 @@
           <a:noFill/>
           <a:extLst>
             <a:ext uri="{909E8E84-426E-40DD-AFC4-6F175D3DCCD1}">
-              <a14:hiddenFill xmlns="" xmlns:a14="http://schemas.microsoft.com/office/drawing/2010/main">
+              <a14:hiddenFill xmlns:a14="http://schemas.microsoft.com/office/drawing/2010/main" xmlns="">
                 <a:solidFill>
                   <a:srgbClr val="FFFFFF"/>
                 </a:solidFill>
               </a14:hiddenFill>
             </a:ext>
             <a:ext uri="{91240B29-F687-4F45-9708-019B960494DF}">
-              <a14:hiddenLine xmlns="" xmlns:a14="http://schemas.microsoft.com/office/drawing/2010/main" w="9525" cap="flat">
+              <a14:hiddenLine xmlns:a14="http://schemas.microsoft.com/office/drawing/2010/main" xmlns="" w="9525" cap="flat">
                 <a:solidFill>
                   <a:srgbClr val="000000"/>
                 </a:solidFill>
@@ -3470,7 +3471,7 @@
     </p:spTree>
     <p:extLst>
       <p:ext uri="{BB962C8B-B14F-4D97-AF65-F5344CB8AC3E}">
-        <p14:creationId xmlns="" xmlns:p14="http://schemas.microsoft.com/office/powerpoint/2010/main" val="1936022927"/>
+        <p14:creationId xmlns:p14="http://schemas.microsoft.com/office/powerpoint/2010/main" xmlns="" val="1936022927"/>
       </p:ext>
     </p:extLst>
   </p:cSld>
@@ -3519,14 +3520,14 @@
           <a:noFill/>
           <a:extLst>
             <a:ext uri="{909E8E84-426E-40DD-AFC4-6F175D3DCCD1}">
-              <a14:hiddenFill xmlns="" xmlns:a14="http://schemas.microsoft.com/office/drawing/2010/main">
+              <a14:hiddenFill xmlns:a14="http://schemas.microsoft.com/office/drawing/2010/main" xmlns="">
                 <a:solidFill>
                   <a:srgbClr val="FFFFFF"/>
                 </a:solidFill>
               </a14:hiddenFill>
             </a:ext>
             <a:ext uri="{91240B29-F687-4F45-9708-019B960494DF}">
-              <a14:hiddenLine xmlns="" xmlns:a14="http://schemas.microsoft.com/office/drawing/2010/main" w="9525">
+              <a14:hiddenLine xmlns:a14="http://schemas.microsoft.com/office/drawing/2010/main" xmlns="" w="9525">
                 <a:solidFill>
                   <a:srgbClr val="000000"/>
                 </a:solidFill>
@@ -3678,14 +3679,14 @@
           <a:noFill/>
           <a:extLst>
             <a:ext uri="{909E8E84-426E-40DD-AFC4-6F175D3DCCD1}">
-              <a14:hiddenFill xmlns="" xmlns:a14="http://schemas.microsoft.com/office/drawing/2010/main">
+              <a14:hiddenFill xmlns:a14="http://schemas.microsoft.com/office/drawing/2010/main" xmlns="">
                 <a:solidFill>
                   <a:srgbClr val="FFFFFF"/>
                 </a:solidFill>
               </a14:hiddenFill>
             </a:ext>
             <a:ext uri="{91240B29-F687-4F45-9708-019B960494DF}">
-              <a14:hiddenLine xmlns="" xmlns:a14="http://schemas.microsoft.com/office/drawing/2010/main" w="9525" cap="flat">
+              <a14:hiddenLine xmlns:a14="http://schemas.microsoft.com/office/drawing/2010/main" xmlns="" w="9525" cap="flat">
                 <a:solidFill>
                   <a:srgbClr val="000000"/>
                 </a:solidFill>
@@ -3707,7 +3708,7 @@
     </p:spTree>
     <p:extLst>
       <p:ext uri="{BB962C8B-B14F-4D97-AF65-F5344CB8AC3E}">
-        <p14:creationId xmlns="" xmlns:p14="http://schemas.microsoft.com/office/powerpoint/2010/main" val="2328323395"/>
+        <p14:creationId xmlns:p14="http://schemas.microsoft.com/office/powerpoint/2010/main" xmlns="" val="2328323395"/>
       </p:ext>
     </p:extLst>
   </p:cSld>
@@ -3756,14 +3757,14 @@
           <a:noFill/>
           <a:extLst>
             <a:ext uri="{909E8E84-426E-40DD-AFC4-6F175D3DCCD1}">
-              <a14:hiddenFill xmlns="" xmlns:a14="http://schemas.microsoft.com/office/drawing/2010/main">
+              <a14:hiddenFill xmlns:a14="http://schemas.microsoft.com/office/drawing/2010/main" xmlns="">
                 <a:solidFill>
                   <a:srgbClr val="FFFFFF"/>
                 </a:solidFill>
               </a14:hiddenFill>
             </a:ext>
             <a:ext uri="{91240B29-F687-4F45-9708-019B960494DF}">
-              <a14:hiddenLine xmlns="" xmlns:a14="http://schemas.microsoft.com/office/drawing/2010/main" w="9525">
+              <a14:hiddenLine xmlns:a14="http://schemas.microsoft.com/office/drawing/2010/main" xmlns="" w="9525">
                 <a:solidFill>
                   <a:srgbClr val="000000"/>
                 </a:solidFill>
@@ -3915,14 +3916,14 @@
           <a:noFill/>
           <a:extLst>
             <a:ext uri="{909E8E84-426E-40DD-AFC4-6F175D3DCCD1}">
-              <a14:hiddenFill xmlns="" xmlns:a14="http://schemas.microsoft.com/office/drawing/2010/main">
+              <a14:hiddenFill xmlns:a14="http://schemas.microsoft.com/office/drawing/2010/main" xmlns="">
                 <a:solidFill>
                   <a:srgbClr val="FFFFFF"/>
                 </a:solidFill>
               </a14:hiddenFill>
             </a:ext>
             <a:ext uri="{91240B29-F687-4F45-9708-019B960494DF}">
-              <a14:hiddenLine xmlns="" xmlns:a14="http://schemas.microsoft.com/office/drawing/2010/main" w="9525" cap="flat">
+              <a14:hiddenLine xmlns:a14="http://schemas.microsoft.com/office/drawing/2010/main" xmlns="" w="9525" cap="flat">
                 <a:solidFill>
                   <a:srgbClr val="000000"/>
                 </a:solidFill>
@@ -3944,7 +3945,7 @@
     </p:spTree>
     <p:extLst>
       <p:ext uri="{BB962C8B-B14F-4D97-AF65-F5344CB8AC3E}">
-        <p14:creationId xmlns="" xmlns:p14="http://schemas.microsoft.com/office/powerpoint/2010/main" val="12951536"/>
+        <p14:creationId xmlns:p14="http://schemas.microsoft.com/office/powerpoint/2010/main" xmlns="" val="12951536"/>
       </p:ext>
     </p:extLst>
   </p:cSld>
@@ -3993,14 +3994,14 @@
           <a:noFill/>
           <a:extLst>
             <a:ext uri="{909E8E84-426E-40DD-AFC4-6F175D3DCCD1}">
-              <a14:hiddenFill xmlns="" xmlns:a14="http://schemas.microsoft.com/office/drawing/2010/main">
+              <a14:hiddenFill xmlns:a14="http://schemas.microsoft.com/office/drawing/2010/main" xmlns="">
                 <a:solidFill>
                   <a:srgbClr val="FFFFFF"/>
                 </a:solidFill>
               </a14:hiddenFill>
             </a:ext>
             <a:ext uri="{91240B29-F687-4F45-9708-019B960494DF}">
-              <a14:hiddenLine xmlns="" xmlns:a14="http://schemas.microsoft.com/office/drawing/2010/main" w="9525">
+              <a14:hiddenLine xmlns:a14="http://schemas.microsoft.com/office/drawing/2010/main" xmlns="" w="9525">
                 <a:solidFill>
                   <a:srgbClr val="000000"/>
                 </a:solidFill>
@@ -4152,14 +4153,14 @@
           <a:noFill/>
           <a:extLst>
             <a:ext uri="{909E8E84-426E-40DD-AFC4-6F175D3DCCD1}">
-              <a14:hiddenFill xmlns="" xmlns:a14="http://schemas.microsoft.com/office/drawing/2010/main">
+              <a14:hiddenFill xmlns:a14="http://schemas.microsoft.com/office/drawing/2010/main" xmlns="">
                 <a:solidFill>
                   <a:srgbClr val="FFFFFF"/>
                 </a:solidFill>
               </a14:hiddenFill>
             </a:ext>
             <a:ext uri="{91240B29-F687-4F45-9708-019B960494DF}">
-              <a14:hiddenLine xmlns="" xmlns:a14="http://schemas.microsoft.com/office/drawing/2010/main" w="9525" cap="flat">
+              <a14:hiddenLine xmlns:a14="http://schemas.microsoft.com/office/drawing/2010/main" xmlns="" w="9525" cap="flat">
                 <a:solidFill>
                   <a:srgbClr val="000000"/>
                 </a:solidFill>
@@ -4181,7 +4182,7 @@
     </p:spTree>
     <p:extLst>
       <p:ext uri="{BB962C8B-B14F-4D97-AF65-F5344CB8AC3E}">
-        <p14:creationId xmlns="" xmlns:p14="http://schemas.microsoft.com/office/powerpoint/2010/main" val="193149072"/>
+        <p14:creationId xmlns:p14="http://schemas.microsoft.com/office/powerpoint/2010/main" xmlns="" val="193149072"/>
       </p:ext>
     </p:extLst>
   </p:cSld>
@@ -4230,14 +4231,14 @@
           <a:noFill/>
           <a:extLst>
             <a:ext uri="{909E8E84-426E-40DD-AFC4-6F175D3DCCD1}">
-              <a14:hiddenFill xmlns="" xmlns:a14="http://schemas.microsoft.com/office/drawing/2010/main">
+              <a14:hiddenFill xmlns:a14="http://schemas.microsoft.com/office/drawing/2010/main" xmlns="">
                 <a:solidFill>
                   <a:srgbClr val="FFFFFF"/>
                 </a:solidFill>
               </a14:hiddenFill>
             </a:ext>
             <a:ext uri="{91240B29-F687-4F45-9708-019B960494DF}">
-              <a14:hiddenLine xmlns="" xmlns:a14="http://schemas.microsoft.com/office/drawing/2010/main" w="9525">
+              <a14:hiddenLine xmlns:a14="http://schemas.microsoft.com/office/drawing/2010/main" xmlns="" w="9525">
                 <a:solidFill>
                   <a:srgbClr val="000000"/>
                 </a:solidFill>
@@ -4389,14 +4390,14 @@
           <a:noFill/>
           <a:extLst>
             <a:ext uri="{909E8E84-426E-40DD-AFC4-6F175D3DCCD1}">
-              <a14:hiddenFill xmlns="" xmlns:a14="http://schemas.microsoft.com/office/drawing/2010/main">
+              <a14:hiddenFill xmlns:a14="http://schemas.microsoft.com/office/drawing/2010/main" xmlns="">
                 <a:solidFill>
                   <a:srgbClr val="FFFFFF"/>
                 </a:solidFill>
               </a14:hiddenFill>
             </a:ext>
             <a:ext uri="{91240B29-F687-4F45-9708-019B960494DF}">
-              <a14:hiddenLine xmlns="" xmlns:a14="http://schemas.microsoft.com/office/drawing/2010/main" w="9525" cap="flat">
+              <a14:hiddenLine xmlns:a14="http://schemas.microsoft.com/office/drawing/2010/main" xmlns="" w="9525" cap="flat">
                 <a:solidFill>
                   <a:srgbClr val="000000"/>
                 </a:solidFill>
@@ -4418,7 +4419,7 @@
     </p:spTree>
     <p:extLst>
       <p:ext uri="{BB962C8B-B14F-4D97-AF65-F5344CB8AC3E}">
-        <p14:creationId xmlns="" xmlns:p14="http://schemas.microsoft.com/office/powerpoint/2010/main" val="2215341922"/>
+        <p14:creationId xmlns:p14="http://schemas.microsoft.com/office/powerpoint/2010/main" xmlns="" val="2215341922"/>
       </p:ext>
     </p:extLst>
   </p:cSld>
@@ -4467,14 +4468,14 @@
           <a:noFill/>
           <a:extLst>
             <a:ext uri="{909E8E84-426E-40DD-AFC4-6F175D3DCCD1}">
-              <a14:hiddenFill xmlns="" xmlns:a14="http://schemas.microsoft.com/office/drawing/2010/main">
+              <a14:hiddenFill xmlns:a14="http://schemas.microsoft.com/office/drawing/2010/main" xmlns="">
                 <a:solidFill>
                   <a:srgbClr val="FFFFFF"/>
                 </a:solidFill>
               </a14:hiddenFill>
             </a:ext>
             <a:ext uri="{91240B29-F687-4F45-9708-019B960494DF}">
-              <a14:hiddenLine xmlns="" xmlns:a14="http://schemas.microsoft.com/office/drawing/2010/main" w="9525">
+              <a14:hiddenLine xmlns:a14="http://schemas.microsoft.com/office/drawing/2010/main" xmlns="" w="9525">
                 <a:solidFill>
                   <a:srgbClr val="000000"/>
                 </a:solidFill>
@@ -4626,14 +4627,14 @@
           <a:noFill/>
           <a:extLst>
             <a:ext uri="{909E8E84-426E-40DD-AFC4-6F175D3DCCD1}">
-              <a14:hiddenFill xmlns="" xmlns:a14="http://schemas.microsoft.com/office/drawing/2010/main">
+              <a14:hiddenFill xmlns:a14="http://schemas.microsoft.com/office/drawing/2010/main" xmlns="">
                 <a:solidFill>
                   <a:srgbClr val="FFFFFF"/>
                 </a:solidFill>
               </a14:hiddenFill>
             </a:ext>
             <a:ext uri="{91240B29-F687-4F45-9708-019B960494DF}">
-              <a14:hiddenLine xmlns="" xmlns:a14="http://schemas.microsoft.com/office/drawing/2010/main" w="9525" cap="flat">
+              <a14:hiddenLine xmlns:a14="http://schemas.microsoft.com/office/drawing/2010/main" xmlns="" w="9525" cap="flat">
                 <a:solidFill>
                   <a:srgbClr val="000000"/>
                 </a:solidFill>
@@ -4655,7 +4656,7 @@
     </p:spTree>
     <p:extLst>
       <p:ext uri="{BB962C8B-B14F-4D97-AF65-F5344CB8AC3E}">
-        <p14:creationId xmlns="" xmlns:p14="http://schemas.microsoft.com/office/powerpoint/2010/main" val="3155271457"/>
+        <p14:creationId xmlns:p14="http://schemas.microsoft.com/office/powerpoint/2010/main" xmlns="" val="3155271457"/>
       </p:ext>
     </p:extLst>
   </p:cSld>
@@ -4704,14 +4705,14 @@
           <a:noFill/>
           <a:extLst>
             <a:ext uri="{909E8E84-426E-40DD-AFC4-6F175D3DCCD1}">
-              <a14:hiddenFill xmlns="" xmlns:a14="http://schemas.microsoft.com/office/drawing/2010/main">
+              <a14:hiddenFill xmlns:a14="http://schemas.microsoft.com/office/drawing/2010/main" xmlns="">
                 <a:solidFill>
                   <a:srgbClr val="FFFFFF"/>
                 </a:solidFill>
               </a14:hiddenFill>
             </a:ext>
             <a:ext uri="{91240B29-F687-4F45-9708-019B960494DF}">
-              <a14:hiddenLine xmlns="" xmlns:a14="http://schemas.microsoft.com/office/drawing/2010/main" w="9525">
+              <a14:hiddenLine xmlns:a14="http://schemas.microsoft.com/office/drawing/2010/main" xmlns="" w="9525">
                 <a:solidFill>
                   <a:srgbClr val="000000"/>
                 </a:solidFill>
@@ -4863,14 +4864,14 @@
           <a:noFill/>
           <a:extLst>
             <a:ext uri="{909E8E84-426E-40DD-AFC4-6F175D3DCCD1}">
-              <a14:hiddenFill xmlns="" xmlns:a14="http://schemas.microsoft.com/office/drawing/2010/main">
+              <a14:hiddenFill xmlns:a14="http://schemas.microsoft.com/office/drawing/2010/main" xmlns="">
                 <a:solidFill>
                   <a:srgbClr val="FFFFFF"/>
                 </a:solidFill>
               </a14:hiddenFill>
             </a:ext>
             <a:ext uri="{91240B29-F687-4F45-9708-019B960494DF}">
-              <a14:hiddenLine xmlns="" xmlns:a14="http://schemas.microsoft.com/office/drawing/2010/main" w="9525" cap="flat">
+              <a14:hiddenLine xmlns:a14="http://schemas.microsoft.com/office/drawing/2010/main" xmlns="" w="9525" cap="flat">
                 <a:solidFill>
                   <a:srgbClr val="000000"/>
                 </a:solidFill>
@@ -4892,7 +4893,7 @@
     </p:spTree>
     <p:extLst>
       <p:ext uri="{BB962C8B-B14F-4D97-AF65-F5344CB8AC3E}">
-        <p14:creationId xmlns="" xmlns:p14="http://schemas.microsoft.com/office/powerpoint/2010/main" val="3551785336"/>
+        <p14:creationId xmlns:p14="http://schemas.microsoft.com/office/powerpoint/2010/main" xmlns="" val="3551785336"/>
       </p:ext>
     </p:extLst>
   </p:cSld>
@@ -4941,14 +4942,14 @@
           <a:noFill/>
           <a:extLst>
             <a:ext uri="{909E8E84-426E-40DD-AFC4-6F175D3DCCD1}">
-              <a14:hiddenFill xmlns="" xmlns:a14="http://schemas.microsoft.com/office/drawing/2010/main">
+              <a14:hiddenFill xmlns:a14="http://schemas.microsoft.com/office/drawing/2010/main" xmlns="">
                 <a:solidFill>
                   <a:srgbClr val="FFFFFF"/>
                 </a:solidFill>
               </a14:hiddenFill>
             </a:ext>
             <a:ext uri="{91240B29-F687-4F45-9708-019B960494DF}">
-              <a14:hiddenLine xmlns="" xmlns:a14="http://schemas.microsoft.com/office/drawing/2010/main" w="9525">
+              <a14:hiddenLine xmlns:a14="http://schemas.microsoft.com/office/drawing/2010/main" xmlns="" w="9525">
                 <a:solidFill>
                   <a:srgbClr val="000000"/>
                 </a:solidFill>
@@ -5100,14 +5101,14 @@
           <a:noFill/>
           <a:extLst>
             <a:ext uri="{909E8E84-426E-40DD-AFC4-6F175D3DCCD1}">
-              <a14:hiddenFill xmlns="" xmlns:a14="http://schemas.microsoft.com/office/drawing/2010/main">
+              <a14:hiddenFill xmlns:a14="http://schemas.microsoft.com/office/drawing/2010/main" xmlns="">
                 <a:solidFill>
                   <a:srgbClr val="FFFFFF"/>
                 </a:solidFill>
               </a14:hiddenFill>
             </a:ext>
             <a:ext uri="{91240B29-F687-4F45-9708-019B960494DF}">
-              <a14:hiddenLine xmlns="" xmlns:a14="http://schemas.microsoft.com/office/drawing/2010/main" w="9525" cap="flat">
+              <a14:hiddenLine xmlns:a14="http://schemas.microsoft.com/office/drawing/2010/main" xmlns="" w="9525" cap="flat">
                 <a:solidFill>
                   <a:srgbClr val="000000"/>
                 </a:solidFill>
@@ -5129,7 +5130,7 @@
     </p:spTree>
     <p:extLst>
       <p:ext uri="{BB962C8B-B14F-4D97-AF65-F5344CB8AC3E}">
-        <p14:creationId xmlns="" xmlns:p14="http://schemas.microsoft.com/office/powerpoint/2010/main" val="1203307341"/>
+        <p14:creationId xmlns:p14="http://schemas.microsoft.com/office/powerpoint/2010/main" xmlns="" val="1203307341"/>
       </p:ext>
     </p:extLst>
   </p:cSld>
@@ -5256,7 +5257,7 @@
     </p:spTree>
     <p:extLst>
       <p:ext uri="{BB962C8B-B14F-4D97-AF65-F5344CB8AC3E}">
-        <p14:creationId xmlns="" xmlns:p14="http://schemas.microsoft.com/office/powerpoint/2010/main" val="3463218535"/>
+        <p14:creationId xmlns:p14="http://schemas.microsoft.com/office/powerpoint/2010/main" xmlns="" val="3463218535"/>
       </p:ext>
     </p:extLst>
   </p:cSld>
@@ -5479,7 +5480,7 @@
     </p:spTree>
     <p:extLst>
       <p:ext uri="{BB962C8B-B14F-4D97-AF65-F5344CB8AC3E}">
-        <p14:creationId xmlns="" xmlns:p14="http://schemas.microsoft.com/office/powerpoint/2010/main" val="2409673953"/>
+        <p14:creationId xmlns:p14="http://schemas.microsoft.com/office/powerpoint/2010/main" xmlns="" val="2409673953"/>
       </p:ext>
     </p:extLst>
   </p:cSld>
@@ -5712,7 +5713,7 @@
     </p:spTree>
     <p:extLst>
       <p:ext uri="{BB962C8B-B14F-4D97-AF65-F5344CB8AC3E}">
-        <p14:creationId xmlns="" xmlns:p14="http://schemas.microsoft.com/office/powerpoint/2010/main" val="1434235924"/>
+        <p14:creationId xmlns:p14="http://schemas.microsoft.com/office/powerpoint/2010/main" xmlns="" val="1434235924"/>
       </p:ext>
     </p:extLst>
   </p:cSld>
@@ -5817,7 +5818,7 @@
     </p:spTree>
     <p:extLst>
       <p:ext uri="{BB962C8B-B14F-4D97-AF65-F5344CB8AC3E}">
-        <p14:creationId xmlns="" xmlns:p14="http://schemas.microsoft.com/office/powerpoint/2010/main" val="1933310385"/>
+        <p14:creationId xmlns:p14="http://schemas.microsoft.com/office/powerpoint/2010/main" xmlns="" val="1933310385"/>
       </p:ext>
     </p:extLst>
   </p:cSld>
@@ -5944,7 +5945,7 @@
     </p:spTree>
     <p:extLst>
       <p:ext uri="{BB962C8B-B14F-4D97-AF65-F5344CB8AC3E}">
-        <p14:creationId xmlns="" xmlns:p14="http://schemas.microsoft.com/office/powerpoint/2010/main" val="679122482"/>
+        <p14:creationId xmlns:p14="http://schemas.microsoft.com/office/powerpoint/2010/main" xmlns="" val="679122482"/>
       </p:ext>
     </p:extLst>
   </p:cSld>
@@ -6111,7 +6112,7 @@
     </p:spTree>
     <p:extLst>
       <p:ext uri="{BB962C8B-B14F-4D97-AF65-F5344CB8AC3E}">
-        <p14:creationId xmlns="" xmlns:p14="http://schemas.microsoft.com/office/powerpoint/2010/main" val="2706322293"/>
+        <p14:creationId xmlns:p14="http://schemas.microsoft.com/office/powerpoint/2010/main" xmlns="" val="2706322293"/>
       </p:ext>
     </p:extLst>
   </p:cSld>
@@ -6413,7 +6414,7 @@
     </p:spTree>
     <p:extLst>
       <p:ext uri="{BB962C8B-B14F-4D97-AF65-F5344CB8AC3E}">
-        <p14:creationId xmlns="" xmlns:p14="http://schemas.microsoft.com/office/powerpoint/2010/main" val="1221097679"/>
+        <p14:creationId xmlns:p14="http://schemas.microsoft.com/office/powerpoint/2010/main" xmlns="" val="1221097679"/>
       </p:ext>
     </p:extLst>
   </p:cSld>
@@ -6584,7 +6585,7 @@
     </p:spTree>
     <p:extLst>
       <p:ext uri="{BB962C8B-B14F-4D97-AF65-F5344CB8AC3E}">
-        <p14:creationId xmlns="" xmlns:p14="http://schemas.microsoft.com/office/powerpoint/2010/main" val="3084687870"/>
+        <p14:creationId xmlns:p14="http://schemas.microsoft.com/office/powerpoint/2010/main" xmlns="" val="3084687870"/>
       </p:ext>
     </p:extLst>
   </p:cSld>
@@ -6732,7 +6733,7 @@
     </p:spTree>
     <p:extLst>
       <p:ext uri="{BB962C8B-B14F-4D97-AF65-F5344CB8AC3E}">
-        <p14:creationId xmlns="" xmlns:p14="http://schemas.microsoft.com/office/powerpoint/2010/main" val="4238563658"/>
+        <p14:creationId xmlns:p14="http://schemas.microsoft.com/office/powerpoint/2010/main" xmlns="" val="4238563658"/>
       </p:ext>
     </p:extLst>
   </p:cSld>
@@ -7062,7 +7063,7 @@
     </p:spTree>
     <p:extLst>
       <p:ext uri="{BB962C8B-B14F-4D97-AF65-F5344CB8AC3E}">
-        <p14:creationId xmlns="" xmlns:p14="http://schemas.microsoft.com/office/powerpoint/2010/main" val="1842507833"/>
+        <p14:creationId xmlns:p14="http://schemas.microsoft.com/office/powerpoint/2010/main" xmlns="" val="1842507833"/>
       </p:ext>
     </p:extLst>
   </p:cSld>
@@ -7369,7 +7370,7 @@
     </p:spTree>
     <p:extLst>
       <p:ext uri="{BB962C8B-B14F-4D97-AF65-F5344CB8AC3E}">
-        <p14:creationId xmlns="" xmlns:p14="http://schemas.microsoft.com/office/powerpoint/2010/main" val="4118781667"/>
+        <p14:creationId xmlns:p14="http://schemas.microsoft.com/office/powerpoint/2010/main" xmlns="" val="4118781667"/>
       </p:ext>
     </p:extLst>
   </p:cSld>
@@ -7428,14 +7429,14 @@
           </a:ln>
           <a:extLst>
             <a:ext uri="{909E8E84-426E-40DD-AFC4-6F175D3DCCD1}">
-              <a14:hiddenFill xmlns="" xmlns:a14="http://schemas.microsoft.com/office/drawing/2010/main">
+              <a14:hiddenFill xmlns:a14="http://schemas.microsoft.com/office/drawing/2010/main" xmlns="">
                 <a:solidFill>
                   <a:srgbClr val="FFFFFF"/>
                 </a:solidFill>
               </a14:hiddenFill>
             </a:ext>
             <a:ext uri="{91240B29-F687-4F45-9708-019B960494DF}">
-              <a14:hiddenLine xmlns="" xmlns:a14="http://schemas.microsoft.com/office/drawing/2010/main" w="9525">
+              <a14:hiddenLine xmlns:a14="http://schemas.microsoft.com/office/drawing/2010/main" xmlns="" w="9525">
                 <a:solidFill>
                   <a:srgbClr val="000000"/>
                 </a:solidFill>
@@ -7486,14 +7487,14 @@
           </a:ln>
           <a:extLst>
             <a:ext uri="{909E8E84-426E-40DD-AFC4-6F175D3DCCD1}">
-              <a14:hiddenFill xmlns="" xmlns:a14="http://schemas.microsoft.com/office/drawing/2010/main">
+              <a14:hiddenFill xmlns:a14="http://schemas.microsoft.com/office/drawing/2010/main" xmlns="">
                 <a:solidFill>
                   <a:srgbClr val="FFFFFF"/>
                 </a:solidFill>
               </a14:hiddenFill>
             </a:ext>
             <a:ext uri="{91240B29-F687-4F45-9708-019B960494DF}">
-              <a14:hiddenLine xmlns="" xmlns:a14="http://schemas.microsoft.com/office/drawing/2010/main" w="9525">
+              <a14:hiddenLine xmlns:a14="http://schemas.microsoft.com/office/drawing/2010/main" xmlns="" w="9525">
                 <a:solidFill>
                   <a:srgbClr val="000000"/>
                 </a:solidFill>
@@ -7996,14 +7997,14 @@
           </a:ln>
           <a:extLst>
             <a:ext uri="{909E8E84-426E-40DD-AFC4-6F175D3DCCD1}">
-              <a14:hiddenFill xmlns="" xmlns:a14="http://schemas.microsoft.com/office/drawing/2010/main">
+              <a14:hiddenFill xmlns:a14="http://schemas.microsoft.com/office/drawing/2010/main" xmlns="">
                 <a:solidFill>
                   <a:srgbClr val="FFFFFF"/>
                 </a:solidFill>
               </a14:hiddenFill>
             </a:ext>
             <a:ext uri="{91240B29-F687-4F45-9708-019B960494DF}">
-              <a14:hiddenLine xmlns="" xmlns:a14="http://schemas.microsoft.com/office/drawing/2010/main" w="9525">
+              <a14:hiddenLine xmlns:a14="http://schemas.microsoft.com/office/drawing/2010/main" xmlns="" w="9525">
                 <a:solidFill>
                   <a:srgbClr val="000000"/>
                 </a:solidFill>
@@ -8276,14 +8277,14 @@
           </a:ln>
           <a:extLst>
             <a:ext uri="{909E8E84-426E-40DD-AFC4-6F175D3DCCD1}">
-              <a14:hiddenFill xmlns="" xmlns:a14="http://schemas.microsoft.com/office/drawing/2010/main">
+              <a14:hiddenFill xmlns:a14="http://schemas.microsoft.com/office/drawing/2010/main" xmlns="">
                 <a:solidFill>
                   <a:srgbClr val="FFFFFF"/>
                 </a:solidFill>
               </a14:hiddenFill>
             </a:ext>
             <a:ext uri="{91240B29-F687-4F45-9708-019B960494DF}">
-              <a14:hiddenLine xmlns="" xmlns:a14="http://schemas.microsoft.com/office/drawing/2010/main" w="9525">
+              <a14:hiddenLine xmlns:a14="http://schemas.microsoft.com/office/drawing/2010/main" xmlns="" w="9525">
                 <a:solidFill>
                   <a:srgbClr val="000000"/>
                 </a:solidFill>
@@ -8560,14 +8561,14 @@
           </a:ln>
           <a:extLst>
             <a:ext uri="{909E8E84-426E-40DD-AFC4-6F175D3DCCD1}">
-              <a14:hiddenFill xmlns="" xmlns:a14="http://schemas.microsoft.com/office/drawing/2010/main">
+              <a14:hiddenFill xmlns:a14="http://schemas.microsoft.com/office/drawing/2010/main" xmlns="">
                 <a:solidFill>
                   <a:srgbClr val="FFFFFF"/>
                 </a:solidFill>
               </a14:hiddenFill>
             </a:ext>
             <a:ext uri="{91240B29-F687-4F45-9708-019B960494DF}">
-              <a14:hiddenLine xmlns="" xmlns:a14="http://schemas.microsoft.com/office/drawing/2010/main" w="9525">
+              <a14:hiddenLine xmlns:a14="http://schemas.microsoft.com/office/drawing/2010/main" xmlns="" w="9525">
                 <a:solidFill>
                   <a:srgbClr val="000000"/>
                 </a:solidFill>
@@ -10081,7 +10082,7 @@
           <a:blip r:embed="rId4" cstate="print">
             <a:extLst>
               <a:ext uri="{28A0092B-C50C-407E-A947-70E740481C1C}">
-                <a14:useLocalDpi xmlns="" xmlns:a14="http://schemas.microsoft.com/office/drawing/2010/main" val="0"/>
+                <a14:useLocalDpi xmlns:a14="http://schemas.microsoft.com/office/drawing/2010/main" xmlns="" val="0"/>
               </a:ext>
             </a:extLst>
           </a:blip>
@@ -10104,14 +10105,14 @@
           </a:ln>
           <a:extLst>
             <a:ext uri="{909E8E84-426E-40DD-AFC4-6F175D3DCCD1}">
-              <a14:hiddenFill xmlns="" xmlns:a14="http://schemas.microsoft.com/office/drawing/2010/main">
+              <a14:hiddenFill xmlns:a14="http://schemas.microsoft.com/office/drawing/2010/main" xmlns="">
                 <a:solidFill>
                   <a:srgbClr val="FFFFFF"/>
                 </a:solidFill>
               </a14:hiddenFill>
             </a:ext>
             <a:ext uri="{91240B29-F687-4F45-9708-019B960494DF}">
-              <a14:hiddenLine xmlns="" xmlns:a14="http://schemas.microsoft.com/office/drawing/2010/main" w="9525">
+              <a14:hiddenLine xmlns:a14="http://schemas.microsoft.com/office/drawing/2010/main" xmlns="" w="9525">
                 <a:solidFill>
                   <a:srgbClr val="000000"/>
                 </a:solidFill>
@@ -10195,7 +10196,6 @@
               <a:rPr lang="en-US" altLang="en-US" dirty="0" smtClean="0"/>
               <a:t>Client</a:t>
             </a:r>
-            <a:endParaRPr lang="en-US" altLang="en-US" dirty="0" smtClean="0"/>
           </a:p>
         </p:txBody>
       </p:sp>
@@ -10235,11 +10235,7 @@
             </a:pPr>
             <a:r>
               <a:rPr lang="en-US" altLang="en-US" dirty="0" smtClean="0"/>
-              <a:t>Client side programming considers to scripts that run within your web browser and these scripts has no interaction with a web server in order for the scripts to </a:t>
-            </a:r>
-            <a:r>
-              <a:rPr lang="en-US" altLang="en-US" dirty="0" smtClean="0"/>
-              <a:t>run </a:t>
+              <a:t>Client side programming considers to scripts that run within your web browser and these scripts has no interaction with a web server in order for the scripts to run </a:t>
             </a:r>
           </a:p>
           <a:p>
@@ -10268,11 +10264,7 @@
             </a:r>
             <a:r>
               <a:rPr lang="en-US" altLang="en-US" dirty="0" smtClean="0"/>
-              <a:t> </a:t>
-            </a:r>
-            <a:r>
-              <a:rPr lang="en-US" altLang="en-US" dirty="0" smtClean="0"/>
-              <a:t>is the most popular client side scripting language</a:t>
+              <a:t> is the most popular client side scripting language</a:t>
             </a:r>
           </a:p>
         </p:txBody>
@@ -10349,7 +10341,6 @@
               <a:rPr lang="en-US" altLang="en-US" dirty="0" smtClean="0"/>
               <a:t>Server</a:t>
             </a:r>
-            <a:endParaRPr lang="en-US" altLang="en-US" dirty="0" smtClean="0"/>
           </a:p>
         </p:txBody>
       </p:sp>
@@ -10389,11 +10380,7 @@
             </a:pPr>
             <a:r>
               <a:rPr lang="en-US" altLang="en-US" dirty="0" smtClean="0"/>
-              <a:t>Server-side programming refers to programs that run on the web server, which then sends results to your web </a:t>
-            </a:r>
-            <a:r>
-              <a:rPr lang="en-US" altLang="en-US" dirty="0" smtClean="0"/>
-              <a:t>browser </a:t>
+              <a:t>Server-side programming refers to programs that run on the web server, which then sends results to your web browser </a:t>
             </a:r>
           </a:p>
           <a:p>
@@ -10426,11 +10413,7 @@
             </a:r>
             <a:r>
               <a:rPr lang="en-US" altLang="en-US" dirty="0" smtClean="0"/>
-              <a:t>, are </a:t>
-            </a:r>
-            <a:r>
-              <a:rPr lang="en-US" altLang="en-US" dirty="0" smtClean="0"/>
-              <a:t>the popular Server side programming languages</a:t>
+              <a:t>, are the popular Server side programming languages</a:t>
             </a:r>
           </a:p>
         </p:txBody>
@@ -10510,14 +10493,14 @@
           </a:ln>
           <a:extLst>
             <a:ext uri="{909E8E84-426E-40DD-AFC4-6F175D3DCCD1}">
-              <a14:hiddenFill xmlns="" xmlns:a14="http://schemas.microsoft.com/office/drawing/2010/main">
+              <a14:hiddenFill xmlns:a14="http://schemas.microsoft.com/office/drawing/2010/main" xmlns="">
                 <a:solidFill>
                   <a:srgbClr val="FFFFFF"/>
                 </a:solidFill>
               </a14:hiddenFill>
             </a:ext>
             <a:ext uri="{91240B29-F687-4F45-9708-019B960494DF}">
-              <a14:hiddenLine xmlns="" xmlns:a14="http://schemas.microsoft.com/office/drawing/2010/main" w="9525">
+              <a14:hiddenLine xmlns:a14="http://schemas.microsoft.com/office/drawing/2010/main" xmlns="" w="9525">
                 <a:solidFill>
                   <a:srgbClr val="000000"/>
                 </a:solidFill>
@@ -10790,14 +10773,14 @@
           </a:ln>
           <a:extLst>
             <a:ext uri="{909E8E84-426E-40DD-AFC4-6F175D3DCCD1}">
-              <a14:hiddenFill xmlns="" xmlns:a14="http://schemas.microsoft.com/office/drawing/2010/main">
+              <a14:hiddenFill xmlns:a14="http://schemas.microsoft.com/office/drawing/2010/main" xmlns="">
                 <a:solidFill>
                   <a:srgbClr val="FFFFFF"/>
                 </a:solidFill>
               </a14:hiddenFill>
             </a:ext>
             <a:ext uri="{91240B29-F687-4F45-9708-019B960494DF}">
-              <a14:hiddenLine xmlns="" xmlns:a14="http://schemas.microsoft.com/office/drawing/2010/main" w="9525">
+              <a14:hiddenLine xmlns:a14="http://schemas.microsoft.com/office/drawing/2010/main" xmlns="" w="9525">
                 <a:solidFill>
                   <a:srgbClr val="000000"/>
                 </a:solidFill>
@@ -11248,15 +11231,7 @@
             </a:r>
             <a:r>
               <a:rPr lang="en-US" altLang="en-US" dirty="0" smtClean="0"/>
-              <a:t>most </a:t>
-            </a:r>
-            <a:r>
-              <a:rPr lang="en-US" altLang="en-US" dirty="0" smtClean="0"/>
-              <a:t>popular client side scripting </a:t>
-            </a:r>
-            <a:r>
-              <a:rPr lang="en-US" altLang="en-US" dirty="0" smtClean="0"/>
-              <a:t>language?</a:t>
+              <a:t>most popular client side scripting language?</a:t>
             </a:r>
           </a:p>
           <a:p>
@@ -11376,15 +11351,7 @@
             </a:r>
             <a:r>
               <a:rPr lang="en-US" altLang="en-US" dirty="0" smtClean="0"/>
-              <a:t> is the most popular client </a:t>
-            </a:r>
-            <a:r>
-              <a:rPr lang="en-US" altLang="en-US" dirty="0" smtClean="0"/>
-              <a:t>side scripting </a:t>
-            </a:r>
-            <a:r>
-              <a:rPr lang="en-US" altLang="en-US" dirty="0" smtClean="0"/>
-              <a:t>language</a:t>
+              <a:t> is the most popular client side scripting language</a:t>
             </a:r>
           </a:p>
           <a:p>
@@ -11773,7 +11740,7 @@
           <a:blip r:embed="rId4" cstate="print">
             <a:extLst>
               <a:ext uri="{28A0092B-C50C-407E-A947-70E740481C1C}">
-                <a14:useLocalDpi xmlns="" xmlns:a14="http://schemas.microsoft.com/office/drawing/2010/main" val="0"/>
+                <a14:useLocalDpi xmlns:a14="http://schemas.microsoft.com/office/drawing/2010/main" xmlns="" val="0"/>
               </a:ext>
             </a:extLst>
           </a:blip>
@@ -11796,14 +11763,14 @@
           </a:ln>
           <a:extLst>
             <a:ext uri="{909E8E84-426E-40DD-AFC4-6F175D3DCCD1}">
-              <a14:hiddenFill xmlns="" xmlns:a14="http://schemas.microsoft.com/office/drawing/2010/main">
+              <a14:hiddenFill xmlns:a14="http://schemas.microsoft.com/office/drawing/2010/main" xmlns="">
                 <a:solidFill>
                   <a:srgbClr val="FFFFFF"/>
                 </a:solidFill>
               </a14:hiddenFill>
             </a:ext>
             <a:ext uri="{91240B29-F687-4F45-9708-019B960494DF}">
-              <a14:hiddenLine xmlns="" xmlns:a14="http://schemas.microsoft.com/office/drawing/2010/main" w="9525">
+              <a14:hiddenLine xmlns:a14="http://schemas.microsoft.com/office/drawing/2010/main" xmlns="" w="9525">
                 <a:solidFill>
                   <a:srgbClr val="000000"/>
                 </a:solidFill>
@@ -11956,31 +11923,11 @@
                   <a:srgbClr val="FF0000"/>
                 </a:solidFill>
               </a:rPr>
-              <a:t>&lt;script&gt; </a:t>
-            </a:r>
-            <a:r>
-              <a:rPr lang="en-US" altLang="en-US" dirty="0" smtClean="0">
-                <a:solidFill>
-                  <a:srgbClr val="FF0000"/>
-                </a:solidFill>
-              </a:rPr>
-              <a:t>... </a:t>
-            </a:r>
-            <a:r>
-              <a:rPr lang="en-US" altLang="en-US" dirty="0" smtClean="0">
-                <a:solidFill>
-                  <a:srgbClr val="FF0000"/>
-                </a:solidFill>
-              </a:rPr>
-              <a:t>&lt;/script&gt;</a:t>
+              <a:t>&lt;script&gt; ... &lt;/script&gt;</a:t>
             </a:r>
             <a:r>
               <a:rPr lang="en-US" altLang="en-US" dirty="0" smtClean="0"/>
-              <a:t> </a:t>
-            </a:r>
-            <a:r>
-              <a:rPr lang="en-US" altLang="en-US" dirty="0" smtClean="0"/>
-              <a:t>tags. When the browser encounters a </a:t>
+              <a:t> tags. When the browser encounters a </a:t>
             </a:r>
             <a:r>
               <a:rPr lang="en-US" altLang="en-US" dirty="0" smtClean="0">
@@ -11992,11 +11939,7 @@
             </a:r>
             <a:r>
               <a:rPr lang="en-US" altLang="en-US" dirty="0" smtClean="0"/>
-              <a:t>tag, it assumes that the script block is written in </a:t>
-            </a:r>
-            <a:r>
-              <a:rPr lang="en-US" altLang="en-US" dirty="0" smtClean="0"/>
-              <a:t>JavaScript </a:t>
+              <a:t>tag, it assumes that the script block is written in JavaScript </a:t>
             </a:r>
           </a:p>
           <a:p>
@@ -12021,27 +11964,7 @@
             </a:pPr>
             <a:r>
               <a:rPr lang="en-US" altLang="en-US" dirty="0" smtClean="0"/>
-              <a:t>You </a:t>
-            </a:r>
-            <a:r>
-              <a:rPr lang="en-US" altLang="en-US" dirty="0" smtClean="0"/>
-              <a:t>can place these script blocks in the </a:t>
-            </a:r>
-            <a:r>
-              <a:rPr lang="en-US" altLang="en-US" dirty="0" smtClean="0"/>
-              <a:t>&lt;head&gt; </a:t>
-            </a:r>
-            <a:r>
-              <a:rPr lang="en-US" altLang="en-US" dirty="0" smtClean="0"/>
-              <a:t>or in the </a:t>
-            </a:r>
-            <a:r>
-              <a:rPr lang="en-US" altLang="en-US" dirty="0" smtClean="0"/>
-              <a:t>&lt;body&gt; </a:t>
-            </a:r>
-            <a:r>
-              <a:rPr lang="en-US" altLang="en-US" dirty="0" smtClean="0"/>
-              <a:t>section of HTML page or you can use both sections at the same time</a:t>
+              <a:t>You can place these script blocks in the &lt;head&gt; or in the &lt;body&gt; section of HTML page or you can use both sections at the same time</a:t>
             </a:r>
           </a:p>
         </p:txBody>
@@ -12331,31 +12254,7 @@
           <a:p>
             <a:r>
               <a:rPr lang="en-US" altLang="en-US" dirty="0" smtClean="0"/>
-              <a:t>The &lt;script&gt; </a:t>
-            </a:r>
-            <a:r>
-              <a:rPr lang="en-US" altLang="en-US" dirty="0" smtClean="0"/>
-              <a:t>blocks </a:t>
-            </a:r>
-            <a:r>
-              <a:rPr lang="en-US" altLang="en-US" dirty="0" smtClean="0"/>
-              <a:t>has to be in the &lt;</a:t>
-            </a:r>
-            <a:r>
-              <a:rPr lang="en-US" altLang="en-US" dirty="0" smtClean="0"/>
-              <a:t>head&gt; </a:t>
-            </a:r>
-            <a:r>
-              <a:rPr lang="en-US" altLang="en-US" dirty="0" smtClean="0"/>
-              <a:t>section </a:t>
-            </a:r>
-            <a:r>
-              <a:rPr lang="en-US" altLang="en-US" dirty="0" smtClean="0"/>
-              <a:t>of </a:t>
-            </a:r>
-            <a:r>
-              <a:rPr lang="en-US" altLang="en-US" dirty="0" smtClean="0"/>
-              <a:t>HTML page?</a:t>
+              <a:t>The &lt;script&gt; blocks has to be in the &lt;head&gt; section of HTML page?</a:t>
             </a:r>
           </a:p>
           <a:p>
@@ -12459,19 +12358,7 @@
             </a:pPr>
             <a:r>
               <a:rPr lang="en-US" altLang="en-US" dirty="0" smtClean="0"/>
-              <a:t>The &lt;script&gt; </a:t>
-            </a:r>
-            <a:r>
-              <a:rPr lang="en-US" altLang="en-US" dirty="0" smtClean="0"/>
-              <a:t>blocks </a:t>
-            </a:r>
-            <a:r>
-              <a:rPr lang="en-US" altLang="en-US" dirty="0" smtClean="0"/>
-              <a:t>can be in </a:t>
-            </a:r>
-            <a:r>
-              <a:rPr lang="en-US" altLang="en-US" dirty="0" smtClean="0"/>
-              <a:t>the &lt;head&gt; or in the &lt;body&gt; section of HTML</a:t>
+              <a:t>The &lt;script&gt; blocks can be in the &lt;head&gt; or in the &lt;body&gt; section of HTML</a:t>
             </a:r>
             <a:endParaRPr lang="en-US" dirty="0"/>
           </a:p>
@@ -12571,7 +12458,7 @@
           <a:blip r:embed="rId3" cstate="print">
             <a:extLst>
               <a:ext uri="{28A0092B-C50C-407E-A947-70E740481C1C}">
-                <a14:useLocalDpi xmlns="" xmlns:a14="http://schemas.microsoft.com/office/drawing/2010/main" val="0"/>
+                <a14:useLocalDpi xmlns:a14="http://schemas.microsoft.com/office/drawing/2010/main" xmlns="" val="0"/>
               </a:ext>
             </a:extLst>
           </a:blip>
@@ -12594,14 +12481,14 @@
           </a:ln>
           <a:extLst>
             <a:ext uri="{909E8E84-426E-40DD-AFC4-6F175D3DCCD1}">
-              <a14:hiddenFill xmlns="" xmlns:a14="http://schemas.microsoft.com/office/drawing/2010/main">
+              <a14:hiddenFill xmlns:a14="http://schemas.microsoft.com/office/drawing/2010/main" xmlns="">
                 <a:solidFill>
                   <a:srgbClr val="FFFFFF"/>
                 </a:solidFill>
               </a14:hiddenFill>
             </a:ext>
             <a:ext uri="{91240B29-F687-4F45-9708-019B960494DF}">
-              <a14:hiddenLine xmlns="" xmlns:a14="http://schemas.microsoft.com/office/drawing/2010/main" w="9525">
+              <a14:hiddenLine xmlns:a14="http://schemas.microsoft.com/office/drawing/2010/main" xmlns="" w="9525">
                 <a:solidFill>
                   <a:srgbClr val="000000"/>
                 </a:solidFill>
@@ -12946,7 +12833,7 @@
           <a:blip r:embed="rId3" cstate="print">
             <a:extLst>
               <a:ext uri="{28A0092B-C50C-407E-A947-70E740481C1C}">
-                <a14:useLocalDpi xmlns="" xmlns:a14="http://schemas.microsoft.com/office/drawing/2010/main" val="0"/>
+                <a14:useLocalDpi xmlns:a14="http://schemas.microsoft.com/office/drawing/2010/main" xmlns="" val="0"/>
               </a:ext>
             </a:extLst>
           </a:blip>
@@ -12969,14 +12856,14 @@
           </a:ln>
           <a:extLst>
             <a:ext uri="{909E8E84-426E-40DD-AFC4-6F175D3DCCD1}">
-              <a14:hiddenFill xmlns="" xmlns:a14="http://schemas.microsoft.com/office/drawing/2010/main">
+              <a14:hiddenFill xmlns:a14="http://schemas.microsoft.com/office/drawing/2010/main" xmlns="">
                 <a:solidFill>
                   <a:srgbClr val="FFFFFF"/>
                 </a:solidFill>
               </a14:hiddenFill>
             </a:ext>
             <a:ext uri="{91240B29-F687-4F45-9708-019B960494DF}">
-              <a14:hiddenLine xmlns="" xmlns:a14="http://schemas.microsoft.com/office/drawing/2010/main" w="9525">
+              <a14:hiddenLine xmlns:a14="http://schemas.microsoft.com/office/drawing/2010/main" xmlns="" w="9525">
                 <a:solidFill>
                   <a:srgbClr val="000000"/>
                 </a:solidFill>
@@ -13132,7 +13019,7 @@
           <a:blip r:embed="rId4" cstate="print">
             <a:extLst>
               <a:ext uri="{28A0092B-C50C-407E-A947-70E740481C1C}">
-                <a14:useLocalDpi xmlns="" xmlns:a14="http://schemas.microsoft.com/office/drawing/2010/main" val="0"/>
+                <a14:useLocalDpi xmlns:a14="http://schemas.microsoft.com/office/drawing/2010/main" xmlns="" val="0"/>
               </a:ext>
             </a:extLst>
           </a:blip>
@@ -13155,14 +13042,14 @@
           </a:ln>
           <a:extLst>
             <a:ext uri="{909E8E84-426E-40DD-AFC4-6F175D3DCCD1}">
-              <a14:hiddenFill xmlns="" xmlns:a14="http://schemas.microsoft.com/office/drawing/2010/main">
+              <a14:hiddenFill xmlns:a14="http://schemas.microsoft.com/office/drawing/2010/main" xmlns="">
                 <a:solidFill>
                   <a:srgbClr val="FFFFFF"/>
                 </a:solidFill>
               </a14:hiddenFill>
             </a:ext>
             <a:ext uri="{91240B29-F687-4F45-9708-019B960494DF}">
-              <a14:hiddenLine xmlns="" xmlns:a14="http://schemas.microsoft.com/office/drawing/2010/main" w="9525">
+              <a14:hiddenLine xmlns:a14="http://schemas.microsoft.com/office/drawing/2010/main" xmlns="" w="9525">
                 <a:solidFill>
                   <a:srgbClr val="000000"/>
                 </a:solidFill>
@@ -13330,7 +13217,7 @@
           <a:blip r:embed="rId4" cstate="print">
             <a:extLst>
               <a:ext uri="{28A0092B-C50C-407E-A947-70E740481C1C}">
-                <a14:useLocalDpi xmlns="" xmlns:a14="http://schemas.microsoft.com/office/drawing/2010/main" val="0"/>
+                <a14:useLocalDpi xmlns:a14="http://schemas.microsoft.com/office/drawing/2010/main" xmlns="" val="0"/>
               </a:ext>
             </a:extLst>
           </a:blip>
@@ -13353,14 +13240,14 @@
           </a:ln>
           <a:extLst>
             <a:ext uri="{909E8E84-426E-40DD-AFC4-6F175D3DCCD1}">
-              <a14:hiddenFill xmlns="" xmlns:a14="http://schemas.microsoft.com/office/drawing/2010/main">
+              <a14:hiddenFill xmlns:a14="http://schemas.microsoft.com/office/drawing/2010/main" xmlns="">
                 <a:solidFill>
                   <a:srgbClr val="FFFFFF"/>
                 </a:solidFill>
               </a14:hiddenFill>
             </a:ext>
             <a:ext uri="{91240B29-F687-4F45-9708-019B960494DF}">
-              <a14:hiddenLine xmlns="" xmlns:a14="http://schemas.microsoft.com/office/drawing/2010/main" w="9525">
+              <a14:hiddenLine xmlns:a14="http://schemas.microsoft.com/office/drawing/2010/main" xmlns="" w="9525">
                 <a:solidFill>
                   <a:srgbClr val="000000"/>
                 </a:solidFill>
@@ -13540,7 +13427,7 @@
       </p:grpSpPr>
       <p:sp>
         <p:nvSpPr>
-          <p:cNvPr id="25602" name="Text Box 1"/>
+          <p:cNvPr id="26626" name="Text Box 1"/>
           <p:cNvSpPr txBox="1">
             <a:spLocks noChangeArrowheads="1"/>
           </p:cNvSpPr>
@@ -13560,14 +13447,14 @@
           </a:ln>
           <a:extLst>
             <a:ext uri="{909E8E84-426E-40DD-AFC4-6F175D3DCCD1}">
-              <a14:hiddenFill xmlns="" xmlns:a14="http://schemas.microsoft.com/office/drawing/2010/main">
+              <a14:hiddenFill xmlns:a14="http://schemas.microsoft.com/office/drawing/2010/main" xmlns="">
                 <a:solidFill>
                   <a:srgbClr val="FFFFFF"/>
                 </a:solidFill>
               </a14:hiddenFill>
             </a:ext>
             <a:ext uri="{91240B29-F687-4F45-9708-019B960494DF}">
-              <a14:hiddenLine xmlns="" xmlns:a14="http://schemas.microsoft.com/office/drawing/2010/main" w="9525">
+              <a14:hiddenLine xmlns:a14="http://schemas.microsoft.com/office/drawing/2010/main" xmlns="" w="9525">
                 <a:solidFill>
                   <a:srgbClr val="000000"/>
                 </a:solidFill>
@@ -13813,14 +13700,14 @@
                 </a:solidFill>
                 <a:latin typeface="Arial" panose="020B0604020202020204" pitchFamily="34" charset="0"/>
               </a:rPr>
-              <a:t>This Week</a:t>
+              <a:t>Summary</a:t>
             </a:r>
           </a:p>
         </p:txBody>
       </p:sp>
       <p:sp>
         <p:nvSpPr>
-          <p:cNvPr id="25603" name="Text Box 2"/>
+          <p:cNvPr id="26627" name="Text Box 2"/>
           <p:cNvSpPr txBox="1">
             <a:spLocks noChangeArrowheads="1"/>
           </p:cNvSpPr>
@@ -13828,8 +13715,8 @@
         </p:nvSpPr>
         <p:spPr bwMode="auto">
           <a:xfrm>
-            <a:off x="685800" y="1752600"/>
-            <a:ext cx="7772400" cy="4343400"/>
+            <a:off x="685800" y="1981200"/>
+            <a:ext cx="8153400" cy="4114800"/>
           </a:xfrm>
           <a:prstGeom prst="rect">
             <a:avLst/>
@@ -13840,14 +13727,14 @@
           </a:ln>
           <a:extLst>
             <a:ext uri="{909E8E84-426E-40DD-AFC4-6F175D3DCCD1}">
-              <a14:hiddenFill xmlns="" xmlns:a14="http://schemas.microsoft.com/office/drawing/2010/main">
+              <a14:hiddenFill xmlns:a14="http://schemas.microsoft.com/office/drawing/2010/main" xmlns="">
                 <a:solidFill>
                   <a:srgbClr val="FFFFFF"/>
                 </a:solidFill>
               </a14:hiddenFill>
             </a:ext>
             <a:ext uri="{91240B29-F687-4F45-9708-019B960494DF}">
-              <a14:hiddenLine xmlns="" xmlns:a14="http://schemas.microsoft.com/office/drawing/2010/main" w="9525">
+              <a14:hiddenLine xmlns:a14="http://schemas.microsoft.com/office/drawing/2010/main" xmlns="" w="9525">
                 <a:solidFill>
                   <a:srgbClr val="000000"/>
                 </a:solidFill>
@@ -13882,7 +13769,7 @@
                 <a:latin typeface="Times New Roman" panose="02020603050405020304" pitchFamily="18" charset="0"/>
               </a:defRPr>
             </a:lvl1pPr>
-            <a:lvl2pPr marL="741363" indent="-284163">
+            <a:lvl2pPr marL="742950" indent="-285750">
               <a:tabLst>
                 <a:tab pos="911225" algn="l"/>
                 <a:tab pos="1825625" algn="l"/>
@@ -14086,13 +13973,22 @@
               </a:buBlip>
             </a:pPr>
             <a:r>
-              <a:rPr lang="en-GB" altLang="en-US" sz="3200">
+              <a:rPr lang="en-GB" altLang="en-US" sz="3200" dirty="0">
                 <a:solidFill>
                   <a:srgbClr val="000000"/>
                 </a:solidFill>
                 <a:latin typeface="Arial" panose="020B0604020202020204" pitchFamily="34" charset="0"/>
               </a:rPr>
-              <a:t>Review Slides</a:t>
+              <a:t>Overview of Dynamic and Static </a:t>
+            </a:r>
+            <a:r>
+              <a:rPr lang="en-GB" altLang="en-US" sz="3200" dirty="0" smtClean="0">
+                <a:solidFill>
+                  <a:srgbClr val="000000"/>
+                </a:solidFill>
+                <a:latin typeface="Arial" panose="020B0604020202020204" pitchFamily="34" charset="0"/>
+              </a:rPr>
+              <a:t>Websites</a:t>
             </a:r>
           </a:p>
           <a:p>
@@ -14106,14 +14002,29 @@
               </a:buBlip>
             </a:pPr>
             <a:r>
-              <a:rPr lang="en-GB" altLang="en-US" sz="3200">
+              <a:rPr lang="en-GB" altLang="en-US" sz="3200" dirty="0" smtClean="0">
                 <a:solidFill>
                   <a:srgbClr val="000000"/>
                 </a:solidFill>
                 <a:latin typeface="Arial" panose="020B0604020202020204" pitchFamily="34" charset="0"/>
               </a:rPr>
-              <a:t>Read Associated Chapters</a:t>
-            </a:r>
+              <a:t>Dynamic websites </a:t>
+            </a:r>
+            <a:r>
+              <a:rPr lang="en-GB" altLang="en-US" sz="3200" smtClean="0">
+                <a:solidFill>
+                  <a:srgbClr val="000000"/>
+                </a:solidFill>
+                <a:latin typeface="Arial" panose="020B0604020202020204" pitchFamily="34" charset="0"/>
+              </a:rPr>
+              <a:t>(Generated Content)</a:t>
+            </a:r>
+            <a:endParaRPr lang="en-GB" altLang="en-US" sz="3200" dirty="0">
+              <a:solidFill>
+                <a:srgbClr val="000000"/>
+              </a:solidFill>
+              <a:latin typeface="Arial" panose="020B0604020202020204" pitchFamily="34" charset="0"/>
+            </a:endParaRPr>
           </a:p>
           <a:p>
             <a:pPr>
@@ -14126,51 +14037,48 @@
               </a:buBlip>
             </a:pPr>
             <a:r>
-              <a:rPr lang="en-GB" altLang="en-US" sz="3200">
+              <a:rPr lang="en-GB" altLang="en-US" sz="3200" dirty="0">
                 <a:solidFill>
                   <a:srgbClr val="000000"/>
                 </a:solidFill>
                 <a:latin typeface="Arial" panose="020B0604020202020204" pitchFamily="34" charset="0"/>
               </a:rPr>
-              <a:t>Weekly Tasks</a:t>
-            </a:r>
-          </a:p>
-          <a:p>
-            <a:pPr lvl="1">
-              <a:spcBef>
-                <a:spcPts val="700"/>
-              </a:spcBef>
-              <a:buFont typeface="Wingdings 3" panose="05040102010807070707" pitchFamily="18" charset="2"/>
-              <a:buChar char=""/>
-            </a:pPr>
-            <a:r>
-              <a:rPr lang="en-GB" altLang="en-US" sz="2800">
+              <a:t>Getting started with scripting and </a:t>
+            </a:r>
+            <a:r>
+              <a:rPr lang="en-GB" altLang="en-US" sz="3200" dirty="0" err="1">
                 <a:solidFill>
                   <a:srgbClr val="000000"/>
                 </a:solidFill>
                 <a:latin typeface="Arial" panose="020B0604020202020204" pitchFamily="34" charset="0"/>
               </a:rPr>
-              <a:t>Update GitHub Account/Webpage</a:t>
-            </a:r>
+              <a:t>Javascript</a:t>
+            </a:r>
+            <a:endParaRPr lang="en-GB" altLang="en-US" sz="3200" dirty="0">
+              <a:solidFill>
+                <a:srgbClr val="000000"/>
+              </a:solidFill>
+              <a:latin typeface="Arial" panose="020B0604020202020204" pitchFamily="34" charset="0"/>
+            </a:endParaRPr>
           </a:p>
           <a:p>
             <a:pPr>
               <a:spcBef>
                 <a:spcPts val="800"/>
               </a:spcBef>
-              <a:buFont typeface="Arial" panose="020B0604020202020204" pitchFamily="34" charset="0"/>
+              <a:buFont typeface="Times New Roman" panose="02020603050405020304" pitchFamily="18" charset="0"/>
               <a:buBlip>
                 <a:blip r:embed="rId3"/>
               </a:buBlip>
             </a:pPr>
             <a:r>
-              <a:rPr lang="en-GB" altLang="en-US" sz="3200" b="1" u="sng">
+              <a:rPr lang="en-GB" altLang="en-US" sz="3200" dirty="0">
                 <a:solidFill>
                   <a:srgbClr val="000000"/>
                 </a:solidFill>
                 <a:latin typeface="Arial" panose="020B0604020202020204" pitchFamily="34" charset="0"/>
               </a:rPr>
-              <a:t>Online Quizzes</a:t>
+              <a:t>Hands-On/Practical</a:t>
             </a:r>
           </a:p>
         </p:txBody>
@@ -14230,7 +14138,7 @@
       </p:grpSpPr>
       <p:sp>
         <p:nvSpPr>
-          <p:cNvPr id="26626" name="Text Box 1"/>
+          <p:cNvPr id="25602" name="Text Box 1"/>
           <p:cNvSpPr txBox="1">
             <a:spLocks noChangeArrowheads="1"/>
           </p:cNvSpPr>
@@ -14250,14 +14158,14 @@
           </a:ln>
           <a:extLst>
             <a:ext uri="{909E8E84-426E-40DD-AFC4-6F175D3DCCD1}">
-              <a14:hiddenFill xmlns="" xmlns:a14="http://schemas.microsoft.com/office/drawing/2010/main">
+              <a14:hiddenFill xmlns:a14="http://schemas.microsoft.com/office/drawing/2010/main" xmlns="">
                 <a:solidFill>
                   <a:srgbClr val="FFFFFF"/>
                 </a:solidFill>
               </a14:hiddenFill>
             </a:ext>
             <a:ext uri="{91240B29-F687-4F45-9708-019B960494DF}">
-              <a14:hiddenLine xmlns="" xmlns:a14="http://schemas.microsoft.com/office/drawing/2010/main" w="9525">
+              <a14:hiddenLine xmlns:a14="http://schemas.microsoft.com/office/drawing/2010/main" xmlns="" w="9525">
                 <a:solidFill>
                   <a:srgbClr val="000000"/>
                 </a:solidFill>
@@ -14503,14 +14411,14 @@
                 </a:solidFill>
                 <a:latin typeface="Arial" panose="020B0604020202020204" pitchFamily="34" charset="0"/>
               </a:rPr>
-              <a:t>Summary</a:t>
+              <a:t>This Week</a:t>
             </a:r>
           </a:p>
         </p:txBody>
       </p:sp>
       <p:sp>
         <p:nvSpPr>
-          <p:cNvPr id="26627" name="Text Box 2"/>
+          <p:cNvPr id="25603" name="Text Box 2"/>
           <p:cNvSpPr txBox="1">
             <a:spLocks noChangeArrowheads="1"/>
           </p:cNvSpPr>
@@ -14518,8 +14426,8 @@
         </p:nvSpPr>
         <p:spPr bwMode="auto">
           <a:xfrm>
-            <a:off x="685800" y="1981200"/>
-            <a:ext cx="8153400" cy="4114800"/>
+            <a:off x="685800" y="1752600"/>
+            <a:ext cx="7772400" cy="4343400"/>
           </a:xfrm>
           <a:prstGeom prst="rect">
             <a:avLst/>
@@ -14530,14 +14438,14 @@
           </a:ln>
           <a:extLst>
             <a:ext uri="{909E8E84-426E-40DD-AFC4-6F175D3DCCD1}">
-              <a14:hiddenFill xmlns="" xmlns:a14="http://schemas.microsoft.com/office/drawing/2010/main">
+              <a14:hiddenFill xmlns:a14="http://schemas.microsoft.com/office/drawing/2010/main" xmlns="">
                 <a:solidFill>
                   <a:srgbClr val="FFFFFF"/>
                 </a:solidFill>
               </a14:hiddenFill>
             </a:ext>
             <a:ext uri="{91240B29-F687-4F45-9708-019B960494DF}">
-              <a14:hiddenLine xmlns="" xmlns:a14="http://schemas.microsoft.com/office/drawing/2010/main" w="9525">
+              <a14:hiddenLine xmlns:a14="http://schemas.microsoft.com/office/drawing/2010/main" xmlns="" w="9525">
                 <a:solidFill>
                   <a:srgbClr val="000000"/>
                 </a:solidFill>
@@ -14572,7 +14480,7 @@
                 <a:latin typeface="Times New Roman" panose="02020603050405020304" pitchFamily="18" charset="0"/>
               </a:defRPr>
             </a:lvl1pPr>
-            <a:lvl2pPr marL="742950" indent="-285750">
+            <a:lvl2pPr marL="741363" indent="-284163">
               <a:tabLst>
                 <a:tab pos="911225" algn="l"/>
                 <a:tab pos="1825625" algn="l"/>
@@ -14782,16 +14690,7 @@
                 </a:solidFill>
                 <a:latin typeface="Arial" panose="020B0604020202020204" pitchFamily="34" charset="0"/>
               </a:rPr>
-              <a:t>Overview of Dynamic and Static </a:t>
-            </a:r>
-            <a:r>
-              <a:rPr lang="en-GB" altLang="en-US" sz="3200" dirty="0" smtClean="0">
-                <a:solidFill>
-                  <a:srgbClr val="000000"/>
-                </a:solidFill>
-                <a:latin typeface="Arial" panose="020B0604020202020204" pitchFamily="34" charset="0"/>
-              </a:rPr>
-              <a:t>Websites</a:t>
+              <a:t>Review Slides</a:t>
             </a:r>
           </a:p>
           <a:p>
@@ -14805,29 +14704,14 @@
               </a:buBlip>
             </a:pPr>
             <a:r>
-              <a:rPr lang="en-GB" altLang="en-US" sz="3200" dirty="0" smtClean="0">
+              <a:rPr lang="en-GB" altLang="en-US" sz="3200" dirty="0">
                 <a:solidFill>
                   <a:srgbClr val="000000"/>
                 </a:solidFill>
                 <a:latin typeface="Arial" panose="020B0604020202020204" pitchFamily="34" charset="0"/>
               </a:rPr>
-              <a:t>Dynamic websites </a:t>
-            </a:r>
-            <a:r>
-              <a:rPr lang="en-GB" altLang="en-US" sz="3200" smtClean="0">
-                <a:solidFill>
-                  <a:srgbClr val="000000"/>
-                </a:solidFill>
-                <a:latin typeface="Arial" panose="020B0604020202020204" pitchFamily="34" charset="0"/>
-              </a:rPr>
-              <a:t>(Generated Content)</a:t>
-            </a:r>
-            <a:endParaRPr lang="en-GB" altLang="en-US" sz="3200" dirty="0">
-              <a:solidFill>
-                <a:srgbClr val="000000"/>
-              </a:solidFill>
-              <a:latin typeface="Arial" panose="020B0604020202020204" pitchFamily="34" charset="0"/>
-            </a:endParaRPr>
+              <a:t>Read Associated Chapters</a:t>
+            </a:r>
           </a:p>
           <a:p>
             <a:pPr>
@@ -14846,16 +14730,92 @@
                 </a:solidFill>
                 <a:latin typeface="Arial" panose="020B0604020202020204" pitchFamily="34" charset="0"/>
               </a:rPr>
-              <a:t>Getting started with scripting and </a:t>
-            </a:r>
-            <a:r>
-              <a:rPr lang="en-GB" altLang="en-US" sz="3200" dirty="0" err="1">
+              <a:t>Weekly Tasks</a:t>
+            </a:r>
+          </a:p>
+          <a:p>
+            <a:pPr lvl="1">
+              <a:spcBef>
+                <a:spcPts val="700"/>
+              </a:spcBef>
+              <a:buFont typeface="Wingdings 3" panose="05040102010807070707" pitchFamily="18" charset="2"/>
+              <a:buChar char=""/>
+            </a:pPr>
+            <a:r>
+              <a:rPr lang="en-GB" altLang="en-US" sz="2800" dirty="0">
                 <a:solidFill>
                   <a:srgbClr val="000000"/>
                 </a:solidFill>
                 <a:latin typeface="Arial" panose="020B0604020202020204" pitchFamily="34" charset="0"/>
               </a:rPr>
-              <a:t>Javascript</a:t>
+              <a:t>Update </a:t>
+            </a:r>
+            <a:r>
+              <a:rPr lang="en-GB" altLang="en-US" sz="2800" dirty="0" err="1">
+                <a:solidFill>
+                  <a:srgbClr val="000000"/>
+                </a:solidFill>
+                <a:latin typeface="Arial" panose="020B0604020202020204" pitchFamily="34" charset="0"/>
+              </a:rPr>
+              <a:t>GitHub</a:t>
+            </a:r>
+            <a:r>
+              <a:rPr lang="en-GB" altLang="en-US" sz="2800" dirty="0">
+                <a:solidFill>
+                  <a:srgbClr val="000000"/>
+                </a:solidFill>
+                <a:latin typeface="Arial" panose="020B0604020202020204" pitchFamily="34" charset="0"/>
+              </a:rPr>
+              <a:t> Account/Webpage</a:t>
+            </a:r>
+          </a:p>
+          <a:p>
+            <a:pPr>
+              <a:spcBef>
+                <a:spcPts val="800"/>
+              </a:spcBef>
+              <a:buFont typeface="Arial" panose="020B0604020202020204" pitchFamily="34" charset="0"/>
+              <a:buBlip>
+                <a:blip r:embed="rId3"/>
+              </a:buBlip>
+            </a:pPr>
+            <a:r>
+              <a:rPr lang="en-GB" altLang="en-US" sz="3200" dirty="0">
+                <a:solidFill>
+                  <a:srgbClr val="000000"/>
+                </a:solidFill>
+                <a:latin typeface="Arial" panose="020B0604020202020204" pitchFamily="34" charset="0"/>
+              </a:rPr>
+              <a:t>Online </a:t>
+            </a:r>
+            <a:r>
+              <a:rPr lang="en-GB" altLang="en-US" sz="3200" dirty="0" smtClean="0">
+                <a:solidFill>
+                  <a:srgbClr val="000000"/>
+                </a:solidFill>
+                <a:latin typeface="Arial" panose="020B0604020202020204" pitchFamily="34" charset="0"/>
+              </a:rPr>
+              <a:t>Quizzes</a:t>
+            </a:r>
+          </a:p>
+          <a:p>
+            <a:pPr>
+              <a:spcBef>
+                <a:spcPts val="800"/>
+              </a:spcBef>
+              <a:buFont typeface="Arial" panose="020B0604020202020204" pitchFamily="34" charset="0"/>
+              <a:buBlip>
+                <a:blip r:embed="rId3"/>
+              </a:buBlip>
+            </a:pPr>
+            <a:r>
+              <a:rPr lang="en-GB" altLang="en-US" sz="3200" dirty="0" smtClean="0">
+                <a:solidFill>
+                  <a:srgbClr val="000000"/>
+                </a:solidFill>
+                <a:latin typeface="Arial" panose="020B0604020202020204" pitchFamily="34" charset="0"/>
+              </a:rPr>
+              <a:t>Crossword Challenge</a:t>
             </a:r>
             <a:endParaRPr lang="en-GB" altLang="en-US" sz="3200" dirty="0">
               <a:solidFill>
@@ -14863,26 +14823,6 @@
               </a:solidFill>
               <a:latin typeface="Arial" panose="020B0604020202020204" pitchFamily="34" charset="0"/>
             </a:endParaRPr>
-          </a:p>
-          <a:p>
-            <a:pPr>
-              <a:spcBef>
-                <a:spcPts val="800"/>
-              </a:spcBef>
-              <a:buFont typeface="Times New Roman" panose="02020603050405020304" pitchFamily="18" charset="0"/>
-              <a:buBlip>
-                <a:blip r:embed="rId3"/>
-              </a:buBlip>
-            </a:pPr>
-            <a:r>
-              <a:rPr lang="en-GB" altLang="en-US" sz="3200" dirty="0">
-                <a:solidFill>
-                  <a:srgbClr val="000000"/>
-                </a:solidFill>
-                <a:latin typeface="Arial" panose="020B0604020202020204" pitchFamily="34" charset="0"/>
-              </a:rPr>
-              <a:t>Hands-On/Practical</a:t>
-            </a:r>
           </a:p>
         </p:txBody>
       </p:sp>
@@ -14941,6 +14881,287 @@
       </p:grpSpPr>
       <p:sp>
         <p:nvSpPr>
+          <p:cNvPr id="2" name="Footer Placeholder 1"/>
+          <p:cNvSpPr>
+            <a:spLocks noGrp="1"/>
+          </p:cNvSpPr>
+          <p:nvPr>
+            <p:ph type="ftr" sz="quarter" idx="11"/>
+          </p:nvPr>
+        </p:nvSpPr>
+        <p:spPr/>
+        <p:txBody>
+          <a:bodyPr/>
+          <a:lstStyle/>
+          <a:p>
+            <a:pPr>
+              <a:defRPr/>
+            </a:pPr>
+            <a:r>
+              <a:rPr lang="en-US" altLang="en-US" smtClean="0"/>
+              <a:t>zjnu</a:t>
+            </a:r>
+            <a:endParaRPr lang="en-US" altLang="en-US"/>
+          </a:p>
+        </p:txBody>
+      </p:sp>
+      <p:sp>
+        <p:nvSpPr>
+          <p:cNvPr id="3" name="Slide Number Placeholder 2"/>
+          <p:cNvSpPr>
+            <a:spLocks noGrp="1"/>
+          </p:cNvSpPr>
+          <p:nvPr>
+            <p:ph type="sldNum" sz="quarter" idx="12"/>
+          </p:nvPr>
+        </p:nvSpPr>
+        <p:spPr/>
+        <p:txBody>
+          <a:bodyPr/>
+          <a:lstStyle/>
+          <a:p>
+            <a:fld id="{850042EC-FAB6-4534-B736-6CA51D2E2736}" type="slidenum">
+              <a:rPr lang="en-US" altLang="en-US" smtClean="0"/>
+              <a:pPr/>
+              <a:t>36</a:t>
+            </a:fld>
+            <a:endParaRPr lang="en-US" altLang="en-US"/>
+          </a:p>
+        </p:txBody>
+      </p:sp>
+      <p:pic>
+        <p:nvPicPr>
+          <p:cNvPr id="1026" name="Picture 2"/>
+          <p:cNvPicPr>
+            <a:picLocks noChangeAspect="1" noChangeArrowheads="1"/>
+          </p:cNvPicPr>
+          <p:nvPr/>
+        </p:nvPicPr>
+        <p:blipFill>
+          <a:blip r:embed="rId2" cstate="print"/>
+          <a:srcRect/>
+          <a:stretch>
+            <a:fillRect/>
+          </a:stretch>
+        </p:blipFill>
+        <p:spPr bwMode="auto">
+          <a:xfrm>
+            <a:off x="0" y="76200"/>
+            <a:ext cx="6153236" cy="6524625"/>
+          </a:xfrm>
+          <a:prstGeom prst="rect">
+            <a:avLst/>
+          </a:prstGeom>
+          <a:noFill/>
+          <a:ln w="9525">
+            <a:noFill/>
+            <a:miter lim="800000"/>
+            <a:headEnd/>
+            <a:tailEnd/>
+          </a:ln>
+        </p:spPr>
+      </p:pic>
+      <p:pic>
+        <p:nvPicPr>
+          <p:cNvPr id="1027" name="Picture 3"/>
+          <p:cNvPicPr>
+            <a:picLocks noChangeAspect="1" noChangeArrowheads="1"/>
+          </p:cNvPicPr>
+          <p:nvPr/>
+        </p:nvPicPr>
+        <p:blipFill>
+          <a:blip r:embed="rId3" cstate="print"/>
+          <a:srcRect/>
+          <a:stretch>
+            <a:fillRect/>
+          </a:stretch>
+        </p:blipFill>
+        <p:spPr bwMode="auto">
+          <a:xfrm>
+            <a:off x="6019800" y="381000"/>
+            <a:ext cx="3051994" cy="2514600"/>
+          </a:xfrm>
+          <a:prstGeom prst="rect">
+            <a:avLst/>
+          </a:prstGeom>
+          <a:noFill/>
+          <a:ln w="9525">
+            <a:noFill/>
+            <a:miter lim="800000"/>
+            <a:headEnd/>
+            <a:tailEnd/>
+          </a:ln>
+        </p:spPr>
+      </p:pic>
+      <p:pic>
+        <p:nvPicPr>
+          <p:cNvPr id="1028" name="Picture 4"/>
+          <p:cNvPicPr>
+            <a:picLocks noChangeAspect="1" noChangeArrowheads="1"/>
+          </p:cNvPicPr>
+          <p:nvPr/>
+        </p:nvPicPr>
+        <p:blipFill>
+          <a:blip r:embed="rId4" cstate="print"/>
+          <a:srcRect/>
+          <a:stretch>
+            <a:fillRect/>
+          </a:stretch>
+        </p:blipFill>
+        <p:spPr bwMode="auto">
+          <a:xfrm>
+            <a:off x="5715000" y="3733800"/>
+            <a:ext cx="3298004" cy="2743200"/>
+          </a:xfrm>
+          <a:prstGeom prst="rect">
+            <a:avLst/>
+          </a:prstGeom>
+          <a:noFill/>
+          <a:ln w="9525">
+            <a:noFill/>
+            <a:miter lim="800000"/>
+            <a:headEnd/>
+            <a:tailEnd/>
+          </a:ln>
+        </p:spPr>
+      </p:pic>
+      <p:sp>
+        <p:nvSpPr>
+          <p:cNvPr id="7" name="TextBox 6"/>
+          <p:cNvSpPr txBox="1"/>
+          <p:nvPr/>
+        </p:nvSpPr>
+        <p:spPr>
+          <a:xfrm>
+            <a:off x="1981200" y="5791200"/>
+            <a:ext cx="3048000" cy="923330"/>
+          </a:xfrm>
+          <a:prstGeom prst="rect">
+            <a:avLst/>
+          </a:prstGeom>
+          <a:noFill/>
+        </p:spPr>
+        <p:txBody>
+          <a:bodyPr wrap="square" rtlCol="0">
+            <a:spAutoFit/>
+          </a:bodyPr>
+          <a:lstStyle/>
+          <a:p>
+            <a:r>
+              <a:rPr lang="en-US" sz="1800" b="1" dirty="0" smtClean="0">
+                <a:solidFill>
+                  <a:srgbClr val="E62D33"/>
+                </a:solidFill>
+              </a:rPr>
+              <a:t>Print out/or copy out your answers and bring them with you for next lesson</a:t>
+            </a:r>
+            <a:endParaRPr lang="en-US" sz="1800" b="1" dirty="0">
+              <a:solidFill>
+                <a:srgbClr val="E62D33"/>
+              </a:solidFill>
+            </a:endParaRPr>
+          </a:p>
+        </p:txBody>
+      </p:sp>
+      <p:sp>
+        <p:nvSpPr>
+          <p:cNvPr id="8" name="Title 1"/>
+          <p:cNvSpPr txBox="1">
+            <a:spLocks/>
+          </p:cNvSpPr>
+          <p:nvPr/>
+        </p:nvSpPr>
+        <p:spPr>
+          <a:xfrm>
+            <a:off x="-381000" y="0"/>
+            <a:ext cx="4038600" cy="1143000"/>
+          </a:xfrm>
+          <a:prstGeom prst="rect">
+            <a:avLst/>
+          </a:prstGeom>
+        </p:spPr>
+        <p:txBody>
+          <a:bodyPr/>
+          <a:lstStyle/>
+          <a:p>
+            <a:pPr marL="0" marR="0" lvl="0" indent="0" algn="r" defTabSz="914400" rtl="0" eaLnBrk="0" fontAlgn="base" latinLnBrk="0" hangingPunct="0">
+              <a:lnSpc>
+                <a:spcPct val="100000"/>
+              </a:lnSpc>
+              <a:spcBef>
+                <a:spcPct val="0"/>
+              </a:spcBef>
+              <a:spcAft>
+                <a:spcPct val="0"/>
+              </a:spcAft>
+              <a:buClrTx/>
+              <a:buSzTx/>
+              <a:buFontTx/>
+              <a:buNone/>
+              <a:tabLst/>
+              <a:defRPr/>
+            </a:pPr>
+            <a:r>
+              <a:rPr kumimoji="0" lang="en-US" sz="3200" b="0" i="0" u="none" strike="noStrike" kern="1200" cap="none" spc="0" normalizeH="0" baseline="0" noProof="0" smtClean="0">
+                <a:ln>
+                  <a:noFill/>
+                </a:ln>
+                <a:solidFill>
+                  <a:srgbClr val="000000"/>
+                </a:solidFill>
+                <a:effectLst/>
+                <a:uLnTx/>
+                <a:uFillTx/>
+                <a:latin typeface="+mj-lt"/>
+                <a:ea typeface="+mj-ea"/>
+                <a:cs typeface="+mj-cs"/>
+              </a:rPr>
+              <a:t>Puzzle to Solve for Next Week</a:t>
+            </a:r>
+            <a:endParaRPr kumimoji="0" lang="en-US" sz="3200" b="0" i="0" u="none" strike="noStrike" kern="1200" cap="none" spc="0" normalizeH="0" baseline="0" noProof="0" dirty="0">
+              <a:ln>
+                <a:noFill/>
+              </a:ln>
+              <a:solidFill>
+                <a:srgbClr val="000000"/>
+              </a:solidFill>
+              <a:effectLst/>
+              <a:uLnTx/>
+              <a:uFillTx/>
+              <a:latin typeface="+mj-lt"/>
+              <a:ea typeface="+mj-ea"/>
+              <a:cs typeface="+mj-cs"/>
+            </a:endParaRPr>
+          </a:p>
+        </p:txBody>
+      </p:sp>
+    </p:spTree>
+  </p:cSld>
+  <p:clrMapOvr>
+    <a:masterClrMapping/>
+  </p:clrMapOvr>
+</p:sld>
+</file>
+
+<file path=ppt/slides/slide37.xml><?xml version="1.0" encoding="utf-8"?>
+<p:sld xmlns:a="http://schemas.openxmlformats.org/drawingml/2006/main" xmlns:r="http://schemas.openxmlformats.org/officeDocument/2006/relationships" xmlns:p="http://schemas.openxmlformats.org/presentationml/2006/main">
+  <p:cSld>
+    <p:spTree>
+      <p:nvGrpSpPr>
+        <p:cNvPr id="1" name=""/>
+        <p:cNvGrpSpPr/>
+        <p:nvPr/>
+      </p:nvGrpSpPr>
+      <p:grpSpPr>
+        <a:xfrm>
+          <a:off x="0" y="0"/>
+          <a:ext cx="0" cy="0"/>
+          <a:chOff x="0" y="0"/>
+          <a:chExt cx="0" cy="0"/>
+        </a:xfrm>
+      </p:grpSpPr>
+      <p:sp>
+        <p:nvSpPr>
           <p:cNvPr id="27650" name="Text Box 1"/>
           <p:cNvSpPr txBox="1">
             <a:spLocks noChangeArrowheads="1"/>
@@ -14961,14 +15182,14 @@
           </a:ln>
           <a:extLst>
             <a:ext uri="{909E8E84-426E-40DD-AFC4-6F175D3DCCD1}">
-              <a14:hiddenFill xmlns="" xmlns:a14="http://schemas.microsoft.com/office/drawing/2010/main">
+              <a14:hiddenFill xmlns:a14="http://schemas.microsoft.com/office/drawing/2010/main" xmlns="">
                 <a:solidFill>
                   <a:srgbClr val="FFFFFF"/>
                 </a:solidFill>
               </a14:hiddenFill>
             </a:ext>
             <a:ext uri="{91240B29-F687-4F45-9708-019B960494DF}">
-              <a14:hiddenLine xmlns="" xmlns:a14="http://schemas.microsoft.com/office/drawing/2010/main" w="9525">
+              <a14:hiddenLine xmlns:a14="http://schemas.microsoft.com/office/drawing/2010/main" xmlns="" w="9525">
                 <a:solidFill>
                   <a:srgbClr val="000000"/>
                 </a:solidFill>
@@ -15241,14 +15462,14 @@
           </a:ln>
           <a:extLst>
             <a:ext uri="{909E8E84-426E-40DD-AFC4-6F175D3DCCD1}">
-              <a14:hiddenFill xmlns="" xmlns:a14="http://schemas.microsoft.com/office/drawing/2010/main">
+              <a14:hiddenFill xmlns:a14="http://schemas.microsoft.com/office/drawing/2010/main" xmlns="">
                 <a:solidFill>
                   <a:srgbClr val="FFFFFF"/>
                 </a:solidFill>
               </a14:hiddenFill>
             </a:ext>
             <a:ext uri="{91240B29-F687-4F45-9708-019B960494DF}">
-              <a14:hiddenLine xmlns="" xmlns:a14="http://schemas.microsoft.com/office/drawing/2010/main" w="9525">
+              <a14:hiddenLine xmlns:a14="http://schemas.microsoft.com/office/drawing/2010/main" xmlns="" w="9525">
                 <a:solidFill>
                   <a:srgbClr val="000000"/>
                 </a:solidFill>
@@ -15400,7 +15621,7 @@
 </p:sld>
 </file>
 
-<file path=ppt/slides/slide37.xml><?xml version="1.0" encoding="utf-8"?>
+<file path=ppt/slides/slide38.xml><?xml version="1.0" encoding="utf-8"?>
 <p:sld xmlns:a="http://schemas.openxmlformats.org/drawingml/2006/main" xmlns:r="http://schemas.openxmlformats.org/officeDocument/2006/relationships" xmlns:p="http://schemas.openxmlformats.org/presentationml/2006/main">
   <p:cSld>
     <p:spTree>
@@ -15532,7 +15753,7 @@
 </p:sld>
 </file>
 
-<file path=ppt/slides/slide38.xml><?xml version="1.0" encoding="utf-8"?>
+<file path=ppt/slides/slide39.xml><?xml version="1.0" encoding="utf-8"?>
 <p:sld xmlns:a="http://schemas.openxmlformats.org/drawingml/2006/main" xmlns:r="http://schemas.openxmlformats.org/officeDocument/2006/relationships" xmlns:p="http://schemas.openxmlformats.org/presentationml/2006/main">
   <p:cSld>
     <p:spTree>
@@ -15571,14 +15792,14 @@
           </a:ln>
           <a:extLst>
             <a:ext uri="{909E8E84-426E-40DD-AFC4-6F175D3DCCD1}">
-              <a14:hiddenFill xmlns="" xmlns:a14="http://schemas.microsoft.com/office/drawing/2010/main">
+              <a14:hiddenFill xmlns:a14="http://schemas.microsoft.com/office/drawing/2010/main" xmlns="">
                 <a:solidFill>
                   <a:srgbClr val="FFFFFF"/>
                 </a:solidFill>
               </a14:hiddenFill>
             </a:ext>
             <a:ext uri="{91240B29-F687-4F45-9708-019B960494DF}">
-              <a14:hiddenLine xmlns="" xmlns:a14="http://schemas.microsoft.com/office/drawing/2010/main" w="9525">
+              <a14:hiddenLine xmlns:a14="http://schemas.microsoft.com/office/drawing/2010/main" xmlns="" w="9525">
                 <a:solidFill>
                   <a:srgbClr val="000000"/>
                 </a:solidFill>
@@ -15716,14 +15937,14 @@
           </a:ln>
           <a:extLst>
             <a:ext uri="{909E8E84-426E-40DD-AFC4-6F175D3DCCD1}">
-              <a14:hiddenFill xmlns="" xmlns:a14="http://schemas.microsoft.com/office/drawing/2010/main">
+              <a14:hiddenFill xmlns:a14="http://schemas.microsoft.com/office/drawing/2010/main" xmlns="">
                 <a:solidFill>
                   <a:srgbClr val="FFFFFF"/>
                 </a:solidFill>
               </a14:hiddenFill>
             </a:ext>
             <a:ext uri="{91240B29-F687-4F45-9708-019B960494DF}">
-              <a14:hiddenLine xmlns="" xmlns:a14="http://schemas.microsoft.com/office/drawing/2010/main" w="9525">
+              <a14:hiddenLine xmlns:a14="http://schemas.microsoft.com/office/drawing/2010/main" xmlns="" w="9525">
                 <a:solidFill>
                   <a:srgbClr val="000000"/>
                 </a:solidFill>
@@ -15851,7 +16072,7 @@
           <a:blip r:embed="rId3" cstate="print">
             <a:extLst>
               <a:ext uri="{28A0092B-C50C-407E-A947-70E740481C1C}">
-                <a14:useLocalDpi xmlns="" xmlns:a14="http://schemas.microsoft.com/office/drawing/2010/main" val="0"/>
+                <a14:useLocalDpi xmlns:a14="http://schemas.microsoft.com/office/drawing/2010/main" xmlns="" val="0"/>
               </a:ext>
             </a:extLst>
           </a:blip>
@@ -15874,14 +16095,14 @@
           </a:ln>
           <a:extLst>
             <a:ext uri="{909E8E84-426E-40DD-AFC4-6F175D3DCCD1}">
-              <a14:hiddenFill xmlns="" xmlns:a14="http://schemas.microsoft.com/office/drawing/2010/main">
+              <a14:hiddenFill xmlns:a14="http://schemas.microsoft.com/office/drawing/2010/main" xmlns="">
                 <a:solidFill>
                   <a:srgbClr val="FFFFFF"/>
                 </a:solidFill>
               </a14:hiddenFill>
             </a:ext>
             <a:ext uri="{91240B29-F687-4F45-9708-019B960494DF}">
-              <a14:hiddenLine xmlns="" xmlns:a14="http://schemas.microsoft.com/office/drawing/2010/main" w="9525">
+              <a14:hiddenLine xmlns:a14="http://schemas.microsoft.com/office/drawing/2010/main" xmlns="" w="9525">
                 <a:solidFill>
                   <a:srgbClr val="000000"/>
                 </a:solidFill>
@@ -16035,7 +16256,7 @@
           <a:blip r:embed="rId2" cstate="print">
             <a:extLst>
               <a:ext uri="{28A0092B-C50C-407E-A947-70E740481C1C}">
-                <a14:useLocalDpi xmlns="" xmlns:a14="http://schemas.microsoft.com/office/drawing/2010/main" val="0"/>
+                <a14:useLocalDpi xmlns:a14="http://schemas.microsoft.com/office/drawing/2010/main" xmlns="" val="0"/>
               </a:ext>
             </a:extLst>
           </a:blip>
@@ -16058,14 +16279,14 @@
           </a:ln>
           <a:extLst>
             <a:ext uri="{909E8E84-426E-40DD-AFC4-6F175D3DCCD1}">
-              <a14:hiddenFill xmlns="" xmlns:a14="http://schemas.microsoft.com/office/drawing/2010/main">
+              <a14:hiddenFill xmlns:a14="http://schemas.microsoft.com/office/drawing/2010/main" xmlns="">
                 <a:solidFill>
                   <a:srgbClr val="FFFFFF"/>
                 </a:solidFill>
               </a14:hiddenFill>
             </a:ext>
             <a:ext uri="{91240B29-F687-4F45-9708-019B960494DF}">
-              <a14:hiddenLine xmlns="" xmlns:a14="http://schemas.microsoft.com/office/drawing/2010/main" w="9525">
+              <a14:hiddenLine xmlns:a14="http://schemas.microsoft.com/office/drawing/2010/main" xmlns="" w="9525">
                 <a:solidFill>
                   <a:srgbClr val="000000"/>
                 </a:solidFill>
@@ -16260,7 +16481,7 @@
           <a:blip r:embed="rId2" cstate="print">
             <a:extLst>
               <a:ext uri="{28A0092B-C50C-407E-A947-70E740481C1C}">
-                <a14:useLocalDpi xmlns="" xmlns:a14="http://schemas.microsoft.com/office/drawing/2010/main" val="0"/>
+                <a14:useLocalDpi xmlns:a14="http://schemas.microsoft.com/office/drawing/2010/main" xmlns="" val="0"/>
               </a:ext>
             </a:extLst>
           </a:blip>
@@ -16283,14 +16504,14 @@
           </a:ln>
           <a:extLst>
             <a:ext uri="{909E8E84-426E-40DD-AFC4-6F175D3DCCD1}">
-              <a14:hiddenFill xmlns="" xmlns:a14="http://schemas.microsoft.com/office/drawing/2010/main">
+              <a14:hiddenFill xmlns:a14="http://schemas.microsoft.com/office/drawing/2010/main" xmlns="">
                 <a:solidFill>
                   <a:srgbClr val="FFFFFF"/>
                 </a:solidFill>
               </a14:hiddenFill>
             </a:ext>
             <a:ext uri="{91240B29-F687-4F45-9708-019B960494DF}">
-              <a14:hiddenLine xmlns="" xmlns:a14="http://schemas.microsoft.com/office/drawing/2010/main" w="9525">
+              <a14:hiddenLine xmlns:a14="http://schemas.microsoft.com/office/drawing/2010/main" xmlns="" w="9525">
                 <a:solidFill>
                   <a:srgbClr val="000000"/>
                 </a:solidFill>
@@ -16314,7 +16535,7 @@
           <a:blip r:embed="rId3" cstate="print">
             <a:extLst>
               <a:ext uri="{28A0092B-C50C-407E-A947-70E740481C1C}">
-                <a14:useLocalDpi xmlns="" xmlns:a14="http://schemas.microsoft.com/office/drawing/2010/main" val="0"/>
+                <a14:useLocalDpi xmlns:a14="http://schemas.microsoft.com/office/drawing/2010/main" xmlns="" val="0"/>
               </a:ext>
             </a:extLst>
           </a:blip>
@@ -16337,14 +16558,14 @@
           </a:ln>
           <a:extLst>
             <a:ext uri="{909E8E84-426E-40DD-AFC4-6F175D3DCCD1}">
-              <a14:hiddenFill xmlns="" xmlns:a14="http://schemas.microsoft.com/office/drawing/2010/main">
+              <a14:hiddenFill xmlns:a14="http://schemas.microsoft.com/office/drawing/2010/main" xmlns="">
                 <a:solidFill>
                   <a:srgbClr val="FFFFFF"/>
                 </a:solidFill>
               </a14:hiddenFill>
             </a:ext>
             <a:ext uri="{91240B29-F687-4F45-9708-019B960494DF}">
-              <a14:hiddenLine xmlns="" xmlns:a14="http://schemas.microsoft.com/office/drawing/2010/main" w="9525">
+              <a14:hiddenLine xmlns:a14="http://schemas.microsoft.com/office/drawing/2010/main" xmlns="" w="9525">
                 <a:solidFill>
                   <a:srgbClr val="000000"/>
                 </a:solidFill>
@@ -16500,7 +16721,7 @@
           <a:blip r:embed="rId3" cstate="print">
             <a:extLst>
               <a:ext uri="{28A0092B-C50C-407E-A947-70E740481C1C}">
-                <a14:useLocalDpi xmlns="" xmlns:a14="http://schemas.microsoft.com/office/drawing/2010/main" val="0"/>
+                <a14:useLocalDpi xmlns:a14="http://schemas.microsoft.com/office/drawing/2010/main" xmlns="" val="0"/>
               </a:ext>
             </a:extLst>
           </a:blip>
@@ -16523,14 +16744,14 @@
           </a:ln>
           <a:extLst>
             <a:ext uri="{909E8E84-426E-40DD-AFC4-6F175D3DCCD1}">
-              <a14:hiddenFill xmlns="" xmlns:a14="http://schemas.microsoft.com/office/drawing/2010/main">
+              <a14:hiddenFill xmlns:a14="http://schemas.microsoft.com/office/drawing/2010/main" xmlns="">
                 <a:solidFill>
                   <a:srgbClr val="FFFFFF"/>
                 </a:solidFill>
               </a14:hiddenFill>
             </a:ext>
             <a:ext uri="{91240B29-F687-4F45-9708-019B960494DF}">
-              <a14:hiddenLine xmlns="" xmlns:a14="http://schemas.microsoft.com/office/drawing/2010/main" w="9525">
+              <a14:hiddenLine xmlns:a14="http://schemas.microsoft.com/office/drawing/2010/main" xmlns="" w="9525">
                 <a:solidFill>
                   <a:srgbClr val="000000"/>
                 </a:solidFill>
@@ -16589,14 +16810,14 @@
           </a:ln>
           <a:extLst>
             <a:ext uri="{909E8E84-426E-40DD-AFC4-6F175D3DCCD1}">
-              <a14:hiddenFill xmlns="" xmlns:a14="http://schemas.microsoft.com/office/drawing/2010/main">
+              <a14:hiddenFill xmlns:a14="http://schemas.microsoft.com/office/drawing/2010/main" xmlns="">
                 <a:solidFill>
                   <a:srgbClr val="FFFFFF"/>
                 </a:solidFill>
               </a14:hiddenFill>
             </a:ext>
             <a:ext uri="{91240B29-F687-4F45-9708-019B960494DF}">
-              <a14:hiddenLine xmlns="" xmlns:a14="http://schemas.microsoft.com/office/drawing/2010/main" w="9525">
+              <a14:hiddenLine xmlns:a14="http://schemas.microsoft.com/office/drawing/2010/main" xmlns="" w="9525">
                 <a:solidFill>
                   <a:srgbClr val="000000"/>
                 </a:solidFill>
@@ -16875,14 +17096,14 @@
           </a:ln>
           <a:extLst>
             <a:ext uri="{909E8E84-426E-40DD-AFC4-6F175D3DCCD1}">
-              <a14:hiddenFill xmlns="" xmlns:a14="http://schemas.microsoft.com/office/drawing/2010/main">
+              <a14:hiddenFill xmlns:a14="http://schemas.microsoft.com/office/drawing/2010/main" xmlns="">
                 <a:solidFill>
                   <a:srgbClr val="FFFFFF"/>
                 </a:solidFill>
               </a14:hiddenFill>
             </a:ext>
             <a:ext uri="{91240B29-F687-4F45-9708-019B960494DF}">
-              <a14:hiddenLine xmlns="" xmlns:a14="http://schemas.microsoft.com/office/drawing/2010/main" w="9525">
+              <a14:hiddenLine xmlns:a14="http://schemas.microsoft.com/office/drawing/2010/main" xmlns="" w="9525">
                 <a:solidFill>
                   <a:srgbClr val="000000"/>
                 </a:solidFill>
@@ -17612,14 +17833,14 @@
           </a:ln>
           <a:extLst>
             <a:ext uri="{909E8E84-426E-40DD-AFC4-6F175D3DCCD1}">
-              <a14:hiddenFill xmlns="" xmlns:a14="http://schemas.microsoft.com/office/drawing/2010/main">
+              <a14:hiddenFill xmlns:a14="http://schemas.microsoft.com/office/drawing/2010/main" xmlns="">
                 <a:solidFill>
                   <a:srgbClr val="FFFFFF"/>
                 </a:solidFill>
               </a14:hiddenFill>
             </a:ext>
             <a:ext uri="{91240B29-F687-4F45-9708-019B960494DF}">
-              <a14:hiddenLine xmlns="" xmlns:a14="http://schemas.microsoft.com/office/drawing/2010/main" w="9525">
+              <a14:hiddenLine xmlns:a14="http://schemas.microsoft.com/office/drawing/2010/main" xmlns="" w="9525">
                 <a:solidFill>
                   <a:srgbClr val="000000"/>
                 </a:solidFill>
@@ -19085,7 +19306,7 @@
   </a:extraClrSchemeLst>
   <a:extLst>
     <a:ext uri="{05A4C25C-085E-4340-85A3-A5531E510DB2}">
-      <thm15:themeFamily xmlns="" xmlns:thm15="http://schemas.microsoft.com/office/thememl/2012/main" name="Office Theme" id="{62F939B6-93AF-4DB8-9C6B-D6C7DFDC589F}" vid="{4A3C46E8-61CC-4603-A589-7422A47A8E4A}"/>
+      <thm15:themeFamily xmlns:thm15="http://schemas.microsoft.com/office/thememl/2012/main" xmlns="" name="Office Theme" id="{62F939B6-93AF-4DB8-9C6B-D6C7DFDC589F}" vid="{4A3C46E8-61CC-4603-A589-7422A47A8E4A}"/>
     </a:ext>
   </a:extLst>
 </a:theme>
@@ -19346,7 +19567,7 @@
   <a:extraClrSchemeLst/>
   <a:extLst>
     <a:ext uri="{05A4C25C-085E-4340-85A3-A5531E510DB2}">
-      <thm15:themeFamily xmlns="" xmlns:thm15="http://schemas.microsoft.com/office/thememl/2012/main" name="Office Theme" id="{62F939B6-93AF-4DB8-9C6B-D6C7DFDC589F}" vid="{4A3C46E8-61CC-4603-A589-7422A47A8E4A}"/>
+      <thm15:themeFamily xmlns:thm15="http://schemas.microsoft.com/office/thememl/2012/main" xmlns="" name="Office Theme" id="{62F939B6-93AF-4DB8-9C6B-D6C7DFDC589F}" vid="{4A3C46E8-61CC-4603-A589-7422A47A8E4A}"/>
     </a:ext>
   </a:extLst>
 </a:theme>
